--- a/01/DATA515_01_Introduction.pptx
+++ b/01/DATA515_01_Introduction.pptx
@@ -7924,7 +7924,7 @@
             </a:pPr>
             <a:r>
               <a:rPr lang="en"/>
-              <a:t>January 3, 2023</a:t>
+              <a:t>January 4, 2024</a:t>
             </a:r>
             <a:endParaRPr/>
           </a:p>
@@ -13191,6 +13191,285 @@
 </file>
 
 <file path=ppt/theme/theme1.xml><?xml version="1.0" encoding="utf-8"?>
+<a:theme xmlns:a="http://schemas.openxmlformats.org/drawingml/2006/main" xmlns:r="http://schemas.openxmlformats.org/officeDocument/2006/relationships">
+  <a:themeElements>
+    <a:clrScheme name="Default">
+      <a:dk1>
+        <a:srgbClr val="000000"/>
+      </a:dk1>
+      <a:lt1>
+        <a:srgbClr val="FFFFFF"/>
+      </a:lt1>
+      <a:dk2>
+        <a:srgbClr val="158158"/>
+      </a:dk2>
+      <a:lt2>
+        <a:srgbClr val="F3F3F3"/>
+      </a:lt2>
+      <a:accent1>
+        <a:srgbClr val="058DC7"/>
+      </a:accent1>
+      <a:accent2>
+        <a:srgbClr val="50B432"/>
+      </a:accent2>
+      <a:accent3>
+        <a:srgbClr val="ED561B"/>
+      </a:accent3>
+      <a:accent4>
+        <a:srgbClr val="EDEF00"/>
+      </a:accent4>
+      <a:accent5>
+        <a:srgbClr val="24CBE5"/>
+      </a:accent5>
+      <a:accent6>
+        <a:srgbClr val="64E572"/>
+      </a:accent6>
+      <a:hlink>
+        <a:srgbClr val="2200CC"/>
+      </a:hlink>
+      <a:folHlink>
+        <a:srgbClr val="551A8B"/>
+      </a:folHlink>
+    </a:clrScheme>
+    <a:fontScheme name="Office">
+      <a:majorFont>
+        <a:latin typeface="Arial"/>
+        <a:ea typeface=""/>
+        <a:cs typeface=""/>
+        <a:font script="Jpan" typeface="ＭＳ Ｐゴシック"/>
+        <a:font script="Hang" typeface="맑은 고딕"/>
+        <a:font script="Hans" typeface="宋体"/>
+        <a:font script="Hant" typeface="新細明體"/>
+        <a:font script="Arab" typeface="Times New Roman"/>
+        <a:font script="Hebr" typeface="Times New Roman"/>
+        <a:font script="Thai" typeface="Angsana New"/>
+        <a:font script="Ethi" typeface="Nyala"/>
+        <a:font script="Beng" typeface="Vrinda"/>
+        <a:font script="Gujr" typeface="Shruti"/>
+        <a:font script="Khmr" typeface="MoolBoran"/>
+        <a:font script="Knda" typeface="Tunga"/>
+        <a:font script="Guru" typeface="Raavi"/>
+        <a:font script="Cans" typeface="Euphemia"/>
+        <a:font script="Cher" typeface="Plantagenet Cherokee"/>
+        <a:font script="Yiii" typeface="Microsoft Yi Baiti"/>
+        <a:font script="Tibt" typeface="Microsoft Himalaya"/>
+        <a:font script="Thaa" typeface="MV Boli"/>
+        <a:font script="Deva" typeface="Mangal"/>
+        <a:font script="Telu" typeface="Gautami"/>
+        <a:font script="Taml" typeface="Latha"/>
+        <a:font script="Syrc" typeface="Estrangelo Edessa"/>
+        <a:font script="Orya" typeface="Kalinga"/>
+        <a:font script="Mlym" typeface="Kartika"/>
+        <a:font script="Laoo" typeface="DokChampa"/>
+        <a:font script="Sinh" typeface="Iskoola Pota"/>
+        <a:font script="Mong" typeface="Mongolian Baiti"/>
+        <a:font script="Viet" typeface="Times New Roman"/>
+        <a:font script="Uigh" typeface="Microsoft Uighur"/>
+        <a:font script="Geor" typeface="Sylfaen"/>
+      </a:majorFont>
+      <a:minorFont>
+        <a:latin typeface="Arial"/>
+        <a:ea typeface=""/>
+        <a:cs typeface=""/>
+        <a:font script="Jpan" typeface="ＭＳ Ｐゴシック"/>
+        <a:font script="Hang" typeface="맑은 고딕"/>
+        <a:font script="Hans" typeface="宋体"/>
+        <a:font script="Hant" typeface="新細明體"/>
+        <a:font script="Arab" typeface="Arial"/>
+        <a:font script="Hebr" typeface="Arial"/>
+        <a:font script="Thai" typeface="Cordia New"/>
+        <a:font script="Ethi" typeface="Nyala"/>
+        <a:font script="Beng" typeface="Vrinda"/>
+        <a:font script="Gujr" typeface="Shruti"/>
+        <a:font script="Khmr" typeface="DaunPenh"/>
+        <a:font script="Knda" typeface="Tunga"/>
+        <a:font script="Guru" typeface="Raavi"/>
+        <a:font script="Cans" typeface="Euphemia"/>
+        <a:font script="Cher" typeface="Plantagenet Cherokee"/>
+        <a:font script="Yiii" typeface="Microsoft Yi Baiti"/>
+        <a:font script="Tibt" typeface="Microsoft Himalaya"/>
+        <a:font script="Thaa" typeface="MV Boli"/>
+        <a:font script="Deva" typeface="Mangal"/>
+        <a:font script="Telu" typeface="Gautami"/>
+        <a:font script="Taml" typeface="Latha"/>
+        <a:font script="Syrc" typeface="Estrangelo Edessa"/>
+        <a:font script="Orya" typeface="Kalinga"/>
+        <a:font script="Mlym" typeface="Kartika"/>
+        <a:font script="Laoo" typeface="DokChampa"/>
+        <a:font script="Sinh" typeface="Iskoola Pota"/>
+        <a:font script="Mong" typeface="Mongolian Baiti"/>
+        <a:font script="Viet" typeface="Arial"/>
+        <a:font script="Uigh" typeface="Microsoft Uighur"/>
+        <a:font script="Geor" typeface="Sylfaen"/>
+      </a:minorFont>
+    </a:fontScheme>
+    <a:fmtScheme name="Office">
+      <a:fillStyleLst>
+        <a:solidFill>
+          <a:schemeClr val="phClr"/>
+        </a:solidFill>
+        <a:gradFill rotWithShape="1">
+          <a:gsLst>
+            <a:gs pos="0">
+              <a:schemeClr val="phClr">
+                <a:tint val="50000"/>
+                <a:satMod val="300000"/>
+              </a:schemeClr>
+            </a:gs>
+            <a:gs pos="35000">
+              <a:schemeClr val="phClr">
+                <a:tint val="37000"/>
+                <a:satMod val="300000"/>
+              </a:schemeClr>
+            </a:gs>
+            <a:gs pos="100000">
+              <a:schemeClr val="phClr">
+                <a:tint val="15000"/>
+                <a:satMod val="350000"/>
+              </a:schemeClr>
+            </a:gs>
+          </a:gsLst>
+          <a:lin ang="16200000" scaled="1"/>
+        </a:gradFill>
+        <a:gradFill rotWithShape="1">
+          <a:gsLst>
+            <a:gs pos="0">
+              <a:schemeClr val="phClr">
+                <a:tint val="100000"/>
+                <a:shade val="100000"/>
+                <a:satMod val="130000"/>
+              </a:schemeClr>
+            </a:gs>
+            <a:gs pos="100000">
+              <a:schemeClr val="phClr">
+                <a:tint val="50000"/>
+                <a:shade val="100000"/>
+                <a:satMod val="350000"/>
+              </a:schemeClr>
+            </a:gs>
+          </a:gsLst>
+          <a:lin ang="16200000" scaled="0"/>
+        </a:gradFill>
+      </a:fillStyleLst>
+      <a:lnStyleLst>
+        <a:ln w="9525" cap="flat" cmpd="sng" algn="ctr">
+          <a:solidFill>
+            <a:schemeClr val="phClr">
+              <a:shade val="95000"/>
+              <a:satMod val="105000"/>
+            </a:schemeClr>
+          </a:solidFill>
+          <a:prstDash val="solid"/>
+        </a:ln>
+        <a:ln w="25400" cap="flat" cmpd="sng" algn="ctr">
+          <a:solidFill>
+            <a:schemeClr val="phClr"/>
+          </a:solidFill>
+          <a:prstDash val="solid"/>
+        </a:ln>
+        <a:ln w="38100" cap="flat" cmpd="sng" algn="ctr">
+          <a:solidFill>
+            <a:schemeClr val="phClr"/>
+          </a:solidFill>
+          <a:prstDash val="solid"/>
+        </a:ln>
+      </a:lnStyleLst>
+      <a:effectStyleLst>
+        <a:effectStyle>
+          <a:effectLst>
+            <a:outerShdw blurRad="40000" dist="20000" dir="5400000" rotWithShape="0">
+              <a:srgbClr val="000000">
+                <a:alpha val="38000"/>
+              </a:srgbClr>
+            </a:outerShdw>
+          </a:effectLst>
+        </a:effectStyle>
+        <a:effectStyle>
+          <a:effectLst>
+            <a:outerShdw blurRad="40000" dist="23000" dir="5400000" rotWithShape="0">
+              <a:srgbClr val="000000">
+                <a:alpha val="35000"/>
+              </a:srgbClr>
+            </a:outerShdw>
+          </a:effectLst>
+        </a:effectStyle>
+        <a:effectStyle>
+          <a:effectLst>
+            <a:outerShdw blurRad="40000" dist="23000" dir="5400000" rotWithShape="0">
+              <a:srgbClr val="000000">
+                <a:alpha val="35000"/>
+              </a:srgbClr>
+            </a:outerShdw>
+          </a:effectLst>
+          <a:scene3d>
+            <a:camera prst="orthographicFront">
+              <a:rot lat="0" lon="0" rev="0"/>
+            </a:camera>
+            <a:lightRig rig="threePt" dir="t">
+              <a:rot lat="0" lon="0" rev="1200000"/>
+            </a:lightRig>
+          </a:scene3d>
+          <a:sp3d>
+            <a:bevelT w="63500" h="25400"/>
+          </a:sp3d>
+        </a:effectStyle>
+      </a:effectStyleLst>
+      <a:bgFillStyleLst>
+        <a:solidFill>
+          <a:schemeClr val="phClr"/>
+        </a:solidFill>
+        <a:gradFill rotWithShape="1">
+          <a:gsLst>
+            <a:gs pos="0">
+              <a:schemeClr val="phClr">
+                <a:tint val="40000"/>
+                <a:satMod val="350000"/>
+              </a:schemeClr>
+            </a:gs>
+            <a:gs pos="40000">
+              <a:schemeClr val="phClr">
+                <a:tint val="45000"/>
+                <a:shade val="99000"/>
+                <a:satMod val="350000"/>
+              </a:schemeClr>
+            </a:gs>
+            <a:gs pos="100000">
+              <a:schemeClr val="phClr">
+                <a:shade val="20000"/>
+                <a:satMod val="255000"/>
+              </a:schemeClr>
+            </a:gs>
+          </a:gsLst>
+          <a:path path="circle">
+            <a:fillToRect l="50000" t="-80000" r="50000" b="180000"/>
+          </a:path>
+        </a:gradFill>
+        <a:gradFill rotWithShape="1">
+          <a:gsLst>
+            <a:gs pos="0">
+              <a:schemeClr val="phClr">
+                <a:tint val="80000"/>
+                <a:satMod val="300000"/>
+              </a:schemeClr>
+            </a:gs>
+            <a:gs pos="100000">
+              <a:schemeClr val="phClr">
+                <a:shade val="30000"/>
+                <a:satMod val="200000"/>
+              </a:schemeClr>
+            </a:gs>
+          </a:gsLst>
+          <a:path path="circle">
+            <a:fillToRect l="50000" t="50000" r="50000" b="50000"/>
+          </a:path>
+        </a:gradFill>
+      </a:bgFillStyleLst>
+    </a:fmtScheme>
+  </a:themeElements>
+</a:theme>
+</file>
+
+<file path=ppt/theme/theme2.xml><?xml version="1.0" encoding="utf-8"?>
 <a:theme xmlns:a="http://schemas.openxmlformats.org/drawingml/2006/main" xmlns:r="http://schemas.openxmlformats.org/officeDocument/2006/relationships" name="Simple Light">
   <a:themeElements>
     <a:clrScheme name="Simple Light">
@@ -13467,283 +13746,4 @@
     </a:fmtScheme>
   </a:themeElements>
 </a:theme>
-</file>
-
-<file path=ppt/theme/theme2.xml><?xml version="1.0" encoding="utf-8"?>
-<a:theme xmlns:a="http://schemas.openxmlformats.org/drawingml/2006/main" xmlns:r="http://schemas.openxmlformats.org/officeDocument/2006/relationships">
-  <a:themeElements>
-    <a:clrScheme name="Default">
-      <a:dk1>
-        <a:srgbClr val="000000"/>
-      </a:dk1>
-      <a:lt1>
-        <a:srgbClr val="FFFFFF"/>
-      </a:lt1>
-      <a:dk2>
-        <a:srgbClr val="158158"/>
-      </a:dk2>
-      <a:lt2>
-        <a:srgbClr val="F3F3F3"/>
-      </a:lt2>
-      <a:accent1>
-        <a:srgbClr val="058DC7"/>
-      </a:accent1>
-      <a:accent2>
-        <a:srgbClr val="50B432"/>
-      </a:accent2>
-      <a:accent3>
-        <a:srgbClr val="ED561B"/>
-      </a:accent3>
-      <a:accent4>
-        <a:srgbClr val="EDEF00"/>
-      </a:accent4>
-      <a:accent5>
-        <a:srgbClr val="24CBE5"/>
-      </a:accent5>
-      <a:accent6>
-        <a:srgbClr val="64E572"/>
-      </a:accent6>
-      <a:hlink>
-        <a:srgbClr val="2200CC"/>
-      </a:hlink>
-      <a:folHlink>
-        <a:srgbClr val="551A8B"/>
-      </a:folHlink>
-    </a:clrScheme>
-    <a:fontScheme name="Office">
-      <a:majorFont>
-        <a:latin typeface="Arial"/>
-        <a:ea typeface=""/>
-        <a:cs typeface=""/>
-        <a:font script="Jpan" typeface="ＭＳ Ｐゴシック"/>
-        <a:font script="Hang" typeface="맑은 고딕"/>
-        <a:font script="Hans" typeface="宋体"/>
-        <a:font script="Hant" typeface="新細明體"/>
-        <a:font script="Arab" typeface="Times New Roman"/>
-        <a:font script="Hebr" typeface="Times New Roman"/>
-        <a:font script="Thai" typeface="Angsana New"/>
-        <a:font script="Ethi" typeface="Nyala"/>
-        <a:font script="Beng" typeface="Vrinda"/>
-        <a:font script="Gujr" typeface="Shruti"/>
-        <a:font script="Khmr" typeface="MoolBoran"/>
-        <a:font script="Knda" typeface="Tunga"/>
-        <a:font script="Guru" typeface="Raavi"/>
-        <a:font script="Cans" typeface="Euphemia"/>
-        <a:font script="Cher" typeface="Plantagenet Cherokee"/>
-        <a:font script="Yiii" typeface="Microsoft Yi Baiti"/>
-        <a:font script="Tibt" typeface="Microsoft Himalaya"/>
-        <a:font script="Thaa" typeface="MV Boli"/>
-        <a:font script="Deva" typeface="Mangal"/>
-        <a:font script="Telu" typeface="Gautami"/>
-        <a:font script="Taml" typeface="Latha"/>
-        <a:font script="Syrc" typeface="Estrangelo Edessa"/>
-        <a:font script="Orya" typeface="Kalinga"/>
-        <a:font script="Mlym" typeface="Kartika"/>
-        <a:font script="Laoo" typeface="DokChampa"/>
-        <a:font script="Sinh" typeface="Iskoola Pota"/>
-        <a:font script="Mong" typeface="Mongolian Baiti"/>
-        <a:font script="Viet" typeface="Times New Roman"/>
-        <a:font script="Uigh" typeface="Microsoft Uighur"/>
-        <a:font script="Geor" typeface="Sylfaen"/>
-      </a:majorFont>
-      <a:minorFont>
-        <a:latin typeface="Arial"/>
-        <a:ea typeface=""/>
-        <a:cs typeface=""/>
-        <a:font script="Jpan" typeface="ＭＳ Ｐゴシック"/>
-        <a:font script="Hang" typeface="맑은 고딕"/>
-        <a:font script="Hans" typeface="宋体"/>
-        <a:font script="Hant" typeface="新細明體"/>
-        <a:font script="Arab" typeface="Arial"/>
-        <a:font script="Hebr" typeface="Arial"/>
-        <a:font script="Thai" typeface="Cordia New"/>
-        <a:font script="Ethi" typeface="Nyala"/>
-        <a:font script="Beng" typeface="Vrinda"/>
-        <a:font script="Gujr" typeface="Shruti"/>
-        <a:font script="Khmr" typeface="DaunPenh"/>
-        <a:font script="Knda" typeface="Tunga"/>
-        <a:font script="Guru" typeface="Raavi"/>
-        <a:font script="Cans" typeface="Euphemia"/>
-        <a:font script="Cher" typeface="Plantagenet Cherokee"/>
-        <a:font script="Yiii" typeface="Microsoft Yi Baiti"/>
-        <a:font script="Tibt" typeface="Microsoft Himalaya"/>
-        <a:font script="Thaa" typeface="MV Boli"/>
-        <a:font script="Deva" typeface="Mangal"/>
-        <a:font script="Telu" typeface="Gautami"/>
-        <a:font script="Taml" typeface="Latha"/>
-        <a:font script="Syrc" typeface="Estrangelo Edessa"/>
-        <a:font script="Orya" typeface="Kalinga"/>
-        <a:font script="Mlym" typeface="Kartika"/>
-        <a:font script="Laoo" typeface="DokChampa"/>
-        <a:font script="Sinh" typeface="Iskoola Pota"/>
-        <a:font script="Mong" typeface="Mongolian Baiti"/>
-        <a:font script="Viet" typeface="Arial"/>
-        <a:font script="Uigh" typeface="Microsoft Uighur"/>
-        <a:font script="Geor" typeface="Sylfaen"/>
-      </a:minorFont>
-    </a:fontScheme>
-    <a:fmtScheme name="Office">
-      <a:fillStyleLst>
-        <a:solidFill>
-          <a:schemeClr val="phClr"/>
-        </a:solidFill>
-        <a:gradFill rotWithShape="1">
-          <a:gsLst>
-            <a:gs pos="0">
-              <a:schemeClr val="phClr">
-                <a:tint val="50000"/>
-                <a:satMod val="300000"/>
-              </a:schemeClr>
-            </a:gs>
-            <a:gs pos="35000">
-              <a:schemeClr val="phClr">
-                <a:tint val="37000"/>
-                <a:satMod val="300000"/>
-              </a:schemeClr>
-            </a:gs>
-            <a:gs pos="100000">
-              <a:schemeClr val="phClr">
-                <a:tint val="15000"/>
-                <a:satMod val="350000"/>
-              </a:schemeClr>
-            </a:gs>
-          </a:gsLst>
-          <a:lin ang="16200000" scaled="1"/>
-        </a:gradFill>
-        <a:gradFill rotWithShape="1">
-          <a:gsLst>
-            <a:gs pos="0">
-              <a:schemeClr val="phClr">
-                <a:tint val="100000"/>
-                <a:shade val="100000"/>
-                <a:satMod val="130000"/>
-              </a:schemeClr>
-            </a:gs>
-            <a:gs pos="100000">
-              <a:schemeClr val="phClr">
-                <a:tint val="50000"/>
-                <a:shade val="100000"/>
-                <a:satMod val="350000"/>
-              </a:schemeClr>
-            </a:gs>
-          </a:gsLst>
-          <a:lin ang="16200000" scaled="0"/>
-        </a:gradFill>
-      </a:fillStyleLst>
-      <a:lnStyleLst>
-        <a:ln w="9525" cap="flat" cmpd="sng" algn="ctr">
-          <a:solidFill>
-            <a:schemeClr val="phClr">
-              <a:shade val="95000"/>
-              <a:satMod val="105000"/>
-            </a:schemeClr>
-          </a:solidFill>
-          <a:prstDash val="solid"/>
-        </a:ln>
-        <a:ln w="25400" cap="flat" cmpd="sng" algn="ctr">
-          <a:solidFill>
-            <a:schemeClr val="phClr"/>
-          </a:solidFill>
-          <a:prstDash val="solid"/>
-        </a:ln>
-        <a:ln w="38100" cap="flat" cmpd="sng" algn="ctr">
-          <a:solidFill>
-            <a:schemeClr val="phClr"/>
-          </a:solidFill>
-          <a:prstDash val="solid"/>
-        </a:ln>
-      </a:lnStyleLst>
-      <a:effectStyleLst>
-        <a:effectStyle>
-          <a:effectLst>
-            <a:outerShdw blurRad="40000" dist="20000" dir="5400000" rotWithShape="0">
-              <a:srgbClr val="000000">
-                <a:alpha val="38000"/>
-              </a:srgbClr>
-            </a:outerShdw>
-          </a:effectLst>
-        </a:effectStyle>
-        <a:effectStyle>
-          <a:effectLst>
-            <a:outerShdw blurRad="40000" dist="23000" dir="5400000" rotWithShape="0">
-              <a:srgbClr val="000000">
-                <a:alpha val="35000"/>
-              </a:srgbClr>
-            </a:outerShdw>
-          </a:effectLst>
-        </a:effectStyle>
-        <a:effectStyle>
-          <a:effectLst>
-            <a:outerShdw blurRad="40000" dist="23000" dir="5400000" rotWithShape="0">
-              <a:srgbClr val="000000">
-                <a:alpha val="35000"/>
-              </a:srgbClr>
-            </a:outerShdw>
-          </a:effectLst>
-          <a:scene3d>
-            <a:camera prst="orthographicFront">
-              <a:rot lat="0" lon="0" rev="0"/>
-            </a:camera>
-            <a:lightRig rig="threePt" dir="t">
-              <a:rot lat="0" lon="0" rev="1200000"/>
-            </a:lightRig>
-          </a:scene3d>
-          <a:sp3d>
-            <a:bevelT w="63500" h="25400"/>
-          </a:sp3d>
-        </a:effectStyle>
-      </a:effectStyleLst>
-      <a:bgFillStyleLst>
-        <a:solidFill>
-          <a:schemeClr val="phClr"/>
-        </a:solidFill>
-        <a:gradFill rotWithShape="1">
-          <a:gsLst>
-            <a:gs pos="0">
-              <a:schemeClr val="phClr">
-                <a:tint val="40000"/>
-                <a:satMod val="350000"/>
-              </a:schemeClr>
-            </a:gs>
-            <a:gs pos="40000">
-              <a:schemeClr val="phClr">
-                <a:tint val="45000"/>
-                <a:shade val="99000"/>
-                <a:satMod val="350000"/>
-              </a:schemeClr>
-            </a:gs>
-            <a:gs pos="100000">
-              <a:schemeClr val="phClr">
-                <a:shade val="20000"/>
-                <a:satMod val="255000"/>
-              </a:schemeClr>
-            </a:gs>
-          </a:gsLst>
-          <a:path path="circle">
-            <a:fillToRect l="50000" t="-80000" r="50000" b="180000"/>
-          </a:path>
-        </a:gradFill>
-        <a:gradFill rotWithShape="1">
-          <a:gsLst>
-            <a:gs pos="0">
-              <a:schemeClr val="phClr">
-                <a:tint val="80000"/>
-                <a:satMod val="300000"/>
-              </a:schemeClr>
-            </a:gs>
-            <a:gs pos="100000">
-              <a:schemeClr val="phClr">
-                <a:shade val="30000"/>
-                <a:satMod val="200000"/>
-              </a:schemeClr>
-            </a:gs>
-          </a:gsLst>
-          <a:path path="circle">
-            <a:fillToRect l="50000" t="50000" r="50000" b="50000"/>
-          </a:path>
-        </a:gradFill>
-      </a:bgFillStyleLst>
-    </a:fmtScheme>
-  </a:themeElements>
-</a:theme>
 </file>
--- a/01/DATA515_01_Introduction.pptx
+++ b/01/DATA515_01_Introduction.pptx
@@ -22,21 +22,16 @@
     <p:sldId id="267" r:id="rId17"/>
     <p:sldId id="268" r:id="rId18"/>
     <p:sldId id="269" r:id="rId19"/>
-    <p:sldId id="270" r:id="rId20"/>
-    <p:sldId id="271" r:id="rId21"/>
-    <p:sldId id="272" r:id="rId22"/>
-    <p:sldId id="273" r:id="rId23"/>
-    <p:sldId id="274" r:id="rId24"/>
   </p:sldIdLst>
   <p:sldSz cy="5143500" cx="9144000"/>
   <p:notesSz cx="6858000" cy="9144000"/>
   <p:embeddedFontLst>
     <p:embeddedFont>
       <p:font typeface="Roboto"/>
-      <p:regular r:id="rId25"/>
-      <p:bold r:id="rId26"/>
-      <p:italic r:id="rId27"/>
-      <p:boldItalic r:id="rId28"/>
+      <p:regular r:id="rId20"/>
+      <p:bold r:id="rId21"/>
+      <p:italic r:id="rId22"/>
+      <p:boldItalic r:id="rId23"/>
     </p:embeddedFont>
   </p:embeddedFontLst>
   <p:defaultTextStyle>
@@ -817,7 +812,7 @@
   <p:cSld>
     <p:spTree>
       <p:nvGrpSpPr>
-        <p:cNvPr id="138" name="Shape 138"/>
+        <p:cNvPr id="139" name="Shape 139"/>
         <p:cNvGrpSpPr/>
         <p:nvPr/>
       </p:nvGrpSpPr>
@@ -831,7 +826,7 @@
       </p:grpSpPr>
       <p:sp>
         <p:nvSpPr>
-          <p:cNvPr id="139" name="Google Shape;139;g1c2482a7c5e_0_550:notes"/>
+          <p:cNvPr id="140" name="Google Shape;140;g1c2482a7c5e_0_576:notes"/>
           <p:cNvSpPr/>
           <p:nvPr>
             <p:ph idx="2" type="sldImg"/>
@@ -866,7 +861,7 @@
       </p:sp>
       <p:sp>
         <p:nvSpPr>
-          <p:cNvPr id="140" name="Google Shape;140;g1c2482a7c5e_0_550:notes"/>
+          <p:cNvPr id="141" name="Google Shape;141;g1c2482a7c5e_0_576:notes"/>
           <p:cNvSpPr txBox="1"/>
           <p:nvPr>
             <p:ph idx="1" type="body"/>
@@ -916,7 +911,7 @@
   <p:cSld>
     <p:spTree>
       <p:nvGrpSpPr>
-        <p:cNvPr id="144" name="Shape 144"/>
+        <p:cNvPr id="156" name="Shape 156"/>
         <p:cNvGrpSpPr/>
         <p:nvPr/>
       </p:nvGrpSpPr>
@@ -930,7 +925,7 @@
       </p:grpSpPr>
       <p:sp>
         <p:nvSpPr>
-          <p:cNvPr id="145" name="Google Shape;145;g1c2482a7c5e_0_557:notes"/>
+          <p:cNvPr id="157" name="Google Shape;157;g1c2482a7c5e_0_528:notes"/>
           <p:cNvSpPr/>
           <p:nvPr>
             <p:ph idx="2" type="sldImg"/>
@@ -965,7 +960,7 @@
       </p:sp>
       <p:sp>
         <p:nvSpPr>
-          <p:cNvPr id="146" name="Google Shape;146;g1c2482a7c5e_0_557:notes"/>
+          <p:cNvPr id="158" name="Google Shape;158;g1c2482a7c5e_0_528:notes"/>
           <p:cNvSpPr txBox="1"/>
           <p:nvPr>
             <p:ph idx="1" type="body"/>
@@ -1015,7 +1010,7 @@
   <p:cSld>
     <p:spTree>
       <p:nvGrpSpPr>
-        <p:cNvPr id="150" name="Shape 150"/>
+        <p:cNvPr id="162" name="Shape 162"/>
         <p:cNvGrpSpPr/>
         <p:nvPr/>
       </p:nvGrpSpPr>
@@ -1029,7 +1024,7 @@
       </p:grpSpPr>
       <p:sp>
         <p:nvSpPr>
-          <p:cNvPr id="151" name="Google Shape;151;g1c2482a7c5e_0_576:notes"/>
+          <p:cNvPr id="163" name="Google Shape;163;g1c2482a7c5e_0_521:notes"/>
           <p:cNvSpPr/>
           <p:nvPr>
             <p:ph idx="2" type="sldImg"/>
@@ -1064,7 +1059,7 @@
       </p:sp>
       <p:sp>
         <p:nvSpPr>
-          <p:cNvPr id="152" name="Google Shape;152;g1c2482a7c5e_0_576:notes"/>
+          <p:cNvPr id="164" name="Google Shape;164;g1c2482a7c5e_0_521:notes"/>
           <p:cNvSpPr txBox="1"/>
           <p:nvPr>
             <p:ph idx="1" type="body"/>
@@ -1114,7 +1109,7 @@
   <p:cSld>
     <p:spTree>
       <p:nvGrpSpPr>
-        <p:cNvPr id="167" name="Shape 167"/>
+        <p:cNvPr id="168" name="Shape 168"/>
         <p:cNvGrpSpPr/>
         <p:nvPr/>
       </p:nvGrpSpPr>
@@ -1128,7 +1123,7 @@
       </p:grpSpPr>
       <p:sp>
         <p:nvSpPr>
-          <p:cNvPr id="168" name="Google Shape;168;g1c2482a7c5e_0_564:notes"/>
+          <p:cNvPr id="169" name="Google Shape;169;g1c2482a7c5e_0_509:notes"/>
           <p:cNvSpPr/>
           <p:nvPr>
             <p:ph idx="2" type="sldImg"/>
@@ -1163,7 +1158,7 @@
       </p:sp>
       <p:sp>
         <p:nvSpPr>
-          <p:cNvPr id="169" name="Google Shape;169;g1c2482a7c5e_0_564:notes"/>
+          <p:cNvPr id="170" name="Google Shape;170;g1c2482a7c5e_0_509:notes"/>
           <p:cNvSpPr txBox="1"/>
           <p:nvPr>
             <p:ph idx="1" type="body"/>
@@ -1213,7 +1208,7 @@
   <p:cSld>
     <p:spTree>
       <p:nvGrpSpPr>
-        <p:cNvPr id="173" name="Shape 173"/>
+        <p:cNvPr id="174" name="Shape 174"/>
         <p:cNvGrpSpPr/>
         <p:nvPr/>
       </p:nvGrpSpPr>
@@ -1227,7 +1222,7 @@
       </p:grpSpPr>
       <p:sp>
         <p:nvSpPr>
-          <p:cNvPr id="174" name="Google Shape;174;g1c2482a7c5e_0_570:notes"/>
+          <p:cNvPr id="175" name="Google Shape;175;g1c2482a7c5e_0_514:notes"/>
           <p:cNvSpPr/>
           <p:nvPr>
             <p:ph idx="2" type="sldImg"/>
@@ -1262,502 +1257,7 @@
       </p:sp>
       <p:sp>
         <p:nvSpPr>
-          <p:cNvPr id="175" name="Google Shape;175;g1c2482a7c5e_0_570:notes"/>
-          <p:cNvSpPr txBox="1"/>
-          <p:nvPr>
-            <p:ph idx="1" type="body"/>
-          </p:nvPr>
-        </p:nvSpPr>
-        <p:spPr>
-          <a:xfrm>
-            <a:off x="685800" y="4343400"/>
-            <a:ext cx="5486400" cy="4114800"/>
-          </a:xfrm>
-          <a:prstGeom prst="rect">
-            <a:avLst/>
-          </a:prstGeom>
-        </p:spPr>
-        <p:txBody>
-          <a:bodyPr anchorCtr="0" anchor="t" bIns="91425" lIns="91425" spcFirstLastPara="1" rIns="91425" wrap="square" tIns="91425">
-            <a:noAutofit/>
-          </a:bodyPr>
-          <a:lstStyle/>
-          <a:p>
-            <a:pPr indent="0" lvl="0" marL="0" rtl="0" algn="l">
-              <a:spcBef>
-                <a:spcPts val="0"/>
-              </a:spcBef>
-              <a:spcAft>
-                <a:spcPts val="0"/>
-              </a:spcAft>
-              <a:buNone/>
-            </a:pPr>
-            <a:r>
-              <a:t/>
-            </a:r>
-            <a:endParaRPr/>
-          </a:p>
-        </p:txBody>
-      </p:sp>
-    </p:spTree>
-  </p:cSld>
-  <p:clrMapOvr>
-    <a:masterClrMapping/>
-  </p:clrMapOvr>
-</p:notes>
-</file>
-
-<file path=ppt/notesSlides/notesSlide15.xml><?xml version="1.0" encoding="utf-8"?>
-<p:notes xmlns:a="http://schemas.openxmlformats.org/drawingml/2006/main" xmlns:r="http://schemas.openxmlformats.org/officeDocument/2006/relationships" xmlns:mc="http://schemas.openxmlformats.org/markup-compatibility/2006" xmlns:mv="urn:schemas-microsoft-com:mac:vml" xmlns:p="http://schemas.openxmlformats.org/presentationml/2006/main" xmlns:c="http://schemas.openxmlformats.org/drawingml/2006/chart" xmlns:dgm="http://schemas.openxmlformats.org/drawingml/2006/diagram" xmlns:o="urn:schemas-microsoft-com:office:office" xmlns:v="urn:schemas-microsoft-com:vml" xmlns:pvml="urn:schemas-microsoft-com:office:powerpoint" xmlns:com="http://schemas.openxmlformats.org/drawingml/2006/compatibility" xmlns:p14="http://schemas.microsoft.com/office/powerpoint/2010/main" xmlns:p15="http://schemas.microsoft.com/office/powerpoint/2012/main" xmlns:ahyp="http://schemas.microsoft.com/office/drawing/2018/hyperlinkcolor" showMasterPhAnim="0" showMasterSp="0">
-  <p:cSld>
-    <p:spTree>
-      <p:nvGrpSpPr>
-        <p:cNvPr id="179" name="Shape 179"/>
-        <p:cNvGrpSpPr/>
-        <p:nvPr/>
-      </p:nvGrpSpPr>
-      <p:grpSpPr>
-        <a:xfrm>
-          <a:off x="0" y="0"/>
-          <a:ext cx="0" cy="0"/>
-          <a:chOff x="0" y="0"/>
-          <a:chExt cx="0" cy="0"/>
-        </a:xfrm>
-      </p:grpSpPr>
-      <p:sp>
-        <p:nvSpPr>
-          <p:cNvPr id="180" name="Google Shape;180;g1c2482a7c5e_0_528:notes"/>
-          <p:cNvSpPr/>
-          <p:nvPr>
-            <p:ph idx="2" type="sldImg"/>
-          </p:nvPr>
-        </p:nvSpPr>
-        <p:spPr>
-          <a:xfrm>
-            <a:off x="381300" y="685800"/>
-            <a:ext cx="6096000" cy="3429000"/>
-          </a:xfrm>
-          <a:custGeom>
-            <a:rect b="b" l="l" r="r" t="t"/>
-            <a:pathLst>
-              <a:path extrusionOk="0" h="120000" w="120000">
-                <a:moveTo>
-                  <a:pt x="0" y="0"/>
-                </a:moveTo>
-                <a:lnTo>
-                  <a:pt x="120000" y="0"/>
-                </a:lnTo>
-                <a:lnTo>
-                  <a:pt x="120000" y="120000"/>
-                </a:lnTo>
-                <a:lnTo>
-                  <a:pt x="0" y="120000"/>
-                </a:lnTo>
-                <a:close/>
-              </a:path>
-            </a:pathLst>
-          </a:custGeom>
-        </p:spPr>
-      </p:sp>
-      <p:sp>
-        <p:nvSpPr>
-          <p:cNvPr id="181" name="Google Shape;181;g1c2482a7c5e_0_528:notes"/>
-          <p:cNvSpPr txBox="1"/>
-          <p:nvPr>
-            <p:ph idx="1" type="body"/>
-          </p:nvPr>
-        </p:nvSpPr>
-        <p:spPr>
-          <a:xfrm>
-            <a:off x="685800" y="4343400"/>
-            <a:ext cx="5486400" cy="4114800"/>
-          </a:xfrm>
-          <a:prstGeom prst="rect">
-            <a:avLst/>
-          </a:prstGeom>
-        </p:spPr>
-        <p:txBody>
-          <a:bodyPr anchorCtr="0" anchor="t" bIns="91425" lIns="91425" spcFirstLastPara="1" rIns="91425" wrap="square" tIns="91425">
-            <a:noAutofit/>
-          </a:bodyPr>
-          <a:lstStyle/>
-          <a:p>
-            <a:pPr indent="0" lvl="0" marL="0" rtl="0" algn="l">
-              <a:spcBef>
-                <a:spcPts val="0"/>
-              </a:spcBef>
-              <a:spcAft>
-                <a:spcPts val="0"/>
-              </a:spcAft>
-              <a:buNone/>
-            </a:pPr>
-            <a:r>
-              <a:t/>
-            </a:r>
-            <a:endParaRPr/>
-          </a:p>
-        </p:txBody>
-      </p:sp>
-    </p:spTree>
-  </p:cSld>
-  <p:clrMapOvr>
-    <a:masterClrMapping/>
-  </p:clrMapOvr>
-</p:notes>
-</file>
-
-<file path=ppt/notesSlides/notesSlide16.xml><?xml version="1.0" encoding="utf-8"?>
-<p:notes xmlns:a="http://schemas.openxmlformats.org/drawingml/2006/main" xmlns:r="http://schemas.openxmlformats.org/officeDocument/2006/relationships" xmlns:mc="http://schemas.openxmlformats.org/markup-compatibility/2006" xmlns:mv="urn:schemas-microsoft-com:mac:vml" xmlns:p="http://schemas.openxmlformats.org/presentationml/2006/main" xmlns:c="http://schemas.openxmlformats.org/drawingml/2006/chart" xmlns:dgm="http://schemas.openxmlformats.org/drawingml/2006/diagram" xmlns:o="urn:schemas-microsoft-com:office:office" xmlns:v="urn:schemas-microsoft-com:vml" xmlns:pvml="urn:schemas-microsoft-com:office:powerpoint" xmlns:com="http://schemas.openxmlformats.org/drawingml/2006/compatibility" xmlns:p14="http://schemas.microsoft.com/office/powerpoint/2010/main" xmlns:p15="http://schemas.microsoft.com/office/powerpoint/2012/main" xmlns:ahyp="http://schemas.microsoft.com/office/drawing/2018/hyperlinkcolor" showMasterPhAnim="0" showMasterSp="0">
-  <p:cSld>
-    <p:spTree>
-      <p:nvGrpSpPr>
-        <p:cNvPr id="185" name="Shape 185"/>
-        <p:cNvGrpSpPr/>
-        <p:nvPr/>
-      </p:nvGrpSpPr>
-      <p:grpSpPr>
-        <a:xfrm>
-          <a:off x="0" y="0"/>
-          <a:ext cx="0" cy="0"/>
-          <a:chOff x="0" y="0"/>
-          <a:chExt cx="0" cy="0"/>
-        </a:xfrm>
-      </p:grpSpPr>
-      <p:sp>
-        <p:nvSpPr>
-          <p:cNvPr id="186" name="Google Shape;186;g1c2482a7c5e_0_521:notes"/>
-          <p:cNvSpPr/>
-          <p:nvPr>
-            <p:ph idx="2" type="sldImg"/>
-          </p:nvPr>
-        </p:nvSpPr>
-        <p:spPr>
-          <a:xfrm>
-            <a:off x="381300" y="685800"/>
-            <a:ext cx="6096000" cy="3429000"/>
-          </a:xfrm>
-          <a:custGeom>
-            <a:rect b="b" l="l" r="r" t="t"/>
-            <a:pathLst>
-              <a:path extrusionOk="0" h="120000" w="120000">
-                <a:moveTo>
-                  <a:pt x="0" y="0"/>
-                </a:moveTo>
-                <a:lnTo>
-                  <a:pt x="120000" y="0"/>
-                </a:lnTo>
-                <a:lnTo>
-                  <a:pt x="120000" y="120000"/>
-                </a:lnTo>
-                <a:lnTo>
-                  <a:pt x="0" y="120000"/>
-                </a:lnTo>
-                <a:close/>
-              </a:path>
-            </a:pathLst>
-          </a:custGeom>
-        </p:spPr>
-      </p:sp>
-      <p:sp>
-        <p:nvSpPr>
-          <p:cNvPr id="187" name="Google Shape;187;g1c2482a7c5e_0_521:notes"/>
-          <p:cNvSpPr txBox="1"/>
-          <p:nvPr>
-            <p:ph idx="1" type="body"/>
-          </p:nvPr>
-        </p:nvSpPr>
-        <p:spPr>
-          <a:xfrm>
-            <a:off x="685800" y="4343400"/>
-            <a:ext cx="5486400" cy="4114800"/>
-          </a:xfrm>
-          <a:prstGeom prst="rect">
-            <a:avLst/>
-          </a:prstGeom>
-        </p:spPr>
-        <p:txBody>
-          <a:bodyPr anchorCtr="0" anchor="t" bIns="91425" lIns="91425" spcFirstLastPara="1" rIns="91425" wrap="square" tIns="91425">
-            <a:noAutofit/>
-          </a:bodyPr>
-          <a:lstStyle/>
-          <a:p>
-            <a:pPr indent="0" lvl="0" marL="0" rtl="0" algn="l">
-              <a:spcBef>
-                <a:spcPts val="0"/>
-              </a:spcBef>
-              <a:spcAft>
-                <a:spcPts val="0"/>
-              </a:spcAft>
-              <a:buNone/>
-            </a:pPr>
-            <a:r>
-              <a:t/>
-            </a:r>
-            <a:endParaRPr/>
-          </a:p>
-        </p:txBody>
-      </p:sp>
-    </p:spTree>
-  </p:cSld>
-  <p:clrMapOvr>
-    <a:masterClrMapping/>
-  </p:clrMapOvr>
-</p:notes>
-</file>
-
-<file path=ppt/notesSlides/notesSlide17.xml><?xml version="1.0" encoding="utf-8"?>
-<p:notes xmlns:a="http://schemas.openxmlformats.org/drawingml/2006/main" xmlns:r="http://schemas.openxmlformats.org/officeDocument/2006/relationships" xmlns:mc="http://schemas.openxmlformats.org/markup-compatibility/2006" xmlns:mv="urn:schemas-microsoft-com:mac:vml" xmlns:p="http://schemas.openxmlformats.org/presentationml/2006/main" xmlns:c="http://schemas.openxmlformats.org/drawingml/2006/chart" xmlns:dgm="http://schemas.openxmlformats.org/drawingml/2006/diagram" xmlns:o="urn:schemas-microsoft-com:office:office" xmlns:v="urn:schemas-microsoft-com:vml" xmlns:pvml="urn:schemas-microsoft-com:office:powerpoint" xmlns:com="http://schemas.openxmlformats.org/drawingml/2006/compatibility" xmlns:p14="http://schemas.microsoft.com/office/powerpoint/2010/main" xmlns:p15="http://schemas.microsoft.com/office/powerpoint/2012/main" xmlns:ahyp="http://schemas.microsoft.com/office/drawing/2018/hyperlinkcolor" showMasterPhAnim="0" showMasterSp="0">
-  <p:cSld>
-    <p:spTree>
-      <p:nvGrpSpPr>
-        <p:cNvPr id="191" name="Shape 191"/>
-        <p:cNvGrpSpPr/>
-        <p:nvPr/>
-      </p:nvGrpSpPr>
-      <p:grpSpPr>
-        <a:xfrm>
-          <a:off x="0" y="0"/>
-          <a:ext cx="0" cy="0"/>
-          <a:chOff x="0" y="0"/>
-          <a:chExt cx="0" cy="0"/>
-        </a:xfrm>
-      </p:grpSpPr>
-      <p:sp>
-        <p:nvSpPr>
-          <p:cNvPr id="192" name="Google Shape;192;g1c2482a7c5e_0_503:notes"/>
-          <p:cNvSpPr/>
-          <p:nvPr>
-            <p:ph idx="2" type="sldImg"/>
-          </p:nvPr>
-        </p:nvSpPr>
-        <p:spPr>
-          <a:xfrm>
-            <a:off x="381300" y="685800"/>
-            <a:ext cx="6096000" cy="3429000"/>
-          </a:xfrm>
-          <a:custGeom>
-            <a:rect b="b" l="l" r="r" t="t"/>
-            <a:pathLst>
-              <a:path extrusionOk="0" h="120000" w="120000">
-                <a:moveTo>
-                  <a:pt x="0" y="0"/>
-                </a:moveTo>
-                <a:lnTo>
-                  <a:pt x="120000" y="0"/>
-                </a:lnTo>
-                <a:lnTo>
-                  <a:pt x="120000" y="120000"/>
-                </a:lnTo>
-                <a:lnTo>
-                  <a:pt x="0" y="120000"/>
-                </a:lnTo>
-                <a:close/>
-              </a:path>
-            </a:pathLst>
-          </a:custGeom>
-        </p:spPr>
-      </p:sp>
-      <p:sp>
-        <p:nvSpPr>
-          <p:cNvPr id="193" name="Google Shape;193;g1c2482a7c5e_0_503:notes"/>
-          <p:cNvSpPr txBox="1"/>
-          <p:nvPr>
-            <p:ph idx="1" type="body"/>
-          </p:nvPr>
-        </p:nvSpPr>
-        <p:spPr>
-          <a:xfrm>
-            <a:off x="685800" y="4343400"/>
-            <a:ext cx="5486400" cy="4114800"/>
-          </a:xfrm>
-          <a:prstGeom prst="rect">
-            <a:avLst/>
-          </a:prstGeom>
-        </p:spPr>
-        <p:txBody>
-          <a:bodyPr anchorCtr="0" anchor="t" bIns="91425" lIns="91425" spcFirstLastPara="1" rIns="91425" wrap="square" tIns="91425">
-            <a:noAutofit/>
-          </a:bodyPr>
-          <a:lstStyle/>
-          <a:p>
-            <a:pPr indent="0" lvl="0" marL="0" rtl="0" algn="l">
-              <a:spcBef>
-                <a:spcPts val="0"/>
-              </a:spcBef>
-              <a:spcAft>
-                <a:spcPts val="0"/>
-              </a:spcAft>
-              <a:buNone/>
-            </a:pPr>
-            <a:r>
-              <a:t/>
-            </a:r>
-            <a:endParaRPr/>
-          </a:p>
-        </p:txBody>
-      </p:sp>
-    </p:spTree>
-  </p:cSld>
-  <p:clrMapOvr>
-    <a:masterClrMapping/>
-  </p:clrMapOvr>
-</p:notes>
-</file>
-
-<file path=ppt/notesSlides/notesSlide18.xml><?xml version="1.0" encoding="utf-8"?>
-<p:notes xmlns:a="http://schemas.openxmlformats.org/drawingml/2006/main" xmlns:r="http://schemas.openxmlformats.org/officeDocument/2006/relationships" xmlns:mc="http://schemas.openxmlformats.org/markup-compatibility/2006" xmlns:mv="urn:schemas-microsoft-com:mac:vml" xmlns:p="http://schemas.openxmlformats.org/presentationml/2006/main" xmlns:c="http://schemas.openxmlformats.org/drawingml/2006/chart" xmlns:dgm="http://schemas.openxmlformats.org/drawingml/2006/diagram" xmlns:o="urn:schemas-microsoft-com:office:office" xmlns:v="urn:schemas-microsoft-com:vml" xmlns:pvml="urn:schemas-microsoft-com:office:powerpoint" xmlns:com="http://schemas.openxmlformats.org/drawingml/2006/compatibility" xmlns:p14="http://schemas.microsoft.com/office/powerpoint/2010/main" xmlns:p15="http://schemas.microsoft.com/office/powerpoint/2012/main" xmlns:ahyp="http://schemas.microsoft.com/office/drawing/2018/hyperlinkcolor" showMasterPhAnim="0" showMasterSp="0">
-  <p:cSld>
-    <p:spTree>
-      <p:nvGrpSpPr>
-        <p:cNvPr id="197" name="Shape 197"/>
-        <p:cNvGrpSpPr/>
-        <p:nvPr/>
-      </p:nvGrpSpPr>
-      <p:grpSpPr>
-        <a:xfrm>
-          <a:off x="0" y="0"/>
-          <a:ext cx="0" cy="0"/>
-          <a:chOff x="0" y="0"/>
-          <a:chExt cx="0" cy="0"/>
-        </a:xfrm>
-      </p:grpSpPr>
-      <p:sp>
-        <p:nvSpPr>
-          <p:cNvPr id="198" name="Google Shape;198;g1c2482a7c5e_0_509:notes"/>
-          <p:cNvSpPr/>
-          <p:nvPr>
-            <p:ph idx="2" type="sldImg"/>
-          </p:nvPr>
-        </p:nvSpPr>
-        <p:spPr>
-          <a:xfrm>
-            <a:off x="381300" y="685800"/>
-            <a:ext cx="6096000" cy="3429000"/>
-          </a:xfrm>
-          <a:custGeom>
-            <a:rect b="b" l="l" r="r" t="t"/>
-            <a:pathLst>
-              <a:path extrusionOk="0" h="120000" w="120000">
-                <a:moveTo>
-                  <a:pt x="0" y="0"/>
-                </a:moveTo>
-                <a:lnTo>
-                  <a:pt x="120000" y="0"/>
-                </a:lnTo>
-                <a:lnTo>
-                  <a:pt x="120000" y="120000"/>
-                </a:lnTo>
-                <a:lnTo>
-                  <a:pt x="0" y="120000"/>
-                </a:lnTo>
-                <a:close/>
-              </a:path>
-            </a:pathLst>
-          </a:custGeom>
-        </p:spPr>
-      </p:sp>
-      <p:sp>
-        <p:nvSpPr>
-          <p:cNvPr id="199" name="Google Shape;199;g1c2482a7c5e_0_509:notes"/>
-          <p:cNvSpPr txBox="1"/>
-          <p:nvPr>
-            <p:ph idx="1" type="body"/>
-          </p:nvPr>
-        </p:nvSpPr>
-        <p:spPr>
-          <a:xfrm>
-            <a:off x="685800" y="4343400"/>
-            <a:ext cx="5486400" cy="4114800"/>
-          </a:xfrm>
-          <a:prstGeom prst="rect">
-            <a:avLst/>
-          </a:prstGeom>
-        </p:spPr>
-        <p:txBody>
-          <a:bodyPr anchorCtr="0" anchor="t" bIns="91425" lIns="91425" spcFirstLastPara="1" rIns="91425" wrap="square" tIns="91425">
-            <a:noAutofit/>
-          </a:bodyPr>
-          <a:lstStyle/>
-          <a:p>
-            <a:pPr indent="0" lvl="0" marL="0" rtl="0" algn="l">
-              <a:spcBef>
-                <a:spcPts val="0"/>
-              </a:spcBef>
-              <a:spcAft>
-                <a:spcPts val="0"/>
-              </a:spcAft>
-              <a:buNone/>
-            </a:pPr>
-            <a:r>
-              <a:t/>
-            </a:r>
-            <a:endParaRPr/>
-          </a:p>
-        </p:txBody>
-      </p:sp>
-    </p:spTree>
-  </p:cSld>
-  <p:clrMapOvr>
-    <a:masterClrMapping/>
-  </p:clrMapOvr>
-</p:notes>
-</file>
-
-<file path=ppt/notesSlides/notesSlide19.xml><?xml version="1.0" encoding="utf-8"?>
-<p:notes xmlns:a="http://schemas.openxmlformats.org/drawingml/2006/main" xmlns:r="http://schemas.openxmlformats.org/officeDocument/2006/relationships" xmlns:mc="http://schemas.openxmlformats.org/markup-compatibility/2006" xmlns:mv="urn:schemas-microsoft-com:mac:vml" xmlns:p="http://schemas.openxmlformats.org/presentationml/2006/main" xmlns:c="http://schemas.openxmlformats.org/drawingml/2006/chart" xmlns:dgm="http://schemas.openxmlformats.org/drawingml/2006/diagram" xmlns:o="urn:schemas-microsoft-com:office:office" xmlns:v="urn:schemas-microsoft-com:vml" xmlns:pvml="urn:schemas-microsoft-com:office:powerpoint" xmlns:com="http://schemas.openxmlformats.org/drawingml/2006/compatibility" xmlns:p14="http://schemas.microsoft.com/office/powerpoint/2010/main" xmlns:p15="http://schemas.microsoft.com/office/powerpoint/2012/main" xmlns:ahyp="http://schemas.microsoft.com/office/drawing/2018/hyperlinkcolor" showMasterPhAnim="0" showMasterSp="0">
-  <p:cSld>
-    <p:spTree>
-      <p:nvGrpSpPr>
-        <p:cNvPr id="203" name="Shape 203"/>
-        <p:cNvGrpSpPr/>
-        <p:nvPr/>
-      </p:nvGrpSpPr>
-      <p:grpSpPr>
-        <a:xfrm>
-          <a:off x="0" y="0"/>
-          <a:ext cx="0" cy="0"/>
-          <a:chOff x="0" y="0"/>
-          <a:chExt cx="0" cy="0"/>
-        </a:xfrm>
-      </p:grpSpPr>
-      <p:sp>
-        <p:nvSpPr>
-          <p:cNvPr id="204" name="Google Shape;204;g1c2482a7c5e_0_514:notes"/>
-          <p:cNvSpPr/>
-          <p:nvPr>
-            <p:ph idx="2" type="sldImg"/>
-          </p:nvPr>
-        </p:nvSpPr>
-        <p:spPr>
-          <a:xfrm>
-            <a:off x="381300" y="685800"/>
-            <a:ext cx="6096000" cy="3429000"/>
-          </a:xfrm>
-          <a:custGeom>
-            <a:rect b="b" l="l" r="r" t="t"/>
-            <a:pathLst>
-              <a:path extrusionOk="0" h="120000" w="120000">
-                <a:moveTo>
-                  <a:pt x="0" y="0"/>
-                </a:moveTo>
-                <a:lnTo>
-                  <a:pt x="120000" y="0"/>
-                </a:lnTo>
-                <a:lnTo>
-                  <a:pt x="120000" y="120000"/>
-                </a:lnTo>
-                <a:lnTo>
-                  <a:pt x="0" y="120000"/>
-                </a:lnTo>
-                <a:close/>
-              </a:path>
-            </a:pathLst>
-          </a:custGeom>
-        </p:spPr>
-      </p:sp>
-      <p:sp>
-        <p:nvSpPr>
-          <p:cNvPr id="205" name="Google Shape;205;g1c2482a7c5e_0_514:notes"/>
+          <p:cNvPr id="176" name="Google Shape;176;g1c2482a7c5e_0_514:notes"/>
           <p:cNvSpPr txBox="1"/>
           <p:nvPr>
             <p:ph idx="1" type="body"/>
@@ -1987,7 +1487,7 @@
   <p:cSld>
     <p:spTree>
       <p:nvGrpSpPr>
-        <p:cNvPr id="81" name="Shape 81"/>
+        <p:cNvPr id="82" name="Shape 82"/>
         <p:cNvGrpSpPr/>
         <p:nvPr/>
       </p:nvGrpSpPr>
@@ -2001,7 +1501,7 @@
       </p:grpSpPr>
       <p:sp>
         <p:nvSpPr>
-          <p:cNvPr id="82" name="Google Shape;82;g1c2482a7c5e_0_476:notes"/>
+          <p:cNvPr id="83" name="Google Shape;83;g1c2482a7c5e_0_476:notes"/>
           <p:cNvSpPr/>
           <p:nvPr>
             <p:ph idx="2" type="sldImg"/>
@@ -2036,7 +1536,7 @@
       </p:sp>
       <p:sp>
         <p:nvSpPr>
-          <p:cNvPr id="83" name="Google Shape;83;g1c2482a7c5e_0_476:notes"/>
+          <p:cNvPr id="84" name="Google Shape;84;g1c2482a7c5e_0_476:notes"/>
           <p:cNvSpPr txBox="1"/>
           <p:nvPr>
             <p:ph idx="1" type="body"/>
@@ -2086,7 +1586,7 @@
   <p:cSld>
     <p:spTree>
       <p:nvGrpSpPr>
-        <p:cNvPr id="92" name="Shape 92"/>
+        <p:cNvPr id="93" name="Shape 93"/>
         <p:cNvGrpSpPr/>
         <p:nvPr/>
       </p:nvGrpSpPr>
@@ -2100,7 +1600,7 @@
       </p:grpSpPr>
       <p:sp>
         <p:nvSpPr>
-          <p:cNvPr id="93" name="Google Shape;93;g1c2482a7c5e_0_0:notes"/>
+          <p:cNvPr id="94" name="Google Shape;94;g1c2482a7c5e_0_0:notes"/>
           <p:cNvSpPr/>
           <p:nvPr>
             <p:ph idx="2" type="sldImg"/>
@@ -2135,7 +1635,7 @@
       </p:sp>
       <p:sp>
         <p:nvSpPr>
-          <p:cNvPr id="94" name="Google Shape;94;g1c2482a7c5e_0_0:notes"/>
+          <p:cNvPr id="95" name="Google Shape;95;g1c2482a7c5e_0_0:notes"/>
           <p:cNvSpPr txBox="1"/>
           <p:nvPr>
             <p:ph idx="1" type="body"/>
@@ -2185,7 +1685,7 @@
   <p:cSld>
     <p:spTree>
       <p:nvGrpSpPr>
-        <p:cNvPr id="105" name="Shape 105"/>
+        <p:cNvPr id="106" name="Shape 106"/>
         <p:cNvGrpSpPr/>
         <p:nvPr/>
       </p:nvGrpSpPr>
@@ -2199,7 +1699,7 @@
       </p:grpSpPr>
       <p:sp>
         <p:nvSpPr>
-          <p:cNvPr id="106" name="Google Shape;106;g1c2482a7c5e_0_496:notes"/>
+          <p:cNvPr id="107" name="Google Shape;107;g1c2482a7c5e_0_496:notes"/>
           <p:cNvSpPr/>
           <p:nvPr>
             <p:ph idx="2" type="sldImg"/>
@@ -2234,7 +1734,7 @@
       </p:sp>
       <p:sp>
         <p:nvSpPr>
-          <p:cNvPr id="107" name="Google Shape;107;g1c2482a7c5e_0_496:notes"/>
+          <p:cNvPr id="108" name="Google Shape;108;g1c2482a7c5e_0_496:notes"/>
           <p:cNvSpPr txBox="1"/>
           <p:nvPr>
             <p:ph idx="1" type="body"/>
@@ -2284,7 +1784,7 @@
   <p:cSld>
     <p:spTree>
       <p:nvGrpSpPr>
-        <p:cNvPr id="112" name="Shape 112"/>
+        <p:cNvPr id="113" name="Shape 113"/>
         <p:cNvGrpSpPr/>
         <p:nvPr/>
       </p:nvGrpSpPr>
@@ -2298,7 +1798,7 @@
       </p:grpSpPr>
       <p:sp>
         <p:nvSpPr>
-          <p:cNvPr id="113" name="Google Shape;113;g1bdf60ccdde_0_2:notes"/>
+          <p:cNvPr id="114" name="Google Shape;114;g1bdf60ccdde_0_2:notes"/>
           <p:cNvSpPr/>
           <p:nvPr>
             <p:ph idx="2" type="sldImg"/>
@@ -2333,7 +1833,7 @@
       </p:sp>
       <p:sp>
         <p:nvSpPr>
-          <p:cNvPr id="114" name="Google Shape;114;g1bdf60ccdde_0_2:notes"/>
+          <p:cNvPr id="115" name="Google Shape;115;g1bdf60ccdde_0_2:notes"/>
           <p:cNvSpPr txBox="1"/>
           <p:nvPr>
             <p:ph idx="1" type="body"/>
@@ -2383,7 +1883,7 @@
   <p:cSld>
     <p:spTree>
       <p:nvGrpSpPr>
-        <p:cNvPr id="118" name="Shape 118"/>
+        <p:cNvPr id="119" name="Shape 119"/>
         <p:cNvGrpSpPr/>
         <p:nvPr/>
       </p:nvGrpSpPr>
@@ -2397,7 +1897,7 @@
       </p:grpSpPr>
       <p:sp>
         <p:nvSpPr>
-          <p:cNvPr id="119" name="Google Shape;119;g1c2482a7c5e_0_491:notes"/>
+          <p:cNvPr id="120" name="Google Shape;120;g1c2482a7c5e_0_491:notes"/>
           <p:cNvSpPr/>
           <p:nvPr>
             <p:ph idx="2" type="sldImg"/>
@@ -2432,7 +1932,7 @@
       </p:sp>
       <p:sp>
         <p:nvSpPr>
-          <p:cNvPr id="120" name="Google Shape;120;g1c2482a7c5e_0_491:notes"/>
+          <p:cNvPr id="121" name="Google Shape;121;g1c2482a7c5e_0_491:notes"/>
           <p:cNvSpPr txBox="1"/>
           <p:nvPr>
             <p:ph idx="1" type="body"/>
@@ -2482,7 +1982,7 @@
   <p:cSld>
     <p:spTree>
       <p:nvGrpSpPr>
-        <p:cNvPr id="126" name="Shape 126"/>
+        <p:cNvPr id="127" name="Shape 127"/>
         <p:cNvGrpSpPr/>
         <p:nvPr/>
       </p:nvGrpSpPr>
@@ -2496,7 +1996,7 @@
       </p:grpSpPr>
       <p:sp>
         <p:nvSpPr>
-          <p:cNvPr id="127" name="Google Shape;127;g1c2482a7c5e_0_537:notes"/>
+          <p:cNvPr id="128" name="Google Shape;128;g1c2482a7c5e_0_537:notes"/>
           <p:cNvSpPr/>
           <p:nvPr>
             <p:ph idx="2" type="sldImg"/>
@@ -2531,7 +2031,7 @@
       </p:sp>
       <p:sp>
         <p:nvSpPr>
-          <p:cNvPr id="128" name="Google Shape;128;g1c2482a7c5e_0_537:notes"/>
+          <p:cNvPr id="129" name="Google Shape;129;g1c2482a7c5e_0_537:notes"/>
           <p:cNvSpPr txBox="1"/>
           <p:nvPr>
             <p:ph idx="1" type="body"/>
@@ -2581,7 +2081,7 @@
   <p:cSld>
     <p:spTree>
       <p:nvGrpSpPr>
-        <p:cNvPr id="132" name="Shape 132"/>
+        <p:cNvPr id="133" name="Shape 133"/>
         <p:cNvGrpSpPr/>
         <p:nvPr/>
       </p:nvGrpSpPr>
@@ -2595,7 +2095,7 @@
       </p:grpSpPr>
       <p:sp>
         <p:nvSpPr>
-          <p:cNvPr id="133" name="Google Shape;133;g1c2482a7c5e_0_543:notes"/>
+          <p:cNvPr id="134" name="Google Shape;134;g3221ea022ef_0_73:notes"/>
           <p:cNvSpPr/>
           <p:nvPr>
             <p:ph idx="2" type="sldImg"/>
@@ -2630,7 +2130,7 @@
       </p:sp>
       <p:sp>
         <p:nvSpPr>
-          <p:cNvPr id="134" name="Google Shape;134;g1c2482a7c5e_0_543:notes"/>
+          <p:cNvPr id="135" name="Google Shape;135;g3221ea022ef_0_73:notes"/>
           <p:cNvSpPr txBox="1"/>
           <p:nvPr>
             <p:ph idx="1" type="body"/>
@@ -7924,7 +7424,7 @@
             </a:pPr>
             <a:r>
               <a:rPr lang="en"/>
-              <a:t>January 4, 2024</a:t>
+              <a:t>January 9, 2025</a:t>
             </a:r>
             <a:endParaRPr/>
           </a:p>
@@ -7943,7 +7443,7 @@
   <p:cSld>
     <p:spTree>
       <p:nvGrpSpPr>
-        <p:cNvPr id="141" name="Shape 141"/>
+        <p:cNvPr id="142" name="Shape 142"/>
         <p:cNvGrpSpPr/>
         <p:nvPr/>
       </p:nvGrpSpPr>
@@ -7957,7 +7457,7 @@
       </p:grpSpPr>
       <p:sp>
         <p:nvSpPr>
-          <p:cNvPr id="142" name="Google Shape;142;p22"/>
+          <p:cNvPr id="143" name="Google Shape;143;p22"/>
           <p:cNvSpPr txBox="1"/>
           <p:nvPr>
             <p:ph type="title"/>
@@ -7989,335 +7489,6 @@
             </a:pPr>
             <a:r>
               <a:rPr lang="en"/>
-              <a:t>Project Type 2: Create Reusable Data</a:t>
-            </a:r>
-            <a:endParaRPr/>
-          </a:p>
-        </p:txBody>
-      </p:sp>
-      <p:sp>
-        <p:nvSpPr>
-          <p:cNvPr id="143" name="Google Shape;143;p22"/>
-          <p:cNvSpPr txBox="1"/>
-          <p:nvPr>
-            <p:ph idx="1" type="body"/>
-          </p:nvPr>
-        </p:nvSpPr>
-        <p:spPr>
-          <a:xfrm>
-            <a:off x="311700" y="1152475"/>
-            <a:ext cx="8520600" cy="3416400"/>
-          </a:xfrm>
-          <a:prstGeom prst="rect">
-            <a:avLst/>
-          </a:prstGeom>
-        </p:spPr>
-        <p:txBody>
-          <a:bodyPr anchorCtr="0" anchor="t" bIns="91425" lIns="91425" spcFirstLastPara="1" rIns="91425" wrap="square" tIns="91425">
-            <a:normAutofit/>
-          </a:bodyPr>
-          <a:lstStyle/>
-          <a:p>
-            <a:pPr indent="0" lvl="0" marL="0" rtl="0" algn="l">
-              <a:spcBef>
-                <a:spcPts val="0"/>
-              </a:spcBef>
-              <a:spcAft>
-                <a:spcPts val="0"/>
-              </a:spcAft>
-              <a:buClr>
-                <a:schemeClr val="dk1"/>
-              </a:buClr>
-              <a:buSzPts val="1100"/>
-              <a:buFont typeface="Arial"/>
-              <a:buNone/>
-            </a:pPr>
-            <a:r>
-              <a:rPr lang="en"/>
-              <a:t>Problem statement: Create data repository with tools  (e.g., search, visualization, analytics)</a:t>
-            </a:r>
-            <a:endParaRPr/>
-          </a:p>
-          <a:p>
-            <a:pPr indent="0" lvl="0" marL="0" rtl="0" algn="l">
-              <a:spcBef>
-                <a:spcPts val="1200"/>
-              </a:spcBef>
-              <a:spcAft>
-                <a:spcPts val="0"/>
-              </a:spcAft>
-              <a:buClr>
-                <a:schemeClr val="dk1"/>
-              </a:buClr>
-              <a:buSzPts val="1100"/>
-              <a:buFont typeface="Arial"/>
-              <a:buNone/>
-            </a:pPr>
-            <a:r>
-              <a:rPr lang="en"/>
-              <a:t>Example</a:t>
-            </a:r>
-            <a:endParaRPr/>
-          </a:p>
-          <a:p>
-            <a:pPr indent="0" lvl="0" marL="0" rtl="0" algn="l">
-              <a:spcBef>
-                <a:spcPts val="1200"/>
-              </a:spcBef>
-              <a:spcAft>
-                <a:spcPts val="1200"/>
-              </a:spcAft>
-              <a:buNone/>
-            </a:pPr>
-            <a:r>
-              <a:rPr lang="en" u="sng">
-                <a:solidFill>
-                  <a:schemeClr val="hlink"/>
-                </a:solidFill>
-                <a:hlinkClick r:id="rId3"/>
-              </a:rPr>
-              <a:t>Car2Know</a:t>
-            </a:r>
-            <a:r>
-              <a:rPr lang="en"/>
-              <a:t>: Provide car rental data to users of Car2Go (e.g., for planning trips)</a:t>
-            </a:r>
-            <a:endParaRPr/>
-          </a:p>
-        </p:txBody>
-      </p:sp>
-    </p:spTree>
-  </p:cSld>
-  <p:clrMapOvr>
-    <a:masterClrMapping/>
-  </p:clrMapOvr>
-</p:sld>
-</file>
-
-<file path=ppt/slides/slide11.xml><?xml version="1.0" encoding="utf-8"?>
-<p:sld xmlns:a="http://schemas.openxmlformats.org/drawingml/2006/main" xmlns:r="http://schemas.openxmlformats.org/officeDocument/2006/relationships" xmlns:mc="http://schemas.openxmlformats.org/markup-compatibility/2006" xmlns:mv="urn:schemas-microsoft-com:mac:vml" xmlns:p="http://schemas.openxmlformats.org/presentationml/2006/main" xmlns:c="http://schemas.openxmlformats.org/drawingml/2006/chart" xmlns:dgm="http://schemas.openxmlformats.org/drawingml/2006/diagram" xmlns:o="urn:schemas-microsoft-com:office:office" xmlns:v="urn:schemas-microsoft-com:vml" xmlns:pvml="urn:schemas-microsoft-com:office:powerpoint" xmlns:com="http://schemas.openxmlformats.org/drawingml/2006/compatibility" xmlns:p14="http://schemas.microsoft.com/office/powerpoint/2010/main" xmlns:p15="http://schemas.microsoft.com/office/powerpoint/2012/main" xmlns:ahyp="http://schemas.microsoft.com/office/drawing/2018/hyperlinkcolor">
-  <p:cSld>
-    <p:spTree>
-      <p:nvGrpSpPr>
-        <p:cNvPr id="147" name="Shape 147"/>
-        <p:cNvGrpSpPr/>
-        <p:nvPr/>
-      </p:nvGrpSpPr>
-      <p:grpSpPr>
-        <a:xfrm>
-          <a:off x="0" y="0"/>
-          <a:ext cx="0" cy="0"/>
-          <a:chOff x="0" y="0"/>
-          <a:chExt cx="0" cy="0"/>
-        </a:xfrm>
-      </p:grpSpPr>
-      <p:sp>
-        <p:nvSpPr>
-          <p:cNvPr id="148" name="Google Shape;148;p23"/>
-          <p:cNvSpPr txBox="1"/>
-          <p:nvPr>
-            <p:ph type="title"/>
-          </p:nvPr>
-        </p:nvSpPr>
-        <p:spPr>
-          <a:xfrm>
-            <a:off x="311700" y="445025"/>
-            <a:ext cx="8520600" cy="572700"/>
-          </a:xfrm>
-          <a:prstGeom prst="rect">
-            <a:avLst/>
-          </a:prstGeom>
-        </p:spPr>
-        <p:txBody>
-          <a:bodyPr anchorCtr="0" anchor="t" bIns="91425" lIns="91425" spcFirstLastPara="1" rIns="91425" wrap="square" tIns="91425">
-            <a:normAutofit fontScale="90000"/>
-          </a:bodyPr>
-          <a:lstStyle/>
-          <a:p>
-            <a:pPr indent="0" lvl="0" marL="0" rtl="0" algn="l">
-              <a:spcBef>
-                <a:spcPts val="0"/>
-              </a:spcBef>
-              <a:spcAft>
-                <a:spcPts val="0"/>
-              </a:spcAft>
-              <a:buNone/>
-            </a:pPr>
-            <a:r>
-              <a:rPr lang="en"/>
-              <a:t>Project Type 3: Create a Tool</a:t>
-            </a:r>
-            <a:endParaRPr/>
-          </a:p>
-        </p:txBody>
-      </p:sp>
-      <p:sp>
-        <p:nvSpPr>
-          <p:cNvPr id="149" name="Google Shape;149;p23"/>
-          <p:cNvSpPr txBox="1"/>
-          <p:nvPr>
-            <p:ph idx="1" type="body"/>
-          </p:nvPr>
-        </p:nvSpPr>
-        <p:spPr>
-          <a:xfrm>
-            <a:off x="311700" y="1152475"/>
-            <a:ext cx="8520600" cy="3416400"/>
-          </a:xfrm>
-          <a:prstGeom prst="rect">
-            <a:avLst/>
-          </a:prstGeom>
-        </p:spPr>
-        <p:txBody>
-          <a:bodyPr anchorCtr="0" anchor="t" bIns="91425" lIns="91425" spcFirstLastPara="1" rIns="91425" wrap="square" tIns="91425">
-            <a:normAutofit/>
-          </a:bodyPr>
-          <a:lstStyle/>
-          <a:p>
-            <a:pPr indent="0" lvl="0" marL="0" rtl="0" algn="l">
-              <a:spcBef>
-                <a:spcPts val="0"/>
-              </a:spcBef>
-              <a:spcAft>
-                <a:spcPts val="0"/>
-              </a:spcAft>
-              <a:buClr>
-                <a:schemeClr val="dk1"/>
-              </a:buClr>
-              <a:buSzPts val="1100"/>
-              <a:buFont typeface="Arial"/>
-              <a:buNone/>
-            </a:pPr>
-            <a:r>
-              <a:rPr lang="en"/>
-              <a:t>Problem statement: Solve a problem common to many users</a:t>
-            </a:r>
-            <a:endParaRPr/>
-          </a:p>
-          <a:p>
-            <a:pPr indent="-342900" lvl="0" marL="457200" rtl="0" algn="l">
-              <a:spcBef>
-                <a:spcPts val="1200"/>
-              </a:spcBef>
-              <a:spcAft>
-                <a:spcPts val="0"/>
-              </a:spcAft>
-              <a:buSzPts val="1800"/>
-              <a:buChar char="●"/>
-            </a:pPr>
-            <a:r>
-              <a:rPr lang="en"/>
-              <a:t>Don’t reinvent the wheel</a:t>
-            </a:r>
-            <a:endParaRPr/>
-          </a:p>
-          <a:p>
-            <a:pPr indent="0" lvl="0" marL="0" rtl="0" algn="l">
-              <a:spcBef>
-                <a:spcPts val="1200"/>
-              </a:spcBef>
-              <a:spcAft>
-                <a:spcPts val="0"/>
-              </a:spcAft>
-              <a:buClr>
-                <a:schemeClr val="dk1"/>
-              </a:buClr>
-              <a:buSzPts val="1100"/>
-              <a:buFont typeface="Arial"/>
-              <a:buNone/>
-            </a:pPr>
-            <a:r>
-              <a:rPr lang="en"/>
-              <a:t>Example</a:t>
-            </a:r>
-            <a:endParaRPr/>
-          </a:p>
-          <a:p>
-            <a:pPr indent="0" lvl="0" marL="0" rtl="0" algn="l">
-              <a:spcBef>
-                <a:spcPts val="1200"/>
-              </a:spcBef>
-              <a:spcAft>
-                <a:spcPts val="1200"/>
-              </a:spcAft>
-              <a:buNone/>
-            </a:pPr>
-            <a:r>
-              <a:rPr lang="en" u="sng">
-                <a:solidFill>
-                  <a:schemeClr val="hlink"/>
-                </a:solidFill>
-                <a:hlinkClick r:id="rId3"/>
-              </a:rPr>
-              <a:t>BioReactor Data Logging</a:t>
-            </a:r>
-            <a:r>
-              <a:rPr lang="en"/>
-              <a:t> – Monitor and publish data from BioReactor experiments</a:t>
-            </a:r>
-            <a:endParaRPr/>
-          </a:p>
-        </p:txBody>
-      </p:sp>
-    </p:spTree>
-  </p:cSld>
-  <p:clrMapOvr>
-    <a:masterClrMapping/>
-  </p:clrMapOvr>
-</p:sld>
-</file>
-
-<file path=ppt/slides/slide12.xml><?xml version="1.0" encoding="utf-8"?>
-<p:sld xmlns:a="http://schemas.openxmlformats.org/drawingml/2006/main" xmlns:r="http://schemas.openxmlformats.org/officeDocument/2006/relationships" xmlns:mc="http://schemas.openxmlformats.org/markup-compatibility/2006" xmlns:mv="urn:schemas-microsoft-com:mac:vml" xmlns:p="http://schemas.openxmlformats.org/presentationml/2006/main" xmlns:c="http://schemas.openxmlformats.org/drawingml/2006/chart" xmlns:dgm="http://schemas.openxmlformats.org/drawingml/2006/diagram" xmlns:o="urn:schemas-microsoft-com:office:office" xmlns:v="urn:schemas-microsoft-com:vml" xmlns:pvml="urn:schemas-microsoft-com:office:powerpoint" xmlns:com="http://schemas.openxmlformats.org/drawingml/2006/compatibility" xmlns:p14="http://schemas.microsoft.com/office/powerpoint/2010/main" xmlns:p15="http://schemas.microsoft.com/office/powerpoint/2012/main" xmlns:ahyp="http://schemas.microsoft.com/office/drawing/2018/hyperlinkcolor">
-  <p:cSld>
-    <p:spTree>
-      <p:nvGrpSpPr>
-        <p:cNvPr id="153" name="Shape 153"/>
-        <p:cNvGrpSpPr/>
-        <p:nvPr/>
-      </p:nvGrpSpPr>
-      <p:grpSpPr>
-        <a:xfrm>
-          <a:off x="0" y="0"/>
-          <a:ext cx="0" cy="0"/>
-          <a:chOff x="0" y="0"/>
-          <a:chExt cx="0" cy="0"/>
-        </a:xfrm>
-      </p:grpSpPr>
-      <p:sp>
-        <p:nvSpPr>
-          <p:cNvPr id="154" name="Google Shape;154;p24"/>
-          <p:cNvSpPr txBox="1"/>
-          <p:nvPr>
-            <p:ph type="title"/>
-          </p:nvPr>
-        </p:nvSpPr>
-        <p:spPr>
-          <a:xfrm>
-            <a:off x="311700" y="445025"/>
-            <a:ext cx="8520600" cy="572700"/>
-          </a:xfrm>
-          <a:prstGeom prst="rect">
-            <a:avLst/>
-          </a:prstGeom>
-        </p:spPr>
-        <p:txBody>
-          <a:bodyPr anchorCtr="0" anchor="t" bIns="91425" lIns="91425" spcFirstLastPara="1" rIns="91425" wrap="square" tIns="91425">
-            <a:normAutofit fontScale="90000"/>
-          </a:bodyPr>
-          <a:lstStyle/>
-          <a:p>
-            <a:pPr indent="0" lvl="0" marL="0" rtl="0" algn="l">
-              <a:spcBef>
-                <a:spcPts val="0"/>
-              </a:spcBef>
-              <a:spcAft>
-                <a:spcPts val="0"/>
-              </a:spcAft>
-              <a:buNone/>
-            </a:pPr>
-            <a:r>
-              <a:rPr lang="en"/>
               <a:t>Getting Started</a:t>
             </a:r>
             <a:endParaRPr/>
@@ -8326,7 +7497,7 @@
       </p:sp>
       <p:grpSp>
         <p:nvGrpSpPr>
-          <p:cNvPr id="155" name="Google Shape;155;p24"/>
+          <p:cNvPr id="144" name="Google Shape;144;p22"/>
           <p:cNvGrpSpPr/>
           <p:nvPr/>
         </p:nvGrpSpPr>
@@ -8340,7 +7511,7 @@
         </p:grpSpPr>
         <p:sp>
           <p:nvSpPr>
-            <p:cNvPr id="156" name="Google Shape;156;p24"/>
+            <p:cNvPr id="145" name="Google Shape;145;p22"/>
             <p:cNvSpPr/>
             <p:nvPr/>
           </p:nvSpPr>
@@ -8414,7 +7585,7 @@
         </p:sp>
         <p:sp>
           <p:nvSpPr>
-            <p:cNvPr id="157" name="Google Shape;157;p24"/>
+            <p:cNvPr id="146" name="Google Shape;146;p22"/>
             <p:cNvSpPr txBox="1"/>
             <p:nvPr/>
           </p:nvSpPr>
@@ -8479,7 +7650,7 @@
       </p:grpSp>
       <p:grpSp>
         <p:nvGrpSpPr>
-          <p:cNvPr id="158" name="Google Shape;158;p24"/>
+          <p:cNvPr id="147" name="Google Shape;147;p22"/>
           <p:cNvGrpSpPr/>
           <p:nvPr/>
         </p:nvGrpSpPr>
@@ -8493,7 +7664,7 @@
         </p:grpSpPr>
         <p:sp>
           <p:nvSpPr>
-            <p:cNvPr id="159" name="Google Shape;159;p24"/>
+            <p:cNvPr id="148" name="Google Shape;148;p22"/>
             <p:cNvSpPr/>
             <p:nvPr/>
           </p:nvSpPr>
@@ -8567,7 +7738,7 @@
         </p:sp>
         <p:sp>
           <p:nvSpPr>
-            <p:cNvPr id="160" name="Google Shape;160;p24"/>
+            <p:cNvPr id="149" name="Google Shape;149;p22"/>
             <p:cNvSpPr txBox="1"/>
             <p:nvPr/>
           </p:nvSpPr>
@@ -8623,7 +7794,7 @@
       </p:grpSp>
       <p:grpSp>
         <p:nvGrpSpPr>
-          <p:cNvPr id="161" name="Google Shape;161;p24"/>
+          <p:cNvPr id="150" name="Google Shape;150;p22"/>
           <p:cNvGrpSpPr/>
           <p:nvPr/>
         </p:nvGrpSpPr>
@@ -8637,7 +7808,7 @@
         </p:grpSpPr>
         <p:sp>
           <p:nvSpPr>
-            <p:cNvPr id="162" name="Google Shape;162;p24"/>
+            <p:cNvPr id="151" name="Google Shape;151;p22"/>
             <p:cNvSpPr/>
             <p:nvPr/>
           </p:nvSpPr>
@@ -8711,7 +7882,7 @@
         </p:sp>
         <p:sp>
           <p:nvSpPr>
-            <p:cNvPr id="163" name="Google Shape;163;p24"/>
+            <p:cNvPr id="152" name="Google Shape;152;p22"/>
             <p:cNvSpPr txBox="1"/>
             <p:nvPr/>
           </p:nvSpPr>
@@ -8785,7 +7956,7 @@
       </p:grpSp>
       <p:grpSp>
         <p:nvGrpSpPr>
-          <p:cNvPr id="164" name="Google Shape;164;p24"/>
+          <p:cNvPr id="153" name="Google Shape;153;p22"/>
           <p:cNvGrpSpPr/>
           <p:nvPr/>
         </p:nvGrpSpPr>
@@ -8799,7 +7970,7 @@
         </p:grpSpPr>
         <p:sp>
           <p:nvSpPr>
-            <p:cNvPr id="165" name="Google Shape;165;p24"/>
+            <p:cNvPr id="154" name="Google Shape;154;p22"/>
             <p:cNvSpPr/>
             <p:nvPr/>
           </p:nvSpPr>
@@ -8873,7 +8044,7 @@
         </p:sp>
         <p:sp>
           <p:nvSpPr>
-            <p:cNvPr id="166" name="Google Shape;166;p24"/>
+            <p:cNvPr id="155" name="Google Shape;155;p22"/>
             <p:cNvSpPr txBox="1"/>
             <p:nvPr/>
           </p:nvSpPr>
@@ -8935,12 +8106,12 @@
 </p:sld>
 </file>
 
-<file path=ppt/slides/slide13.xml><?xml version="1.0" encoding="utf-8"?>
+<file path=ppt/slides/slide11.xml><?xml version="1.0" encoding="utf-8"?>
 <p:sld xmlns:a="http://schemas.openxmlformats.org/drawingml/2006/main" xmlns:r="http://schemas.openxmlformats.org/officeDocument/2006/relationships" xmlns:mc="http://schemas.openxmlformats.org/markup-compatibility/2006" xmlns:mv="urn:schemas-microsoft-com:mac:vml" xmlns:p="http://schemas.openxmlformats.org/presentationml/2006/main" xmlns:c="http://schemas.openxmlformats.org/drawingml/2006/chart" xmlns:dgm="http://schemas.openxmlformats.org/drawingml/2006/diagram" xmlns:o="urn:schemas-microsoft-com:office:office" xmlns:v="urn:schemas-microsoft-com:vml" xmlns:pvml="urn:schemas-microsoft-com:office:powerpoint" xmlns:com="http://schemas.openxmlformats.org/drawingml/2006/compatibility" xmlns:p14="http://schemas.microsoft.com/office/powerpoint/2010/main" xmlns:p15="http://schemas.microsoft.com/office/powerpoint/2012/main" xmlns:ahyp="http://schemas.microsoft.com/office/drawing/2018/hyperlinkcolor">
   <p:cSld>
     <p:spTree>
       <p:nvGrpSpPr>
-        <p:cNvPr id="170" name="Shape 170"/>
+        <p:cNvPr id="159" name="Shape 159"/>
         <p:cNvGrpSpPr/>
         <p:nvPr/>
       </p:nvGrpSpPr>
@@ -8954,7 +8125,7 @@
       </p:grpSpPr>
       <p:sp>
         <p:nvSpPr>
-          <p:cNvPr id="171" name="Google Shape;171;p25"/>
+          <p:cNvPr id="160" name="Google Shape;160;p23"/>
           <p:cNvSpPr txBox="1"/>
           <p:nvPr>
             <p:ph type="title"/>
@@ -8986,7 +8157,7 @@
             </a:pPr>
             <a:r>
               <a:rPr lang="en"/>
-              <a:t>Things to Think About</a:t>
+              <a:t>More on the Data</a:t>
             </a:r>
             <a:endParaRPr/>
           </a:p>
@@ -8994,7 +8165,7 @@
       </p:sp>
       <p:sp>
         <p:nvSpPr>
-          <p:cNvPr id="172" name="Google Shape;172;p25"/>
+          <p:cNvPr id="161" name="Google Shape;161;p23"/>
           <p:cNvSpPr txBox="1"/>
           <p:nvPr>
             <p:ph idx="1" type="body"/>
@@ -9015,140 +8186,55 @@
           </a:bodyPr>
           <a:lstStyle/>
           <a:p>
-            <a:pPr indent="-342900" lvl="0" marL="457200" rtl="0" algn="l">
-              <a:spcBef>
-                <a:spcPts val="0"/>
-              </a:spcBef>
-              <a:spcAft>
-                <a:spcPts val="0"/>
-              </a:spcAft>
-              <a:buSzPts val="1800"/>
+            <a:pPr indent="-381000" lvl="0" marL="457200" rtl="0" algn="l">
+              <a:spcBef>
+                <a:spcPts val="0"/>
+              </a:spcBef>
+              <a:spcAft>
+                <a:spcPts val="0"/>
+              </a:spcAft>
+              <a:buSzPts val="2400"/>
               <a:buChar char="●"/>
             </a:pPr>
             <a:r>
-              <a:rPr lang="en"/>
-              <a:t>Topics of interest</a:t>
+              <a:rPr lang="en" sz="2400"/>
+              <a:t>At least two non-trivial data sets</a:t>
             </a:r>
-            <a:endParaRPr/>
+            <a:endParaRPr sz="2400"/>
           </a:p>
           <a:p>
-            <a:pPr indent="-317500" lvl="1" marL="914400" rtl="0" algn="l">
-              <a:spcBef>
-                <a:spcPts val="0"/>
-              </a:spcBef>
-              <a:spcAft>
-                <a:spcPts val="0"/>
-              </a:spcAft>
-              <a:buSzPts val="1400"/>
-              <a:buChar char="○"/>
-            </a:pPr>
-            <a:r>
-              <a:rPr lang="en"/>
-              <a:t>Is there an unmet need (i.e. no code already exists)?</a:t>
-            </a:r>
-            <a:endParaRPr/>
-          </a:p>
-          <a:p>
-            <a:pPr indent="-317500" lvl="1" marL="914400" rtl="0" algn="l">
-              <a:spcBef>
-                <a:spcPts val="0"/>
-              </a:spcBef>
-              <a:spcAft>
-                <a:spcPts val="0"/>
-              </a:spcAft>
-              <a:buSzPts val="1400"/>
-              <a:buChar char="○"/>
-            </a:pPr>
-            <a:r>
-              <a:rPr lang="en"/>
-              <a:t>Is there only commercial software available for a task?</a:t>
-            </a:r>
-            <a:endParaRPr/>
-          </a:p>
-          <a:p>
-            <a:pPr indent="-317500" lvl="1" marL="914400" rtl="0" algn="l">
-              <a:spcBef>
-                <a:spcPts val="0"/>
-              </a:spcBef>
-              <a:spcAft>
-                <a:spcPts val="0"/>
-              </a:spcAft>
-              <a:buSzPts val="1400"/>
-              <a:buChar char="○"/>
-            </a:pPr>
-            <a:r>
-              <a:rPr lang="en"/>
-              <a:t>What is the potential user base?</a:t>
-            </a:r>
-            <a:endParaRPr/>
-          </a:p>
-          <a:p>
-            <a:pPr indent="-342900" lvl="0" marL="457200" rtl="0" algn="l">
-              <a:spcBef>
-                <a:spcPts val="0"/>
-              </a:spcBef>
-              <a:spcAft>
-                <a:spcPts val="0"/>
-              </a:spcAft>
-              <a:buSzPts val="1800"/>
+            <a:pPr indent="-381000" lvl="0" marL="457200" rtl="0" algn="l">
+              <a:spcBef>
+                <a:spcPts val="0"/>
+              </a:spcBef>
+              <a:spcAft>
+                <a:spcPts val="0"/>
+              </a:spcAft>
+              <a:buSzPts val="2400"/>
               <a:buChar char="●"/>
             </a:pPr>
             <a:r>
-              <a:rPr lang="en"/>
-              <a:t>Data you have access to NOW</a:t>
+              <a:rPr lang="en" sz="2400"/>
+              <a:t>Data need to be combined, joined, merged, etc. to answer the scientific questions</a:t>
             </a:r>
-            <a:endParaRPr/>
+            <a:endParaRPr sz="2400"/>
           </a:p>
           <a:p>
-            <a:pPr indent="-317500" lvl="1" marL="914400" rtl="0" algn="l">
-              <a:spcBef>
-                <a:spcPts val="0"/>
-              </a:spcBef>
-              <a:spcAft>
-                <a:spcPts val="0"/>
-              </a:spcAft>
-              <a:buSzPts val="1400"/>
-              <a:buChar char="○"/>
+            <a:pPr indent="-381000" lvl="0" marL="457200" rtl="0" algn="l">
+              <a:spcBef>
+                <a:spcPts val="0"/>
+              </a:spcBef>
+              <a:spcAft>
+                <a:spcPts val="0"/>
+              </a:spcAft>
+              <a:buSzPts val="2400"/>
+              <a:buChar char="●"/>
             </a:pPr>
             <a:r>
-              <a:rPr lang="en"/>
-              <a:t>How much you’ve used the data</a:t>
+              <a:rPr lang="en" sz="2400"/>
+              <a:t>Have access to the data NOW!</a:t>
             </a:r>
-            <a:endParaRPr/>
-          </a:p>
-          <a:p>
-            <a:pPr indent="-317500" lvl="1" marL="914400" rtl="0" algn="l">
-              <a:spcBef>
-                <a:spcPts val="0"/>
-              </a:spcBef>
-              <a:spcAft>
-                <a:spcPts val="0"/>
-              </a:spcAft>
-              <a:buSzPts val="1400"/>
-              <a:buChar char="○"/>
-            </a:pPr>
-            <a:r>
-              <a:rPr lang="en"/>
-              <a:t>Code you have to access the data</a:t>
-            </a:r>
-            <a:endParaRPr/>
-          </a:p>
-          <a:p>
-            <a:pPr indent="-317500" lvl="1" marL="914400" rtl="0" algn="l">
-              <a:spcBef>
-                <a:spcPts val="0"/>
-              </a:spcBef>
-              <a:spcAft>
-                <a:spcPts val="0"/>
-              </a:spcAft>
-              <a:buSzPts val="1400"/>
-              <a:buChar char="○"/>
-            </a:pPr>
-            <a:r>
-              <a:rPr lang="en"/>
-              <a:t>How clean the data are</a:t>
-            </a:r>
-            <a:endParaRPr/>
+            <a:endParaRPr sz="2400"/>
           </a:p>
         </p:txBody>
       </p:sp>
@@ -9160,12 +8246,12 @@
 </p:sld>
 </file>
 
-<file path=ppt/slides/slide14.xml><?xml version="1.0" encoding="utf-8"?>
+<file path=ppt/slides/slide12.xml><?xml version="1.0" encoding="utf-8"?>
 <p:sld xmlns:a="http://schemas.openxmlformats.org/drawingml/2006/main" xmlns:r="http://schemas.openxmlformats.org/officeDocument/2006/relationships" xmlns:mc="http://schemas.openxmlformats.org/markup-compatibility/2006" xmlns:mv="urn:schemas-microsoft-com:mac:vml" xmlns:p="http://schemas.openxmlformats.org/presentationml/2006/main" xmlns:c="http://schemas.openxmlformats.org/drawingml/2006/chart" xmlns:dgm="http://schemas.openxmlformats.org/drawingml/2006/diagram" xmlns:o="urn:schemas-microsoft-com:office:office" xmlns:v="urn:schemas-microsoft-com:vml" xmlns:pvml="urn:schemas-microsoft-com:office:powerpoint" xmlns:com="http://schemas.openxmlformats.org/drawingml/2006/compatibility" xmlns:p14="http://schemas.microsoft.com/office/powerpoint/2010/main" xmlns:p15="http://schemas.microsoft.com/office/powerpoint/2012/main" xmlns:ahyp="http://schemas.microsoft.com/office/drawing/2018/hyperlinkcolor">
   <p:cSld>
     <p:spTree>
       <p:nvGrpSpPr>
-        <p:cNvPr id="176" name="Shape 176"/>
+        <p:cNvPr id="165" name="Shape 165"/>
         <p:cNvGrpSpPr/>
         <p:nvPr/>
       </p:nvGrpSpPr>
@@ -9179,7 +8265,7 @@
       </p:grpSpPr>
       <p:sp>
         <p:nvSpPr>
-          <p:cNvPr id="177" name="Google Shape;177;p26"/>
+          <p:cNvPr id="166" name="Google Shape;166;p24"/>
           <p:cNvSpPr txBox="1"/>
           <p:nvPr>
             <p:ph type="title"/>
@@ -9211,303 +8297,6 @@
             </a:pPr>
             <a:r>
               <a:rPr lang="en"/>
-              <a:t>Verify the Project Idea</a:t>
-            </a:r>
-            <a:endParaRPr/>
-          </a:p>
-        </p:txBody>
-      </p:sp>
-      <p:sp>
-        <p:nvSpPr>
-          <p:cNvPr id="178" name="Google Shape;178;p26"/>
-          <p:cNvSpPr txBox="1"/>
-          <p:nvPr>
-            <p:ph idx="1" type="body"/>
-          </p:nvPr>
-        </p:nvSpPr>
-        <p:spPr>
-          <a:xfrm>
-            <a:off x="311700" y="1152475"/>
-            <a:ext cx="8520600" cy="3416400"/>
-          </a:xfrm>
-          <a:prstGeom prst="rect">
-            <a:avLst/>
-          </a:prstGeom>
-        </p:spPr>
-        <p:txBody>
-          <a:bodyPr anchorCtr="0" anchor="t" bIns="91425" lIns="91425" spcFirstLastPara="1" rIns="91425" wrap="square" tIns="91425">
-            <a:normAutofit/>
-          </a:bodyPr>
-          <a:lstStyle/>
-          <a:p>
-            <a:pPr indent="-381000" lvl="0" marL="457200" rtl="0" algn="l">
-              <a:spcBef>
-                <a:spcPts val="0"/>
-              </a:spcBef>
-              <a:spcAft>
-                <a:spcPts val="0"/>
-              </a:spcAft>
-              <a:buSzPts val="2400"/>
-              <a:buChar char="●"/>
-            </a:pPr>
-            <a:r>
-              <a:rPr lang="en" sz="2400"/>
-              <a:t>Is there an unmet need (i.e. no code already exists)?</a:t>
-            </a:r>
-            <a:endParaRPr sz="2400"/>
-          </a:p>
-          <a:p>
-            <a:pPr indent="-381000" lvl="0" marL="457200" rtl="0" algn="l">
-              <a:spcBef>
-                <a:spcPts val="0"/>
-              </a:spcBef>
-              <a:spcAft>
-                <a:spcPts val="0"/>
-              </a:spcAft>
-              <a:buSzPts val="2400"/>
-              <a:buChar char="●"/>
-            </a:pPr>
-            <a:r>
-              <a:rPr lang="en" sz="2400"/>
-              <a:t>Clarity about the project type?</a:t>
-            </a:r>
-            <a:endParaRPr sz="2400"/>
-          </a:p>
-          <a:p>
-            <a:pPr indent="-381000" lvl="0" marL="457200" rtl="0" algn="l">
-              <a:spcBef>
-                <a:spcPts val="0"/>
-              </a:spcBef>
-              <a:spcAft>
-                <a:spcPts val="0"/>
-              </a:spcAft>
-              <a:buSzPts val="2400"/>
-              <a:buChar char="●"/>
-            </a:pPr>
-            <a:r>
-              <a:rPr lang="en" sz="2400"/>
-              <a:t>Consensus on the problem being solved.</a:t>
-            </a:r>
-            <a:endParaRPr sz="2400"/>
-          </a:p>
-          <a:p>
-            <a:pPr indent="-381000" lvl="0" marL="457200" rtl="0" algn="l">
-              <a:spcBef>
-                <a:spcPts val="0"/>
-              </a:spcBef>
-              <a:spcAft>
-                <a:spcPts val="0"/>
-              </a:spcAft>
-              <a:buSzPts val="2400"/>
-              <a:buChar char="●"/>
-            </a:pPr>
-            <a:r>
-              <a:rPr lang="en" sz="2400"/>
-              <a:t>Do you have data that can solve the problem?</a:t>
-            </a:r>
-            <a:endParaRPr sz="2400"/>
-          </a:p>
-        </p:txBody>
-      </p:sp>
-    </p:spTree>
-  </p:cSld>
-  <p:clrMapOvr>
-    <a:masterClrMapping/>
-  </p:clrMapOvr>
-</p:sld>
-</file>
-
-<file path=ppt/slides/slide15.xml><?xml version="1.0" encoding="utf-8"?>
-<p:sld xmlns:a="http://schemas.openxmlformats.org/drawingml/2006/main" xmlns:r="http://schemas.openxmlformats.org/officeDocument/2006/relationships" xmlns:mc="http://schemas.openxmlformats.org/markup-compatibility/2006" xmlns:mv="urn:schemas-microsoft-com:mac:vml" xmlns:p="http://schemas.openxmlformats.org/presentationml/2006/main" xmlns:c="http://schemas.openxmlformats.org/drawingml/2006/chart" xmlns:dgm="http://schemas.openxmlformats.org/drawingml/2006/diagram" xmlns:o="urn:schemas-microsoft-com:office:office" xmlns:v="urn:schemas-microsoft-com:vml" xmlns:pvml="urn:schemas-microsoft-com:office:powerpoint" xmlns:com="http://schemas.openxmlformats.org/drawingml/2006/compatibility" xmlns:p14="http://schemas.microsoft.com/office/powerpoint/2010/main" xmlns:p15="http://schemas.microsoft.com/office/powerpoint/2012/main" xmlns:ahyp="http://schemas.microsoft.com/office/drawing/2018/hyperlinkcolor">
-  <p:cSld>
-    <p:spTree>
-      <p:nvGrpSpPr>
-        <p:cNvPr id="182" name="Shape 182"/>
-        <p:cNvGrpSpPr/>
-        <p:nvPr/>
-      </p:nvGrpSpPr>
-      <p:grpSpPr>
-        <a:xfrm>
-          <a:off x="0" y="0"/>
-          <a:ext cx="0" cy="0"/>
-          <a:chOff x="0" y="0"/>
-          <a:chExt cx="0" cy="0"/>
-        </a:xfrm>
-      </p:grpSpPr>
-      <p:sp>
-        <p:nvSpPr>
-          <p:cNvPr id="183" name="Google Shape;183;p27"/>
-          <p:cNvSpPr txBox="1"/>
-          <p:nvPr>
-            <p:ph type="title"/>
-          </p:nvPr>
-        </p:nvSpPr>
-        <p:spPr>
-          <a:xfrm>
-            <a:off x="311700" y="445025"/>
-            <a:ext cx="8520600" cy="572700"/>
-          </a:xfrm>
-          <a:prstGeom prst="rect">
-            <a:avLst/>
-          </a:prstGeom>
-        </p:spPr>
-        <p:txBody>
-          <a:bodyPr anchorCtr="0" anchor="t" bIns="91425" lIns="91425" spcFirstLastPara="1" rIns="91425" wrap="square" tIns="91425">
-            <a:normAutofit fontScale="90000"/>
-          </a:bodyPr>
-          <a:lstStyle/>
-          <a:p>
-            <a:pPr indent="0" lvl="0" marL="0" rtl="0" algn="l">
-              <a:spcBef>
-                <a:spcPts val="0"/>
-              </a:spcBef>
-              <a:spcAft>
-                <a:spcPts val="0"/>
-              </a:spcAft>
-              <a:buNone/>
-            </a:pPr>
-            <a:r>
-              <a:rPr lang="en"/>
-              <a:t>More on the Data</a:t>
-            </a:r>
-            <a:endParaRPr/>
-          </a:p>
-        </p:txBody>
-      </p:sp>
-      <p:sp>
-        <p:nvSpPr>
-          <p:cNvPr id="184" name="Google Shape;184;p27"/>
-          <p:cNvSpPr txBox="1"/>
-          <p:nvPr>
-            <p:ph idx="1" type="body"/>
-          </p:nvPr>
-        </p:nvSpPr>
-        <p:spPr>
-          <a:xfrm>
-            <a:off x="311700" y="1152475"/>
-            <a:ext cx="8520600" cy="3416400"/>
-          </a:xfrm>
-          <a:prstGeom prst="rect">
-            <a:avLst/>
-          </a:prstGeom>
-        </p:spPr>
-        <p:txBody>
-          <a:bodyPr anchorCtr="0" anchor="t" bIns="91425" lIns="91425" spcFirstLastPara="1" rIns="91425" wrap="square" tIns="91425">
-            <a:normAutofit/>
-          </a:bodyPr>
-          <a:lstStyle/>
-          <a:p>
-            <a:pPr indent="-381000" lvl="0" marL="457200" rtl="0" algn="l">
-              <a:spcBef>
-                <a:spcPts val="0"/>
-              </a:spcBef>
-              <a:spcAft>
-                <a:spcPts val="0"/>
-              </a:spcAft>
-              <a:buSzPts val="2400"/>
-              <a:buChar char="●"/>
-            </a:pPr>
-            <a:r>
-              <a:rPr lang="en" sz="2400"/>
-              <a:t>At least two non-trivial data sets</a:t>
-            </a:r>
-            <a:endParaRPr sz="2400"/>
-          </a:p>
-          <a:p>
-            <a:pPr indent="-381000" lvl="0" marL="457200" rtl="0" algn="l">
-              <a:spcBef>
-                <a:spcPts val="0"/>
-              </a:spcBef>
-              <a:spcAft>
-                <a:spcPts val="0"/>
-              </a:spcAft>
-              <a:buSzPts val="2400"/>
-              <a:buChar char="●"/>
-            </a:pPr>
-            <a:r>
-              <a:rPr lang="en" sz="2400"/>
-              <a:t>Data need to be combined, joined, merged, etc. to answer the scientific questions</a:t>
-            </a:r>
-            <a:endParaRPr sz="2400"/>
-          </a:p>
-          <a:p>
-            <a:pPr indent="-381000" lvl="0" marL="457200" rtl="0" algn="l">
-              <a:spcBef>
-                <a:spcPts val="0"/>
-              </a:spcBef>
-              <a:spcAft>
-                <a:spcPts val="0"/>
-              </a:spcAft>
-              <a:buSzPts val="2400"/>
-              <a:buChar char="●"/>
-            </a:pPr>
-            <a:r>
-              <a:rPr lang="en" sz="2400"/>
-              <a:t>Have access to the data NOW!</a:t>
-            </a:r>
-            <a:endParaRPr sz="2400"/>
-          </a:p>
-        </p:txBody>
-      </p:sp>
-    </p:spTree>
-  </p:cSld>
-  <p:clrMapOvr>
-    <a:masterClrMapping/>
-  </p:clrMapOvr>
-</p:sld>
-</file>
-
-<file path=ppt/slides/slide16.xml><?xml version="1.0" encoding="utf-8"?>
-<p:sld xmlns:a="http://schemas.openxmlformats.org/drawingml/2006/main" xmlns:r="http://schemas.openxmlformats.org/officeDocument/2006/relationships" xmlns:mc="http://schemas.openxmlformats.org/markup-compatibility/2006" xmlns:mv="urn:schemas-microsoft-com:mac:vml" xmlns:p="http://schemas.openxmlformats.org/presentationml/2006/main" xmlns:c="http://schemas.openxmlformats.org/drawingml/2006/chart" xmlns:dgm="http://schemas.openxmlformats.org/drawingml/2006/diagram" xmlns:o="urn:schemas-microsoft-com:office:office" xmlns:v="urn:schemas-microsoft-com:vml" xmlns:pvml="urn:schemas-microsoft-com:office:powerpoint" xmlns:com="http://schemas.openxmlformats.org/drawingml/2006/compatibility" xmlns:p14="http://schemas.microsoft.com/office/powerpoint/2010/main" xmlns:p15="http://schemas.microsoft.com/office/powerpoint/2012/main" xmlns:ahyp="http://schemas.microsoft.com/office/drawing/2018/hyperlinkcolor">
-  <p:cSld>
-    <p:spTree>
-      <p:nvGrpSpPr>
-        <p:cNvPr id="188" name="Shape 188"/>
-        <p:cNvGrpSpPr/>
-        <p:nvPr/>
-      </p:nvGrpSpPr>
-      <p:grpSpPr>
-        <a:xfrm>
-          <a:off x="0" y="0"/>
-          <a:ext cx="0" cy="0"/>
-          <a:chOff x="0" y="0"/>
-          <a:chExt cx="0" cy="0"/>
-        </a:xfrm>
-      </p:grpSpPr>
-      <p:sp>
-        <p:nvSpPr>
-          <p:cNvPr id="189" name="Google Shape;189;p28"/>
-          <p:cNvSpPr txBox="1"/>
-          <p:nvPr>
-            <p:ph type="title"/>
-          </p:nvPr>
-        </p:nvSpPr>
-        <p:spPr>
-          <a:xfrm>
-            <a:off x="311700" y="445025"/>
-            <a:ext cx="8520600" cy="572700"/>
-          </a:xfrm>
-          <a:prstGeom prst="rect">
-            <a:avLst/>
-          </a:prstGeom>
-        </p:spPr>
-        <p:txBody>
-          <a:bodyPr anchorCtr="0" anchor="t" bIns="91425" lIns="91425" spcFirstLastPara="1" rIns="91425" wrap="square" tIns="91425">
-            <a:normAutofit fontScale="90000"/>
-          </a:bodyPr>
-          <a:lstStyle/>
-          <a:p>
-            <a:pPr indent="0" lvl="0" marL="0" rtl="0" algn="l">
-              <a:spcBef>
-                <a:spcPts val="0"/>
-              </a:spcBef>
-              <a:spcAft>
-                <a:spcPts val="0"/>
-              </a:spcAft>
-              <a:buNone/>
-            </a:pPr>
-            <a:r>
-              <a:rPr lang="en"/>
               <a:t>Some Public Data</a:t>
             </a:r>
             <a:endParaRPr/>
@@ -9516,7 +8305,7 @@
       </p:sp>
       <p:sp>
         <p:nvSpPr>
-          <p:cNvPr id="190" name="Google Shape;190;p28"/>
+          <p:cNvPr id="167" name="Google Shape;167;p24"/>
           <p:cNvSpPr txBox="1"/>
           <p:nvPr>
             <p:ph idx="1" type="body"/>
@@ -9777,12 +8566,12 @@
 </p:sld>
 </file>
 
-<file path=ppt/slides/slide17.xml><?xml version="1.0" encoding="utf-8"?>
+<file path=ppt/slides/slide13.xml><?xml version="1.0" encoding="utf-8"?>
 <p:sld xmlns:a="http://schemas.openxmlformats.org/drawingml/2006/main" xmlns:r="http://schemas.openxmlformats.org/officeDocument/2006/relationships" xmlns:mc="http://schemas.openxmlformats.org/markup-compatibility/2006" xmlns:mv="urn:schemas-microsoft-com:mac:vml" xmlns:p="http://schemas.openxmlformats.org/presentationml/2006/main" xmlns:c="http://schemas.openxmlformats.org/drawingml/2006/chart" xmlns:dgm="http://schemas.openxmlformats.org/drawingml/2006/diagram" xmlns:o="urn:schemas-microsoft-com:office:office" xmlns:v="urn:schemas-microsoft-com:vml" xmlns:pvml="urn:schemas-microsoft-com:office:powerpoint" xmlns:com="http://schemas.openxmlformats.org/drawingml/2006/compatibility" xmlns:p14="http://schemas.microsoft.com/office/powerpoint/2010/main" xmlns:p15="http://schemas.microsoft.com/office/powerpoint/2012/main" xmlns:ahyp="http://schemas.microsoft.com/office/drawing/2018/hyperlinkcolor">
   <p:cSld>
     <p:spTree>
       <p:nvGrpSpPr>
-        <p:cNvPr id="194" name="Shape 194"/>
+        <p:cNvPr id="171" name="Shape 171"/>
         <p:cNvGrpSpPr/>
         <p:nvPr/>
       </p:nvGrpSpPr>
@@ -9796,7 +8585,7 @@
       </p:grpSpPr>
       <p:sp>
         <p:nvSpPr>
-          <p:cNvPr id="195" name="Google Shape;195;p29"/>
+          <p:cNvPr id="172" name="Google Shape;172;p25"/>
           <p:cNvSpPr txBox="1"/>
           <p:nvPr>
             <p:ph type="title"/>
@@ -9828,7 +8617,7 @@
             </a:pPr>
             <a:r>
               <a:rPr lang="en"/>
-              <a:t>Data! Data! Data!</a:t>
+              <a:t>Project Ideation</a:t>
             </a:r>
             <a:endParaRPr/>
           </a:p>
@@ -9836,7 +8625,7 @@
       </p:sp>
       <p:sp>
         <p:nvSpPr>
-          <p:cNvPr id="196" name="Google Shape;196;p29"/>
+          <p:cNvPr id="173" name="Google Shape;173;p25"/>
           <p:cNvSpPr txBox="1"/>
           <p:nvPr>
             <p:ph idx="1" type="body"/>
@@ -9857,9 +8646,25 @@
           </a:bodyPr>
           <a:lstStyle/>
           <a:p>
+            <a:pPr indent="0" lvl="0" marL="0" rtl="0" algn="l">
+              <a:spcBef>
+                <a:spcPts val="0"/>
+              </a:spcBef>
+              <a:spcAft>
+                <a:spcPts val="0"/>
+              </a:spcAft>
+              <a:buNone/>
+            </a:pPr>
+            <a:r>
+              <a:rPr lang="en"/>
+              <a:t>Over the first few weeks:</a:t>
+            </a:r>
+            <a:endParaRPr/>
+          </a:p>
+          <a:p>
             <a:pPr indent="-342900" lvl="0" marL="457200" rtl="0" algn="l">
               <a:spcBef>
-                <a:spcPts val="0"/>
+                <a:spcPts val="1200"/>
               </a:spcBef>
               <a:spcAft>
                 <a:spcPts val="0"/>
@@ -9869,7 +8674,7 @@
             </a:pPr>
             <a:r>
               <a:rPr lang="en"/>
-              <a:t>At least two non-trivial data sets</a:t>
+              <a:t>What areas are you interested in?  E.g. social good or a job demo.</a:t>
             </a:r>
             <a:endParaRPr/>
           </a:p>
@@ -9886,25 +8691,60 @@
             </a:pPr>
             <a:r>
               <a:rPr lang="en"/>
-              <a:t>Data need to be combined, joined, merged, etc.</a:t>
+              <a:t>What data are available in that space?</a:t>
             </a:r>
             <a:endParaRPr/>
           </a:p>
           <a:p>
-            <a:pPr indent="0" lvl="0" marL="0" rtl="0" algn="l">
-              <a:spcBef>
-                <a:spcPts val="1200"/>
-              </a:spcBef>
-              <a:spcAft>
-                <a:spcPts val="1200"/>
-              </a:spcAft>
-              <a:buNone/>
+            <a:pPr indent="-342900" lvl="0" marL="457200" rtl="0" algn="l">
+              <a:spcBef>
+                <a:spcPts val="0"/>
+              </a:spcBef>
+              <a:spcAft>
+                <a:spcPts val="0"/>
+              </a:spcAft>
+              <a:buSzPts val="1800"/>
+              <a:buChar char="●"/>
             </a:pPr>
             <a:r>
-              <a:rPr b="1" lang="en" sz="2400"/>
-              <a:t>Think about your data NOW!</a:t>
+              <a:rPr lang="en"/>
+              <a:t>What tools already exist in that space?</a:t>
             </a:r>
-            <a:endParaRPr b="1" sz="2400"/>
+            <a:endParaRPr/>
+          </a:p>
+          <a:p>
+            <a:pPr indent="-342900" lvl="0" marL="457200" rtl="0" algn="l">
+              <a:spcBef>
+                <a:spcPts val="0"/>
+              </a:spcBef>
+              <a:spcAft>
+                <a:spcPts val="0"/>
+              </a:spcAft>
+              <a:buSzPts val="1800"/>
+              <a:buChar char="●"/>
+            </a:pPr>
+            <a:r>
+              <a:rPr lang="en"/>
+              <a:t>What type of project is this? (answer research question, create reusable data, create a tool, other?)</a:t>
+            </a:r>
+            <a:endParaRPr/>
+          </a:p>
+          <a:p>
+            <a:pPr indent="-342900" lvl="0" marL="457200" rtl="0" algn="l">
+              <a:spcBef>
+                <a:spcPts val="0"/>
+              </a:spcBef>
+              <a:spcAft>
+                <a:spcPts val="0"/>
+              </a:spcAft>
+              <a:buSzPts val="1800"/>
+              <a:buChar char="●"/>
+            </a:pPr>
+            <a:r>
+              <a:rPr b="1" lang="en"/>
+              <a:t>Give a one slide, 1 minute project idea pitch at the start of class #5!</a:t>
+            </a:r>
+            <a:endParaRPr b="1"/>
           </a:p>
         </p:txBody>
       </p:sp>
@@ -9916,12 +8756,12 @@
 </p:sld>
 </file>
 
-<file path=ppt/slides/slide18.xml><?xml version="1.0" encoding="utf-8"?>
+<file path=ppt/slides/slide14.xml><?xml version="1.0" encoding="utf-8"?>
 <p:sld xmlns:a="http://schemas.openxmlformats.org/drawingml/2006/main" xmlns:r="http://schemas.openxmlformats.org/officeDocument/2006/relationships" xmlns:mc="http://schemas.openxmlformats.org/markup-compatibility/2006" xmlns:mv="urn:schemas-microsoft-com:mac:vml" xmlns:p="http://schemas.openxmlformats.org/presentationml/2006/main" xmlns:c="http://schemas.openxmlformats.org/drawingml/2006/chart" xmlns:dgm="http://schemas.openxmlformats.org/drawingml/2006/diagram" xmlns:o="urn:schemas-microsoft-com:office:office" xmlns:v="urn:schemas-microsoft-com:vml" xmlns:pvml="urn:schemas-microsoft-com:office:powerpoint" xmlns:com="http://schemas.openxmlformats.org/drawingml/2006/compatibility" xmlns:p14="http://schemas.microsoft.com/office/powerpoint/2010/main" xmlns:p15="http://schemas.microsoft.com/office/powerpoint/2012/main" xmlns:ahyp="http://schemas.microsoft.com/office/drawing/2018/hyperlinkcolor">
   <p:cSld>
     <p:spTree>
       <p:nvGrpSpPr>
-        <p:cNvPr id="200" name="Shape 200"/>
+        <p:cNvPr id="177" name="Shape 177"/>
         <p:cNvGrpSpPr/>
         <p:nvPr/>
       </p:nvGrpSpPr>
@@ -9935,7 +8775,7 @@
       </p:grpSpPr>
       <p:sp>
         <p:nvSpPr>
-          <p:cNvPr id="201" name="Google Shape;201;p30"/>
+          <p:cNvPr id="178" name="Google Shape;178;p26"/>
           <p:cNvSpPr txBox="1"/>
           <p:nvPr>
             <p:ph type="title"/>
@@ -9967,200 +8807,6 @@
             </a:pPr>
             <a:r>
               <a:rPr lang="en"/>
-              <a:t>Project Ideation</a:t>
-            </a:r>
-            <a:endParaRPr/>
-          </a:p>
-        </p:txBody>
-      </p:sp>
-      <p:sp>
-        <p:nvSpPr>
-          <p:cNvPr id="202" name="Google Shape;202;p30"/>
-          <p:cNvSpPr txBox="1"/>
-          <p:nvPr>
-            <p:ph idx="1" type="body"/>
-          </p:nvPr>
-        </p:nvSpPr>
-        <p:spPr>
-          <a:xfrm>
-            <a:off x="311700" y="1152475"/>
-            <a:ext cx="8520600" cy="3416400"/>
-          </a:xfrm>
-          <a:prstGeom prst="rect">
-            <a:avLst/>
-          </a:prstGeom>
-        </p:spPr>
-        <p:txBody>
-          <a:bodyPr anchorCtr="0" anchor="t" bIns="91425" lIns="91425" spcFirstLastPara="1" rIns="91425" wrap="square" tIns="91425">
-            <a:normAutofit/>
-          </a:bodyPr>
-          <a:lstStyle/>
-          <a:p>
-            <a:pPr indent="0" lvl="0" marL="0" rtl="0" algn="l">
-              <a:spcBef>
-                <a:spcPts val="0"/>
-              </a:spcBef>
-              <a:spcAft>
-                <a:spcPts val="0"/>
-              </a:spcAft>
-              <a:buNone/>
-            </a:pPr>
-            <a:r>
-              <a:rPr lang="en"/>
-              <a:t>Over the first few weeks:</a:t>
-            </a:r>
-            <a:endParaRPr/>
-          </a:p>
-          <a:p>
-            <a:pPr indent="-342900" lvl="0" marL="457200" rtl="0" algn="l">
-              <a:spcBef>
-                <a:spcPts val="1200"/>
-              </a:spcBef>
-              <a:spcAft>
-                <a:spcPts val="0"/>
-              </a:spcAft>
-              <a:buSzPts val="1800"/>
-              <a:buChar char="●"/>
-            </a:pPr>
-            <a:r>
-              <a:rPr lang="en"/>
-              <a:t>What areas are you interested in?  E.g. social good or a job demo.</a:t>
-            </a:r>
-            <a:endParaRPr/>
-          </a:p>
-          <a:p>
-            <a:pPr indent="-342900" lvl="0" marL="457200" rtl="0" algn="l">
-              <a:spcBef>
-                <a:spcPts val="0"/>
-              </a:spcBef>
-              <a:spcAft>
-                <a:spcPts val="0"/>
-              </a:spcAft>
-              <a:buSzPts val="1800"/>
-              <a:buChar char="●"/>
-            </a:pPr>
-            <a:r>
-              <a:rPr lang="en"/>
-              <a:t>What data are available in that space?</a:t>
-            </a:r>
-            <a:endParaRPr/>
-          </a:p>
-          <a:p>
-            <a:pPr indent="-342900" lvl="0" marL="457200" rtl="0" algn="l">
-              <a:spcBef>
-                <a:spcPts val="0"/>
-              </a:spcBef>
-              <a:spcAft>
-                <a:spcPts val="0"/>
-              </a:spcAft>
-              <a:buSzPts val="1800"/>
-              <a:buChar char="●"/>
-            </a:pPr>
-            <a:r>
-              <a:rPr lang="en"/>
-              <a:t>What tools already exist in that space?</a:t>
-            </a:r>
-            <a:endParaRPr/>
-          </a:p>
-          <a:p>
-            <a:pPr indent="-342900" lvl="0" marL="457200" rtl="0" algn="l">
-              <a:spcBef>
-                <a:spcPts val="0"/>
-              </a:spcBef>
-              <a:spcAft>
-                <a:spcPts val="0"/>
-              </a:spcAft>
-              <a:buSzPts val="1800"/>
-              <a:buChar char="●"/>
-            </a:pPr>
-            <a:r>
-              <a:rPr lang="en"/>
-              <a:t>What type of project is this? (answer research question, create reusable data, create a tool, other?)</a:t>
-            </a:r>
-            <a:endParaRPr/>
-          </a:p>
-          <a:p>
-            <a:pPr indent="-342900" lvl="0" marL="457200" rtl="0" algn="l">
-              <a:spcBef>
-                <a:spcPts val="0"/>
-              </a:spcBef>
-              <a:spcAft>
-                <a:spcPts val="0"/>
-              </a:spcAft>
-              <a:buSzPts val="1800"/>
-              <a:buChar char="●"/>
-            </a:pPr>
-            <a:r>
-              <a:rPr b="1" lang="en"/>
-              <a:t>Volunteer to g</a:t>
-            </a:r>
-            <a:r>
-              <a:rPr b="1" lang="en"/>
-              <a:t>ive a one slide, 5 minute project idea pitch at the start of class!</a:t>
-            </a:r>
-            <a:endParaRPr b="1"/>
-          </a:p>
-        </p:txBody>
-      </p:sp>
-    </p:spTree>
-  </p:cSld>
-  <p:clrMapOvr>
-    <a:masterClrMapping/>
-  </p:clrMapOvr>
-</p:sld>
-</file>
-
-<file path=ppt/slides/slide19.xml><?xml version="1.0" encoding="utf-8"?>
-<p:sld xmlns:a="http://schemas.openxmlformats.org/drawingml/2006/main" xmlns:r="http://schemas.openxmlformats.org/officeDocument/2006/relationships" xmlns:mc="http://schemas.openxmlformats.org/markup-compatibility/2006" xmlns:mv="urn:schemas-microsoft-com:mac:vml" xmlns:p="http://schemas.openxmlformats.org/presentationml/2006/main" xmlns:c="http://schemas.openxmlformats.org/drawingml/2006/chart" xmlns:dgm="http://schemas.openxmlformats.org/drawingml/2006/diagram" xmlns:o="urn:schemas-microsoft-com:office:office" xmlns:v="urn:schemas-microsoft-com:vml" xmlns:pvml="urn:schemas-microsoft-com:office:powerpoint" xmlns:com="http://schemas.openxmlformats.org/drawingml/2006/compatibility" xmlns:p14="http://schemas.microsoft.com/office/powerpoint/2010/main" xmlns:p15="http://schemas.microsoft.com/office/powerpoint/2012/main" xmlns:ahyp="http://schemas.microsoft.com/office/drawing/2018/hyperlinkcolor">
-  <p:cSld>
-    <p:spTree>
-      <p:nvGrpSpPr>
-        <p:cNvPr id="206" name="Shape 206"/>
-        <p:cNvGrpSpPr/>
-        <p:nvPr/>
-      </p:nvGrpSpPr>
-      <p:grpSpPr>
-        <a:xfrm>
-          <a:off x="0" y="0"/>
-          <a:ext cx="0" cy="0"/>
-          <a:chOff x="0" y="0"/>
-          <a:chExt cx="0" cy="0"/>
-        </a:xfrm>
-      </p:grpSpPr>
-      <p:sp>
-        <p:nvSpPr>
-          <p:cNvPr id="207" name="Google Shape;207;p31"/>
-          <p:cNvSpPr txBox="1"/>
-          <p:nvPr>
-            <p:ph type="title"/>
-          </p:nvPr>
-        </p:nvSpPr>
-        <p:spPr>
-          <a:xfrm>
-            <a:off x="311700" y="445025"/>
-            <a:ext cx="8520600" cy="572700"/>
-          </a:xfrm>
-          <a:prstGeom prst="rect">
-            <a:avLst/>
-          </a:prstGeom>
-        </p:spPr>
-        <p:txBody>
-          <a:bodyPr anchorCtr="0" anchor="t" bIns="91425" lIns="91425" spcFirstLastPara="1" rIns="91425" wrap="square" tIns="91425">
-            <a:normAutofit fontScale="90000"/>
-          </a:bodyPr>
-          <a:lstStyle/>
-          <a:p>
-            <a:pPr indent="0" lvl="0" marL="0" rtl="0" algn="l">
-              <a:spcBef>
-                <a:spcPts val="0"/>
-              </a:spcBef>
-              <a:spcAft>
-                <a:spcPts val="0"/>
-              </a:spcAft>
-              <a:buNone/>
-            </a:pPr>
-            <a:r>
-              <a:rPr lang="en"/>
               <a:t>Academic Integrity</a:t>
             </a:r>
             <a:endParaRPr/>
@@ -10169,7 +8815,7 @@
       </p:sp>
       <p:sp>
         <p:nvSpPr>
-          <p:cNvPr id="208" name="Google Shape;208;p31"/>
+          <p:cNvPr id="179" name="Google Shape;179;p26"/>
           <p:cNvSpPr txBox="1"/>
           <p:nvPr>
             <p:ph idx="1" type="body"/>
@@ -10616,7 +9262,7 @@
         </p:blipFill>
         <p:spPr>
           <a:xfrm>
-            <a:off x="1003013" y="3499330"/>
+            <a:off x="2335863" y="3499342"/>
             <a:ext cx="1963948" cy="1397976"/>
           </a:xfrm>
           <a:prstGeom prst="rect">
@@ -10646,6 +9292,34 @@
           <a:xfrm>
             <a:off x="6231383" y="4142672"/>
             <a:ext cx="1692966" cy="572701"/>
+          </a:xfrm>
+          <a:prstGeom prst="rect">
+            <a:avLst/>
+          </a:prstGeom>
+          <a:noFill/>
+          <a:ln>
+            <a:noFill/>
+          </a:ln>
+        </p:spPr>
+      </p:pic>
+      <p:pic>
+        <p:nvPicPr>
+          <p:cNvPr id="81" name="Google Shape;81;p14"/>
+          <p:cNvPicPr preferRelativeResize="0"/>
+          <p:nvPr/>
+        </p:nvPicPr>
+        <p:blipFill>
+          <a:blip r:embed="rId13">
+            <a:alphaModFix/>
+          </a:blip>
+          <a:stretch>
+            <a:fillRect/>
+          </a:stretch>
+        </p:blipFill>
+        <p:spPr>
+          <a:xfrm>
+            <a:off x="185817" y="3911973"/>
+            <a:ext cx="2387808" cy="572700"/>
           </a:xfrm>
           <a:prstGeom prst="rect">
             <a:avLst/>
@@ -10788,6 +9462,51 @@
                             </p:stCondLst>
                             <p:childTnLst>
                               <p:par>
+                                <p:cTn fill="hold" nodeType="clickEffect" presetClass="entr" presetID="1" presetSubtype="0">
+                                  <p:stCondLst>
+                                    <p:cond delay="0"/>
+                                  </p:stCondLst>
+                                  <p:childTnLst>
+                                    <p:set>
+                                      <p:cBhvr>
+                                        <p:cTn dur="1" fill="hold">
+                                          <p:stCondLst>
+                                            <p:cond delay="0"/>
+                                          </p:stCondLst>
+                                        </p:cTn>
+                                        <p:tgtEl>
+                                          <p:spTgt spid="81"/>
+                                        </p:tgtEl>
+                                        <p:attrNameLst>
+                                          <p:attrName>style.visibility</p:attrName>
+                                        </p:attrNameLst>
+                                      </p:cBhvr>
+                                      <p:to>
+                                        <p:strVal val="visible"/>
+                                      </p:to>
+                                    </p:set>
+                                  </p:childTnLst>
+                                </p:cTn>
+                              </p:par>
+                            </p:childTnLst>
+                          </p:cTn>
+                        </p:par>
+                      </p:childTnLst>
+                    </p:cTn>
+                  </p:par>
+                  <p:par>
+                    <p:cTn fill="hold">
+                      <p:stCondLst>
+                        <p:cond delay="indefinite"/>
+                      </p:stCondLst>
+                      <p:childTnLst>
+                        <p:par>
+                          <p:cTn fill="hold">
+                            <p:stCondLst>
+                              <p:cond delay="0"/>
+                            </p:stCondLst>
+                            <p:childTnLst>
+                              <p:par>
                                 <p:cTn fill="hold" nodeType="clickEffect" presetClass="entr" presetID="10" presetSubtype="0">
                                   <p:stCondLst>
                                     <p:cond delay="0"/>
@@ -10813,7 +9532,7 @@
                                     </p:set>
                                     <p:animEffect filter="fade" transition="in">
                                       <p:cBhvr>
-                                        <p:cTn dur="1000"/>
+                                        <p:cTn dur="1"/>
                                         <p:tgtEl>
                                           <p:spTgt spid="79"/>
                                         </p:tgtEl>
@@ -10964,7 +9683,7 @@
   <p:cSld>
     <p:spTree>
       <p:nvGrpSpPr>
-        <p:cNvPr id="84" name="Shape 84"/>
+        <p:cNvPr id="85" name="Shape 85"/>
         <p:cNvGrpSpPr/>
         <p:nvPr/>
       </p:nvGrpSpPr>
@@ -10978,7 +9697,7 @@
       </p:grpSpPr>
       <p:sp>
         <p:nvSpPr>
-          <p:cNvPr id="85" name="Google Shape;85;p15"/>
+          <p:cNvPr id="86" name="Google Shape;86;p15"/>
           <p:cNvSpPr txBox="1"/>
           <p:nvPr>
             <p:ph type="title"/>
@@ -11018,7 +9737,7 @@
       </p:sp>
       <p:grpSp>
         <p:nvGrpSpPr>
-          <p:cNvPr id="86" name="Google Shape;86;p15"/>
+          <p:cNvPr id="87" name="Google Shape;87;p15"/>
           <p:cNvGrpSpPr/>
           <p:nvPr/>
         </p:nvGrpSpPr>
@@ -11032,7 +9751,7 @@
         </p:grpSpPr>
         <p:pic>
           <p:nvPicPr>
-            <p:cNvPr id="87" name="Google Shape;87;p15"/>
+            <p:cNvPr id="88" name="Google Shape;88;p15"/>
             <p:cNvPicPr preferRelativeResize="0"/>
             <p:nvPr/>
           </p:nvPicPr>
@@ -11059,7 +9778,7 @@
         </p:pic>
         <p:sp>
           <p:nvSpPr>
-            <p:cNvPr id="88" name="Google Shape;88;p15"/>
+            <p:cNvPr id="89" name="Google Shape;89;p15"/>
             <p:cNvSpPr txBox="1"/>
             <p:nvPr/>
           </p:nvSpPr>
@@ -11127,7 +9846,7 @@
                     <a:srgbClr val="595959"/>
                   </a:solidFill>
                 </a:rPr>
-                <a:t>TAs: data scientists</a:t>
+                <a:t>TA: data scientist</a:t>
               </a:r>
               <a:endParaRPr sz="1800">
                 <a:solidFill>
@@ -11140,7 +9859,7 @@
       </p:grpSp>
       <p:grpSp>
         <p:nvGrpSpPr>
-          <p:cNvPr id="89" name="Google Shape;89;p15"/>
+          <p:cNvPr id="90" name="Google Shape;90;p15"/>
           <p:cNvGrpSpPr/>
           <p:nvPr/>
         </p:nvGrpSpPr>
@@ -11154,7 +9873,7 @@
         </p:grpSpPr>
         <p:sp>
           <p:nvSpPr>
-            <p:cNvPr id="90" name="Google Shape;90;p15"/>
+            <p:cNvPr id="91" name="Google Shape;91;p15"/>
             <p:cNvSpPr txBox="1"/>
             <p:nvPr/>
           </p:nvSpPr>
@@ -11207,7 +9926,7 @@
         </p:sp>
         <p:pic>
           <p:nvPicPr>
-            <p:cNvPr id="91" name="Google Shape;91;p15"/>
+            <p:cNvPr id="92" name="Google Shape;92;p15"/>
             <p:cNvPicPr preferRelativeResize="0"/>
             <p:nvPr/>
           </p:nvPicPr>
@@ -11247,7 +9966,7 @@
   <p:cSld>
     <p:spTree>
       <p:nvGrpSpPr>
-        <p:cNvPr id="95" name="Shape 95"/>
+        <p:cNvPr id="96" name="Shape 96"/>
         <p:cNvGrpSpPr/>
         <p:nvPr/>
       </p:nvGrpSpPr>
@@ -11261,7 +9980,7 @@
       </p:grpSpPr>
       <p:sp>
         <p:nvSpPr>
-          <p:cNvPr id="96" name="Google Shape;96;p16"/>
+          <p:cNvPr id="97" name="Google Shape;97;p16"/>
           <p:cNvSpPr txBox="1"/>
           <p:nvPr>
             <p:ph type="title"/>
@@ -11301,7 +10020,7 @@
       </p:sp>
       <p:sp>
         <p:nvSpPr>
-          <p:cNvPr id="97" name="Google Shape;97;p16"/>
+          <p:cNvPr id="98" name="Google Shape;98;p16"/>
           <p:cNvSpPr/>
           <p:nvPr/>
         </p:nvSpPr>
@@ -11352,7 +10071,7 @@
       </p:sp>
       <p:sp>
         <p:nvSpPr>
-          <p:cNvPr id="98" name="Google Shape;98;p16"/>
+          <p:cNvPr id="99" name="Google Shape;99;p16"/>
           <p:cNvSpPr/>
           <p:nvPr/>
         </p:nvSpPr>
@@ -11403,7 +10122,7 @@
       </p:sp>
       <p:sp>
         <p:nvSpPr>
-          <p:cNvPr id="99" name="Google Shape;99;p16"/>
+          <p:cNvPr id="100" name="Google Shape;100;p16"/>
           <p:cNvSpPr txBox="1"/>
           <p:nvPr/>
         </p:nvSpPr>
@@ -11445,7 +10164,7 @@
       </p:sp>
       <p:sp>
         <p:nvSpPr>
-          <p:cNvPr id="100" name="Google Shape;100;p16"/>
+          <p:cNvPr id="101" name="Google Shape;101;p16"/>
           <p:cNvSpPr txBox="1"/>
           <p:nvPr/>
         </p:nvSpPr>
@@ -11487,7 +10206,7 @@
       </p:sp>
       <p:sp>
         <p:nvSpPr>
-          <p:cNvPr id="101" name="Google Shape;101;p16"/>
+          <p:cNvPr id="102" name="Google Shape;102;p16"/>
           <p:cNvSpPr txBox="1"/>
           <p:nvPr/>
         </p:nvSpPr>
@@ -11617,7 +10336,7 @@
       </p:sp>
       <p:sp>
         <p:nvSpPr>
-          <p:cNvPr id="102" name="Google Shape;102;p16"/>
+          <p:cNvPr id="103" name="Google Shape;103;p16"/>
           <p:cNvSpPr txBox="1"/>
           <p:nvPr/>
         </p:nvSpPr>
@@ -11659,7 +10378,7 @@
       </p:sp>
       <p:sp>
         <p:nvSpPr>
-          <p:cNvPr id="103" name="Google Shape;103;p16"/>
+          <p:cNvPr id="104" name="Google Shape;104;p16"/>
           <p:cNvSpPr txBox="1"/>
           <p:nvPr/>
         </p:nvSpPr>
@@ -11701,7 +10420,7 @@
       </p:sp>
       <p:sp>
         <p:nvSpPr>
-          <p:cNvPr id="104" name="Google Shape;104;p16"/>
+          <p:cNvPr id="105" name="Google Shape;105;p16"/>
           <p:cNvSpPr txBox="1"/>
           <p:nvPr/>
         </p:nvSpPr>
@@ -11822,7 +10541,7 @@
                                           </p:stCondLst>
                                         </p:cTn>
                                         <p:tgtEl>
-                                          <p:spTgt spid="101">
+                                          <p:spTgt spid="102">
                                             <p:txEl>
                                               <p:pRg end="0" st="0"/>
                                             </p:txEl>
@@ -11840,7 +10559,7 @@
                                       <p:cBhvr>
                                         <p:cTn dur="1"/>
                                         <p:tgtEl>
-                                          <p:spTgt spid="101">
+                                          <p:spTgt spid="102">
                                             <p:txEl>
                                               <p:pRg end="0" st="0"/>
                                             </p:txEl>
@@ -11883,7 +10602,7 @@
                                           </p:stCondLst>
                                         </p:cTn>
                                         <p:tgtEl>
-                                          <p:spTgt spid="101">
+                                          <p:spTgt spid="102">
                                             <p:txEl>
                                               <p:pRg end="1" st="1"/>
                                             </p:txEl>
@@ -11901,7 +10620,7 @@
                                       <p:cBhvr>
                                         <p:cTn dur="1"/>
                                         <p:tgtEl>
-                                          <p:spTgt spid="101">
+                                          <p:spTgt spid="102">
                                             <p:txEl>
                                               <p:pRg end="1" st="1"/>
                                             </p:txEl>
@@ -11944,7 +10663,7 @@
                                           </p:stCondLst>
                                         </p:cTn>
                                         <p:tgtEl>
-                                          <p:spTgt spid="101">
+                                          <p:spTgt spid="102">
                                             <p:txEl>
                                               <p:pRg end="2" st="2"/>
                                             </p:txEl>
@@ -11962,7 +10681,7 @@
                                       <p:cBhvr>
                                         <p:cTn dur="1"/>
                                         <p:tgtEl>
-                                          <p:spTgt spid="101">
+                                          <p:spTgt spid="102">
                                             <p:txEl>
                                               <p:pRg end="2" st="2"/>
                                             </p:txEl>
@@ -12005,7 +10724,7 @@
                                           </p:stCondLst>
                                         </p:cTn>
                                         <p:tgtEl>
-                                          <p:spTgt spid="101">
+                                          <p:spTgt spid="102">
                                             <p:txEl>
                                               <p:pRg end="3" st="3"/>
                                             </p:txEl>
@@ -12023,7 +10742,7 @@
                                       <p:cBhvr>
                                         <p:cTn dur="1"/>
                                         <p:tgtEl>
-                                          <p:spTgt spid="101">
+                                          <p:spTgt spid="102">
                                             <p:txEl>
                                               <p:pRg end="3" st="3"/>
                                             </p:txEl>
@@ -12066,7 +10785,7 @@
                                           </p:stCondLst>
                                         </p:cTn>
                                         <p:tgtEl>
-                                          <p:spTgt spid="101">
+                                          <p:spTgt spid="102">
                                             <p:txEl>
                                               <p:pRg end="4" st="4"/>
                                             </p:txEl>
@@ -12084,7 +10803,7 @@
                                       <p:cBhvr>
                                         <p:cTn dur="1"/>
                                         <p:tgtEl>
-                                          <p:spTgt spid="101">
+                                          <p:spTgt spid="102">
                                             <p:txEl>
                                               <p:pRg end="4" st="4"/>
                                             </p:txEl>
@@ -12127,7 +10846,7 @@
                                           </p:stCondLst>
                                         </p:cTn>
                                         <p:tgtEl>
-                                          <p:spTgt spid="101">
+                                          <p:spTgt spid="102">
                                             <p:txEl>
                                               <p:pRg end="5" st="5"/>
                                             </p:txEl>
@@ -12145,7 +10864,7 @@
                                       <p:cBhvr>
                                         <p:cTn dur="1"/>
                                         <p:tgtEl>
-                                          <p:spTgt spid="101">
+                                          <p:spTgt spid="102">
                                             <p:txEl>
                                               <p:pRg end="5" st="5"/>
                                             </p:txEl>
@@ -12188,7 +10907,7 @@
                                           </p:stCondLst>
                                         </p:cTn>
                                         <p:tgtEl>
-                                          <p:spTgt spid="104"/>
+                                          <p:spTgt spid="105"/>
                                         </p:tgtEl>
                                         <p:attrNameLst>
                                           <p:attrName>style.visibility</p:attrName>
@@ -12202,7 +10921,7 @@
                                       <p:cBhvr>
                                         <p:cTn dur="1"/>
                                         <p:tgtEl>
-                                          <p:spTgt spid="104"/>
+                                          <p:spTgt spid="105"/>
                                         </p:tgtEl>
                                       </p:cBhvr>
                                     </p:animEffect>
@@ -12245,7 +10964,7 @@
   <p:cSld>
     <p:spTree>
       <p:nvGrpSpPr>
-        <p:cNvPr id="108" name="Shape 108"/>
+        <p:cNvPr id="109" name="Shape 109"/>
         <p:cNvGrpSpPr/>
         <p:nvPr/>
       </p:nvGrpSpPr>
@@ -12259,7 +10978,7 @@
       </p:grpSpPr>
       <p:sp>
         <p:nvSpPr>
-          <p:cNvPr id="109" name="Google Shape;109;p17"/>
+          <p:cNvPr id="110" name="Google Shape;110;p17"/>
           <p:cNvSpPr txBox="1"/>
           <p:nvPr>
             <p:ph type="title"/>
@@ -12299,7 +11018,7 @@
       </p:sp>
       <p:pic>
         <p:nvPicPr>
-          <p:cNvPr id="110" name="Google Shape;110;p17"/>
+          <p:cNvPr id="111" name="Google Shape;111;p17"/>
           <p:cNvPicPr preferRelativeResize="0"/>
           <p:nvPr/>
         </p:nvPicPr>
@@ -12327,7 +11046,7 @@
       </p:pic>
       <p:sp>
         <p:nvSpPr>
-          <p:cNvPr id="111" name="Google Shape;111;p17"/>
+          <p:cNvPr id="112" name="Google Shape;112;p17"/>
           <p:cNvSpPr txBox="1"/>
           <p:nvPr>
             <p:ph idx="1" type="body"/>
@@ -12437,7 +11156,7 @@
   <p:cSld>
     <p:spTree>
       <p:nvGrpSpPr>
-        <p:cNvPr id="115" name="Shape 115"/>
+        <p:cNvPr id="116" name="Shape 116"/>
         <p:cNvGrpSpPr/>
         <p:nvPr/>
       </p:nvGrpSpPr>
@@ -12451,7 +11170,7 @@
       </p:grpSpPr>
       <p:sp>
         <p:nvSpPr>
-          <p:cNvPr id="116" name="Google Shape;116;p18"/>
+          <p:cNvPr id="117" name="Google Shape;117;p18"/>
           <p:cNvSpPr txBox="1"/>
           <p:nvPr>
             <p:ph type="title"/>
@@ -12491,7 +11210,7 @@
       </p:sp>
       <p:sp>
         <p:nvSpPr>
-          <p:cNvPr id="117" name="Google Shape;117;p18"/>
+          <p:cNvPr id="118" name="Google Shape;118;p18"/>
           <p:cNvSpPr txBox="1"/>
           <p:nvPr>
             <p:ph idx="1" type="body"/>
@@ -12570,13 +11289,29 @@
                 <a:spcPts val="1200"/>
               </a:spcBef>
               <a:spcAft>
-                <a:spcPts val="1200"/>
+                <a:spcPts val="0"/>
               </a:spcAft>
               <a:buNone/>
             </a:pPr>
             <a:r>
               <a:rPr lang="en" sz="2600"/>
               <a:t>+ Ed Discussions</a:t>
+            </a:r>
+            <a:endParaRPr sz="2600"/>
+          </a:p>
+          <a:p>
+            <a:pPr indent="457200" lvl="0" marL="0" rtl="0" algn="l">
+              <a:spcBef>
+                <a:spcPts val="1200"/>
+              </a:spcBef>
+              <a:spcAft>
+                <a:spcPts val="1200"/>
+              </a:spcAft>
+              <a:buNone/>
+            </a:pPr>
+            <a:r>
+              <a:rPr lang="en" sz="2600"/>
+              <a:t>4 hours, with breaks between topics</a:t>
             </a:r>
             <a:endParaRPr sz="2600"/>
           </a:p>
@@ -12595,7 +11330,7 @@
   <p:cSld>
     <p:spTree>
       <p:nvGrpSpPr>
-        <p:cNvPr id="121" name="Shape 121"/>
+        <p:cNvPr id="122" name="Shape 122"/>
         <p:cNvGrpSpPr/>
         <p:nvPr/>
       </p:nvGrpSpPr>
@@ -12609,7 +11344,7 @@
       </p:grpSpPr>
       <p:sp>
         <p:nvSpPr>
-          <p:cNvPr id="122" name="Google Shape;122;p19"/>
+          <p:cNvPr id="123" name="Google Shape;123;p19"/>
           <p:cNvSpPr txBox="1"/>
           <p:nvPr>
             <p:ph type="title"/>
@@ -12649,7 +11384,7 @@
       </p:sp>
       <p:sp>
         <p:nvSpPr>
-          <p:cNvPr id="123" name="Google Shape;123;p19"/>
+          <p:cNvPr id="124" name="Google Shape;124;p19"/>
           <p:cNvSpPr txBox="1"/>
           <p:nvPr>
             <p:ph idx="1" type="body"/>
@@ -12724,7 +11459,7 @@
       </p:sp>
       <p:pic>
         <p:nvPicPr>
-          <p:cNvPr id="124" name="Google Shape;124;p19"/>
+          <p:cNvPr id="125" name="Google Shape;125;p19"/>
           <p:cNvPicPr preferRelativeResize="0"/>
           <p:nvPr/>
         </p:nvPicPr>
@@ -12752,7 +11487,7 @@
       </p:pic>
       <p:pic>
         <p:nvPicPr>
-          <p:cNvPr id="125" name="Google Shape;125;p19"/>
+          <p:cNvPr id="126" name="Google Shape;126;p19"/>
           <p:cNvPicPr preferRelativeResize="0"/>
           <p:nvPr/>
         </p:nvPicPr>
@@ -12791,7 +11526,7 @@
   <p:cSld>
     <p:spTree>
       <p:nvGrpSpPr>
-        <p:cNvPr id="129" name="Shape 129"/>
+        <p:cNvPr id="130" name="Shape 130"/>
         <p:cNvGrpSpPr/>
         <p:nvPr/>
       </p:nvGrpSpPr>
@@ -12805,7 +11540,7 @@
       </p:grpSpPr>
       <p:sp>
         <p:nvSpPr>
-          <p:cNvPr id="130" name="Google Shape;130;p20"/>
+          <p:cNvPr id="131" name="Google Shape;131;p20"/>
           <p:cNvSpPr txBox="1"/>
           <p:nvPr>
             <p:ph type="title"/>
@@ -12845,7 +11580,7 @@
       </p:sp>
       <p:sp>
         <p:nvSpPr>
-          <p:cNvPr id="131" name="Google Shape;131;p20"/>
+          <p:cNvPr id="132" name="Google Shape;132;p20"/>
           <p:cNvSpPr txBox="1"/>
           <p:nvPr>
             <p:ph idx="1" type="body"/>
@@ -13021,7 +11756,7 @@
   <p:cSld>
     <p:spTree>
       <p:nvGrpSpPr>
-        <p:cNvPr id="135" name="Shape 135"/>
+        <p:cNvPr id="136" name="Shape 136"/>
         <p:cNvGrpSpPr/>
         <p:nvPr/>
       </p:nvGrpSpPr>
@@ -13035,7 +11770,7 @@
       </p:grpSpPr>
       <p:sp>
         <p:nvSpPr>
-          <p:cNvPr id="136" name="Google Shape;136;p21"/>
+          <p:cNvPr id="137" name="Google Shape;137;p21"/>
           <p:cNvSpPr txBox="1"/>
           <p:nvPr>
             <p:ph type="title"/>
@@ -13067,7 +11802,7 @@
             </a:pPr>
             <a:r>
               <a:rPr lang="en"/>
-              <a:t>Project Type 1: Answer “Research” Questions</a:t>
+              <a:t>Course Project Types</a:t>
             </a:r>
             <a:endParaRPr/>
           </a:p>
@@ -13075,7 +11810,7 @@
       </p:sp>
       <p:sp>
         <p:nvSpPr>
-          <p:cNvPr id="137" name="Google Shape;137;p21"/>
+          <p:cNvPr id="138" name="Google Shape;138;p21"/>
           <p:cNvSpPr txBox="1"/>
           <p:nvPr>
             <p:ph idx="1" type="body"/>
@@ -13096,89 +11831,72 @@
           </a:bodyPr>
           <a:lstStyle/>
           <a:p>
-            <a:pPr indent="0" lvl="0" marL="0" rtl="0" algn="l">
-              <a:spcBef>
-                <a:spcPts val="0"/>
-              </a:spcBef>
-              <a:spcAft>
-                <a:spcPts val="0"/>
-              </a:spcAft>
-              <a:buClr>
-                <a:schemeClr val="dk1"/>
-              </a:buClr>
-              <a:buSzPts val="1100"/>
-              <a:buFont typeface="Arial"/>
-              <a:buNone/>
+            <a:pPr indent="-368300" lvl="0" marL="457200" rtl="0" algn="l">
+              <a:spcBef>
+                <a:spcPts val="0"/>
+              </a:spcBef>
+              <a:spcAft>
+                <a:spcPts val="0"/>
+              </a:spcAft>
+              <a:buSzPts val="2200"/>
+              <a:buAutoNum type="arabicPeriod"/>
             </a:pPr>
             <a:r>
-              <a:rPr lang="en"/>
-              <a:t>Problem statement: Answer two to three questions of business or scientific relevance</a:t>
+              <a:rPr lang="en" sz="2200"/>
+              <a:t>Answer “Research” Questions</a:t>
             </a:r>
-            <a:endParaRPr/>
+            <a:endParaRPr sz="2200"/>
           </a:p>
           <a:p>
-            <a:pPr indent="-342900" lvl="0" marL="457200" rtl="0" algn="l">
-              <a:spcBef>
-                <a:spcPts val="1200"/>
-              </a:spcBef>
-              <a:spcAft>
-                <a:spcPts val="0"/>
-              </a:spcAft>
-              <a:buSzPts val="1800"/>
-              <a:buChar char="●"/>
+            <a:pPr indent="-368300" lvl="0" marL="457200" rtl="0" algn="l">
+              <a:spcBef>
+                <a:spcPts val="0"/>
+              </a:spcBef>
+              <a:spcAft>
+                <a:spcPts val="0"/>
+              </a:spcAft>
+              <a:buSzPts val="2200"/>
+              <a:buAutoNum type="arabicPeriod"/>
             </a:pPr>
             <a:r>
-              <a:rPr lang="en"/>
-              <a:t>Use a Jupyter notebook and supporting python files</a:t>
+              <a:rPr lang="en" sz="2200"/>
+              <a:t>Create a Tool</a:t>
             </a:r>
-            <a:endParaRPr/>
+            <a:endParaRPr sz="2200"/>
           </a:p>
           <a:p>
-            <a:pPr indent="0" lvl="0" marL="0" rtl="0" algn="l">
-              <a:spcBef>
-                <a:spcPts val="1200"/>
-              </a:spcBef>
-              <a:spcAft>
-                <a:spcPts val="0"/>
-              </a:spcAft>
-              <a:buClr>
-                <a:schemeClr val="dk1"/>
-              </a:buClr>
-              <a:buSzPts val="1100"/>
-              <a:buFont typeface="Arial"/>
-              <a:buNone/>
+            <a:pPr indent="-368300" lvl="0" marL="457200" rtl="0" algn="l">
+              <a:spcBef>
+                <a:spcPts val="0"/>
+              </a:spcBef>
+              <a:spcAft>
+                <a:spcPts val="0"/>
+              </a:spcAft>
+              <a:buSzPts val="2200"/>
+              <a:buAutoNum type="arabicPeriod"/>
             </a:pPr>
             <a:r>
-              <a:rPr lang="en"/>
-              <a:t>Example</a:t>
+              <a:rPr lang="en" sz="2200"/>
+              <a:t>Teach Analysis</a:t>
             </a:r>
-            <a:endParaRPr/>
+            <a:endParaRPr sz="2200"/>
           </a:p>
           <a:p>
-            <a:pPr indent="-342900" lvl="0" marL="457200" rtl="0" algn="l">
-              <a:spcBef>
-                <a:spcPts val="1200"/>
-              </a:spcBef>
-              <a:spcAft>
-                <a:spcPts val="0"/>
-              </a:spcAft>
-              <a:buSzPts val="1800"/>
-              <a:buChar char="●"/>
+            <a:pPr indent="-368300" lvl="0" marL="457200" rtl="0" algn="l">
+              <a:spcBef>
+                <a:spcPts val="0"/>
+              </a:spcBef>
+              <a:spcAft>
+                <a:spcPts val="0"/>
+              </a:spcAft>
+              <a:buSzPts val="2200"/>
+              <a:buAutoNum type="arabicPeriod"/>
             </a:pPr>
             <a:r>
-              <a:rPr lang="en" u="sng">
-                <a:solidFill>
-                  <a:schemeClr val="hlink"/>
-                </a:solidFill>
-                <a:hlinkClick r:id="rId3"/>
-              </a:rPr>
-              <a:t>Climate Police</a:t>
+              <a:rPr lang="en" sz="2200"/>
+              <a:t>Present Data</a:t>
             </a:r>
-            <a:r>
-              <a:rPr lang="en"/>
-              <a:t>: Analyze effects of pollution on the planet.</a:t>
-            </a:r>
-            <a:endParaRPr/>
+            <a:endParaRPr sz="2200"/>
           </a:p>
         </p:txBody>
       </p:sp>
@@ -13191,6 +11909,285 @@
 </file>
 
 <file path=ppt/theme/theme1.xml><?xml version="1.0" encoding="utf-8"?>
+<a:theme xmlns:a="http://schemas.openxmlformats.org/drawingml/2006/main" xmlns:r="http://schemas.openxmlformats.org/officeDocument/2006/relationships" name="Simple Light">
+  <a:themeElements>
+    <a:clrScheme name="Simple Light">
+      <a:dk1>
+        <a:srgbClr val="000000"/>
+      </a:dk1>
+      <a:lt1>
+        <a:srgbClr val="FFFFFF"/>
+      </a:lt1>
+      <a:dk2>
+        <a:srgbClr val="595959"/>
+      </a:dk2>
+      <a:lt2>
+        <a:srgbClr val="EEEEEE"/>
+      </a:lt2>
+      <a:accent1>
+        <a:srgbClr val="4285F4"/>
+      </a:accent1>
+      <a:accent2>
+        <a:srgbClr val="212121"/>
+      </a:accent2>
+      <a:accent3>
+        <a:srgbClr val="78909C"/>
+      </a:accent3>
+      <a:accent4>
+        <a:srgbClr val="FFAB40"/>
+      </a:accent4>
+      <a:accent5>
+        <a:srgbClr val="0097A7"/>
+      </a:accent5>
+      <a:accent6>
+        <a:srgbClr val="EEFF41"/>
+      </a:accent6>
+      <a:hlink>
+        <a:srgbClr val="0097A7"/>
+      </a:hlink>
+      <a:folHlink>
+        <a:srgbClr val="0097A7"/>
+      </a:folHlink>
+    </a:clrScheme>
+    <a:fontScheme name="Office">
+      <a:majorFont>
+        <a:latin typeface="Arial"/>
+        <a:ea typeface=""/>
+        <a:cs typeface=""/>
+        <a:font script="Jpan" typeface="ＭＳ Ｐゴシック"/>
+        <a:font script="Hang" typeface="맑은 고딕"/>
+        <a:font script="Hans" typeface="宋体"/>
+        <a:font script="Hant" typeface="新細明體"/>
+        <a:font script="Arab" typeface="Times New Roman"/>
+        <a:font script="Hebr" typeface="Times New Roman"/>
+        <a:font script="Thai" typeface="Angsana New"/>
+        <a:font script="Ethi" typeface="Nyala"/>
+        <a:font script="Beng" typeface="Vrinda"/>
+        <a:font script="Gujr" typeface="Shruti"/>
+        <a:font script="Khmr" typeface="MoolBoran"/>
+        <a:font script="Knda" typeface="Tunga"/>
+        <a:font script="Guru" typeface="Raavi"/>
+        <a:font script="Cans" typeface="Euphemia"/>
+        <a:font script="Cher" typeface="Plantagenet Cherokee"/>
+        <a:font script="Yiii" typeface="Microsoft Yi Baiti"/>
+        <a:font script="Tibt" typeface="Microsoft Himalaya"/>
+        <a:font script="Thaa" typeface="MV Boli"/>
+        <a:font script="Deva" typeface="Mangal"/>
+        <a:font script="Telu" typeface="Gautami"/>
+        <a:font script="Taml" typeface="Latha"/>
+        <a:font script="Syrc" typeface="Estrangelo Edessa"/>
+        <a:font script="Orya" typeface="Kalinga"/>
+        <a:font script="Mlym" typeface="Kartika"/>
+        <a:font script="Laoo" typeface="DokChampa"/>
+        <a:font script="Sinh" typeface="Iskoola Pota"/>
+        <a:font script="Mong" typeface="Mongolian Baiti"/>
+        <a:font script="Viet" typeface="Times New Roman"/>
+        <a:font script="Uigh" typeface="Microsoft Uighur"/>
+        <a:font script="Geor" typeface="Sylfaen"/>
+      </a:majorFont>
+      <a:minorFont>
+        <a:latin typeface="Arial"/>
+        <a:ea typeface=""/>
+        <a:cs typeface=""/>
+        <a:font script="Jpan" typeface="ＭＳ Ｐゴシック"/>
+        <a:font script="Hang" typeface="맑은 고딕"/>
+        <a:font script="Hans" typeface="宋体"/>
+        <a:font script="Hant" typeface="新細明體"/>
+        <a:font script="Arab" typeface="Arial"/>
+        <a:font script="Hebr" typeface="Arial"/>
+        <a:font script="Thai" typeface="Cordia New"/>
+        <a:font script="Ethi" typeface="Nyala"/>
+        <a:font script="Beng" typeface="Vrinda"/>
+        <a:font script="Gujr" typeface="Shruti"/>
+        <a:font script="Khmr" typeface="DaunPenh"/>
+        <a:font script="Knda" typeface="Tunga"/>
+        <a:font script="Guru" typeface="Raavi"/>
+        <a:font script="Cans" typeface="Euphemia"/>
+        <a:font script="Cher" typeface="Plantagenet Cherokee"/>
+        <a:font script="Yiii" typeface="Microsoft Yi Baiti"/>
+        <a:font script="Tibt" typeface="Microsoft Himalaya"/>
+        <a:font script="Thaa" typeface="MV Boli"/>
+        <a:font script="Deva" typeface="Mangal"/>
+        <a:font script="Telu" typeface="Gautami"/>
+        <a:font script="Taml" typeface="Latha"/>
+        <a:font script="Syrc" typeface="Estrangelo Edessa"/>
+        <a:font script="Orya" typeface="Kalinga"/>
+        <a:font script="Mlym" typeface="Kartika"/>
+        <a:font script="Laoo" typeface="DokChampa"/>
+        <a:font script="Sinh" typeface="Iskoola Pota"/>
+        <a:font script="Mong" typeface="Mongolian Baiti"/>
+        <a:font script="Viet" typeface="Arial"/>
+        <a:font script="Uigh" typeface="Microsoft Uighur"/>
+        <a:font script="Geor" typeface="Sylfaen"/>
+      </a:minorFont>
+    </a:fontScheme>
+    <a:fmtScheme name="Office">
+      <a:fillStyleLst>
+        <a:solidFill>
+          <a:schemeClr val="phClr"/>
+        </a:solidFill>
+        <a:gradFill rotWithShape="1">
+          <a:gsLst>
+            <a:gs pos="0">
+              <a:schemeClr val="phClr">
+                <a:tint val="50000"/>
+                <a:satMod val="300000"/>
+              </a:schemeClr>
+            </a:gs>
+            <a:gs pos="35000">
+              <a:schemeClr val="phClr">
+                <a:tint val="37000"/>
+                <a:satMod val="300000"/>
+              </a:schemeClr>
+            </a:gs>
+            <a:gs pos="100000">
+              <a:schemeClr val="phClr">
+                <a:tint val="15000"/>
+                <a:satMod val="350000"/>
+              </a:schemeClr>
+            </a:gs>
+          </a:gsLst>
+          <a:lin ang="16200000" scaled="1"/>
+        </a:gradFill>
+        <a:gradFill rotWithShape="1">
+          <a:gsLst>
+            <a:gs pos="0">
+              <a:schemeClr val="phClr">
+                <a:tint val="100000"/>
+                <a:shade val="100000"/>
+                <a:satMod val="130000"/>
+              </a:schemeClr>
+            </a:gs>
+            <a:gs pos="100000">
+              <a:schemeClr val="phClr">
+                <a:tint val="50000"/>
+                <a:shade val="100000"/>
+                <a:satMod val="350000"/>
+              </a:schemeClr>
+            </a:gs>
+          </a:gsLst>
+          <a:lin ang="16200000" scaled="0"/>
+        </a:gradFill>
+      </a:fillStyleLst>
+      <a:lnStyleLst>
+        <a:ln w="9525" cap="flat" cmpd="sng" algn="ctr">
+          <a:solidFill>
+            <a:schemeClr val="phClr">
+              <a:shade val="95000"/>
+              <a:satMod val="105000"/>
+            </a:schemeClr>
+          </a:solidFill>
+          <a:prstDash val="solid"/>
+        </a:ln>
+        <a:ln w="25400" cap="flat" cmpd="sng" algn="ctr">
+          <a:solidFill>
+            <a:schemeClr val="phClr"/>
+          </a:solidFill>
+          <a:prstDash val="solid"/>
+        </a:ln>
+        <a:ln w="38100" cap="flat" cmpd="sng" algn="ctr">
+          <a:solidFill>
+            <a:schemeClr val="phClr"/>
+          </a:solidFill>
+          <a:prstDash val="solid"/>
+        </a:ln>
+      </a:lnStyleLst>
+      <a:effectStyleLst>
+        <a:effectStyle>
+          <a:effectLst>
+            <a:outerShdw blurRad="40000" dist="20000" dir="5400000" rotWithShape="0">
+              <a:srgbClr val="000000">
+                <a:alpha val="38000"/>
+              </a:srgbClr>
+            </a:outerShdw>
+          </a:effectLst>
+        </a:effectStyle>
+        <a:effectStyle>
+          <a:effectLst>
+            <a:outerShdw blurRad="40000" dist="23000" dir="5400000" rotWithShape="0">
+              <a:srgbClr val="000000">
+                <a:alpha val="35000"/>
+              </a:srgbClr>
+            </a:outerShdw>
+          </a:effectLst>
+        </a:effectStyle>
+        <a:effectStyle>
+          <a:effectLst>
+            <a:outerShdw blurRad="40000" dist="23000" dir="5400000" rotWithShape="0">
+              <a:srgbClr val="000000">
+                <a:alpha val="35000"/>
+              </a:srgbClr>
+            </a:outerShdw>
+          </a:effectLst>
+          <a:scene3d>
+            <a:camera prst="orthographicFront">
+              <a:rot lat="0" lon="0" rev="0"/>
+            </a:camera>
+            <a:lightRig rig="threePt" dir="t">
+              <a:rot lat="0" lon="0" rev="1200000"/>
+            </a:lightRig>
+          </a:scene3d>
+          <a:sp3d>
+            <a:bevelT w="63500" h="25400"/>
+          </a:sp3d>
+        </a:effectStyle>
+      </a:effectStyleLst>
+      <a:bgFillStyleLst>
+        <a:solidFill>
+          <a:schemeClr val="phClr"/>
+        </a:solidFill>
+        <a:gradFill rotWithShape="1">
+          <a:gsLst>
+            <a:gs pos="0">
+              <a:schemeClr val="phClr">
+                <a:tint val="40000"/>
+                <a:satMod val="350000"/>
+              </a:schemeClr>
+            </a:gs>
+            <a:gs pos="40000">
+              <a:schemeClr val="phClr">
+                <a:tint val="45000"/>
+                <a:shade val="99000"/>
+                <a:satMod val="350000"/>
+              </a:schemeClr>
+            </a:gs>
+            <a:gs pos="100000">
+              <a:schemeClr val="phClr">
+                <a:shade val="20000"/>
+                <a:satMod val="255000"/>
+              </a:schemeClr>
+            </a:gs>
+          </a:gsLst>
+          <a:path path="circle">
+            <a:fillToRect l="50000" t="-80000" r="50000" b="180000"/>
+          </a:path>
+        </a:gradFill>
+        <a:gradFill rotWithShape="1">
+          <a:gsLst>
+            <a:gs pos="0">
+              <a:schemeClr val="phClr">
+                <a:tint val="80000"/>
+                <a:satMod val="300000"/>
+              </a:schemeClr>
+            </a:gs>
+            <a:gs pos="100000">
+              <a:schemeClr val="phClr">
+                <a:shade val="30000"/>
+                <a:satMod val="200000"/>
+              </a:schemeClr>
+            </a:gs>
+          </a:gsLst>
+          <a:path path="circle">
+            <a:fillToRect l="50000" t="50000" r="50000" b="50000"/>
+          </a:path>
+        </a:gradFill>
+      </a:bgFillStyleLst>
+    </a:fmtScheme>
+  </a:themeElements>
+</a:theme>
+</file>
+
+<file path=ppt/theme/theme2.xml><?xml version="1.0" encoding="utf-8"?>
 <a:theme xmlns:a="http://schemas.openxmlformats.org/drawingml/2006/main" xmlns:r="http://schemas.openxmlformats.org/officeDocument/2006/relationships">
   <a:themeElements>
     <a:clrScheme name="Default">
@@ -13467,283 +12464,4 @@
     </a:fmtScheme>
   </a:themeElements>
 </a:theme>
-</file>
-
-<file path=ppt/theme/theme2.xml><?xml version="1.0" encoding="utf-8"?>
-<a:theme xmlns:a="http://schemas.openxmlformats.org/drawingml/2006/main" xmlns:r="http://schemas.openxmlformats.org/officeDocument/2006/relationships" name="Simple Light">
-  <a:themeElements>
-    <a:clrScheme name="Simple Light">
-      <a:dk1>
-        <a:srgbClr val="000000"/>
-      </a:dk1>
-      <a:lt1>
-        <a:srgbClr val="FFFFFF"/>
-      </a:lt1>
-      <a:dk2>
-        <a:srgbClr val="595959"/>
-      </a:dk2>
-      <a:lt2>
-        <a:srgbClr val="EEEEEE"/>
-      </a:lt2>
-      <a:accent1>
-        <a:srgbClr val="4285F4"/>
-      </a:accent1>
-      <a:accent2>
-        <a:srgbClr val="212121"/>
-      </a:accent2>
-      <a:accent3>
-        <a:srgbClr val="78909C"/>
-      </a:accent3>
-      <a:accent4>
-        <a:srgbClr val="FFAB40"/>
-      </a:accent4>
-      <a:accent5>
-        <a:srgbClr val="0097A7"/>
-      </a:accent5>
-      <a:accent6>
-        <a:srgbClr val="EEFF41"/>
-      </a:accent6>
-      <a:hlink>
-        <a:srgbClr val="0097A7"/>
-      </a:hlink>
-      <a:folHlink>
-        <a:srgbClr val="0097A7"/>
-      </a:folHlink>
-    </a:clrScheme>
-    <a:fontScheme name="Office">
-      <a:majorFont>
-        <a:latin typeface="Arial"/>
-        <a:ea typeface=""/>
-        <a:cs typeface=""/>
-        <a:font script="Jpan" typeface="ＭＳ Ｐゴシック"/>
-        <a:font script="Hang" typeface="맑은 고딕"/>
-        <a:font script="Hans" typeface="宋体"/>
-        <a:font script="Hant" typeface="新細明體"/>
-        <a:font script="Arab" typeface="Times New Roman"/>
-        <a:font script="Hebr" typeface="Times New Roman"/>
-        <a:font script="Thai" typeface="Angsana New"/>
-        <a:font script="Ethi" typeface="Nyala"/>
-        <a:font script="Beng" typeface="Vrinda"/>
-        <a:font script="Gujr" typeface="Shruti"/>
-        <a:font script="Khmr" typeface="MoolBoran"/>
-        <a:font script="Knda" typeface="Tunga"/>
-        <a:font script="Guru" typeface="Raavi"/>
-        <a:font script="Cans" typeface="Euphemia"/>
-        <a:font script="Cher" typeface="Plantagenet Cherokee"/>
-        <a:font script="Yiii" typeface="Microsoft Yi Baiti"/>
-        <a:font script="Tibt" typeface="Microsoft Himalaya"/>
-        <a:font script="Thaa" typeface="MV Boli"/>
-        <a:font script="Deva" typeface="Mangal"/>
-        <a:font script="Telu" typeface="Gautami"/>
-        <a:font script="Taml" typeface="Latha"/>
-        <a:font script="Syrc" typeface="Estrangelo Edessa"/>
-        <a:font script="Orya" typeface="Kalinga"/>
-        <a:font script="Mlym" typeface="Kartika"/>
-        <a:font script="Laoo" typeface="DokChampa"/>
-        <a:font script="Sinh" typeface="Iskoola Pota"/>
-        <a:font script="Mong" typeface="Mongolian Baiti"/>
-        <a:font script="Viet" typeface="Times New Roman"/>
-        <a:font script="Uigh" typeface="Microsoft Uighur"/>
-        <a:font script="Geor" typeface="Sylfaen"/>
-      </a:majorFont>
-      <a:minorFont>
-        <a:latin typeface="Arial"/>
-        <a:ea typeface=""/>
-        <a:cs typeface=""/>
-        <a:font script="Jpan" typeface="ＭＳ Ｐゴシック"/>
-        <a:font script="Hang" typeface="맑은 고딕"/>
-        <a:font script="Hans" typeface="宋体"/>
-        <a:font script="Hant" typeface="新細明體"/>
-        <a:font script="Arab" typeface="Arial"/>
-        <a:font script="Hebr" typeface="Arial"/>
-        <a:font script="Thai" typeface="Cordia New"/>
-        <a:font script="Ethi" typeface="Nyala"/>
-        <a:font script="Beng" typeface="Vrinda"/>
-        <a:font script="Gujr" typeface="Shruti"/>
-        <a:font script="Khmr" typeface="DaunPenh"/>
-        <a:font script="Knda" typeface="Tunga"/>
-        <a:font script="Guru" typeface="Raavi"/>
-        <a:font script="Cans" typeface="Euphemia"/>
-        <a:font script="Cher" typeface="Plantagenet Cherokee"/>
-        <a:font script="Yiii" typeface="Microsoft Yi Baiti"/>
-        <a:font script="Tibt" typeface="Microsoft Himalaya"/>
-        <a:font script="Thaa" typeface="MV Boli"/>
-        <a:font script="Deva" typeface="Mangal"/>
-        <a:font script="Telu" typeface="Gautami"/>
-        <a:font script="Taml" typeface="Latha"/>
-        <a:font script="Syrc" typeface="Estrangelo Edessa"/>
-        <a:font script="Orya" typeface="Kalinga"/>
-        <a:font script="Mlym" typeface="Kartika"/>
-        <a:font script="Laoo" typeface="DokChampa"/>
-        <a:font script="Sinh" typeface="Iskoola Pota"/>
-        <a:font script="Mong" typeface="Mongolian Baiti"/>
-        <a:font script="Viet" typeface="Arial"/>
-        <a:font script="Uigh" typeface="Microsoft Uighur"/>
-        <a:font script="Geor" typeface="Sylfaen"/>
-      </a:minorFont>
-    </a:fontScheme>
-    <a:fmtScheme name="Office">
-      <a:fillStyleLst>
-        <a:solidFill>
-          <a:schemeClr val="phClr"/>
-        </a:solidFill>
-        <a:gradFill rotWithShape="1">
-          <a:gsLst>
-            <a:gs pos="0">
-              <a:schemeClr val="phClr">
-                <a:tint val="50000"/>
-                <a:satMod val="300000"/>
-              </a:schemeClr>
-            </a:gs>
-            <a:gs pos="35000">
-              <a:schemeClr val="phClr">
-                <a:tint val="37000"/>
-                <a:satMod val="300000"/>
-              </a:schemeClr>
-            </a:gs>
-            <a:gs pos="100000">
-              <a:schemeClr val="phClr">
-                <a:tint val="15000"/>
-                <a:satMod val="350000"/>
-              </a:schemeClr>
-            </a:gs>
-          </a:gsLst>
-          <a:lin ang="16200000" scaled="1"/>
-        </a:gradFill>
-        <a:gradFill rotWithShape="1">
-          <a:gsLst>
-            <a:gs pos="0">
-              <a:schemeClr val="phClr">
-                <a:tint val="100000"/>
-                <a:shade val="100000"/>
-                <a:satMod val="130000"/>
-              </a:schemeClr>
-            </a:gs>
-            <a:gs pos="100000">
-              <a:schemeClr val="phClr">
-                <a:tint val="50000"/>
-                <a:shade val="100000"/>
-                <a:satMod val="350000"/>
-              </a:schemeClr>
-            </a:gs>
-          </a:gsLst>
-          <a:lin ang="16200000" scaled="0"/>
-        </a:gradFill>
-      </a:fillStyleLst>
-      <a:lnStyleLst>
-        <a:ln w="9525" cap="flat" cmpd="sng" algn="ctr">
-          <a:solidFill>
-            <a:schemeClr val="phClr">
-              <a:shade val="95000"/>
-              <a:satMod val="105000"/>
-            </a:schemeClr>
-          </a:solidFill>
-          <a:prstDash val="solid"/>
-        </a:ln>
-        <a:ln w="25400" cap="flat" cmpd="sng" algn="ctr">
-          <a:solidFill>
-            <a:schemeClr val="phClr"/>
-          </a:solidFill>
-          <a:prstDash val="solid"/>
-        </a:ln>
-        <a:ln w="38100" cap="flat" cmpd="sng" algn="ctr">
-          <a:solidFill>
-            <a:schemeClr val="phClr"/>
-          </a:solidFill>
-          <a:prstDash val="solid"/>
-        </a:ln>
-      </a:lnStyleLst>
-      <a:effectStyleLst>
-        <a:effectStyle>
-          <a:effectLst>
-            <a:outerShdw blurRad="40000" dist="20000" dir="5400000" rotWithShape="0">
-              <a:srgbClr val="000000">
-                <a:alpha val="38000"/>
-              </a:srgbClr>
-            </a:outerShdw>
-          </a:effectLst>
-        </a:effectStyle>
-        <a:effectStyle>
-          <a:effectLst>
-            <a:outerShdw blurRad="40000" dist="23000" dir="5400000" rotWithShape="0">
-              <a:srgbClr val="000000">
-                <a:alpha val="35000"/>
-              </a:srgbClr>
-            </a:outerShdw>
-          </a:effectLst>
-        </a:effectStyle>
-        <a:effectStyle>
-          <a:effectLst>
-            <a:outerShdw blurRad="40000" dist="23000" dir="5400000" rotWithShape="0">
-              <a:srgbClr val="000000">
-                <a:alpha val="35000"/>
-              </a:srgbClr>
-            </a:outerShdw>
-          </a:effectLst>
-          <a:scene3d>
-            <a:camera prst="orthographicFront">
-              <a:rot lat="0" lon="0" rev="0"/>
-            </a:camera>
-            <a:lightRig rig="threePt" dir="t">
-              <a:rot lat="0" lon="0" rev="1200000"/>
-            </a:lightRig>
-          </a:scene3d>
-          <a:sp3d>
-            <a:bevelT w="63500" h="25400"/>
-          </a:sp3d>
-        </a:effectStyle>
-      </a:effectStyleLst>
-      <a:bgFillStyleLst>
-        <a:solidFill>
-          <a:schemeClr val="phClr"/>
-        </a:solidFill>
-        <a:gradFill rotWithShape="1">
-          <a:gsLst>
-            <a:gs pos="0">
-              <a:schemeClr val="phClr">
-                <a:tint val="40000"/>
-                <a:satMod val="350000"/>
-              </a:schemeClr>
-            </a:gs>
-            <a:gs pos="40000">
-              <a:schemeClr val="phClr">
-                <a:tint val="45000"/>
-                <a:shade val="99000"/>
-                <a:satMod val="350000"/>
-              </a:schemeClr>
-            </a:gs>
-            <a:gs pos="100000">
-              <a:schemeClr val="phClr">
-                <a:shade val="20000"/>
-                <a:satMod val="255000"/>
-              </a:schemeClr>
-            </a:gs>
-          </a:gsLst>
-          <a:path path="circle">
-            <a:fillToRect l="50000" t="-80000" r="50000" b="180000"/>
-          </a:path>
-        </a:gradFill>
-        <a:gradFill rotWithShape="1">
-          <a:gsLst>
-            <a:gs pos="0">
-              <a:schemeClr val="phClr">
-                <a:tint val="80000"/>
-                <a:satMod val="300000"/>
-              </a:schemeClr>
-            </a:gs>
-            <a:gs pos="100000">
-              <a:schemeClr val="phClr">
-                <a:shade val="30000"/>
-                <a:satMod val="200000"/>
-              </a:schemeClr>
-            </a:gs>
-          </a:gsLst>
-          <a:path path="circle">
-            <a:fillToRect l="50000" t="50000" r="50000" b="50000"/>
-          </a:path>
-        </a:gradFill>
-      </a:bgFillStyleLst>
-    </a:fmtScheme>
-  </a:themeElements>
-</a:theme>
 </file>
--- a/01/DATA515_01_Introduction.pptx
+++ b/01/DATA515_01_Introduction.pptx
@@ -1,41 +1,42 @@
 
 <file path=ppt/presentation.xml><?xml version="1.0" encoding="utf-8"?>
-<p:presentation xmlns:a="http://schemas.openxmlformats.org/drawingml/2006/main" xmlns:r="http://schemas.openxmlformats.org/officeDocument/2006/relationships" xmlns:mc="http://schemas.openxmlformats.org/markup-compatibility/2006" xmlns:mv="urn:schemas-microsoft-com:mac:vml" xmlns:p="http://schemas.openxmlformats.org/presentationml/2006/main" xmlns:c="http://schemas.openxmlformats.org/drawingml/2006/chart" xmlns:dgm="http://schemas.openxmlformats.org/drawingml/2006/diagram" xmlns:o="urn:schemas-microsoft-com:office:office" xmlns:v="urn:schemas-microsoft-com:vml" xmlns:pvml="urn:schemas-microsoft-com:office:powerpoint" xmlns:com="http://schemas.openxmlformats.org/drawingml/2006/compatibility" xmlns:p14="http://schemas.microsoft.com/office/powerpoint/2010/main" xmlns:p15="http://schemas.microsoft.com/office/powerpoint/2012/main" xmlns:ahyp="http://schemas.microsoft.com/office/drawing/2018/hyperlinkcolor" autoCompressPictures="0" embedTrueTypeFonts="1" strictFirstAndLastChars="0" saveSubsetFonts="1">
+<p:presentation xmlns:a="http://schemas.openxmlformats.org/drawingml/2006/main" xmlns:r="http://schemas.openxmlformats.org/officeDocument/2006/relationships" xmlns:p="http://schemas.openxmlformats.org/presentationml/2006/main" strictFirstAndLastChars="0" embedTrueTypeFonts="1" saveSubsetFonts="1" autoCompressPictures="0">
   <p:sldMasterIdLst>
-    <p:sldMasterId id="2147483659" r:id="rId4"/>
+    <p:sldMasterId id="2147483659" r:id="rId1"/>
   </p:sldMasterIdLst>
   <p:notesMasterIdLst>
-    <p:notesMasterId r:id="rId5"/>
+    <p:notesMasterId r:id="rId17"/>
   </p:notesMasterIdLst>
   <p:sldIdLst>
-    <p:sldId id="256" r:id="rId6"/>
-    <p:sldId id="257" r:id="rId7"/>
-    <p:sldId id="258" r:id="rId8"/>
-    <p:sldId id="259" r:id="rId9"/>
-    <p:sldId id="260" r:id="rId10"/>
-    <p:sldId id="261" r:id="rId11"/>
-    <p:sldId id="262" r:id="rId12"/>
-    <p:sldId id="263" r:id="rId13"/>
-    <p:sldId id="264" r:id="rId14"/>
-    <p:sldId id="265" r:id="rId15"/>
-    <p:sldId id="266" r:id="rId16"/>
-    <p:sldId id="267" r:id="rId17"/>
-    <p:sldId id="268" r:id="rId18"/>
-    <p:sldId id="269" r:id="rId19"/>
+    <p:sldId id="256" r:id="rId2"/>
+    <p:sldId id="257" r:id="rId3"/>
+    <p:sldId id="271" r:id="rId4"/>
+    <p:sldId id="259" r:id="rId5"/>
+    <p:sldId id="260" r:id="rId6"/>
+    <p:sldId id="261" r:id="rId7"/>
+    <p:sldId id="262" r:id="rId8"/>
+    <p:sldId id="263" r:id="rId9"/>
+    <p:sldId id="264" r:id="rId10"/>
+    <p:sldId id="265" r:id="rId11"/>
+    <p:sldId id="266" r:id="rId12"/>
+    <p:sldId id="267" r:id="rId13"/>
+    <p:sldId id="268" r:id="rId14"/>
+    <p:sldId id="269" r:id="rId15"/>
+    <p:sldId id="272" r:id="rId16"/>
   </p:sldIdLst>
-  <p:sldSz cy="5143500" cx="9144000"/>
+  <p:sldSz cx="9144000" cy="5143500" type="screen16x9"/>
   <p:notesSz cx="6858000" cy="9144000"/>
   <p:embeddedFontLst>
     <p:embeddedFont>
-      <p:font typeface="Roboto"/>
-      <p:regular r:id="rId20"/>
-      <p:bold r:id="rId21"/>
-      <p:italic r:id="rId22"/>
-      <p:boldItalic r:id="rId23"/>
+      <p:font typeface="Roboto" panose="02000000000000000000" pitchFamily="2" charset="0"/>
+      <p:regular r:id="rId18"/>
+      <p:bold r:id="rId19"/>
+      <p:italic r:id="rId20"/>
+      <p:boldItalic r:id="rId21"/>
     </p:embeddedFont>
   </p:embeddedFontLst>
   <p:defaultTextStyle>
-    <a:defPPr lvl="0" marR="0" rtl="0" algn="l">
+    <a:defPPr marR="0" lvl="0" algn="l" rtl="0">
       <a:lnSpc>
         <a:spcPct val="100000"/>
       </a:lnSpc>
@@ -46,7 +47,7 @@
         <a:spcPts val="0"/>
       </a:spcAft>
     </a:defPPr>
-    <a:lvl1pPr lvl="0" marR="0" rtl="0" algn="l">
+    <a:lvl1pPr marR="0" lvl="0" algn="l" rtl="0">
       <a:lnSpc>
         <a:spcPct val="100000"/>
       </a:lnSpc>
@@ -60,7 +61,7 @@
         <a:srgbClr val="000000"/>
       </a:buClr>
       <a:buFont typeface="Arial"/>
-      <a:defRPr b="0" i="0" sz="1400" u="none" cap="none" strike="noStrike">
+      <a:defRPr sz="1400" b="0" i="0" u="none" strike="noStrike" cap="none">
         <a:solidFill>
           <a:srgbClr val="000000"/>
         </a:solidFill>
@@ -70,7 +71,7 @@
         <a:sym typeface="Arial"/>
       </a:defRPr>
     </a:lvl1pPr>
-    <a:lvl2pPr lvl="1" marR="0" rtl="0" algn="l">
+    <a:lvl2pPr marR="0" lvl="1" algn="l" rtl="0">
       <a:lnSpc>
         <a:spcPct val="100000"/>
       </a:lnSpc>
@@ -84,7 +85,7 @@
         <a:srgbClr val="000000"/>
       </a:buClr>
       <a:buFont typeface="Arial"/>
-      <a:defRPr b="0" i="0" sz="1400" u="none" cap="none" strike="noStrike">
+      <a:defRPr sz="1400" b="0" i="0" u="none" strike="noStrike" cap="none">
         <a:solidFill>
           <a:srgbClr val="000000"/>
         </a:solidFill>
@@ -94,7 +95,7 @@
         <a:sym typeface="Arial"/>
       </a:defRPr>
     </a:lvl2pPr>
-    <a:lvl3pPr lvl="2" marR="0" rtl="0" algn="l">
+    <a:lvl3pPr marR="0" lvl="2" algn="l" rtl="0">
       <a:lnSpc>
         <a:spcPct val="100000"/>
       </a:lnSpc>
@@ -108,7 +109,7 @@
         <a:srgbClr val="000000"/>
       </a:buClr>
       <a:buFont typeface="Arial"/>
-      <a:defRPr b="0" i="0" sz="1400" u="none" cap="none" strike="noStrike">
+      <a:defRPr sz="1400" b="0" i="0" u="none" strike="noStrike" cap="none">
         <a:solidFill>
           <a:srgbClr val="000000"/>
         </a:solidFill>
@@ -118,7 +119,7 @@
         <a:sym typeface="Arial"/>
       </a:defRPr>
     </a:lvl3pPr>
-    <a:lvl4pPr lvl="3" marR="0" rtl="0" algn="l">
+    <a:lvl4pPr marR="0" lvl="3" algn="l" rtl="0">
       <a:lnSpc>
         <a:spcPct val="100000"/>
       </a:lnSpc>
@@ -132,7 +133,7 @@
         <a:srgbClr val="000000"/>
       </a:buClr>
       <a:buFont typeface="Arial"/>
-      <a:defRPr b="0" i="0" sz="1400" u="none" cap="none" strike="noStrike">
+      <a:defRPr sz="1400" b="0" i="0" u="none" strike="noStrike" cap="none">
         <a:solidFill>
           <a:srgbClr val="000000"/>
         </a:solidFill>
@@ -142,7 +143,7 @@
         <a:sym typeface="Arial"/>
       </a:defRPr>
     </a:lvl4pPr>
-    <a:lvl5pPr lvl="4" marR="0" rtl="0" algn="l">
+    <a:lvl5pPr marR="0" lvl="4" algn="l" rtl="0">
       <a:lnSpc>
         <a:spcPct val="100000"/>
       </a:lnSpc>
@@ -156,7 +157,7 @@
         <a:srgbClr val="000000"/>
       </a:buClr>
       <a:buFont typeface="Arial"/>
-      <a:defRPr b="0" i="0" sz="1400" u="none" cap="none" strike="noStrike">
+      <a:defRPr sz="1400" b="0" i="0" u="none" strike="noStrike" cap="none">
         <a:solidFill>
           <a:srgbClr val="000000"/>
         </a:solidFill>
@@ -166,7 +167,7 @@
         <a:sym typeface="Arial"/>
       </a:defRPr>
     </a:lvl5pPr>
-    <a:lvl6pPr lvl="5" marR="0" rtl="0" algn="l">
+    <a:lvl6pPr marR="0" lvl="5" algn="l" rtl="0">
       <a:lnSpc>
         <a:spcPct val="100000"/>
       </a:lnSpc>
@@ -180,7 +181,7 @@
         <a:srgbClr val="000000"/>
       </a:buClr>
       <a:buFont typeface="Arial"/>
-      <a:defRPr b="0" i="0" sz="1400" u="none" cap="none" strike="noStrike">
+      <a:defRPr sz="1400" b="0" i="0" u="none" strike="noStrike" cap="none">
         <a:solidFill>
           <a:srgbClr val="000000"/>
         </a:solidFill>
@@ -190,7 +191,7 @@
         <a:sym typeface="Arial"/>
       </a:defRPr>
     </a:lvl6pPr>
-    <a:lvl7pPr lvl="6" marR="0" rtl="0" algn="l">
+    <a:lvl7pPr marR="0" lvl="6" algn="l" rtl="0">
       <a:lnSpc>
         <a:spcPct val="100000"/>
       </a:lnSpc>
@@ -204,7 +205,7 @@
         <a:srgbClr val="000000"/>
       </a:buClr>
       <a:buFont typeface="Arial"/>
-      <a:defRPr b="0" i="0" sz="1400" u="none" cap="none" strike="noStrike">
+      <a:defRPr sz="1400" b="0" i="0" u="none" strike="noStrike" cap="none">
         <a:solidFill>
           <a:srgbClr val="000000"/>
         </a:solidFill>
@@ -214,7 +215,7 @@
         <a:sym typeface="Arial"/>
       </a:defRPr>
     </a:lvl7pPr>
-    <a:lvl8pPr lvl="7" marR="0" rtl="0" algn="l">
+    <a:lvl8pPr marR="0" lvl="7" algn="l" rtl="0">
       <a:lnSpc>
         <a:spcPct val="100000"/>
       </a:lnSpc>
@@ -228,7 +229,7 @@
         <a:srgbClr val="000000"/>
       </a:buClr>
       <a:buFont typeface="Arial"/>
-      <a:defRPr b="0" i="0" sz="1400" u="none" cap="none" strike="noStrike">
+      <a:defRPr sz="1400" b="0" i="0" u="none" strike="noStrike" cap="none">
         <a:solidFill>
           <a:srgbClr val="000000"/>
         </a:solidFill>
@@ -238,7 +239,7 @@
         <a:sym typeface="Arial"/>
       </a:defRPr>
     </a:lvl8pPr>
-    <a:lvl9pPr lvl="8" marR="0" rtl="0" algn="l">
+    <a:lvl9pPr marR="0" lvl="8" algn="l" rtl="0">
       <a:lnSpc>
         <a:spcPct val="100000"/>
       </a:lnSpc>
@@ -252,7 +253,7 @@
         <a:srgbClr val="000000"/>
       </a:buClr>
       <a:buFont typeface="Arial"/>
-      <a:defRPr b="0" i="0" sz="1400" u="none" cap="none" strike="noStrike">
+      <a:defRPr sz="1400" b="0" i="0" u="none" strike="noStrike" cap="none">
         <a:solidFill>
           <a:srgbClr val="000000"/>
         </a:solidFill>
@@ -265,7 +266,7 @@
   </p:defaultTextStyle>
   <p:extLst>
     <p:ext uri="{EFAFB233-063F-42B5-8137-9DF3F51BA10A}">
-      <p15:sldGuideLst>
+      <p15:sldGuideLst xmlns:p15="http://schemas.microsoft.com/office/powerpoint/2012/main">
         <p15:guide id="1" orient="horz" pos="1620">
           <p15:clr>
             <a:srgbClr val="A4A3A4"/>
@@ -283,11 +284,16 @@
 </file>
 
 <file path=ppt/notesMasters/notesMaster1.xml><?xml version="1.0" encoding="utf-8"?>
-<p:notesMaster xmlns:a="http://schemas.openxmlformats.org/drawingml/2006/main" xmlns:r="http://schemas.openxmlformats.org/officeDocument/2006/relationships" xmlns:mc="http://schemas.openxmlformats.org/markup-compatibility/2006" xmlns:mv="urn:schemas-microsoft-com:mac:vml" xmlns:p="http://schemas.openxmlformats.org/presentationml/2006/main" xmlns:c="http://schemas.openxmlformats.org/drawingml/2006/chart" xmlns:dgm="http://schemas.openxmlformats.org/drawingml/2006/diagram" xmlns:o="urn:schemas-microsoft-com:office:office" xmlns:v="urn:schemas-microsoft-com:vml" xmlns:pvml="urn:schemas-microsoft-com:office:powerpoint" xmlns:com="http://schemas.openxmlformats.org/drawingml/2006/compatibility" xmlns:p14="http://schemas.microsoft.com/office/powerpoint/2010/main" xmlns:p15="http://schemas.microsoft.com/office/powerpoint/2012/main" xmlns:ahyp="http://schemas.microsoft.com/office/drawing/2018/hyperlinkcolor">
+<p:notesMaster xmlns:a="http://schemas.openxmlformats.org/drawingml/2006/main" xmlns:r="http://schemas.openxmlformats.org/officeDocument/2006/relationships" xmlns:p="http://schemas.openxmlformats.org/presentationml/2006/main">
   <p:cSld>
+    <p:bg>
+      <p:bgRef idx="1001">
+        <a:schemeClr val="bg1"/>
+      </p:bgRef>
+    </p:bg>
     <p:spTree>
       <p:nvGrpSpPr>
-        <p:cNvPr id="2" name="Shape 2"/>
+        <p:cNvPr id="1" name="Shape 2"/>
         <p:cNvGrpSpPr/>
         <p:nvPr/>
       </p:nvGrpSpPr>
@@ -302,9 +308,11 @@
       <p:sp>
         <p:nvSpPr>
           <p:cNvPr id="3" name="Google Shape;3;n"/>
-          <p:cNvSpPr/>
+          <p:cNvSpPr>
+            <a:spLocks noGrp="1" noRot="1" noChangeAspect="1"/>
+          </p:cNvSpPr>
           <p:nvPr>
-            <p:ph idx="2" type="sldImg"/>
+            <p:ph type="sldImg" idx="2"/>
           </p:nvPr>
         </p:nvSpPr>
         <p:spPr>
@@ -313,9 +321,13 @@
             <a:ext cx="6096075" cy="3429000"/>
           </a:xfrm>
           <a:custGeom>
-            <a:rect b="b" l="l" r="r" t="t"/>
+            <a:avLst/>
+            <a:gdLst/>
+            <a:ahLst/>
+            <a:cxnLst/>
+            <a:rect l="l" t="t" r="r" b="b"/>
             <a:pathLst>
-              <a:path extrusionOk="0" h="120000" w="120000">
+              <a:path w="120000" h="120000" extrusionOk="0">
                 <a:moveTo>
                   <a:pt x="0" y="0"/>
                 </a:moveTo>
@@ -333,23 +345,25 @@
             </a:pathLst>
           </a:custGeom>
           <a:noFill/>
-          <a:ln cap="flat" cmpd="sng" w="9525">
+          <a:ln w="9525" cap="flat" cmpd="sng">
             <a:solidFill>
               <a:srgbClr val="000000"/>
             </a:solidFill>
             <a:prstDash val="solid"/>
             <a:round/>
-            <a:headEnd len="sm" w="sm" type="none"/>
-            <a:tailEnd len="sm" w="sm" type="none"/>
+            <a:headEnd type="none" w="sm" len="sm"/>
+            <a:tailEnd type="none" w="sm" len="sm"/>
           </a:ln>
         </p:spPr>
       </p:sp>
       <p:sp>
         <p:nvSpPr>
           <p:cNvPr id="4" name="Google Shape;4;n"/>
-          <p:cNvSpPr txBox="1"/>
+          <p:cNvSpPr txBox="1">
+            <a:spLocks noGrp="1"/>
+          </p:cNvSpPr>
           <p:nvPr>
-            <p:ph idx="1" type="body"/>
+            <p:ph type="body" idx="1"/>
           </p:nvPr>
         </p:nvSpPr>
         <p:spPr>
@@ -366,11 +380,11 @@
           </a:ln>
         </p:spPr>
         <p:txBody>
-          <a:bodyPr anchorCtr="0" anchor="t" bIns="91425" lIns="91425" spcFirstLastPara="1" rIns="91425" wrap="square" tIns="91425">
+          <a:bodyPr spcFirstLastPara="1" wrap="square" lIns="91425" tIns="91425" rIns="91425" bIns="91425" anchor="t" anchorCtr="0">
             <a:noAutofit/>
           </a:bodyPr>
           <a:lstStyle>
-            <a:lvl1pPr indent="-298450" lvl="0" marL="457200">
+            <a:lvl1pPr marL="457200" lvl="0" indent="-298450">
               <a:spcBef>
                 <a:spcPts val="0"/>
               </a:spcBef>
@@ -381,7 +395,7 @@
               <a:buChar char="●"/>
               <a:defRPr sz="1100"/>
             </a:lvl1pPr>
-            <a:lvl2pPr indent="-298450" lvl="1" marL="914400">
+            <a:lvl2pPr marL="914400" lvl="1" indent="-298450">
               <a:spcBef>
                 <a:spcPts val="0"/>
               </a:spcBef>
@@ -392,7 +406,7 @@
               <a:buChar char="○"/>
               <a:defRPr sz="1100"/>
             </a:lvl2pPr>
-            <a:lvl3pPr indent="-298450" lvl="2" marL="1371600">
+            <a:lvl3pPr marL="1371600" lvl="2" indent="-298450">
               <a:spcBef>
                 <a:spcPts val="0"/>
               </a:spcBef>
@@ -403,7 +417,7 @@
               <a:buChar char="■"/>
               <a:defRPr sz="1100"/>
             </a:lvl3pPr>
-            <a:lvl4pPr indent="-298450" lvl="3" marL="1828800">
+            <a:lvl4pPr marL="1828800" lvl="3" indent="-298450">
               <a:spcBef>
                 <a:spcPts val="0"/>
               </a:spcBef>
@@ -414,7 +428,7 @@
               <a:buChar char="●"/>
               <a:defRPr sz="1100"/>
             </a:lvl4pPr>
-            <a:lvl5pPr indent="-298450" lvl="4" marL="2286000">
+            <a:lvl5pPr marL="2286000" lvl="4" indent="-298450">
               <a:spcBef>
                 <a:spcPts val="0"/>
               </a:spcBef>
@@ -425,7 +439,7 @@
               <a:buChar char="○"/>
               <a:defRPr sz="1100"/>
             </a:lvl5pPr>
-            <a:lvl6pPr indent="-298450" lvl="5" marL="2743200">
+            <a:lvl6pPr marL="2743200" lvl="5" indent="-298450">
               <a:spcBef>
                 <a:spcPts val="0"/>
               </a:spcBef>
@@ -436,7 +450,7 @@
               <a:buChar char="■"/>
               <a:defRPr sz="1100"/>
             </a:lvl6pPr>
-            <a:lvl7pPr indent="-298450" lvl="6" marL="3200400">
+            <a:lvl7pPr marL="3200400" lvl="6" indent="-298450">
               <a:spcBef>
                 <a:spcPts val="0"/>
               </a:spcBef>
@@ -447,7 +461,7 @@
               <a:buChar char="●"/>
               <a:defRPr sz="1100"/>
             </a:lvl7pPr>
-            <a:lvl8pPr indent="-298450" lvl="7" marL="3657600">
+            <a:lvl8pPr marL="3657600" lvl="7" indent="-298450">
               <a:spcBef>
                 <a:spcPts val="0"/>
               </a:spcBef>
@@ -458,7 +472,7 @@
               <a:buChar char="○"/>
               <a:defRPr sz="1100"/>
             </a:lvl8pPr>
-            <a:lvl9pPr indent="-298450" lvl="8" marL="4114800">
+            <a:lvl9pPr marL="4114800" lvl="8" indent="-298450">
               <a:spcBef>
                 <a:spcPts val="0"/>
               </a:spcBef>
@@ -470,14 +484,16 @@
               <a:defRPr sz="1100"/>
             </a:lvl9pPr>
           </a:lstStyle>
-          <a:p/>
+          <a:p>
+            <a:endParaRPr/>
+          </a:p>
         </p:txBody>
       </p:sp>
     </p:spTree>
   </p:cSld>
-  <p:clrMap accent1="accent1" accent2="accent2" accent3="accent3" accent4="accent4" accent5="accent5" accent6="accent6" bg1="lt1" bg2="dk2" tx1="dk1" tx2="lt2" folHlink="folHlink" hlink="hlink"/>
+  <p:clrMap bg1="lt1" tx1="dk1" bg2="dk2" tx2="lt2" accent1="accent1" accent2="accent2" accent3="accent3" accent4="accent4" accent5="accent5" accent6="accent6" hlink="hlink" folHlink="folHlink"/>
   <p:notesStyle>
-    <a:defPPr lvl="0" marR="0" rtl="0" algn="l">
+    <a:defPPr marR="0" lvl="0" algn="l" rtl="0">
       <a:lnSpc>
         <a:spcPct val="100000"/>
       </a:lnSpc>
@@ -488,7 +504,7 @@
         <a:spcPts val="0"/>
       </a:spcAft>
     </a:defPPr>
-    <a:lvl1pPr lvl="0" marR="0" rtl="0" algn="l">
+    <a:lvl1pPr marR="0" lvl="0" algn="l" rtl="0">
       <a:lnSpc>
         <a:spcPct val="100000"/>
       </a:lnSpc>
@@ -502,7 +518,7 @@
         <a:srgbClr val="000000"/>
       </a:buClr>
       <a:buFont typeface="Arial"/>
-      <a:defRPr b="0" i="0" sz="1400" u="none" cap="none" strike="noStrike">
+      <a:defRPr sz="1400" b="0" i="0" u="none" strike="noStrike" cap="none">
         <a:solidFill>
           <a:srgbClr val="000000"/>
         </a:solidFill>
@@ -512,7 +528,7 @@
         <a:sym typeface="Arial"/>
       </a:defRPr>
     </a:lvl1pPr>
-    <a:lvl2pPr lvl="1" marR="0" rtl="0" algn="l">
+    <a:lvl2pPr marR="0" lvl="1" algn="l" rtl="0">
       <a:lnSpc>
         <a:spcPct val="100000"/>
       </a:lnSpc>
@@ -526,7 +542,7 @@
         <a:srgbClr val="000000"/>
       </a:buClr>
       <a:buFont typeface="Arial"/>
-      <a:defRPr b="0" i="0" sz="1400" u="none" cap="none" strike="noStrike">
+      <a:defRPr sz="1400" b="0" i="0" u="none" strike="noStrike" cap="none">
         <a:solidFill>
           <a:srgbClr val="000000"/>
         </a:solidFill>
@@ -536,7 +552,7 @@
         <a:sym typeface="Arial"/>
       </a:defRPr>
     </a:lvl2pPr>
-    <a:lvl3pPr lvl="2" marR="0" rtl="0" algn="l">
+    <a:lvl3pPr marR="0" lvl="2" algn="l" rtl="0">
       <a:lnSpc>
         <a:spcPct val="100000"/>
       </a:lnSpc>
@@ -550,7 +566,7 @@
         <a:srgbClr val="000000"/>
       </a:buClr>
       <a:buFont typeface="Arial"/>
-      <a:defRPr b="0" i="0" sz="1400" u="none" cap="none" strike="noStrike">
+      <a:defRPr sz="1400" b="0" i="0" u="none" strike="noStrike" cap="none">
         <a:solidFill>
           <a:srgbClr val="000000"/>
         </a:solidFill>
@@ -560,7 +576,7 @@
         <a:sym typeface="Arial"/>
       </a:defRPr>
     </a:lvl3pPr>
-    <a:lvl4pPr lvl="3" marR="0" rtl="0" algn="l">
+    <a:lvl4pPr marR="0" lvl="3" algn="l" rtl="0">
       <a:lnSpc>
         <a:spcPct val="100000"/>
       </a:lnSpc>
@@ -574,7 +590,7 @@
         <a:srgbClr val="000000"/>
       </a:buClr>
       <a:buFont typeface="Arial"/>
-      <a:defRPr b="0" i="0" sz="1400" u="none" cap="none" strike="noStrike">
+      <a:defRPr sz="1400" b="0" i="0" u="none" strike="noStrike" cap="none">
         <a:solidFill>
           <a:srgbClr val="000000"/>
         </a:solidFill>
@@ -584,7 +600,7 @@
         <a:sym typeface="Arial"/>
       </a:defRPr>
     </a:lvl4pPr>
-    <a:lvl5pPr lvl="4" marR="0" rtl="0" algn="l">
+    <a:lvl5pPr marR="0" lvl="4" algn="l" rtl="0">
       <a:lnSpc>
         <a:spcPct val="100000"/>
       </a:lnSpc>
@@ -598,7 +614,7 @@
         <a:srgbClr val="000000"/>
       </a:buClr>
       <a:buFont typeface="Arial"/>
-      <a:defRPr b="0" i="0" sz="1400" u="none" cap="none" strike="noStrike">
+      <a:defRPr sz="1400" b="0" i="0" u="none" strike="noStrike" cap="none">
         <a:solidFill>
           <a:srgbClr val="000000"/>
         </a:solidFill>
@@ -608,7 +624,7 @@
         <a:sym typeface="Arial"/>
       </a:defRPr>
     </a:lvl5pPr>
-    <a:lvl6pPr lvl="5" marR="0" rtl="0" algn="l">
+    <a:lvl6pPr marR="0" lvl="5" algn="l" rtl="0">
       <a:lnSpc>
         <a:spcPct val="100000"/>
       </a:lnSpc>
@@ -622,7 +638,7 @@
         <a:srgbClr val="000000"/>
       </a:buClr>
       <a:buFont typeface="Arial"/>
-      <a:defRPr b="0" i="0" sz="1400" u="none" cap="none" strike="noStrike">
+      <a:defRPr sz="1400" b="0" i="0" u="none" strike="noStrike" cap="none">
         <a:solidFill>
           <a:srgbClr val="000000"/>
         </a:solidFill>
@@ -632,7 +648,7 @@
         <a:sym typeface="Arial"/>
       </a:defRPr>
     </a:lvl6pPr>
-    <a:lvl7pPr lvl="6" marR="0" rtl="0" algn="l">
+    <a:lvl7pPr marR="0" lvl="6" algn="l" rtl="0">
       <a:lnSpc>
         <a:spcPct val="100000"/>
       </a:lnSpc>
@@ -646,7 +662,7 @@
         <a:srgbClr val="000000"/>
       </a:buClr>
       <a:buFont typeface="Arial"/>
-      <a:defRPr b="0" i="0" sz="1400" u="none" cap="none" strike="noStrike">
+      <a:defRPr sz="1400" b="0" i="0" u="none" strike="noStrike" cap="none">
         <a:solidFill>
           <a:srgbClr val="000000"/>
         </a:solidFill>
@@ -656,7 +672,7 @@
         <a:sym typeface="Arial"/>
       </a:defRPr>
     </a:lvl7pPr>
-    <a:lvl8pPr lvl="7" marR="0" rtl="0" algn="l">
+    <a:lvl8pPr marR="0" lvl="7" algn="l" rtl="0">
       <a:lnSpc>
         <a:spcPct val="100000"/>
       </a:lnSpc>
@@ -670,7 +686,7 @@
         <a:srgbClr val="000000"/>
       </a:buClr>
       <a:buFont typeface="Arial"/>
-      <a:defRPr b="0" i="0" sz="1400" u="none" cap="none" strike="noStrike">
+      <a:defRPr sz="1400" b="0" i="0" u="none" strike="noStrike" cap="none">
         <a:solidFill>
           <a:srgbClr val="000000"/>
         </a:solidFill>
@@ -680,7 +696,7 @@
         <a:sym typeface="Arial"/>
       </a:defRPr>
     </a:lvl8pPr>
-    <a:lvl9pPr lvl="8" marR="0" rtl="0" algn="l">
+    <a:lvl9pPr marR="0" lvl="8" algn="l" rtl="0">
       <a:lnSpc>
         <a:spcPct val="100000"/>
       </a:lnSpc>
@@ -694,7 +710,7 @@
         <a:srgbClr val="000000"/>
       </a:buClr>
       <a:buFont typeface="Arial"/>
-      <a:defRPr b="0" i="0" sz="1400" u="none" cap="none" strike="noStrike">
+      <a:defRPr sz="1400" b="0" i="0" u="none" strike="noStrike" cap="none">
         <a:solidFill>
           <a:srgbClr val="000000"/>
         </a:solidFill>
@@ -709,11 +725,11 @@
 </file>
 
 <file path=ppt/notesSlides/notesSlide1.xml><?xml version="1.0" encoding="utf-8"?>
-<p:notes xmlns:a="http://schemas.openxmlformats.org/drawingml/2006/main" xmlns:r="http://schemas.openxmlformats.org/officeDocument/2006/relationships" xmlns:mc="http://schemas.openxmlformats.org/markup-compatibility/2006" xmlns:mv="urn:schemas-microsoft-com:mac:vml" xmlns:p="http://schemas.openxmlformats.org/presentationml/2006/main" xmlns:c="http://schemas.openxmlformats.org/drawingml/2006/chart" xmlns:dgm="http://schemas.openxmlformats.org/drawingml/2006/diagram" xmlns:o="urn:schemas-microsoft-com:office:office" xmlns:v="urn:schemas-microsoft-com:vml" xmlns:pvml="urn:schemas-microsoft-com:office:powerpoint" xmlns:com="http://schemas.openxmlformats.org/drawingml/2006/compatibility" xmlns:p14="http://schemas.microsoft.com/office/powerpoint/2010/main" xmlns:p15="http://schemas.microsoft.com/office/powerpoint/2012/main" xmlns:ahyp="http://schemas.microsoft.com/office/drawing/2018/hyperlinkcolor" showMasterPhAnim="0" showMasterSp="0">
+<p:notes xmlns:a="http://schemas.openxmlformats.org/drawingml/2006/main" xmlns:r="http://schemas.openxmlformats.org/officeDocument/2006/relationships" xmlns:p="http://schemas.openxmlformats.org/presentationml/2006/main" showMasterSp="0" showMasterPhAnim="0">
   <p:cSld>
     <p:spTree>
       <p:nvGrpSpPr>
-        <p:cNvPr id="58" name="Shape 58"/>
+        <p:cNvPr id="1" name="Shape 58"/>
         <p:cNvGrpSpPr/>
         <p:nvPr/>
       </p:nvGrpSpPr>
@@ -728,20 +744,26 @@
       <p:sp>
         <p:nvSpPr>
           <p:cNvPr id="59" name="Google Shape;59;p:notes"/>
-          <p:cNvSpPr/>
+          <p:cNvSpPr>
+            <a:spLocks noGrp="1" noRot="1" noChangeAspect="1"/>
+          </p:cNvSpPr>
           <p:nvPr>
-            <p:ph idx="2" type="sldImg"/>
+            <p:ph type="sldImg" idx="2"/>
           </p:nvPr>
         </p:nvSpPr>
         <p:spPr>
           <a:xfrm>
-            <a:off x="381300" y="685800"/>
-            <a:ext cx="6096075" cy="3429000"/>
+            <a:off x="381000" y="685800"/>
+            <a:ext cx="6096000" cy="3429000"/>
           </a:xfrm>
           <a:custGeom>
-            <a:rect b="b" l="l" r="r" t="t"/>
+            <a:avLst/>
+            <a:gdLst/>
+            <a:ahLst/>
+            <a:cxnLst/>
+            <a:rect l="l" t="t" r="r" b="b"/>
             <a:pathLst>
-              <a:path extrusionOk="0" h="120000" w="120000">
+              <a:path w="120000" h="120000" extrusionOk="0">
                 <a:moveTo>
                   <a:pt x="0" y="0"/>
                 </a:moveTo>
@@ -763,9 +785,11 @@
       <p:sp>
         <p:nvSpPr>
           <p:cNvPr id="60" name="Google Shape;60;p:notes"/>
-          <p:cNvSpPr txBox="1"/>
+          <p:cNvSpPr txBox="1">
+            <a:spLocks noGrp="1"/>
+          </p:cNvSpPr>
           <p:nvPr>
-            <p:ph idx="1" type="body"/>
+            <p:ph type="body" idx="1"/>
           </p:nvPr>
         </p:nvSpPr>
         <p:spPr>
@@ -778,12 +802,12 @@
           </a:prstGeom>
         </p:spPr>
         <p:txBody>
-          <a:bodyPr anchorCtr="0" anchor="t" bIns="91425" lIns="91425" spcFirstLastPara="1" rIns="91425" wrap="square" tIns="91425">
+          <a:bodyPr spcFirstLastPara="1" wrap="square" lIns="91425" tIns="91425" rIns="91425" bIns="91425" anchor="t" anchorCtr="0">
             <a:noAutofit/>
           </a:bodyPr>
           <a:lstStyle/>
           <a:p>
-            <a:pPr indent="0" lvl="0" marL="0" rtl="0" algn="l">
+            <a:pPr marL="0" lvl="0" indent="0" algn="l" rtl="0">
               <a:spcBef>
                 <a:spcPts val="0"/>
               </a:spcBef>
@@ -792,9 +816,6 @@
               </a:spcAft>
               <a:buNone/>
             </a:pPr>
-            <a:r>
-              <a:t/>
-            </a:r>
             <a:endParaRPr/>
           </a:p>
         </p:txBody>
@@ -808,11 +829,11 @@
 </file>
 
 <file path=ppt/notesSlides/notesSlide10.xml><?xml version="1.0" encoding="utf-8"?>
-<p:notes xmlns:a="http://schemas.openxmlformats.org/drawingml/2006/main" xmlns:r="http://schemas.openxmlformats.org/officeDocument/2006/relationships" xmlns:mc="http://schemas.openxmlformats.org/markup-compatibility/2006" xmlns:mv="urn:schemas-microsoft-com:mac:vml" xmlns:p="http://schemas.openxmlformats.org/presentationml/2006/main" xmlns:c="http://schemas.openxmlformats.org/drawingml/2006/chart" xmlns:dgm="http://schemas.openxmlformats.org/drawingml/2006/diagram" xmlns:o="urn:schemas-microsoft-com:office:office" xmlns:v="urn:schemas-microsoft-com:vml" xmlns:pvml="urn:schemas-microsoft-com:office:powerpoint" xmlns:com="http://schemas.openxmlformats.org/drawingml/2006/compatibility" xmlns:p14="http://schemas.microsoft.com/office/powerpoint/2010/main" xmlns:p15="http://schemas.microsoft.com/office/powerpoint/2012/main" xmlns:ahyp="http://schemas.microsoft.com/office/drawing/2018/hyperlinkcolor" showMasterPhAnim="0" showMasterSp="0">
+<p:notes xmlns:a="http://schemas.openxmlformats.org/drawingml/2006/main" xmlns:r="http://schemas.openxmlformats.org/officeDocument/2006/relationships" xmlns:p="http://schemas.openxmlformats.org/presentationml/2006/main" showMasterSp="0" showMasterPhAnim="0">
   <p:cSld>
     <p:spTree>
       <p:nvGrpSpPr>
-        <p:cNvPr id="139" name="Shape 139"/>
+        <p:cNvPr id="1" name="Shape 139"/>
         <p:cNvGrpSpPr/>
         <p:nvPr/>
       </p:nvGrpSpPr>
@@ -827,9 +848,11 @@
       <p:sp>
         <p:nvSpPr>
           <p:cNvPr id="140" name="Google Shape;140;g1c2482a7c5e_0_576:notes"/>
-          <p:cNvSpPr/>
+          <p:cNvSpPr>
+            <a:spLocks noGrp="1" noRot="1" noChangeAspect="1"/>
+          </p:cNvSpPr>
           <p:nvPr>
-            <p:ph idx="2" type="sldImg"/>
+            <p:ph type="sldImg" idx="2"/>
           </p:nvPr>
         </p:nvSpPr>
         <p:spPr>
@@ -838,9 +861,13 @@
             <a:ext cx="6096000" cy="3429000"/>
           </a:xfrm>
           <a:custGeom>
-            <a:rect b="b" l="l" r="r" t="t"/>
+            <a:avLst/>
+            <a:gdLst/>
+            <a:ahLst/>
+            <a:cxnLst/>
+            <a:rect l="l" t="t" r="r" b="b"/>
             <a:pathLst>
-              <a:path extrusionOk="0" h="120000" w="120000">
+              <a:path w="120000" h="120000" extrusionOk="0">
                 <a:moveTo>
                   <a:pt x="0" y="0"/>
                 </a:moveTo>
@@ -862,9 +889,11 @@
       <p:sp>
         <p:nvSpPr>
           <p:cNvPr id="141" name="Google Shape;141;g1c2482a7c5e_0_576:notes"/>
-          <p:cNvSpPr txBox="1"/>
+          <p:cNvSpPr txBox="1">
+            <a:spLocks noGrp="1"/>
+          </p:cNvSpPr>
           <p:nvPr>
-            <p:ph idx="1" type="body"/>
+            <p:ph type="body" idx="1"/>
           </p:nvPr>
         </p:nvSpPr>
         <p:spPr>
@@ -877,12 +906,12 @@
           </a:prstGeom>
         </p:spPr>
         <p:txBody>
-          <a:bodyPr anchorCtr="0" anchor="t" bIns="91425" lIns="91425" spcFirstLastPara="1" rIns="91425" wrap="square" tIns="91425">
+          <a:bodyPr spcFirstLastPara="1" wrap="square" lIns="91425" tIns="91425" rIns="91425" bIns="91425" anchor="t" anchorCtr="0">
             <a:noAutofit/>
           </a:bodyPr>
           <a:lstStyle/>
           <a:p>
-            <a:pPr indent="0" lvl="0" marL="0" rtl="0" algn="l">
+            <a:pPr marL="0" lvl="0" indent="0" algn="l" rtl="0">
               <a:spcBef>
                 <a:spcPts val="0"/>
               </a:spcBef>
@@ -891,9 +920,6 @@
               </a:spcAft>
               <a:buNone/>
             </a:pPr>
-            <a:r>
-              <a:t/>
-            </a:r>
             <a:endParaRPr/>
           </a:p>
         </p:txBody>
@@ -907,11 +933,11 @@
 </file>
 
 <file path=ppt/notesSlides/notesSlide11.xml><?xml version="1.0" encoding="utf-8"?>
-<p:notes xmlns:a="http://schemas.openxmlformats.org/drawingml/2006/main" xmlns:r="http://schemas.openxmlformats.org/officeDocument/2006/relationships" xmlns:mc="http://schemas.openxmlformats.org/markup-compatibility/2006" xmlns:mv="urn:schemas-microsoft-com:mac:vml" xmlns:p="http://schemas.openxmlformats.org/presentationml/2006/main" xmlns:c="http://schemas.openxmlformats.org/drawingml/2006/chart" xmlns:dgm="http://schemas.openxmlformats.org/drawingml/2006/diagram" xmlns:o="urn:schemas-microsoft-com:office:office" xmlns:v="urn:schemas-microsoft-com:vml" xmlns:pvml="urn:schemas-microsoft-com:office:powerpoint" xmlns:com="http://schemas.openxmlformats.org/drawingml/2006/compatibility" xmlns:p14="http://schemas.microsoft.com/office/powerpoint/2010/main" xmlns:p15="http://schemas.microsoft.com/office/powerpoint/2012/main" xmlns:ahyp="http://schemas.microsoft.com/office/drawing/2018/hyperlinkcolor" showMasterPhAnim="0" showMasterSp="0">
+<p:notes xmlns:a="http://schemas.openxmlformats.org/drawingml/2006/main" xmlns:r="http://schemas.openxmlformats.org/officeDocument/2006/relationships" xmlns:p="http://schemas.openxmlformats.org/presentationml/2006/main" showMasterSp="0" showMasterPhAnim="0">
   <p:cSld>
     <p:spTree>
       <p:nvGrpSpPr>
-        <p:cNvPr id="156" name="Shape 156"/>
+        <p:cNvPr id="1" name="Shape 156"/>
         <p:cNvGrpSpPr/>
         <p:nvPr/>
       </p:nvGrpSpPr>
@@ -926,9 +952,11 @@
       <p:sp>
         <p:nvSpPr>
           <p:cNvPr id="157" name="Google Shape;157;g1c2482a7c5e_0_528:notes"/>
-          <p:cNvSpPr/>
+          <p:cNvSpPr>
+            <a:spLocks noGrp="1" noRot="1" noChangeAspect="1"/>
+          </p:cNvSpPr>
           <p:nvPr>
-            <p:ph idx="2" type="sldImg"/>
+            <p:ph type="sldImg" idx="2"/>
           </p:nvPr>
         </p:nvSpPr>
         <p:spPr>
@@ -937,9 +965,13 @@
             <a:ext cx="6096000" cy="3429000"/>
           </a:xfrm>
           <a:custGeom>
-            <a:rect b="b" l="l" r="r" t="t"/>
+            <a:avLst/>
+            <a:gdLst/>
+            <a:ahLst/>
+            <a:cxnLst/>
+            <a:rect l="l" t="t" r="r" b="b"/>
             <a:pathLst>
-              <a:path extrusionOk="0" h="120000" w="120000">
+              <a:path w="120000" h="120000" extrusionOk="0">
                 <a:moveTo>
                   <a:pt x="0" y="0"/>
                 </a:moveTo>
@@ -961,9 +993,11 @@
       <p:sp>
         <p:nvSpPr>
           <p:cNvPr id="158" name="Google Shape;158;g1c2482a7c5e_0_528:notes"/>
-          <p:cNvSpPr txBox="1"/>
+          <p:cNvSpPr txBox="1">
+            <a:spLocks noGrp="1"/>
+          </p:cNvSpPr>
           <p:nvPr>
-            <p:ph idx="1" type="body"/>
+            <p:ph type="body" idx="1"/>
           </p:nvPr>
         </p:nvSpPr>
         <p:spPr>
@@ -976,12 +1010,12 @@
           </a:prstGeom>
         </p:spPr>
         <p:txBody>
-          <a:bodyPr anchorCtr="0" anchor="t" bIns="91425" lIns="91425" spcFirstLastPara="1" rIns="91425" wrap="square" tIns="91425">
+          <a:bodyPr spcFirstLastPara="1" wrap="square" lIns="91425" tIns="91425" rIns="91425" bIns="91425" anchor="t" anchorCtr="0">
             <a:noAutofit/>
           </a:bodyPr>
           <a:lstStyle/>
           <a:p>
-            <a:pPr indent="0" lvl="0" marL="0" rtl="0" algn="l">
+            <a:pPr marL="0" lvl="0" indent="0" algn="l" rtl="0">
               <a:spcBef>
                 <a:spcPts val="0"/>
               </a:spcBef>
@@ -990,9 +1024,6 @@
               </a:spcAft>
               <a:buNone/>
             </a:pPr>
-            <a:r>
-              <a:t/>
-            </a:r>
             <a:endParaRPr/>
           </a:p>
         </p:txBody>
@@ -1006,11 +1037,11 @@
 </file>
 
 <file path=ppt/notesSlides/notesSlide12.xml><?xml version="1.0" encoding="utf-8"?>
-<p:notes xmlns:a="http://schemas.openxmlformats.org/drawingml/2006/main" xmlns:r="http://schemas.openxmlformats.org/officeDocument/2006/relationships" xmlns:mc="http://schemas.openxmlformats.org/markup-compatibility/2006" xmlns:mv="urn:schemas-microsoft-com:mac:vml" xmlns:p="http://schemas.openxmlformats.org/presentationml/2006/main" xmlns:c="http://schemas.openxmlformats.org/drawingml/2006/chart" xmlns:dgm="http://schemas.openxmlformats.org/drawingml/2006/diagram" xmlns:o="urn:schemas-microsoft-com:office:office" xmlns:v="urn:schemas-microsoft-com:vml" xmlns:pvml="urn:schemas-microsoft-com:office:powerpoint" xmlns:com="http://schemas.openxmlformats.org/drawingml/2006/compatibility" xmlns:p14="http://schemas.microsoft.com/office/powerpoint/2010/main" xmlns:p15="http://schemas.microsoft.com/office/powerpoint/2012/main" xmlns:ahyp="http://schemas.microsoft.com/office/drawing/2018/hyperlinkcolor" showMasterPhAnim="0" showMasterSp="0">
+<p:notes xmlns:a="http://schemas.openxmlformats.org/drawingml/2006/main" xmlns:r="http://schemas.openxmlformats.org/officeDocument/2006/relationships" xmlns:p="http://schemas.openxmlformats.org/presentationml/2006/main" showMasterSp="0" showMasterPhAnim="0">
   <p:cSld>
     <p:spTree>
       <p:nvGrpSpPr>
-        <p:cNvPr id="162" name="Shape 162"/>
+        <p:cNvPr id="1" name="Shape 162"/>
         <p:cNvGrpSpPr/>
         <p:nvPr/>
       </p:nvGrpSpPr>
@@ -1025,20 +1056,26 @@
       <p:sp>
         <p:nvSpPr>
           <p:cNvPr id="163" name="Google Shape;163;g1c2482a7c5e_0_521:notes"/>
-          <p:cNvSpPr/>
+          <p:cNvSpPr>
+            <a:spLocks noGrp="1" noRot="1" noChangeAspect="1"/>
+          </p:cNvSpPr>
           <p:nvPr>
-            <p:ph idx="2" type="sldImg"/>
+            <p:ph type="sldImg" idx="2"/>
           </p:nvPr>
         </p:nvSpPr>
         <p:spPr>
           <a:xfrm>
-            <a:off x="381300" y="685800"/>
+            <a:off x="381000" y="685800"/>
             <a:ext cx="6096000" cy="3429000"/>
           </a:xfrm>
           <a:custGeom>
-            <a:rect b="b" l="l" r="r" t="t"/>
+            <a:avLst/>
+            <a:gdLst/>
+            <a:ahLst/>
+            <a:cxnLst/>
+            <a:rect l="l" t="t" r="r" b="b"/>
             <a:pathLst>
-              <a:path extrusionOk="0" h="120000" w="120000">
+              <a:path w="120000" h="120000" extrusionOk="0">
                 <a:moveTo>
                   <a:pt x="0" y="0"/>
                 </a:moveTo>
@@ -1060,9 +1097,11 @@
       <p:sp>
         <p:nvSpPr>
           <p:cNvPr id="164" name="Google Shape;164;g1c2482a7c5e_0_521:notes"/>
-          <p:cNvSpPr txBox="1"/>
+          <p:cNvSpPr txBox="1">
+            <a:spLocks noGrp="1"/>
+          </p:cNvSpPr>
           <p:nvPr>
-            <p:ph idx="1" type="body"/>
+            <p:ph type="body" idx="1"/>
           </p:nvPr>
         </p:nvSpPr>
         <p:spPr>
@@ -1075,12 +1114,12 @@
           </a:prstGeom>
         </p:spPr>
         <p:txBody>
-          <a:bodyPr anchorCtr="0" anchor="t" bIns="91425" lIns="91425" spcFirstLastPara="1" rIns="91425" wrap="square" tIns="91425">
+          <a:bodyPr spcFirstLastPara="1" wrap="square" lIns="91425" tIns="91425" rIns="91425" bIns="91425" anchor="t" anchorCtr="0">
             <a:noAutofit/>
           </a:bodyPr>
           <a:lstStyle/>
           <a:p>
-            <a:pPr indent="0" lvl="0" marL="0" rtl="0" algn="l">
+            <a:pPr marL="0" lvl="0" indent="0" algn="l" rtl="0">
               <a:spcBef>
                 <a:spcPts val="0"/>
               </a:spcBef>
@@ -1089,9 +1128,6 @@
               </a:spcAft>
               <a:buNone/>
             </a:pPr>
-            <a:r>
-              <a:t/>
-            </a:r>
             <a:endParaRPr/>
           </a:p>
         </p:txBody>
@@ -1105,11 +1141,11 @@
 </file>
 
 <file path=ppt/notesSlides/notesSlide13.xml><?xml version="1.0" encoding="utf-8"?>
-<p:notes xmlns:a="http://schemas.openxmlformats.org/drawingml/2006/main" xmlns:r="http://schemas.openxmlformats.org/officeDocument/2006/relationships" xmlns:mc="http://schemas.openxmlformats.org/markup-compatibility/2006" xmlns:mv="urn:schemas-microsoft-com:mac:vml" xmlns:p="http://schemas.openxmlformats.org/presentationml/2006/main" xmlns:c="http://schemas.openxmlformats.org/drawingml/2006/chart" xmlns:dgm="http://schemas.openxmlformats.org/drawingml/2006/diagram" xmlns:o="urn:schemas-microsoft-com:office:office" xmlns:v="urn:schemas-microsoft-com:vml" xmlns:pvml="urn:schemas-microsoft-com:office:powerpoint" xmlns:com="http://schemas.openxmlformats.org/drawingml/2006/compatibility" xmlns:p14="http://schemas.microsoft.com/office/powerpoint/2010/main" xmlns:p15="http://schemas.microsoft.com/office/powerpoint/2012/main" xmlns:ahyp="http://schemas.microsoft.com/office/drawing/2018/hyperlinkcolor" showMasterPhAnim="0" showMasterSp="0">
+<p:notes xmlns:a="http://schemas.openxmlformats.org/drawingml/2006/main" xmlns:r="http://schemas.openxmlformats.org/officeDocument/2006/relationships" xmlns:p="http://schemas.openxmlformats.org/presentationml/2006/main" showMasterSp="0" showMasterPhAnim="0">
   <p:cSld>
     <p:spTree>
       <p:nvGrpSpPr>
-        <p:cNvPr id="168" name="Shape 168"/>
+        <p:cNvPr id="1" name="Shape 168"/>
         <p:cNvGrpSpPr/>
         <p:nvPr/>
       </p:nvGrpSpPr>
@@ -1124,9 +1160,11 @@
       <p:sp>
         <p:nvSpPr>
           <p:cNvPr id="169" name="Google Shape;169;g1c2482a7c5e_0_509:notes"/>
-          <p:cNvSpPr/>
+          <p:cNvSpPr>
+            <a:spLocks noGrp="1" noRot="1" noChangeAspect="1"/>
+          </p:cNvSpPr>
           <p:nvPr>
-            <p:ph idx="2" type="sldImg"/>
+            <p:ph type="sldImg" idx="2"/>
           </p:nvPr>
         </p:nvSpPr>
         <p:spPr>
@@ -1135,9 +1173,13 @@
             <a:ext cx="6096000" cy="3429000"/>
           </a:xfrm>
           <a:custGeom>
-            <a:rect b="b" l="l" r="r" t="t"/>
+            <a:avLst/>
+            <a:gdLst/>
+            <a:ahLst/>
+            <a:cxnLst/>
+            <a:rect l="l" t="t" r="r" b="b"/>
             <a:pathLst>
-              <a:path extrusionOk="0" h="120000" w="120000">
+              <a:path w="120000" h="120000" extrusionOk="0">
                 <a:moveTo>
                   <a:pt x="0" y="0"/>
                 </a:moveTo>
@@ -1159,9 +1201,11 @@
       <p:sp>
         <p:nvSpPr>
           <p:cNvPr id="170" name="Google Shape;170;g1c2482a7c5e_0_509:notes"/>
-          <p:cNvSpPr txBox="1"/>
+          <p:cNvSpPr txBox="1">
+            <a:spLocks noGrp="1"/>
+          </p:cNvSpPr>
           <p:nvPr>
-            <p:ph idx="1" type="body"/>
+            <p:ph type="body" idx="1"/>
           </p:nvPr>
         </p:nvSpPr>
         <p:spPr>
@@ -1174,12 +1218,12 @@
           </a:prstGeom>
         </p:spPr>
         <p:txBody>
-          <a:bodyPr anchorCtr="0" anchor="t" bIns="91425" lIns="91425" spcFirstLastPara="1" rIns="91425" wrap="square" tIns="91425">
+          <a:bodyPr spcFirstLastPara="1" wrap="square" lIns="91425" tIns="91425" rIns="91425" bIns="91425" anchor="t" anchorCtr="0">
             <a:noAutofit/>
           </a:bodyPr>
           <a:lstStyle/>
           <a:p>
-            <a:pPr indent="0" lvl="0" marL="0" rtl="0" algn="l">
+            <a:pPr marL="0" lvl="0" indent="0" algn="l" rtl="0">
               <a:spcBef>
                 <a:spcPts val="0"/>
               </a:spcBef>
@@ -1188,9 +1232,6 @@
               </a:spcAft>
               <a:buNone/>
             </a:pPr>
-            <a:r>
-              <a:t/>
-            </a:r>
             <a:endParaRPr/>
           </a:p>
         </p:txBody>
@@ -1204,11 +1245,11 @@
 </file>
 
 <file path=ppt/notesSlides/notesSlide14.xml><?xml version="1.0" encoding="utf-8"?>
-<p:notes xmlns:a="http://schemas.openxmlformats.org/drawingml/2006/main" xmlns:r="http://schemas.openxmlformats.org/officeDocument/2006/relationships" xmlns:mc="http://schemas.openxmlformats.org/markup-compatibility/2006" xmlns:mv="urn:schemas-microsoft-com:mac:vml" xmlns:p="http://schemas.openxmlformats.org/presentationml/2006/main" xmlns:c="http://schemas.openxmlformats.org/drawingml/2006/chart" xmlns:dgm="http://schemas.openxmlformats.org/drawingml/2006/diagram" xmlns:o="urn:schemas-microsoft-com:office:office" xmlns:v="urn:schemas-microsoft-com:vml" xmlns:pvml="urn:schemas-microsoft-com:office:powerpoint" xmlns:com="http://schemas.openxmlformats.org/drawingml/2006/compatibility" xmlns:p14="http://schemas.microsoft.com/office/powerpoint/2010/main" xmlns:p15="http://schemas.microsoft.com/office/powerpoint/2012/main" xmlns:ahyp="http://schemas.microsoft.com/office/drawing/2018/hyperlinkcolor" showMasterPhAnim="0" showMasterSp="0">
+<p:notes xmlns:a="http://schemas.openxmlformats.org/drawingml/2006/main" xmlns:r="http://schemas.openxmlformats.org/officeDocument/2006/relationships" xmlns:p="http://schemas.openxmlformats.org/presentationml/2006/main" showMasterSp="0" showMasterPhAnim="0">
   <p:cSld>
     <p:spTree>
       <p:nvGrpSpPr>
-        <p:cNvPr id="174" name="Shape 174"/>
+        <p:cNvPr id="1" name="Shape 174"/>
         <p:cNvGrpSpPr/>
         <p:nvPr/>
       </p:nvGrpSpPr>
@@ -1223,9 +1264,11 @@
       <p:sp>
         <p:nvSpPr>
           <p:cNvPr id="175" name="Google Shape;175;g1c2482a7c5e_0_514:notes"/>
-          <p:cNvSpPr/>
+          <p:cNvSpPr>
+            <a:spLocks noGrp="1" noRot="1" noChangeAspect="1"/>
+          </p:cNvSpPr>
           <p:nvPr>
-            <p:ph idx="2" type="sldImg"/>
+            <p:ph type="sldImg" idx="2"/>
           </p:nvPr>
         </p:nvSpPr>
         <p:spPr>
@@ -1234,9 +1277,13 @@
             <a:ext cx="6096000" cy="3429000"/>
           </a:xfrm>
           <a:custGeom>
-            <a:rect b="b" l="l" r="r" t="t"/>
+            <a:avLst/>
+            <a:gdLst/>
+            <a:ahLst/>
+            <a:cxnLst/>
+            <a:rect l="l" t="t" r="r" b="b"/>
             <a:pathLst>
-              <a:path extrusionOk="0" h="120000" w="120000">
+              <a:path w="120000" h="120000" extrusionOk="0">
                 <a:moveTo>
                   <a:pt x="0" y="0"/>
                 </a:moveTo>
@@ -1258,9 +1305,11 @@
       <p:sp>
         <p:nvSpPr>
           <p:cNvPr id="176" name="Google Shape;176;g1c2482a7c5e_0_514:notes"/>
-          <p:cNvSpPr txBox="1"/>
+          <p:cNvSpPr txBox="1">
+            <a:spLocks noGrp="1"/>
+          </p:cNvSpPr>
           <p:nvPr>
-            <p:ph idx="1" type="body"/>
+            <p:ph type="body" idx="1"/>
           </p:nvPr>
         </p:nvSpPr>
         <p:spPr>
@@ -1273,12 +1322,12 @@
           </a:prstGeom>
         </p:spPr>
         <p:txBody>
-          <a:bodyPr anchorCtr="0" anchor="t" bIns="91425" lIns="91425" spcFirstLastPara="1" rIns="91425" wrap="square" tIns="91425">
+          <a:bodyPr spcFirstLastPara="1" wrap="square" lIns="91425" tIns="91425" rIns="91425" bIns="91425" anchor="t" anchorCtr="0">
             <a:noAutofit/>
           </a:bodyPr>
           <a:lstStyle/>
           <a:p>
-            <a:pPr indent="0" lvl="0" marL="0" rtl="0" algn="l">
+            <a:pPr marL="0" lvl="0" indent="0" algn="l" rtl="0">
               <a:spcBef>
                 <a:spcPts val="0"/>
               </a:spcBef>
@@ -1287,9 +1336,6 @@
               </a:spcAft>
               <a:buNone/>
             </a:pPr>
-            <a:r>
-              <a:t/>
-            </a:r>
             <a:endParaRPr/>
           </a:p>
         </p:txBody>
@@ -1302,12 +1348,139 @@
 </p:notes>
 </file>
 
-<file path=ppt/notesSlides/notesSlide2.xml><?xml version="1.0" encoding="utf-8"?>
-<p:notes xmlns:a="http://schemas.openxmlformats.org/drawingml/2006/main" xmlns:r="http://schemas.openxmlformats.org/officeDocument/2006/relationships" xmlns:mc="http://schemas.openxmlformats.org/markup-compatibility/2006" xmlns:mv="urn:schemas-microsoft-com:mac:vml" xmlns:p="http://schemas.openxmlformats.org/presentationml/2006/main" xmlns:c="http://schemas.openxmlformats.org/drawingml/2006/chart" xmlns:dgm="http://schemas.openxmlformats.org/drawingml/2006/diagram" xmlns:o="urn:schemas-microsoft-com:office:office" xmlns:v="urn:schemas-microsoft-com:vml" xmlns:pvml="urn:schemas-microsoft-com:office:powerpoint" xmlns:com="http://schemas.openxmlformats.org/drawingml/2006/compatibility" xmlns:p14="http://schemas.microsoft.com/office/powerpoint/2010/main" xmlns:p15="http://schemas.microsoft.com/office/powerpoint/2012/main" xmlns:ahyp="http://schemas.microsoft.com/office/drawing/2018/hyperlinkcolor" showMasterPhAnim="0" showMasterSp="0">
+<file path=ppt/notesSlides/notesSlide15.xml><?xml version="1.0" encoding="utf-8"?>
+<p:notes xmlns:a="http://schemas.openxmlformats.org/drawingml/2006/main" xmlns:r="http://schemas.openxmlformats.org/officeDocument/2006/relationships" xmlns:p="http://schemas.openxmlformats.org/presentationml/2006/main" showMasterSp="0" showMasterPhAnim="0">
   <p:cSld>
     <p:spTree>
       <p:nvGrpSpPr>
-        <p:cNvPr id="65" name="Shape 65"/>
+        <p:cNvPr id="1" name="Shape 174">
+          <a:extLst>
+            <a:ext uri="{FF2B5EF4-FFF2-40B4-BE49-F238E27FC236}">
+              <a16:creationId xmlns:a16="http://schemas.microsoft.com/office/drawing/2014/main" id="{BA9880F7-35F8-3E5A-5ADE-5F054A316F54}"/>
+            </a:ext>
+          </a:extLst>
+        </p:cNvPr>
+        <p:cNvGrpSpPr/>
+        <p:nvPr/>
+      </p:nvGrpSpPr>
+      <p:grpSpPr>
+        <a:xfrm>
+          <a:off x="0" y="0"/>
+          <a:ext cx="0" cy="0"/>
+          <a:chOff x="0" y="0"/>
+          <a:chExt cx="0" cy="0"/>
+        </a:xfrm>
+      </p:grpSpPr>
+      <p:sp>
+        <p:nvSpPr>
+          <p:cNvPr id="175" name="Google Shape;175;g1c2482a7c5e_0_514:notes">
+            <a:extLst>
+              <a:ext uri="{FF2B5EF4-FFF2-40B4-BE49-F238E27FC236}">
+                <a16:creationId xmlns:a16="http://schemas.microsoft.com/office/drawing/2014/main" id="{4D672DD8-9624-FACA-009D-6FE1A854D302}"/>
+              </a:ext>
+            </a:extLst>
+          </p:cNvPr>
+          <p:cNvSpPr>
+            <a:spLocks noGrp="1" noRot="1" noChangeAspect="1"/>
+          </p:cNvSpPr>
+          <p:nvPr>
+            <p:ph type="sldImg" idx="2"/>
+          </p:nvPr>
+        </p:nvSpPr>
+        <p:spPr>
+          <a:xfrm>
+            <a:off x="381000" y="685800"/>
+            <a:ext cx="6096000" cy="3429000"/>
+          </a:xfrm>
+          <a:custGeom>
+            <a:avLst/>
+            <a:gdLst/>
+            <a:ahLst/>
+            <a:cxnLst/>
+            <a:rect l="l" t="t" r="r" b="b"/>
+            <a:pathLst>
+              <a:path w="120000" h="120000" extrusionOk="0">
+                <a:moveTo>
+                  <a:pt x="0" y="0"/>
+                </a:moveTo>
+                <a:lnTo>
+                  <a:pt x="120000" y="0"/>
+                </a:lnTo>
+                <a:lnTo>
+                  <a:pt x="120000" y="120000"/>
+                </a:lnTo>
+                <a:lnTo>
+                  <a:pt x="0" y="120000"/>
+                </a:lnTo>
+                <a:close/>
+              </a:path>
+            </a:pathLst>
+          </a:custGeom>
+        </p:spPr>
+      </p:sp>
+      <p:sp>
+        <p:nvSpPr>
+          <p:cNvPr id="176" name="Google Shape;176;g1c2482a7c5e_0_514:notes">
+            <a:extLst>
+              <a:ext uri="{FF2B5EF4-FFF2-40B4-BE49-F238E27FC236}">
+                <a16:creationId xmlns:a16="http://schemas.microsoft.com/office/drawing/2014/main" id="{A9D5D2CE-40B1-E77B-0947-F5FD69C8E9CB}"/>
+              </a:ext>
+            </a:extLst>
+          </p:cNvPr>
+          <p:cNvSpPr txBox="1">
+            <a:spLocks noGrp="1"/>
+          </p:cNvSpPr>
+          <p:nvPr>
+            <p:ph type="body" idx="1"/>
+          </p:nvPr>
+        </p:nvSpPr>
+        <p:spPr>
+          <a:xfrm>
+            <a:off x="685800" y="4343400"/>
+            <a:ext cx="5486400" cy="4114800"/>
+          </a:xfrm>
+          <a:prstGeom prst="rect">
+            <a:avLst/>
+          </a:prstGeom>
+        </p:spPr>
+        <p:txBody>
+          <a:bodyPr spcFirstLastPara="1" wrap="square" lIns="91425" tIns="91425" rIns="91425" bIns="91425" anchor="t" anchorCtr="0">
+            <a:noAutofit/>
+          </a:bodyPr>
+          <a:lstStyle/>
+          <a:p>
+            <a:pPr marL="0" lvl="0" indent="0" algn="l" rtl="0">
+              <a:spcBef>
+                <a:spcPts val="0"/>
+              </a:spcBef>
+              <a:spcAft>
+                <a:spcPts val="0"/>
+              </a:spcAft>
+              <a:buNone/>
+            </a:pPr>
+            <a:endParaRPr/>
+          </a:p>
+        </p:txBody>
+      </p:sp>
+    </p:spTree>
+    <p:extLst>
+      <p:ext uri="{BB962C8B-B14F-4D97-AF65-F5344CB8AC3E}">
+        <p14:creationId xmlns:p14="http://schemas.microsoft.com/office/powerpoint/2010/main" val="2702911273"/>
+      </p:ext>
+    </p:extLst>
+  </p:cSld>
+  <p:clrMapOvr>
+    <a:masterClrMapping/>
+  </p:clrMapOvr>
+</p:notes>
+</file>
+
+<file path=ppt/notesSlides/notesSlide2.xml><?xml version="1.0" encoding="utf-8"?>
+<p:notes xmlns:a="http://schemas.openxmlformats.org/drawingml/2006/main" xmlns:r="http://schemas.openxmlformats.org/officeDocument/2006/relationships" xmlns:p="http://schemas.openxmlformats.org/presentationml/2006/main" showMasterSp="0" showMasterPhAnim="0">
+  <p:cSld>
+    <p:spTree>
+      <p:nvGrpSpPr>
+        <p:cNvPr id="1" name="Shape 65"/>
         <p:cNvGrpSpPr/>
         <p:nvPr/>
       </p:nvGrpSpPr>
@@ -1322,20 +1495,26 @@
       <p:sp>
         <p:nvSpPr>
           <p:cNvPr id="66" name="Google Shape;66;g1c2482a7c5e_0_1038:notes"/>
-          <p:cNvSpPr/>
+          <p:cNvSpPr>
+            <a:spLocks noGrp="1" noRot="1" noChangeAspect="1"/>
+          </p:cNvSpPr>
           <p:nvPr>
-            <p:ph idx="2" type="sldImg"/>
+            <p:ph type="sldImg" idx="2"/>
           </p:nvPr>
         </p:nvSpPr>
         <p:spPr>
           <a:xfrm>
-            <a:off x="381300" y="685800"/>
+            <a:off x="381000" y="685800"/>
             <a:ext cx="6096000" cy="3429000"/>
           </a:xfrm>
           <a:custGeom>
-            <a:rect b="b" l="l" r="r" t="t"/>
+            <a:avLst/>
+            <a:gdLst/>
+            <a:ahLst/>
+            <a:cxnLst/>
+            <a:rect l="l" t="t" r="r" b="b"/>
             <a:pathLst>
-              <a:path extrusionOk="0" h="120000" w="120000">
+              <a:path w="120000" h="120000" extrusionOk="0">
                 <a:moveTo>
                   <a:pt x="0" y="0"/>
                 </a:moveTo>
@@ -1357,9 +1536,11 @@
       <p:sp>
         <p:nvSpPr>
           <p:cNvPr id="67" name="Google Shape;67;g1c2482a7c5e_0_1038:notes"/>
-          <p:cNvSpPr txBox="1"/>
+          <p:cNvSpPr txBox="1">
+            <a:spLocks noGrp="1"/>
+          </p:cNvSpPr>
           <p:nvPr>
-            <p:ph idx="1" type="body"/>
+            <p:ph type="body" idx="1"/>
           </p:nvPr>
         </p:nvSpPr>
         <p:spPr>
@@ -1372,12 +1553,12 @@
           </a:prstGeom>
         </p:spPr>
         <p:txBody>
-          <a:bodyPr anchorCtr="0" anchor="t" bIns="91425" lIns="91425" spcFirstLastPara="1" rIns="91425" wrap="square" tIns="91425">
+          <a:bodyPr spcFirstLastPara="1" wrap="square" lIns="91425" tIns="91425" rIns="91425" bIns="91425" anchor="t" anchorCtr="0">
             <a:noAutofit/>
           </a:bodyPr>
           <a:lstStyle/>
           <a:p>
-            <a:pPr indent="0" lvl="0" marL="0" rtl="0" algn="l">
+            <a:pPr marL="0" lvl="0" indent="0" algn="l" rtl="0">
               <a:spcBef>
                 <a:spcPts val="0"/>
               </a:spcBef>
@@ -1386,91 +1567,7 @@
               </a:spcAft>
               <a:buNone/>
             </a:pPr>
-            <a:r>
-              <a:rPr lang="en"/>
-              <a:t>Went to UW for undergrad + masters</a:t>
-            </a:r>
-            <a:endParaRPr/>
-          </a:p>
-          <a:p>
-            <a:pPr indent="0" lvl="0" marL="0" rtl="0" algn="l">
-              <a:spcBef>
-                <a:spcPts val="0"/>
-              </a:spcBef>
-              <a:spcAft>
-                <a:spcPts val="0"/>
-              </a:spcAft>
-              <a:buNone/>
-            </a:pPr>
-            <a:r>
-              <a:rPr lang="en"/>
-              <a:t>Worked as a software engineer for about a decade - big company, small company</a:t>
-            </a:r>
-            <a:endParaRPr/>
-          </a:p>
-          <a:p>
-            <a:pPr indent="0" lvl="0" marL="0" rtl="0" algn="l">
-              <a:spcBef>
-                <a:spcPts val="0"/>
-              </a:spcBef>
-              <a:spcAft>
-                <a:spcPts val="0"/>
-              </a:spcAft>
-              <a:buNone/>
-            </a:pPr>
-            <a:r>
-              <a:rPr lang="en"/>
-              <a:t>Have taught a couple classes at UW, ran the intern program for said big company - want to share what I’ve learned</a:t>
-            </a:r>
-            <a:endParaRPr/>
-          </a:p>
-          <a:p>
-            <a:pPr indent="0" lvl="0" marL="0" rtl="0" algn="l">
-              <a:spcBef>
-                <a:spcPts val="0"/>
-              </a:spcBef>
-              <a:spcAft>
-                <a:spcPts val="0"/>
-              </a:spcAft>
-              <a:buNone/>
-            </a:pPr>
-            <a:r>
-              <a:rPr lang="en"/>
-              <a:t>Have worked with a lot of different programming languages in my career, </a:t>
-            </a:r>
-            <a:r>
-              <a:rPr lang="en"/>
-              <a:t>including</a:t>
-            </a:r>
-            <a:r>
-              <a:rPr lang="en"/>
-              <a:t> Python - although it isn’t the language I’ve used the most</a:t>
-            </a:r>
-            <a:endParaRPr/>
-          </a:p>
-          <a:p>
-            <a:pPr indent="0" lvl="0" marL="0" rtl="0" algn="l">
-              <a:spcBef>
-                <a:spcPts val="0"/>
-              </a:spcBef>
-              <a:spcAft>
-                <a:spcPts val="0"/>
-              </a:spcAft>
-              <a:buNone/>
-            </a:pPr>
-            <a:r>
-              <a:rPr lang="en"/>
-              <a:t>But what I’m really good at, and want to share with you, is </a:t>
-            </a:r>
-            <a:r>
-              <a:rPr i="1" lang="en"/>
-              <a:t>how to learn and search for what you need</a:t>
-            </a:r>
-            <a:r>
-              <a:rPr lang="en"/>
-              <a:t> because honestly no one needs to memorize everything.</a:t>
-            </a:r>
-            <a:endParaRPr/>
+            <a:endParaRPr dirty="0"/>
           </a:p>
         </p:txBody>
       </p:sp>
@@ -1483,11 +1580,11 @@
 </file>
 
 <file path=ppt/notesSlides/notesSlide3.xml><?xml version="1.0" encoding="utf-8"?>
-<p:notes xmlns:a="http://schemas.openxmlformats.org/drawingml/2006/main" xmlns:r="http://schemas.openxmlformats.org/officeDocument/2006/relationships" xmlns:mc="http://schemas.openxmlformats.org/markup-compatibility/2006" xmlns:mv="urn:schemas-microsoft-com:mac:vml" xmlns:p="http://schemas.openxmlformats.org/presentationml/2006/main" xmlns:c="http://schemas.openxmlformats.org/drawingml/2006/chart" xmlns:dgm="http://schemas.openxmlformats.org/drawingml/2006/diagram" xmlns:o="urn:schemas-microsoft-com:office:office" xmlns:v="urn:schemas-microsoft-com:vml" xmlns:pvml="urn:schemas-microsoft-com:office:powerpoint" xmlns:com="http://schemas.openxmlformats.org/drawingml/2006/compatibility" xmlns:p14="http://schemas.microsoft.com/office/powerpoint/2010/main" xmlns:p15="http://schemas.microsoft.com/office/powerpoint/2012/main" xmlns:ahyp="http://schemas.microsoft.com/office/drawing/2018/hyperlinkcolor" showMasterPhAnim="0" showMasterSp="0">
+<p:notes xmlns:a="http://schemas.openxmlformats.org/drawingml/2006/main" xmlns:r="http://schemas.openxmlformats.org/officeDocument/2006/relationships" xmlns:p="http://schemas.openxmlformats.org/presentationml/2006/main" showMasterSp="0" showMasterPhAnim="0">
   <p:cSld>
     <p:spTree>
       <p:nvGrpSpPr>
-        <p:cNvPr id="82" name="Shape 82"/>
+        <p:cNvPr id="1" name="Shape 58"/>
         <p:cNvGrpSpPr/>
         <p:nvPr/>
       </p:nvGrpSpPr>
@@ -1501,21 +1598,27 @@
       </p:grpSpPr>
       <p:sp>
         <p:nvSpPr>
-          <p:cNvPr id="83" name="Google Shape;83;g1c2482a7c5e_0_476:notes"/>
-          <p:cNvSpPr/>
+          <p:cNvPr id="59" name="Google Shape;59;p2:notes"/>
+          <p:cNvSpPr>
+            <a:spLocks noGrp="1" noRot="1" noChangeAspect="1"/>
+          </p:cNvSpPr>
           <p:nvPr>
-            <p:ph idx="2" type="sldImg"/>
+            <p:ph type="sldImg" idx="2"/>
           </p:nvPr>
         </p:nvSpPr>
         <p:spPr>
           <a:xfrm>
-            <a:off x="381300" y="685800"/>
+            <a:off x="381000" y="685800"/>
             <a:ext cx="6096000" cy="3429000"/>
           </a:xfrm>
           <a:custGeom>
-            <a:rect b="b" l="l" r="r" t="t"/>
+            <a:avLst/>
+            <a:gdLst/>
+            <a:ahLst/>
+            <a:cxnLst/>
+            <a:rect l="l" t="t" r="r" b="b"/>
             <a:pathLst>
-              <a:path extrusionOk="0" h="120000" w="120000">
+              <a:path w="120000" h="120000" extrusionOk="0">
                 <a:moveTo>
                   <a:pt x="0" y="0"/>
                 </a:moveTo>
@@ -1532,14 +1635,26 @@
               </a:path>
             </a:pathLst>
           </a:custGeom>
+          <a:noFill/>
+          <a:ln w="9525" cap="flat" cmpd="sng">
+            <a:solidFill>
+              <a:srgbClr val="000000"/>
+            </a:solidFill>
+            <a:prstDash val="solid"/>
+            <a:round/>
+            <a:headEnd type="none" w="sm" len="sm"/>
+            <a:tailEnd type="none" w="sm" len="sm"/>
+          </a:ln>
         </p:spPr>
       </p:sp>
       <p:sp>
         <p:nvSpPr>
-          <p:cNvPr id="84" name="Google Shape;84;g1c2482a7c5e_0_476:notes"/>
-          <p:cNvSpPr txBox="1"/>
+          <p:cNvPr id="60" name="Google Shape;60;p2:notes"/>
+          <p:cNvSpPr txBox="1">
+            <a:spLocks noGrp="1"/>
+          </p:cNvSpPr>
           <p:nvPr>
-            <p:ph idx="1" type="body"/>
+            <p:ph type="body" idx="1"/>
           </p:nvPr>
         </p:nvSpPr>
         <p:spPr>
@@ -1550,24 +1665,121 @@
           <a:prstGeom prst="rect">
             <a:avLst/>
           </a:prstGeom>
+          <a:noFill/>
+          <a:ln>
+            <a:noFill/>
+          </a:ln>
         </p:spPr>
         <p:txBody>
-          <a:bodyPr anchorCtr="0" anchor="t" bIns="91425" lIns="91425" spcFirstLastPara="1" rIns="91425" wrap="square" tIns="91425">
+          <a:bodyPr spcFirstLastPara="1" wrap="square" lIns="91425" tIns="91425" rIns="91425" bIns="91425" anchor="t" anchorCtr="0">
             <a:noAutofit/>
           </a:bodyPr>
           <a:lstStyle/>
           <a:p>
-            <a:pPr indent="0" lvl="0" marL="0" rtl="0" algn="l">
-              <a:spcBef>
-                <a:spcPts val="0"/>
-              </a:spcBef>
-              <a:spcAft>
-                <a:spcPts val="0"/>
-              </a:spcAft>
+            <a:pPr marL="0" lvl="0" indent="0" algn="l" rtl="0">
+              <a:lnSpc>
+                <a:spcPct val="100000"/>
+              </a:lnSpc>
+              <a:spcBef>
+                <a:spcPts val="0"/>
+              </a:spcBef>
+              <a:spcAft>
+                <a:spcPts val="0"/>
+              </a:spcAft>
+              <a:buSzPts val="1100"/>
               <a:buNone/>
             </a:pPr>
             <a:r>
-              <a:t/>
+              <a:rPr lang="en"/>
+              <a:t>Went to UW for undergrad + masters</a:t>
+            </a:r>
+            <a:endParaRPr/>
+          </a:p>
+          <a:p>
+            <a:pPr marL="0" lvl="0" indent="0" algn="l" rtl="0">
+              <a:lnSpc>
+                <a:spcPct val="100000"/>
+              </a:lnSpc>
+              <a:spcBef>
+                <a:spcPts val="0"/>
+              </a:spcBef>
+              <a:spcAft>
+                <a:spcPts val="0"/>
+              </a:spcAft>
+              <a:buSzPts val="1100"/>
+              <a:buNone/>
+            </a:pPr>
+            <a:r>
+              <a:rPr lang="en"/>
+              <a:t>Worked as a software engineer for about a decade - big company, small company</a:t>
+            </a:r>
+            <a:endParaRPr/>
+          </a:p>
+          <a:p>
+            <a:pPr marL="0" lvl="0" indent="0" algn="l" rtl="0">
+              <a:lnSpc>
+                <a:spcPct val="100000"/>
+              </a:lnSpc>
+              <a:spcBef>
+                <a:spcPts val="0"/>
+              </a:spcBef>
+              <a:spcAft>
+                <a:spcPts val="0"/>
+              </a:spcAft>
+              <a:buSzPts val="1100"/>
+              <a:buNone/>
+            </a:pPr>
+            <a:r>
+              <a:rPr lang="en"/>
+              <a:t>Have taught a couple classes at UW, ran the intern program for said big company - want to share what I’ve learned</a:t>
+            </a:r>
+            <a:endParaRPr/>
+          </a:p>
+          <a:p>
+            <a:pPr marL="0" lvl="0" indent="0" algn="l" rtl="0">
+              <a:lnSpc>
+                <a:spcPct val="100000"/>
+              </a:lnSpc>
+              <a:spcBef>
+                <a:spcPts val="0"/>
+              </a:spcBef>
+              <a:spcAft>
+                <a:spcPts val="0"/>
+              </a:spcAft>
+              <a:buSzPts val="1100"/>
+              <a:buNone/>
+            </a:pPr>
+            <a:r>
+              <a:rPr lang="en"/>
+              <a:t>Have worked with a lot of different programming languages in my career, including Python - although it isn’t the language I’ve used the most</a:t>
+            </a:r>
+            <a:endParaRPr/>
+          </a:p>
+          <a:p>
+            <a:pPr marL="0" lvl="0" indent="0" algn="l" rtl="0">
+              <a:lnSpc>
+                <a:spcPct val="100000"/>
+              </a:lnSpc>
+              <a:spcBef>
+                <a:spcPts val="0"/>
+              </a:spcBef>
+              <a:spcAft>
+                <a:spcPts val="0"/>
+              </a:spcAft>
+              <a:buSzPts val="1100"/>
+              <a:buNone/>
+            </a:pPr>
+            <a:r>
+              <a:rPr lang="en"/>
+              <a:t>But what I’m really good at, and want to share with you, is </a:t>
+            </a:r>
+            <a:r>
+              <a:rPr lang="en" i="1"/>
+              <a:t>how to learn and search for what you need</a:t>
+            </a:r>
+            <a:r>
+              <a:rPr lang="en"/>
+              <a:t> because honestly no one needs to memorize everything.</a:t>
             </a:r>
             <a:endParaRPr/>
           </a:p>
@@ -1582,11 +1794,11 @@
 </file>
 
 <file path=ppt/notesSlides/notesSlide4.xml><?xml version="1.0" encoding="utf-8"?>
-<p:notes xmlns:a="http://schemas.openxmlformats.org/drawingml/2006/main" xmlns:r="http://schemas.openxmlformats.org/officeDocument/2006/relationships" xmlns:mc="http://schemas.openxmlformats.org/markup-compatibility/2006" xmlns:mv="urn:schemas-microsoft-com:mac:vml" xmlns:p="http://schemas.openxmlformats.org/presentationml/2006/main" xmlns:c="http://schemas.openxmlformats.org/drawingml/2006/chart" xmlns:dgm="http://schemas.openxmlformats.org/drawingml/2006/diagram" xmlns:o="urn:schemas-microsoft-com:office:office" xmlns:v="urn:schemas-microsoft-com:vml" xmlns:pvml="urn:schemas-microsoft-com:office:powerpoint" xmlns:com="http://schemas.openxmlformats.org/drawingml/2006/compatibility" xmlns:p14="http://schemas.microsoft.com/office/powerpoint/2010/main" xmlns:p15="http://schemas.microsoft.com/office/powerpoint/2012/main" xmlns:ahyp="http://schemas.microsoft.com/office/drawing/2018/hyperlinkcolor" showMasterPhAnim="0" showMasterSp="0">
+<p:notes xmlns:a="http://schemas.openxmlformats.org/drawingml/2006/main" xmlns:r="http://schemas.openxmlformats.org/officeDocument/2006/relationships" xmlns:p="http://schemas.openxmlformats.org/presentationml/2006/main" showMasterSp="0" showMasterPhAnim="0">
   <p:cSld>
     <p:spTree>
       <p:nvGrpSpPr>
-        <p:cNvPr id="93" name="Shape 93"/>
+        <p:cNvPr id="1" name="Shape 93"/>
         <p:cNvGrpSpPr/>
         <p:nvPr/>
       </p:nvGrpSpPr>
@@ -1601,9 +1813,11 @@
       <p:sp>
         <p:nvSpPr>
           <p:cNvPr id="94" name="Google Shape;94;g1c2482a7c5e_0_0:notes"/>
-          <p:cNvSpPr/>
+          <p:cNvSpPr>
+            <a:spLocks noGrp="1" noRot="1" noChangeAspect="1"/>
+          </p:cNvSpPr>
           <p:nvPr>
-            <p:ph idx="2" type="sldImg"/>
+            <p:ph type="sldImg" idx="2"/>
           </p:nvPr>
         </p:nvSpPr>
         <p:spPr>
@@ -1612,9 +1826,13 @@
             <a:ext cx="6096000" cy="3429000"/>
           </a:xfrm>
           <a:custGeom>
-            <a:rect b="b" l="l" r="r" t="t"/>
+            <a:avLst/>
+            <a:gdLst/>
+            <a:ahLst/>
+            <a:cxnLst/>
+            <a:rect l="l" t="t" r="r" b="b"/>
             <a:pathLst>
-              <a:path extrusionOk="0" h="120000" w="120000">
+              <a:path w="120000" h="120000" extrusionOk="0">
                 <a:moveTo>
                   <a:pt x="0" y="0"/>
                 </a:moveTo>
@@ -1636,9 +1854,11 @@
       <p:sp>
         <p:nvSpPr>
           <p:cNvPr id="95" name="Google Shape;95;g1c2482a7c5e_0_0:notes"/>
-          <p:cNvSpPr txBox="1"/>
+          <p:cNvSpPr txBox="1">
+            <a:spLocks noGrp="1"/>
+          </p:cNvSpPr>
           <p:nvPr>
-            <p:ph idx="1" type="body"/>
+            <p:ph type="body" idx="1"/>
           </p:nvPr>
         </p:nvSpPr>
         <p:spPr>
@@ -1651,12 +1871,12 @@
           </a:prstGeom>
         </p:spPr>
         <p:txBody>
-          <a:bodyPr anchorCtr="0" anchor="t" bIns="91425" lIns="91425" spcFirstLastPara="1" rIns="91425" wrap="square" tIns="91425">
+          <a:bodyPr spcFirstLastPara="1" wrap="square" lIns="91425" tIns="91425" rIns="91425" bIns="91425" anchor="t" anchorCtr="0">
             <a:noAutofit/>
           </a:bodyPr>
           <a:lstStyle/>
           <a:p>
-            <a:pPr indent="0" lvl="0" marL="0" rtl="0" algn="l">
+            <a:pPr marL="0" lvl="0" indent="0" algn="l" rtl="0">
               <a:spcBef>
                 <a:spcPts val="0"/>
               </a:spcBef>
@@ -1665,9 +1885,6 @@
               </a:spcAft>
               <a:buNone/>
             </a:pPr>
-            <a:r>
-              <a:t/>
-            </a:r>
             <a:endParaRPr/>
           </a:p>
         </p:txBody>
@@ -1681,11 +1898,11 @@
 </file>
 
 <file path=ppt/notesSlides/notesSlide5.xml><?xml version="1.0" encoding="utf-8"?>
-<p:notes xmlns:a="http://schemas.openxmlformats.org/drawingml/2006/main" xmlns:r="http://schemas.openxmlformats.org/officeDocument/2006/relationships" xmlns:mc="http://schemas.openxmlformats.org/markup-compatibility/2006" xmlns:mv="urn:schemas-microsoft-com:mac:vml" xmlns:p="http://schemas.openxmlformats.org/presentationml/2006/main" xmlns:c="http://schemas.openxmlformats.org/drawingml/2006/chart" xmlns:dgm="http://schemas.openxmlformats.org/drawingml/2006/diagram" xmlns:o="urn:schemas-microsoft-com:office:office" xmlns:v="urn:schemas-microsoft-com:vml" xmlns:pvml="urn:schemas-microsoft-com:office:powerpoint" xmlns:com="http://schemas.openxmlformats.org/drawingml/2006/compatibility" xmlns:p14="http://schemas.microsoft.com/office/powerpoint/2010/main" xmlns:p15="http://schemas.microsoft.com/office/powerpoint/2012/main" xmlns:ahyp="http://schemas.microsoft.com/office/drawing/2018/hyperlinkcolor" showMasterPhAnim="0" showMasterSp="0">
+<p:notes xmlns:a="http://schemas.openxmlformats.org/drawingml/2006/main" xmlns:r="http://schemas.openxmlformats.org/officeDocument/2006/relationships" xmlns:p="http://schemas.openxmlformats.org/presentationml/2006/main" showMasterSp="0" showMasterPhAnim="0">
   <p:cSld>
     <p:spTree>
       <p:nvGrpSpPr>
-        <p:cNvPr id="106" name="Shape 106"/>
+        <p:cNvPr id="1" name="Shape 106"/>
         <p:cNvGrpSpPr/>
         <p:nvPr/>
       </p:nvGrpSpPr>
@@ -1700,9 +1917,11 @@
       <p:sp>
         <p:nvSpPr>
           <p:cNvPr id="107" name="Google Shape;107;g1c2482a7c5e_0_496:notes"/>
-          <p:cNvSpPr/>
+          <p:cNvSpPr>
+            <a:spLocks noGrp="1" noRot="1" noChangeAspect="1"/>
+          </p:cNvSpPr>
           <p:nvPr>
-            <p:ph idx="2" type="sldImg"/>
+            <p:ph type="sldImg" idx="2"/>
           </p:nvPr>
         </p:nvSpPr>
         <p:spPr>
@@ -1711,9 +1930,13 @@
             <a:ext cx="6096000" cy="3429000"/>
           </a:xfrm>
           <a:custGeom>
-            <a:rect b="b" l="l" r="r" t="t"/>
+            <a:avLst/>
+            <a:gdLst/>
+            <a:ahLst/>
+            <a:cxnLst/>
+            <a:rect l="l" t="t" r="r" b="b"/>
             <a:pathLst>
-              <a:path extrusionOk="0" h="120000" w="120000">
+              <a:path w="120000" h="120000" extrusionOk="0">
                 <a:moveTo>
                   <a:pt x="0" y="0"/>
                 </a:moveTo>
@@ -1735,9 +1958,11 @@
       <p:sp>
         <p:nvSpPr>
           <p:cNvPr id="108" name="Google Shape;108;g1c2482a7c5e_0_496:notes"/>
-          <p:cNvSpPr txBox="1"/>
+          <p:cNvSpPr txBox="1">
+            <a:spLocks noGrp="1"/>
+          </p:cNvSpPr>
           <p:nvPr>
-            <p:ph idx="1" type="body"/>
+            <p:ph type="body" idx="1"/>
           </p:nvPr>
         </p:nvSpPr>
         <p:spPr>
@@ -1750,12 +1975,12 @@
           </a:prstGeom>
         </p:spPr>
         <p:txBody>
-          <a:bodyPr anchorCtr="0" anchor="t" bIns="91425" lIns="91425" spcFirstLastPara="1" rIns="91425" wrap="square" tIns="91425">
+          <a:bodyPr spcFirstLastPara="1" wrap="square" lIns="91425" tIns="91425" rIns="91425" bIns="91425" anchor="t" anchorCtr="0">
             <a:noAutofit/>
           </a:bodyPr>
           <a:lstStyle/>
           <a:p>
-            <a:pPr indent="0" lvl="0" marL="0" rtl="0" algn="l">
+            <a:pPr marL="0" lvl="0" indent="0" algn="l" rtl="0">
               <a:spcBef>
                 <a:spcPts val="0"/>
               </a:spcBef>
@@ -1764,9 +1989,6 @@
               </a:spcAft>
               <a:buNone/>
             </a:pPr>
-            <a:r>
-              <a:t/>
-            </a:r>
             <a:endParaRPr/>
           </a:p>
         </p:txBody>
@@ -1780,11 +2002,11 @@
 </file>
 
 <file path=ppt/notesSlides/notesSlide6.xml><?xml version="1.0" encoding="utf-8"?>
-<p:notes xmlns:a="http://schemas.openxmlformats.org/drawingml/2006/main" xmlns:r="http://schemas.openxmlformats.org/officeDocument/2006/relationships" xmlns:mc="http://schemas.openxmlformats.org/markup-compatibility/2006" xmlns:mv="urn:schemas-microsoft-com:mac:vml" xmlns:p="http://schemas.openxmlformats.org/presentationml/2006/main" xmlns:c="http://schemas.openxmlformats.org/drawingml/2006/chart" xmlns:dgm="http://schemas.openxmlformats.org/drawingml/2006/diagram" xmlns:o="urn:schemas-microsoft-com:office:office" xmlns:v="urn:schemas-microsoft-com:vml" xmlns:pvml="urn:schemas-microsoft-com:office:powerpoint" xmlns:com="http://schemas.openxmlformats.org/drawingml/2006/compatibility" xmlns:p14="http://schemas.microsoft.com/office/powerpoint/2010/main" xmlns:p15="http://schemas.microsoft.com/office/powerpoint/2012/main" xmlns:ahyp="http://schemas.microsoft.com/office/drawing/2018/hyperlinkcolor" showMasterPhAnim="0" showMasterSp="0">
+<p:notes xmlns:a="http://schemas.openxmlformats.org/drawingml/2006/main" xmlns:r="http://schemas.openxmlformats.org/officeDocument/2006/relationships" xmlns:p="http://schemas.openxmlformats.org/presentationml/2006/main" showMasterSp="0" showMasterPhAnim="0">
   <p:cSld>
     <p:spTree>
       <p:nvGrpSpPr>
-        <p:cNvPr id="113" name="Shape 113"/>
+        <p:cNvPr id="1" name="Shape 113"/>
         <p:cNvGrpSpPr/>
         <p:nvPr/>
       </p:nvGrpSpPr>
@@ -1799,9 +2021,11 @@
       <p:sp>
         <p:nvSpPr>
           <p:cNvPr id="114" name="Google Shape;114;g1bdf60ccdde_0_2:notes"/>
-          <p:cNvSpPr/>
+          <p:cNvSpPr>
+            <a:spLocks noGrp="1" noRot="1" noChangeAspect="1"/>
+          </p:cNvSpPr>
           <p:nvPr>
-            <p:ph idx="2" type="sldImg"/>
+            <p:ph type="sldImg" idx="2"/>
           </p:nvPr>
         </p:nvSpPr>
         <p:spPr>
@@ -1810,9 +2034,13 @@
             <a:ext cx="6096000" cy="3429000"/>
           </a:xfrm>
           <a:custGeom>
-            <a:rect b="b" l="l" r="r" t="t"/>
+            <a:avLst/>
+            <a:gdLst/>
+            <a:ahLst/>
+            <a:cxnLst/>
+            <a:rect l="l" t="t" r="r" b="b"/>
             <a:pathLst>
-              <a:path extrusionOk="0" h="120000" w="120000">
+              <a:path w="120000" h="120000" extrusionOk="0">
                 <a:moveTo>
                   <a:pt x="0" y="0"/>
                 </a:moveTo>
@@ -1834,9 +2062,11 @@
       <p:sp>
         <p:nvSpPr>
           <p:cNvPr id="115" name="Google Shape;115;g1bdf60ccdde_0_2:notes"/>
-          <p:cNvSpPr txBox="1"/>
+          <p:cNvSpPr txBox="1">
+            <a:spLocks noGrp="1"/>
+          </p:cNvSpPr>
           <p:nvPr>
-            <p:ph idx="1" type="body"/>
+            <p:ph type="body" idx="1"/>
           </p:nvPr>
         </p:nvSpPr>
         <p:spPr>
@@ -1849,12 +2079,12 @@
           </a:prstGeom>
         </p:spPr>
         <p:txBody>
-          <a:bodyPr anchorCtr="0" anchor="t" bIns="91425" lIns="91425" spcFirstLastPara="1" rIns="91425" wrap="square" tIns="91425">
+          <a:bodyPr spcFirstLastPara="1" wrap="square" lIns="91425" tIns="91425" rIns="91425" bIns="91425" anchor="t" anchorCtr="0">
             <a:noAutofit/>
           </a:bodyPr>
           <a:lstStyle/>
           <a:p>
-            <a:pPr indent="0" lvl="0" marL="0" rtl="0" algn="l">
+            <a:pPr marL="0" lvl="0" indent="0" algn="l" rtl="0">
               <a:spcBef>
                 <a:spcPts val="0"/>
               </a:spcBef>
@@ -1863,9 +2093,6 @@
               </a:spcAft>
               <a:buNone/>
             </a:pPr>
-            <a:r>
-              <a:t/>
-            </a:r>
             <a:endParaRPr/>
           </a:p>
         </p:txBody>
@@ -1879,11 +2106,11 @@
 </file>
 
 <file path=ppt/notesSlides/notesSlide7.xml><?xml version="1.0" encoding="utf-8"?>
-<p:notes xmlns:a="http://schemas.openxmlformats.org/drawingml/2006/main" xmlns:r="http://schemas.openxmlformats.org/officeDocument/2006/relationships" xmlns:mc="http://schemas.openxmlformats.org/markup-compatibility/2006" xmlns:mv="urn:schemas-microsoft-com:mac:vml" xmlns:p="http://schemas.openxmlformats.org/presentationml/2006/main" xmlns:c="http://schemas.openxmlformats.org/drawingml/2006/chart" xmlns:dgm="http://schemas.openxmlformats.org/drawingml/2006/diagram" xmlns:o="urn:schemas-microsoft-com:office:office" xmlns:v="urn:schemas-microsoft-com:vml" xmlns:pvml="urn:schemas-microsoft-com:office:powerpoint" xmlns:com="http://schemas.openxmlformats.org/drawingml/2006/compatibility" xmlns:p14="http://schemas.microsoft.com/office/powerpoint/2010/main" xmlns:p15="http://schemas.microsoft.com/office/powerpoint/2012/main" xmlns:ahyp="http://schemas.microsoft.com/office/drawing/2018/hyperlinkcolor" showMasterPhAnim="0" showMasterSp="0">
+<p:notes xmlns:a="http://schemas.openxmlformats.org/drawingml/2006/main" xmlns:r="http://schemas.openxmlformats.org/officeDocument/2006/relationships" xmlns:p="http://schemas.openxmlformats.org/presentationml/2006/main" showMasterSp="0" showMasterPhAnim="0">
   <p:cSld>
     <p:spTree>
       <p:nvGrpSpPr>
-        <p:cNvPr id="119" name="Shape 119"/>
+        <p:cNvPr id="1" name="Shape 119"/>
         <p:cNvGrpSpPr/>
         <p:nvPr/>
       </p:nvGrpSpPr>
@@ -1898,20 +2125,26 @@
       <p:sp>
         <p:nvSpPr>
           <p:cNvPr id="120" name="Google Shape;120;g1c2482a7c5e_0_491:notes"/>
-          <p:cNvSpPr/>
+          <p:cNvSpPr>
+            <a:spLocks noGrp="1" noRot="1" noChangeAspect="1"/>
+          </p:cNvSpPr>
           <p:nvPr>
-            <p:ph idx="2" type="sldImg"/>
+            <p:ph type="sldImg" idx="2"/>
           </p:nvPr>
         </p:nvSpPr>
         <p:spPr>
           <a:xfrm>
-            <a:off x="381300" y="685800"/>
+            <a:off x="381000" y="685800"/>
             <a:ext cx="6096000" cy="3429000"/>
           </a:xfrm>
           <a:custGeom>
-            <a:rect b="b" l="l" r="r" t="t"/>
+            <a:avLst/>
+            <a:gdLst/>
+            <a:ahLst/>
+            <a:cxnLst/>
+            <a:rect l="l" t="t" r="r" b="b"/>
             <a:pathLst>
-              <a:path extrusionOk="0" h="120000" w="120000">
+              <a:path w="120000" h="120000" extrusionOk="0">
                 <a:moveTo>
                   <a:pt x="0" y="0"/>
                 </a:moveTo>
@@ -1933,9 +2166,11 @@
       <p:sp>
         <p:nvSpPr>
           <p:cNvPr id="121" name="Google Shape;121;g1c2482a7c5e_0_491:notes"/>
-          <p:cNvSpPr txBox="1"/>
+          <p:cNvSpPr txBox="1">
+            <a:spLocks noGrp="1"/>
+          </p:cNvSpPr>
           <p:nvPr>
-            <p:ph idx="1" type="body"/>
+            <p:ph type="body" idx="1"/>
           </p:nvPr>
         </p:nvSpPr>
         <p:spPr>
@@ -1948,12 +2183,12 @@
           </a:prstGeom>
         </p:spPr>
         <p:txBody>
-          <a:bodyPr anchorCtr="0" anchor="t" bIns="91425" lIns="91425" spcFirstLastPara="1" rIns="91425" wrap="square" tIns="91425">
+          <a:bodyPr spcFirstLastPara="1" wrap="square" lIns="91425" tIns="91425" rIns="91425" bIns="91425" anchor="t" anchorCtr="0">
             <a:noAutofit/>
           </a:bodyPr>
           <a:lstStyle/>
           <a:p>
-            <a:pPr indent="0" lvl="0" marL="0" rtl="0" algn="l">
+            <a:pPr marL="0" lvl="0" indent="0" algn="l" rtl="0">
               <a:spcBef>
                 <a:spcPts val="0"/>
               </a:spcBef>
@@ -1962,9 +2197,6 @@
               </a:spcAft>
               <a:buNone/>
             </a:pPr>
-            <a:r>
-              <a:t/>
-            </a:r>
             <a:endParaRPr/>
           </a:p>
         </p:txBody>
@@ -1978,11 +2210,11 @@
 </file>
 
 <file path=ppt/notesSlides/notesSlide8.xml><?xml version="1.0" encoding="utf-8"?>
-<p:notes xmlns:a="http://schemas.openxmlformats.org/drawingml/2006/main" xmlns:r="http://schemas.openxmlformats.org/officeDocument/2006/relationships" xmlns:mc="http://schemas.openxmlformats.org/markup-compatibility/2006" xmlns:mv="urn:schemas-microsoft-com:mac:vml" xmlns:p="http://schemas.openxmlformats.org/presentationml/2006/main" xmlns:c="http://schemas.openxmlformats.org/drawingml/2006/chart" xmlns:dgm="http://schemas.openxmlformats.org/drawingml/2006/diagram" xmlns:o="urn:schemas-microsoft-com:office:office" xmlns:v="urn:schemas-microsoft-com:vml" xmlns:pvml="urn:schemas-microsoft-com:office:powerpoint" xmlns:com="http://schemas.openxmlformats.org/drawingml/2006/compatibility" xmlns:p14="http://schemas.microsoft.com/office/powerpoint/2010/main" xmlns:p15="http://schemas.microsoft.com/office/powerpoint/2012/main" xmlns:ahyp="http://schemas.microsoft.com/office/drawing/2018/hyperlinkcolor" showMasterPhAnim="0" showMasterSp="0">
+<p:notes xmlns:a="http://schemas.openxmlformats.org/drawingml/2006/main" xmlns:r="http://schemas.openxmlformats.org/officeDocument/2006/relationships" xmlns:p="http://schemas.openxmlformats.org/presentationml/2006/main" showMasterSp="0" showMasterPhAnim="0">
   <p:cSld>
     <p:spTree>
       <p:nvGrpSpPr>
-        <p:cNvPr id="127" name="Shape 127"/>
+        <p:cNvPr id="1" name="Shape 127"/>
         <p:cNvGrpSpPr/>
         <p:nvPr/>
       </p:nvGrpSpPr>
@@ -1997,20 +2229,26 @@
       <p:sp>
         <p:nvSpPr>
           <p:cNvPr id="128" name="Google Shape;128;g1c2482a7c5e_0_537:notes"/>
-          <p:cNvSpPr/>
+          <p:cNvSpPr>
+            <a:spLocks noGrp="1" noRot="1" noChangeAspect="1"/>
+          </p:cNvSpPr>
           <p:nvPr>
-            <p:ph idx="2" type="sldImg"/>
+            <p:ph type="sldImg" idx="2"/>
           </p:nvPr>
         </p:nvSpPr>
         <p:spPr>
           <a:xfrm>
-            <a:off x="381300" y="685800"/>
+            <a:off x="381000" y="685800"/>
             <a:ext cx="6096000" cy="3429000"/>
           </a:xfrm>
           <a:custGeom>
-            <a:rect b="b" l="l" r="r" t="t"/>
+            <a:avLst/>
+            <a:gdLst/>
+            <a:ahLst/>
+            <a:cxnLst/>
+            <a:rect l="l" t="t" r="r" b="b"/>
             <a:pathLst>
-              <a:path extrusionOk="0" h="120000" w="120000">
+              <a:path w="120000" h="120000" extrusionOk="0">
                 <a:moveTo>
                   <a:pt x="0" y="0"/>
                 </a:moveTo>
@@ -2032,9 +2270,11 @@
       <p:sp>
         <p:nvSpPr>
           <p:cNvPr id="129" name="Google Shape;129;g1c2482a7c5e_0_537:notes"/>
-          <p:cNvSpPr txBox="1"/>
+          <p:cNvSpPr txBox="1">
+            <a:spLocks noGrp="1"/>
+          </p:cNvSpPr>
           <p:nvPr>
-            <p:ph idx="1" type="body"/>
+            <p:ph type="body" idx="1"/>
           </p:nvPr>
         </p:nvSpPr>
         <p:spPr>
@@ -2047,12 +2287,12 @@
           </a:prstGeom>
         </p:spPr>
         <p:txBody>
-          <a:bodyPr anchorCtr="0" anchor="t" bIns="91425" lIns="91425" spcFirstLastPara="1" rIns="91425" wrap="square" tIns="91425">
+          <a:bodyPr spcFirstLastPara="1" wrap="square" lIns="91425" tIns="91425" rIns="91425" bIns="91425" anchor="t" anchorCtr="0">
             <a:noAutofit/>
           </a:bodyPr>
           <a:lstStyle/>
           <a:p>
-            <a:pPr indent="0" lvl="0" marL="0" rtl="0" algn="l">
+            <a:pPr marL="0" lvl="0" indent="0" algn="l" rtl="0">
               <a:spcBef>
                 <a:spcPts val="0"/>
               </a:spcBef>
@@ -2061,9 +2301,6 @@
               </a:spcAft>
               <a:buNone/>
             </a:pPr>
-            <a:r>
-              <a:t/>
-            </a:r>
             <a:endParaRPr/>
           </a:p>
         </p:txBody>
@@ -2077,11 +2314,11 @@
 </file>
 
 <file path=ppt/notesSlides/notesSlide9.xml><?xml version="1.0" encoding="utf-8"?>
-<p:notes xmlns:a="http://schemas.openxmlformats.org/drawingml/2006/main" xmlns:r="http://schemas.openxmlformats.org/officeDocument/2006/relationships" xmlns:mc="http://schemas.openxmlformats.org/markup-compatibility/2006" xmlns:mv="urn:schemas-microsoft-com:mac:vml" xmlns:p="http://schemas.openxmlformats.org/presentationml/2006/main" xmlns:c="http://schemas.openxmlformats.org/drawingml/2006/chart" xmlns:dgm="http://schemas.openxmlformats.org/drawingml/2006/diagram" xmlns:o="urn:schemas-microsoft-com:office:office" xmlns:v="urn:schemas-microsoft-com:vml" xmlns:pvml="urn:schemas-microsoft-com:office:powerpoint" xmlns:com="http://schemas.openxmlformats.org/drawingml/2006/compatibility" xmlns:p14="http://schemas.microsoft.com/office/powerpoint/2010/main" xmlns:p15="http://schemas.microsoft.com/office/powerpoint/2012/main" xmlns:ahyp="http://schemas.microsoft.com/office/drawing/2018/hyperlinkcolor" showMasterPhAnim="0" showMasterSp="0">
+<p:notes xmlns:a="http://schemas.openxmlformats.org/drawingml/2006/main" xmlns:r="http://schemas.openxmlformats.org/officeDocument/2006/relationships" xmlns:p="http://schemas.openxmlformats.org/presentationml/2006/main" showMasterSp="0" showMasterPhAnim="0">
   <p:cSld>
     <p:spTree>
       <p:nvGrpSpPr>
-        <p:cNvPr id="133" name="Shape 133"/>
+        <p:cNvPr id="1" name="Shape 133"/>
         <p:cNvGrpSpPr/>
         <p:nvPr/>
       </p:nvGrpSpPr>
@@ -2096,9 +2333,11 @@
       <p:sp>
         <p:nvSpPr>
           <p:cNvPr id="134" name="Google Shape;134;g3221ea022ef_0_73:notes"/>
-          <p:cNvSpPr/>
+          <p:cNvSpPr>
+            <a:spLocks noGrp="1" noRot="1" noChangeAspect="1"/>
+          </p:cNvSpPr>
           <p:nvPr>
-            <p:ph idx="2" type="sldImg"/>
+            <p:ph type="sldImg" idx="2"/>
           </p:nvPr>
         </p:nvSpPr>
         <p:spPr>
@@ -2107,9 +2346,13 @@
             <a:ext cx="6096000" cy="3429000"/>
           </a:xfrm>
           <a:custGeom>
-            <a:rect b="b" l="l" r="r" t="t"/>
+            <a:avLst/>
+            <a:gdLst/>
+            <a:ahLst/>
+            <a:cxnLst/>
+            <a:rect l="l" t="t" r="r" b="b"/>
             <a:pathLst>
-              <a:path extrusionOk="0" h="120000" w="120000">
+              <a:path w="120000" h="120000" extrusionOk="0">
                 <a:moveTo>
                   <a:pt x="0" y="0"/>
                 </a:moveTo>
@@ -2131,9 +2374,11 @@
       <p:sp>
         <p:nvSpPr>
           <p:cNvPr id="135" name="Google Shape;135;g3221ea022ef_0_73:notes"/>
-          <p:cNvSpPr txBox="1"/>
+          <p:cNvSpPr txBox="1">
+            <a:spLocks noGrp="1"/>
+          </p:cNvSpPr>
           <p:nvPr>
-            <p:ph idx="1" type="body"/>
+            <p:ph type="body" idx="1"/>
           </p:nvPr>
         </p:nvSpPr>
         <p:spPr>
@@ -2146,12 +2391,12 @@
           </a:prstGeom>
         </p:spPr>
         <p:txBody>
-          <a:bodyPr anchorCtr="0" anchor="t" bIns="91425" lIns="91425" spcFirstLastPara="1" rIns="91425" wrap="square" tIns="91425">
+          <a:bodyPr spcFirstLastPara="1" wrap="square" lIns="91425" tIns="91425" rIns="91425" bIns="91425" anchor="t" anchorCtr="0">
             <a:noAutofit/>
           </a:bodyPr>
           <a:lstStyle/>
           <a:p>
-            <a:pPr indent="0" lvl="0" marL="0" rtl="0" algn="l">
+            <a:pPr marL="0" lvl="0" indent="0" algn="l" rtl="0">
               <a:spcBef>
                 <a:spcPts val="0"/>
               </a:spcBef>
@@ -2160,9 +2405,6 @@
               </a:spcAft>
               <a:buNone/>
             </a:pPr>
-            <a:r>
-              <a:t/>
-            </a:r>
             <a:endParaRPr/>
           </a:p>
         </p:txBody>
@@ -2176,11 +2418,11 @@
 </file>
 
 <file path=ppt/slideLayouts/slideLayout1.xml><?xml version="1.0" encoding="utf-8"?>
-<p:sldLayout xmlns:a="http://schemas.openxmlformats.org/drawingml/2006/main" xmlns:r="http://schemas.openxmlformats.org/officeDocument/2006/relationships" xmlns:mc="http://schemas.openxmlformats.org/markup-compatibility/2006" xmlns:mv="urn:schemas-microsoft-com:mac:vml" xmlns:p="http://schemas.openxmlformats.org/presentationml/2006/main" xmlns:c="http://schemas.openxmlformats.org/drawingml/2006/chart" xmlns:dgm="http://schemas.openxmlformats.org/drawingml/2006/diagram" xmlns:o="urn:schemas-microsoft-com:office:office" xmlns:v="urn:schemas-microsoft-com:vml" xmlns:pvml="urn:schemas-microsoft-com:office:powerpoint" xmlns:com="http://schemas.openxmlformats.org/drawingml/2006/compatibility" xmlns:p14="http://schemas.microsoft.com/office/powerpoint/2010/main" xmlns:p15="http://schemas.microsoft.com/office/powerpoint/2012/main" xmlns:ahyp="http://schemas.microsoft.com/office/drawing/2018/hyperlinkcolor" matchingName="Title slide" type="title">
+<p:sldLayout xmlns:a="http://schemas.openxmlformats.org/drawingml/2006/main" xmlns:r="http://schemas.openxmlformats.org/officeDocument/2006/relationships" xmlns:p="http://schemas.openxmlformats.org/presentationml/2006/main" matchingName="Title slide" type="title">
   <p:cSld name="TITLE">
     <p:spTree>
       <p:nvGrpSpPr>
-        <p:cNvPr id="10" name="Shape 10"/>
+        <p:cNvPr id="1" name="Shape 10"/>
         <p:cNvGrpSpPr/>
         <p:nvPr/>
       </p:nvGrpSpPr>
@@ -2202,7 +2444,7 @@
           <a:blip r:embed="rId2">
             <a:alphaModFix/>
           </a:blip>
-          <a:srcRect b="22311" l="0" r="0" t="0"/>
+          <a:srcRect b="22311"/>
           <a:stretch/>
         </p:blipFill>
         <p:spPr>
@@ -2222,7 +2464,9 @@
       <p:sp>
         <p:nvSpPr>
           <p:cNvPr id="12" name="Google Shape;12;p2"/>
-          <p:cNvSpPr txBox="1"/>
+          <p:cNvSpPr txBox="1">
+            <a:spLocks noGrp="1"/>
+          </p:cNvSpPr>
           <p:nvPr>
             <p:ph type="ctrTitle"/>
           </p:nvPr>
@@ -2237,7 +2481,7 @@
           </a:prstGeom>
         </p:spPr>
         <p:txBody>
-          <a:bodyPr anchorCtr="0" anchor="b" bIns="91425" lIns="91425" spcFirstLastPara="1" rIns="91425" wrap="square" tIns="91425">
+          <a:bodyPr spcFirstLastPara="1" wrap="square" lIns="91425" tIns="91425" rIns="91425" bIns="91425" anchor="b" anchorCtr="0">
             <a:normAutofit/>
           </a:bodyPr>
           <a:lstStyle>
@@ -2404,15 +2648,19 @@
               </a:defRPr>
             </a:lvl9pPr>
           </a:lstStyle>
-          <a:p/>
+          <a:p>
+            <a:endParaRPr/>
+          </a:p>
         </p:txBody>
       </p:sp>
       <p:sp>
         <p:nvSpPr>
           <p:cNvPr id="13" name="Google Shape;13;p2"/>
-          <p:cNvSpPr txBox="1"/>
+          <p:cNvSpPr txBox="1">
+            <a:spLocks noGrp="1"/>
+          </p:cNvSpPr>
           <p:nvPr>
-            <p:ph idx="1" type="subTitle"/>
+            <p:ph type="subTitle" idx="1"/>
           </p:nvPr>
         </p:nvSpPr>
         <p:spPr>
@@ -2425,7 +2673,7 @@
           </a:prstGeom>
         </p:spPr>
         <p:txBody>
-          <a:bodyPr anchorCtr="0" anchor="t" bIns="91425" lIns="91425" spcFirstLastPara="1" rIns="91425" wrap="square" tIns="91425">
+          <a:bodyPr spcFirstLastPara="1" wrap="square" lIns="91425" tIns="91425" rIns="91425" bIns="91425" anchor="t" anchorCtr="0">
             <a:normAutofit/>
           </a:bodyPr>
           <a:lstStyle>
@@ -2563,15 +2811,19 @@
               <a:defRPr sz="2800"/>
             </a:lvl9pPr>
           </a:lstStyle>
-          <a:p/>
+          <a:p>
+            <a:endParaRPr/>
+          </a:p>
         </p:txBody>
       </p:sp>
       <p:sp>
         <p:nvSpPr>
           <p:cNvPr id="14" name="Google Shape;14;p2"/>
-          <p:cNvSpPr txBox="1"/>
+          <p:cNvSpPr txBox="1">
+            <a:spLocks noGrp="1"/>
+          </p:cNvSpPr>
           <p:nvPr>
-            <p:ph idx="12" type="sldNum"/>
+            <p:ph type="sldNum" idx="12"/>
           </p:nvPr>
         </p:nvSpPr>
         <p:spPr>
@@ -2584,7 +2836,7 @@
           </a:prstGeom>
         </p:spPr>
         <p:txBody>
-          <a:bodyPr anchorCtr="0" anchor="ctr" bIns="91425" lIns="91425" spcFirstLastPara="1" rIns="91425" wrap="square" tIns="91425">
+          <a:bodyPr spcFirstLastPara="1" wrap="square" lIns="91425" tIns="91425" rIns="91425" bIns="91425" anchor="ctr" anchorCtr="0">
             <a:normAutofit/>
           </a:bodyPr>
           <a:lstStyle>
@@ -2626,7 +2878,7 @@
             </a:lvl9pPr>
           </a:lstStyle>
           <a:p>
-            <a:pPr indent="0" lvl="0" marL="0" rtl="0" algn="r">
+            <a:pPr marL="0" lvl="0" indent="0" algn="r" rtl="0">
               <a:spcBef>
                 <a:spcPts val="0"/>
               </a:spcBef>
@@ -2702,9 +2954,11 @@
       <p:sp>
         <p:nvSpPr>
           <p:cNvPr id="17" name="Google Shape;17;p2"/>
-          <p:cNvSpPr txBox="1"/>
+          <p:cNvSpPr txBox="1">
+            <a:spLocks noGrp="1"/>
+          </p:cNvSpPr>
           <p:nvPr>
-            <p:ph idx="2" type="subTitle"/>
+            <p:ph type="subTitle" idx="2"/>
           </p:nvPr>
         </p:nvSpPr>
         <p:spPr>
@@ -2717,11 +2971,11 @@
           </a:prstGeom>
         </p:spPr>
         <p:txBody>
-          <a:bodyPr anchorCtr="0" anchor="t" bIns="91425" lIns="91425" spcFirstLastPara="1" rIns="91425" wrap="square" tIns="91425">
+          <a:bodyPr spcFirstLastPara="1" wrap="square" lIns="91425" tIns="91425" rIns="91425" bIns="91425" anchor="t" anchorCtr="0">
             <a:normAutofit/>
           </a:bodyPr>
           <a:lstStyle>
-            <a:lvl1pPr lvl="0" rtl="0" algn="ctr">
+            <a:lvl1pPr lvl="0" algn="ctr" rtl="0">
               <a:lnSpc>
                 <a:spcPct val="100000"/>
               </a:lnSpc>
@@ -2736,13 +2990,13 @@
               </a:buClr>
               <a:buSzPts val="2000"/>
               <a:buNone/>
-              <a:defRPr i="1" sz="2000">
+              <a:defRPr sz="2000" i="1">
                 <a:solidFill>
                   <a:schemeClr val="lt1"/>
                 </a:solidFill>
               </a:defRPr>
             </a:lvl1pPr>
-            <a:lvl2pPr lvl="1" rtl="0" algn="ctr">
+            <a:lvl2pPr lvl="1" algn="ctr" rtl="0">
               <a:lnSpc>
                 <a:spcPct val="100000"/>
               </a:lnSpc>
@@ -2756,7 +3010,7 @@
               <a:buNone/>
               <a:defRPr sz="2800"/>
             </a:lvl2pPr>
-            <a:lvl3pPr lvl="2" rtl="0" algn="ctr">
+            <a:lvl3pPr lvl="2" algn="ctr" rtl="0">
               <a:lnSpc>
                 <a:spcPct val="100000"/>
               </a:lnSpc>
@@ -2770,7 +3024,7 @@
               <a:buNone/>
               <a:defRPr sz="2800"/>
             </a:lvl3pPr>
-            <a:lvl4pPr lvl="3" rtl="0" algn="ctr">
+            <a:lvl4pPr lvl="3" algn="ctr" rtl="0">
               <a:lnSpc>
                 <a:spcPct val="100000"/>
               </a:lnSpc>
@@ -2784,7 +3038,7 @@
               <a:buNone/>
               <a:defRPr sz="2800"/>
             </a:lvl4pPr>
-            <a:lvl5pPr lvl="4" rtl="0" algn="ctr">
+            <a:lvl5pPr lvl="4" algn="ctr" rtl="0">
               <a:lnSpc>
                 <a:spcPct val="100000"/>
               </a:lnSpc>
@@ -2798,7 +3052,7 @@
               <a:buNone/>
               <a:defRPr sz="2800"/>
             </a:lvl5pPr>
-            <a:lvl6pPr lvl="5" rtl="0" algn="ctr">
+            <a:lvl6pPr lvl="5" algn="ctr" rtl="0">
               <a:lnSpc>
                 <a:spcPct val="100000"/>
               </a:lnSpc>
@@ -2812,7 +3066,7 @@
               <a:buNone/>
               <a:defRPr sz="2800"/>
             </a:lvl6pPr>
-            <a:lvl7pPr lvl="6" rtl="0" algn="ctr">
+            <a:lvl7pPr lvl="6" algn="ctr" rtl="0">
               <a:lnSpc>
                 <a:spcPct val="100000"/>
               </a:lnSpc>
@@ -2826,7 +3080,7 @@
               <a:buNone/>
               <a:defRPr sz="2800"/>
             </a:lvl7pPr>
-            <a:lvl8pPr lvl="7" rtl="0" algn="ctr">
+            <a:lvl8pPr lvl="7" algn="ctr" rtl="0">
               <a:lnSpc>
                 <a:spcPct val="100000"/>
               </a:lnSpc>
@@ -2840,7 +3094,7 @@
               <a:buNone/>
               <a:defRPr sz="2800"/>
             </a:lvl8pPr>
-            <a:lvl9pPr lvl="8" rtl="0" algn="ctr">
+            <a:lvl9pPr lvl="8" algn="ctr" rtl="0">
               <a:lnSpc>
                 <a:spcPct val="100000"/>
               </a:lnSpc>
@@ -2855,7 +3109,9 @@
               <a:defRPr sz="2800"/>
             </a:lvl9pPr>
           </a:lstStyle>
-          <a:p/>
+          <a:p>
+            <a:endParaRPr/>
+          </a:p>
         </p:txBody>
       </p:sp>
     </p:spTree>
@@ -2867,11 +3123,11 @@
 </file>
 
 <file path=ppt/slideLayouts/slideLayout10.xml><?xml version="1.0" encoding="utf-8"?>
-<p:sldLayout xmlns:a="http://schemas.openxmlformats.org/drawingml/2006/main" xmlns:r="http://schemas.openxmlformats.org/officeDocument/2006/relationships" xmlns:mc="http://schemas.openxmlformats.org/markup-compatibility/2006" xmlns:mv="urn:schemas-microsoft-com:mac:vml" xmlns:p="http://schemas.openxmlformats.org/presentationml/2006/main" xmlns:c="http://schemas.openxmlformats.org/drawingml/2006/chart" xmlns:dgm="http://schemas.openxmlformats.org/drawingml/2006/diagram" xmlns:o="urn:schemas-microsoft-com:office:office" xmlns:v="urn:schemas-microsoft-com:vml" xmlns:pvml="urn:schemas-microsoft-com:office:powerpoint" xmlns:com="http://schemas.openxmlformats.org/drawingml/2006/compatibility" xmlns:p14="http://schemas.microsoft.com/office/powerpoint/2010/main" xmlns:p15="http://schemas.microsoft.com/office/powerpoint/2012/main" xmlns:ahyp="http://schemas.microsoft.com/office/drawing/2018/hyperlinkcolor" matchingName="Big number">
+<p:sldLayout xmlns:a="http://schemas.openxmlformats.org/drawingml/2006/main" xmlns:r="http://schemas.openxmlformats.org/officeDocument/2006/relationships" xmlns:p="http://schemas.openxmlformats.org/presentationml/2006/main" matchingName="Big number">
   <p:cSld name="BIG_NUMBER">
     <p:spTree>
       <p:nvGrpSpPr>
-        <p:cNvPr id="52" name="Shape 52"/>
+        <p:cNvPr id="1" name="Shape 52"/>
         <p:cNvGrpSpPr/>
         <p:nvPr/>
       </p:nvGrpSpPr>
@@ -2886,9 +3142,11 @@
       <p:sp>
         <p:nvSpPr>
           <p:cNvPr id="53" name="Google Shape;53;p11"/>
-          <p:cNvSpPr txBox="1"/>
+          <p:cNvSpPr txBox="1">
+            <a:spLocks noGrp="1"/>
+          </p:cNvSpPr>
           <p:nvPr>
-            <p:ph hasCustomPrompt="1" type="title"/>
+            <p:ph type="title" hasCustomPrompt="1"/>
           </p:nvPr>
         </p:nvSpPr>
         <p:spPr>
@@ -2901,7 +3159,7 @@
           </a:prstGeom>
         </p:spPr>
         <p:txBody>
-          <a:bodyPr anchorCtr="0" anchor="b" bIns="91425" lIns="91425" spcFirstLastPara="1" rIns="91425" wrap="square" tIns="91425">
+          <a:bodyPr spcFirstLastPara="1" wrap="square" lIns="91425" tIns="91425" rIns="91425" bIns="91425" anchor="b" anchorCtr="0">
             <a:normAutofit/>
           </a:bodyPr>
           <a:lstStyle>
@@ -3015,9 +3273,11 @@
       <p:sp>
         <p:nvSpPr>
           <p:cNvPr id="54" name="Google Shape;54;p11"/>
-          <p:cNvSpPr txBox="1"/>
+          <p:cNvSpPr txBox="1">
+            <a:spLocks noGrp="1"/>
+          </p:cNvSpPr>
           <p:nvPr>
-            <p:ph idx="1" type="body"/>
+            <p:ph type="body" idx="1"/>
           </p:nvPr>
         </p:nvSpPr>
         <p:spPr>
@@ -3030,11 +3290,11 @@
           </a:prstGeom>
         </p:spPr>
         <p:txBody>
-          <a:bodyPr anchorCtr="0" anchor="t" bIns="91425" lIns="91425" spcFirstLastPara="1" rIns="91425" wrap="square" tIns="91425">
+          <a:bodyPr spcFirstLastPara="1" wrap="square" lIns="91425" tIns="91425" rIns="91425" bIns="91425" anchor="t" anchorCtr="0">
             <a:normAutofit/>
           </a:bodyPr>
           <a:lstStyle>
-            <a:lvl1pPr indent="-342900" lvl="0" marL="457200" algn="ctr">
+            <a:lvl1pPr marL="457200" lvl="0" indent="-342900" algn="ctr">
               <a:spcBef>
                 <a:spcPts val="0"/>
               </a:spcBef>
@@ -3045,7 +3305,7 @@
               <a:buChar char="●"/>
               <a:defRPr/>
             </a:lvl1pPr>
-            <a:lvl2pPr indent="-317500" lvl="1" marL="914400" algn="ctr">
+            <a:lvl2pPr marL="914400" lvl="1" indent="-317500" algn="ctr">
               <a:spcBef>
                 <a:spcPts val="0"/>
               </a:spcBef>
@@ -3056,7 +3316,7 @@
               <a:buChar char="○"/>
               <a:defRPr/>
             </a:lvl2pPr>
-            <a:lvl3pPr indent="-317500" lvl="2" marL="1371600" algn="ctr">
+            <a:lvl3pPr marL="1371600" lvl="2" indent="-317500" algn="ctr">
               <a:spcBef>
                 <a:spcPts val="0"/>
               </a:spcBef>
@@ -3067,7 +3327,7 @@
               <a:buChar char="■"/>
               <a:defRPr/>
             </a:lvl3pPr>
-            <a:lvl4pPr indent="-317500" lvl="3" marL="1828800" algn="ctr">
+            <a:lvl4pPr marL="1828800" lvl="3" indent="-317500" algn="ctr">
               <a:spcBef>
                 <a:spcPts val="0"/>
               </a:spcBef>
@@ -3078,7 +3338,7 @@
               <a:buChar char="●"/>
               <a:defRPr/>
             </a:lvl4pPr>
-            <a:lvl5pPr indent="-317500" lvl="4" marL="2286000" algn="ctr">
+            <a:lvl5pPr marL="2286000" lvl="4" indent="-317500" algn="ctr">
               <a:spcBef>
                 <a:spcPts val="0"/>
               </a:spcBef>
@@ -3089,7 +3349,7 @@
               <a:buChar char="○"/>
               <a:defRPr/>
             </a:lvl5pPr>
-            <a:lvl6pPr indent="-317500" lvl="5" marL="2743200" algn="ctr">
+            <a:lvl6pPr marL="2743200" lvl="5" indent="-317500" algn="ctr">
               <a:spcBef>
                 <a:spcPts val="0"/>
               </a:spcBef>
@@ -3100,7 +3360,7 @@
               <a:buChar char="■"/>
               <a:defRPr/>
             </a:lvl6pPr>
-            <a:lvl7pPr indent="-317500" lvl="6" marL="3200400" algn="ctr">
+            <a:lvl7pPr marL="3200400" lvl="6" indent="-317500" algn="ctr">
               <a:spcBef>
                 <a:spcPts val="0"/>
               </a:spcBef>
@@ -3111,7 +3371,7 @@
               <a:buChar char="●"/>
               <a:defRPr/>
             </a:lvl7pPr>
-            <a:lvl8pPr indent="-317500" lvl="7" marL="3657600" algn="ctr">
+            <a:lvl8pPr marL="3657600" lvl="7" indent="-317500" algn="ctr">
               <a:spcBef>
                 <a:spcPts val="0"/>
               </a:spcBef>
@@ -3122,7 +3382,7 @@
               <a:buChar char="○"/>
               <a:defRPr/>
             </a:lvl8pPr>
-            <a:lvl9pPr indent="-317500" lvl="8" marL="4114800" algn="ctr">
+            <a:lvl9pPr marL="4114800" lvl="8" indent="-317500" algn="ctr">
               <a:spcBef>
                 <a:spcPts val="0"/>
               </a:spcBef>
@@ -3134,15 +3394,19 @@
               <a:defRPr/>
             </a:lvl9pPr>
           </a:lstStyle>
-          <a:p/>
+          <a:p>
+            <a:endParaRPr/>
+          </a:p>
         </p:txBody>
       </p:sp>
       <p:sp>
         <p:nvSpPr>
           <p:cNvPr id="55" name="Google Shape;55;p11"/>
-          <p:cNvSpPr txBox="1"/>
+          <p:cNvSpPr txBox="1">
+            <a:spLocks noGrp="1"/>
+          </p:cNvSpPr>
           <p:nvPr>
-            <p:ph idx="12" type="sldNum"/>
+            <p:ph type="sldNum" idx="12"/>
           </p:nvPr>
         </p:nvSpPr>
         <p:spPr>
@@ -3155,7 +3419,7 @@
           </a:prstGeom>
         </p:spPr>
         <p:txBody>
-          <a:bodyPr anchorCtr="0" anchor="ctr" bIns="91425" lIns="91425" spcFirstLastPara="1" rIns="91425" wrap="square" tIns="91425">
+          <a:bodyPr spcFirstLastPara="1" wrap="square" lIns="91425" tIns="91425" rIns="91425" bIns="91425" anchor="ctr" anchorCtr="0">
             <a:normAutofit/>
           </a:bodyPr>
           <a:lstStyle>
@@ -3197,7 +3461,7 @@
             </a:lvl9pPr>
           </a:lstStyle>
           <a:p>
-            <a:pPr indent="0" lvl="0" marL="0" rtl="0" algn="r">
+            <a:pPr marL="0" lvl="0" indent="0" algn="r" rtl="0">
               <a:spcBef>
                 <a:spcPts val="0"/>
               </a:spcBef>
@@ -3223,11 +3487,11 @@
 </file>
 
 <file path=ppt/slideLayouts/slideLayout11.xml><?xml version="1.0" encoding="utf-8"?>
-<p:sldLayout xmlns:a="http://schemas.openxmlformats.org/drawingml/2006/main" xmlns:r="http://schemas.openxmlformats.org/officeDocument/2006/relationships" xmlns:mc="http://schemas.openxmlformats.org/markup-compatibility/2006" xmlns:mv="urn:schemas-microsoft-com:mac:vml" xmlns:p="http://schemas.openxmlformats.org/presentationml/2006/main" xmlns:c="http://schemas.openxmlformats.org/drawingml/2006/chart" xmlns:dgm="http://schemas.openxmlformats.org/drawingml/2006/diagram" xmlns:o="urn:schemas-microsoft-com:office:office" xmlns:v="urn:schemas-microsoft-com:vml" xmlns:pvml="urn:schemas-microsoft-com:office:powerpoint" xmlns:com="http://schemas.openxmlformats.org/drawingml/2006/compatibility" xmlns:p14="http://schemas.microsoft.com/office/powerpoint/2010/main" xmlns:p15="http://schemas.microsoft.com/office/powerpoint/2012/main" xmlns:ahyp="http://schemas.microsoft.com/office/drawing/2018/hyperlinkcolor" matchingName="Blank" type="blank">
+<p:sldLayout xmlns:a="http://schemas.openxmlformats.org/drawingml/2006/main" xmlns:r="http://schemas.openxmlformats.org/officeDocument/2006/relationships" xmlns:p="http://schemas.openxmlformats.org/presentationml/2006/main" matchingName="Blank" type="blank">
   <p:cSld name="BLANK">
     <p:spTree>
       <p:nvGrpSpPr>
-        <p:cNvPr id="56" name="Shape 56"/>
+        <p:cNvPr id="1" name="Shape 56"/>
         <p:cNvGrpSpPr/>
         <p:nvPr/>
       </p:nvGrpSpPr>
@@ -3242,9 +3506,11 @@
       <p:sp>
         <p:nvSpPr>
           <p:cNvPr id="57" name="Google Shape;57;p12"/>
-          <p:cNvSpPr txBox="1"/>
+          <p:cNvSpPr txBox="1">
+            <a:spLocks noGrp="1"/>
+          </p:cNvSpPr>
           <p:nvPr>
-            <p:ph idx="12" type="sldNum"/>
+            <p:ph type="sldNum" idx="12"/>
           </p:nvPr>
         </p:nvSpPr>
         <p:spPr>
@@ -3257,7 +3523,7 @@
           </a:prstGeom>
         </p:spPr>
         <p:txBody>
-          <a:bodyPr anchorCtr="0" anchor="ctr" bIns="91425" lIns="91425" spcFirstLastPara="1" rIns="91425" wrap="square" tIns="91425">
+          <a:bodyPr spcFirstLastPara="1" wrap="square" lIns="91425" tIns="91425" rIns="91425" bIns="91425" anchor="ctr" anchorCtr="0">
             <a:normAutofit/>
           </a:bodyPr>
           <a:lstStyle>
@@ -3299,7 +3565,7 @@
             </a:lvl9pPr>
           </a:lstStyle>
           <a:p>
-            <a:pPr indent="0" lvl="0" marL="0" rtl="0" algn="r">
+            <a:pPr marL="0" lvl="0" indent="0" algn="r" rtl="0">
               <a:spcBef>
                 <a:spcPts val="0"/>
               </a:spcBef>
@@ -3325,18 +3591,19 @@
 </file>
 
 <file path=ppt/slideLayouts/slideLayout2.xml><?xml version="1.0" encoding="utf-8"?>
-<p:sldLayout xmlns:a="http://schemas.openxmlformats.org/drawingml/2006/main" xmlns:r="http://schemas.openxmlformats.org/officeDocument/2006/relationships" xmlns:mc="http://schemas.openxmlformats.org/markup-compatibility/2006" xmlns:mv="urn:schemas-microsoft-com:mac:vml" xmlns:p="http://schemas.openxmlformats.org/presentationml/2006/main" xmlns:c="http://schemas.openxmlformats.org/drawingml/2006/chart" xmlns:dgm="http://schemas.openxmlformats.org/drawingml/2006/diagram" xmlns:o="urn:schemas-microsoft-com:office:office" xmlns:v="urn:schemas-microsoft-com:vml" xmlns:pvml="urn:schemas-microsoft-com:office:powerpoint" xmlns:com="http://schemas.openxmlformats.org/drawingml/2006/compatibility" xmlns:p14="http://schemas.microsoft.com/office/powerpoint/2010/main" xmlns:p15="http://schemas.microsoft.com/office/powerpoint/2012/main" xmlns:ahyp="http://schemas.microsoft.com/office/drawing/2018/hyperlinkcolor" matchingName="Section header" type="secHead">
+<p:sldLayout xmlns:a="http://schemas.openxmlformats.org/drawingml/2006/main" xmlns:r="http://schemas.openxmlformats.org/officeDocument/2006/relationships" xmlns:p="http://schemas.openxmlformats.org/presentationml/2006/main" matchingName="Section header" type="secHead">
   <p:cSld name="SECTION_HEADER">
     <p:bg>
       <p:bgPr>
         <a:solidFill>
           <a:schemeClr val="lt1"/>
         </a:solidFill>
+        <a:effectLst/>
       </p:bgPr>
     </p:bg>
     <p:spTree>
       <p:nvGrpSpPr>
-        <p:cNvPr id="18" name="Shape 18"/>
+        <p:cNvPr id="1" name="Shape 18"/>
         <p:cNvGrpSpPr/>
         <p:nvPr/>
       </p:nvGrpSpPr>
@@ -3358,7 +3625,7 @@
           <a:blip r:embed="rId2">
             <a:alphaModFix/>
           </a:blip>
-          <a:srcRect b="22311" l="0" r="0" t="0"/>
+          <a:srcRect b="22311"/>
           <a:stretch/>
         </p:blipFill>
         <p:spPr>
@@ -3378,7 +3645,9 @@
       <p:sp>
         <p:nvSpPr>
           <p:cNvPr id="20" name="Google Shape;20;p3"/>
-          <p:cNvSpPr txBox="1"/>
+          <p:cNvSpPr txBox="1">
+            <a:spLocks noGrp="1"/>
+          </p:cNvSpPr>
           <p:nvPr>
             <p:ph type="title"/>
           </p:nvPr>
@@ -3393,7 +3662,7 @@
           </a:prstGeom>
         </p:spPr>
         <p:txBody>
-          <a:bodyPr anchorCtr="0" anchor="ctr" bIns="91425" lIns="91425" spcFirstLastPara="1" rIns="91425" wrap="square" tIns="91425">
+          <a:bodyPr spcFirstLastPara="1" wrap="square" lIns="91425" tIns="91425" rIns="91425" bIns="91425" anchor="ctr" anchorCtr="0">
             <a:normAutofit/>
           </a:bodyPr>
           <a:lstStyle>
@@ -3409,7 +3678,7 @@
               </a:buClr>
               <a:buSzPts val="3600"/>
               <a:buNone/>
-              <a:defRPr b="1" sz="3600">
+              <a:defRPr sz="3600" b="1">
                 <a:solidFill>
                   <a:schemeClr val="lt1"/>
                 </a:solidFill>
@@ -3504,15 +3773,19 @@
               <a:defRPr sz="3600"/>
             </a:lvl9pPr>
           </a:lstStyle>
-          <a:p/>
+          <a:p>
+            <a:endParaRPr/>
+          </a:p>
         </p:txBody>
       </p:sp>
       <p:sp>
         <p:nvSpPr>
           <p:cNvPr id="21" name="Google Shape;21;p3"/>
-          <p:cNvSpPr txBox="1"/>
+          <p:cNvSpPr txBox="1">
+            <a:spLocks noGrp="1"/>
+          </p:cNvSpPr>
           <p:nvPr>
-            <p:ph idx="12" type="sldNum"/>
+            <p:ph type="sldNum" idx="12"/>
           </p:nvPr>
         </p:nvSpPr>
         <p:spPr>
@@ -3525,7 +3798,7 @@
           </a:prstGeom>
         </p:spPr>
         <p:txBody>
-          <a:bodyPr anchorCtr="0" anchor="ctr" bIns="91425" lIns="91425" spcFirstLastPara="1" rIns="91425" wrap="square" tIns="91425">
+          <a:bodyPr spcFirstLastPara="1" wrap="square" lIns="91425" tIns="91425" rIns="91425" bIns="91425" anchor="ctr" anchorCtr="0">
             <a:normAutofit/>
           </a:bodyPr>
           <a:lstStyle>
@@ -3567,7 +3840,7 @@
             </a:lvl9pPr>
           </a:lstStyle>
           <a:p>
-            <a:pPr indent="0" lvl="0" marL="0" rtl="0" algn="r">
+            <a:pPr marL="0" lvl="0" indent="0" algn="r" rtl="0">
               <a:spcBef>
                 <a:spcPts val="0"/>
               </a:spcBef>
@@ -3649,11 +3922,11 @@
 </file>
 
 <file path=ppt/slideLayouts/slideLayout3.xml><?xml version="1.0" encoding="utf-8"?>
-<p:sldLayout xmlns:a="http://schemas.openxmlformats.org/drawingml/2006/main" xmlns:r="http://schemas.openxmlformats.org/officeDocument/2006/relationships" xmlns:mc="http://schemas.openxmlformats.org/markup-compatibility/2006" xmlns:mv="urn:schemas-microsoft-com:mac:vml" xmlns:p="http://schemas.openxmlformats.org/presentationml/2006/main" xmlns:c="http://schemas.openxmlformats.org/drawingml/2006/chart" xmlns:dgm="http://schemas.openxmlformats.org/drawingml/2006/diagram" xmlns:o="urn:schemas-microsoft-com:office:office" xmlns:v="urn:schemas-microsoft-com:vml" xmlns:pvml="urn:schemas-microsoft-com:office:powerpoint" xmlns:com="http://schemas.openxmlformats.org/drawingml/2006/compatibility" xmlns:p14="http://schemas.microsoft.com/office/powerpoint/2010/main" xmlns:p15="http://schemas.microsoft.com/office/powerpoint/2012/main" xmlns:ahyp="http://schemas.microsoft.com/office/drawing/2018/hyperlinkcolor" matchingName="Title and body" type="tx">
+<p:sldLayout xmlns:a="http://schemas.openxmlformats.org/drawingml/2006/main" xmlns:r="http://schemas.openxmlformats.org/officeDocument/2006/relationships" xmlns:p="http://schemas.openxmlformats.org/presentationml/2006/main" matchingName="Title and body" type="tx">
   <p:cSld name="TITLE_AND_BODY">
     <p:spTree>
       <p:nvGrpSpPr>
-        <p:cNvPr id="24" name="Shape 24"/>
+        <p:cNvPr id="1" name="Shape 24"/>
         <p:cNvGrpSpPr/>
         <p:nvPr/>
       </p:nvGrpSpPr>
@@ -3668,7 +3941,9 @@
       <p:sp>
         <p:nvSpPr>
           <p:cNvPr id="25" name="Google Shape;25;p4"/>
-          <p:cNvSpPr txBox="1"/>
+          <p:cNvSpPr txBox="1">
+            <a:spLocks noGrp="1"/>
+          </p:cNvSpPr>
           <p:nvPr>
             <p:ph type="title"/>
           </p:nvPr>
@@ -3683,7 +3958,7 @@
           </a:prstGeom>
         </p:spPr>
         <p:txBody>
-          <a:bodyPr anchorCtr="0" anchor="t" bIns="91425" lIns="91425" spcFirstLastPara="1" rIns="91425" wrap="square" tIns="91425">
+          <a:bodyPr spcFirstLastPara="1" wrap="square" lIns="91425" tIns="91425" rIns="91425" bIns="91425" anchor="t" anchorCtr="0">
             <a:normAutofit/>
           </a:bodyPr>
           <a:lstStyle>
@@ -3787,15 +4062,19 @@
               <a:defRPr/>
             </a:lvl9pPr>
           </a:lstStyle>
-          <a:p/>
+          <a:p>
+            <a:endParaRPr/>
+          </a:p>
         </p:txBody>
       </p:sp>
       <p:sp>
         <p:nvSpPr>
           <p:cNvPr id="26" name="Google Shape;26;p4"/>
-          <p:cNvSpPr txBox="1"/>
+          <p:cNvSpPr txBox="1">
+            <a:spLocks noGrp="1"/>
+          </p:cNvSpPr>
           <p:nvPr>
-            <p:ph idx="1" type="body"/>
+            <p:ph type="body" idx="1"/>
           </p:nvPr>
         </p:nvSpPr>
         <p:spPr>
@@ -3808,11 +4087,11 @@
           </a:prstGeom>
         </p:spPr>
         <p:txBody>
-          <a:bodyPr anchorCtr="0" anchor="t" bIns="91425" lIns="91425" spcFirstLastPara="1" rIns="91425" wrap="square" tIns="91425">
+          <a:bodyPr spcFirstLastPara="1" wrap="square" lIns="91425" tIns="91425" rIns="91425" bIns="91425" anchor="t" anchorCtr="0">
             <a:normAutofit/>
           </a:bodyPr>
           <a:lstStyle>
-            <a:lvl1pPr indent="-342900" lvl="0" marL="457200">
+            <a:lvl1pPr marL="457200" lvl="0" indent="-342900">
               <a:spcBef>
                 <a:spcPts val="0"/>
               </a:spcBef>
@@ -3823,7 +4102,7 @@
               <a:buChar char="●"/>
               <a:defRPr/>
             </a:lvl1pPr>
-            <a:lvl2pPr indent="-317500" lvl="1" marL="914400">
+            <a:lvl2pPr marL="914400" lvl="1" indent="-317500">
               <a:spcBef>
                 <a:spcPts val="0"/>
               </a:spcBef>
@@ -3834,7 +4113,7 @@
               <a:buChar char="○"/>
               <a:defRPr/>
             </a:lvl2pPr>
-            <a:lvl3pPr indent="-317500" lvl="2" marL="1371600">
+            <a:lvl3pPr marL="1371600" lvl="2" indent="-317500">
               <a:spcBef>
                 <a:spcPts val="0"/>
               </a:spcBef>
@@ -3845,7 +4124,7 @@
               <a:buChar char="■"/>
               <a:defRPr/>
             </a:lvl3pPr>
-            <a:lvl4pPr indent="-317500" lvl="3" marL="1828800">
+            <a:lvl4pPr marL="1828800" lvl="3" indent="-317500">
               <a:spcBef>
                 <a:spcPts val="0"/>
               </a:spcBef>
@@ -3856,7 +4135,7 @@
               <a:buChar char="●"/>
               <a:defRPr/>
             </a:lvl4pPr>
-            <a:lvl5pPr indent="-317500" lvl="4" marL="2286000">
+            <a:lvl5pPr marL="2286000" lvl="4" indent="-317500">
               <a:spcBef>
                 <a:spcPts val="0"/>
               </a:spcBef>
@@ -3867,7 +4146,7 @@
               <a:buChar char="○"/>
               <a:defRPr/>
             </a:lvl5pPr>
-            <a:lvl6pPr indent="-317500" lvl="5" marL="2743200">
+            <a:lvl6pPr marL="2743200" lvl="5" indent="-317500">
               <a:spcBef>
                 <a:spcPts val="0"/>
               </a:spcBef>
@@ -3878,7 +4157,7 @@
               <a:buChar char="■"/>
               <a:defRPr/>
             </a:lvl6pPr>
-            <a:lvl7pPr indent="-317500" lvl="6" marL="3200400">
+            <a:lvl7pPr marL="3200400" lvl="6" indent="-317500">
               <a:spcBef>
                 <a:spcPts val="0"/>
               </a:spcBef>
@@ -3889,7 +4168,7 @@
               <a:buChar char="●"/>
               <a:defRPr/>
             </a:lvl7pPr>
-            <a:lvl8pPr indent="-317500" lvl="7" marL="3657600">
+            <a:lvl8pPr marL="3657600" lvl="7" indent="-317500">
               <a:spcBef>
                 <a:spcPts val="0"/>
               </a:spcBef>
@@ -3900,7 +4179,7 @@
               <a:buChar char="○"/>
               <a:defRPr/>
             </a:lvl8pPr>
-            <a:lvl9pPr indent="-317500" lvl="8" marL="4114800">
+            <a:lvl9pPr marL="4114800" lvl="8" indent="-317500">
               <a:spcBef>
                 <a:spcPts val="0"/>
               </a:spcBef>
@@ -3912,15 +4191,19 @@
               <a:defRPr/>
             </a:lvl9pPr>
           </a:lstStyle>
-          <a:p/>
+          <a:p>
+            <a:endParaRPr/>
+          </a:p>
         </p:txBody>
       </p:sp>
       <p:sp>
         <p:nvSpPr>
           <p:cNvPr id="27" name="Google Shape;27;p4"/>
-          <p:cNvSpPr txBox="1"/>
+          <p:cNvSpPr txBox="1">
+            <a:spLocks noGrp="1"/>
+          </p:cNvSpPr>
           <p:nvPr>
-            <p:ph idx="12" type="sldNum"/>
+            <p:ph type="sldNum" idx="12"/>
           </p:nvPr>
         </p:nvSpPr>
         <p:spPr>
@@ -3933,7 +4216,7 @@
           </a:prstGeom>
         </p:spPr>
         <p:txBody>
-          <a:bodyPr anchorCtr="0" anchor="ctr" bIns="91425" lIns="91425" spcFirstLastPara="1" rIns="91425" wrap="square" tIns="91425">
+          <a:bodyPr spcFirstLastPara="1" wrap="square" lIns="91425" tIns="91425" rIns="91425" bIns="91425" anchor="ctr" anchorCtr="0">
             <a:normAutofit/>
           </a:bodyPr>
           <a:lstStyle>
@@ -3975,7 +4258,7 @@
             </a:lvl9pPr>
           </a:lstStyle>
           <a:p>
-            <a:pPr indent="0" lvl="0" marL="0" rtl="0" algn="r">
+            <a:pPr marL="0" lvl="0" indent="0" algn="r" rtl="0">
               <a:spcBef>
                 <a:spcPts val="0"/>
               </a:spcBef>
@@ -4001,11 +4284,11 @@
 </file>
 
 <file path=ppt/slideLayouts/slideLayout4.xml><?xml version="1.0" encoding="utf-8"?>
-<p:sldLayout xmlns:a="http://schemas.openxmlformats.org/drawingml/2006/main" xmlns:r="http://schemas.openxmlformats.org/officeDocument/2006/relationships" xmlns:mc="http://schemas.openxmlformats.org/markup-compatibility/2006" xmlns:mv="urn:schemas-microsoft-com:mac:vml" xmlns:p="http://schemas.openxmlformats.org/presentationml/2006/main" xmlns:c="http://schemas.openxmlformats.org/drawingml/2006/chart" xmlns:dgm="http://schemas.openxmlformats.org/drawingml/2006/diagram" xmlns:o="urn:schemas-microsoft-com:office:office" xmlns:v="urn:schemas-microsoft-com:vml" xmlns:pvml="urn:schemas-microsoft-com:office:powerpoint" xmlns:com="http://schemas.openxmlformats.org/drawingml/2006/compatibility" xmlns:p14="http://schemas.microsoft.com/office/powerpoint/2010/main" xmlns:p15="http://schemas.microsoft.com/office/powerpoint/2012/main" xmlns:ahyp="http://schemas.microsoft.com/office/drawing/2018/hyperlinkcolor" matchingName="Title and two columns" type="twoColTx">
+<p:sldLayout xmlns:a="http://schemas.openxmlformats.org/drawingml/2006/main" xmlns:r="http://schemas.openxmlformats.org/officeDocument/2006/relationships" xmlns:p="http://schemas.openxmlformats.org/presentationml/2006/main" matchingName="Title and two columns" type="twoColTx">
   <p:cSld name="TITLE_AND_TWO_COLUMNS">
     <p:spTree>
       <p:nvGrpSpPr>
-        <p:cNvPr id="28" name="Shape 28"/>
+        <p:cNvPr id="1" name="Shape 28"/>
         <p:cNvGrpSpPr/>
         <p:nvPr/>
       </p:nvGrpSpPr>
@@ -4020,7 +4303,9 @@
       <p:sp>
         <p:nvSpPr>
           <p:cNvPr id="29" name="Google Shape;29;p5"/>
-          <p:cNvSpPr txBox="1"/>
+          <p:cNvSpPr txBox="1">
+            <a:spLocks noGrp="1"/>
+          </p:cNvSpPr>
           <p:nvPr>
             <p:ph type="title"/>
           </p:nvPr>
@@ -4035,7 +4320,7 @@
           </a:prstGeom>
         </p:spPr>
         <p:txBody>
-          <a:bodyPr anchorCtr="0" anchor="t" bIns="91425" lIns="91425" spcFirstLastPara="1" rIns="91425" wrap="square" tIns="91425">
+          <a:bodyPr spcFirstLastPara="1" wrap="square" lIns="91425" tIns="91425" rIns="91425" bIns="91425" anchor="t" anchorCtr="0">
             <a:normAutofit/>
           </a:bodyPr>
           <a:lstStyle>
@@ -4139,15 +4424,19 @@
               <a:defRPr/>
             </a:lvl9pPr>
           </a:lstStyle>
-          <a:p/>
+          <a:p>
+            <a:endParaRPr/>
+          </a:p>
         </p:txBody>
       </p:sp>
       <p:sp>
         <p:nvSpPr>
           <p:cNvPr id="30" name="Google Shape;30;p5"/>
-          <p:cNvSpPr txBox="1"/>
+          <p:cNvSpPr txBox="1">
+            <a:spLocks noGrp="1"/>
+          </p:cNvSpPr>
           <p:nvPr>
-            <p:ph idx="1" type="body"/>
+            <p:ph type="body" idx="1"/>
           </p:nvPr>
         </p:nvSpPr>
         <p:spPr>
@@ -4160,11 +4449,11 @@
           </a:prstGeom>
         </p:spPr>
         <p:txBody>
-          <a:bodyPr anchorCtr="0" anchor="t" bIns="91425" lIns="91425" spcFirstLastPara="1" rIns="91425" wrap="square" tIns="91425">
+          <a:bodyPr spcFirstLastPara="1" wrap="square" lIns="91425" tIns="91425" rIns="91425" bIns="91425" anchor="t" anchorCtr="0">
             <a:normAutofit/>
           </a:bodyPr>
           <a:lstStyle>
-            <a:lvl1pPr indent="-317500" lvl="0" marL="457200">
+            <a:lvl1pPr marL="457200" lvl="0" indent="-317500">
               <a:spcBef>
                 <a:spcPts val="0"/>
               </a:spcBef>
@@ -4175,7 +4464,7 @@
               <a:buChar char="●"/>
               <a:defRPr sz="1400"/>
             </a:lvl1pPr>
-            <a:lvl2pPr indent="-304800" lvl="1" marL="914400">
+            <a:lvl2pPr marL="914400" lvl="1" indent="-304800">
               <a:spcBef>
                 <a:spcPts val="0"/>
               </a:spcBef>
@@ -4186,7 +4475,7 @@
               <a:buChar char="○"/>
               <a:defRPr sz="1200"/>
             </a:lvl2pPr>
-            <a:lvl3pPr indent="-304800" lvl="2" marL="1371600">
+            <a:lvl3pPr marL="1371600" lvl="2" indent="-304800">
               <a:spcBef>
                 <a:spcPts val="0"/>
               </a:spcBef>
@@ -4197,7 +4486,7 @@
               <a:buChar char="■"/>
               <a:defRPr sz="1200"/>
             </a:lvl3pPr>
-            <a:lvl4pPr indent="-304800" lvl="3" marL="1828800">
+            <a:lvl4pPr marL="1828800" lvl="3" indent="-304800">
               <a:spcBef>
                 <a:spcPts val="0"/>
               </a:spcBef>
@@ -4208,7 +4497,7 @@
               <a:buChar char="●"/>
               <a:defRPr sz="1200"/>
             </a:lvl4pPr>
-            <a:lvl5pPr indent="-304800" lvl="4" marL="2286000">
+            <a:lvl5pPr marL="2286000" lvl="4" indent="-304800">
               <a:spcBef>
                 <a:spcPts val="0"/>
               </a:spcBef>
@@ -4219,7 +4508,7 @@
               <a:buChar char="○"/>
               <a:defRPr sz="1200"/>
             </a:lvl5pPr>
-            <a:lvl6pPr indent="-304800" lvl="5" marL="2743200">
+            <a:lvl6pPr marL="2743200" lvl="5" indent="-304800">
               <a:spcBef>
                 <a:spcPts val="0"/>
               </a:spcBef>
@@ -4230,7 +4519,7 @@
               <a:buChar char="■"/>
               <a:defRPr sz="1200"/>
             </a:lvl6pPr>
-            <a:lvl7pPr indent="-304800" lvl="6" marL="3200400">
+            <a:lvl7pPr marL="3200400" lvl="6" indent="-304800">
               <a:spcBef>
                 <a:spcPts val="0"/>
               </a:spcBef>
@@ -4241,7 +4530,7 @@
               <a:buChar char="●"/>
               <a:defRPr sz="1200"/>
             </a:lvl7pPr>
-            <a:lvl8pPr indent="-304800" lvl="7" marL="3657600">
+            <a:lvl8pPr marL="3657600" lvl="7" indent="-304800">
               <a:spcBef>
                 <a:spcPts val="0"/>
               </a:spcBef>
@@ -4252,7 +4541,7 @@
               <a:buChar char="○"/>
               <a:defRPr sz="1200"/>
             </a:lvl8pPr>
-            <a:lvl9pPr indent="-304800" lvl="8" marL="4114800">
+            <a:lvl9pPr marL="4114800" lvl="8" indent="-304800">
               <a:spcBef>
                 <a:spcPts val="0"/>
               </a:spcBef>
@@ -4264,15 +4553,19 @@
               <a:defRPr sz="1200"/>
             </a:lvl9pPr>
           </a:lstStyle>
-          <a:p/>
+          <a:p>
+            <a:endParaRPr/>
+          </a:p>
         </p:txBody>
       </p:sp>
       <p:sp>
         <p:nvSpPr>
           <p:cNvPr id="31" name="Google Shape;31;p5"/>
-          <p:cNvSpPr txBox="1"/>
+          <p:cNvSpPr txBox="1">
+            <a:spLocks noGrp="1"/>
+          </p:cNvSpPr>
           <p:nvPr>
-            <p:ph idx="2" type="body"/>
+            <p:ph type="body" idx="2"/>
           </p:nvPr>
         </p:nvSpPr>
         <p:spPr>
@@ -4285,11 +4578,11 @@
           </a:prstGeom>
         </p:spPr>
         <p:txBody>
-          <a:bodyPr anchorCtr="0" anchor="t" bIns="91425" lIns="91425" spcFirstLastPara="1" rIns="91425" wrap="square" tIns="91425">
+          <a:bodyPr spcFirstLastPara="1" wrap="square" lIns="91425" tIns="91425" rIns="91425" bIns="91425" anchor="t" anchorCtr="0">
             <a:normAutofit/>
           </a:bodyPr>
           <a:lstStyle>
-            <a:lvl1pPr indent="-317500" lvl="0" marL="457200">
+            <a:lvl1pPr marL="457200" lvl="0" indent="-317500">
               <a:spcBef>
                 <a:spcPts val="0"/>
               </a:spcBef>
@@ -4300,7 +4593,7 @@
               <a:buChar char="●"/>
               <a:defRPr sz="1400"/>
             </a:lvl1pPr>
-            <a:lvl2pPr indent="-304800" lvl="1" marL="914400">
+            <a:lvl2pPr marL="914400" lvl="1" indent="-304800">
               <a:spcBef>
                 <a:spcPts val="0"/>
               </a:spcBef>
@@ -4311,7 +4604,7 @@
               <a:buChar char="○"/>
               <a:defRPr sz="1200"/>
             </a:lvl2pPr>
-            <a:lvl3pPr indent="-304800" lvl="2" marL="1371600">
+            <a:lvl3pPr marL="1371600" lvl="2" indent="-304800">
               <a:spcBef>
                 <a:spcPts val="0"/>
               </a:spcBef>
@@ -4322,7 +4615,7 @@
               <a:buChar char="■"/>
               <a:defRPr sz="1200"/>
             </a:lvl3pPr>
-            <a:lvl4pPr indent="-304800" lvl="3" marL="1828800">
+            <a:lvl4pPr marL="1828800" lvl="3" indent="-304800">
               <a:spcBef>
                 <a:spcPts val="0"/>
               </a:spcBef>
@@ -4333,7 +4626,7 @@
               <a:buChar char="●"/>
               <a:defRPr sz="1200"/>
             </a:lvl4pPr>
-            <a:lvl5pPr indent="-304800" lvl="4" marL="2286000">
+            <a:lvl5pPr marL="2286000" lvl="4" indent="-304800">
               <a:spcBef>
                 <a:spcPts val="0"/>
               </a:spcBef>
@@ -4344,7 +4637,7 @@
               <a:buChar char="○"/>
               <a:defRPr sz="1200"/>
             </a:lvl5pPr>
-            <a:lvl6pPr indent="-304800" lvl="5" marL="2743200">
+            <a:lvl6pPr marL="2743200" lvl="5" indent="-304800">
               <a:spcBef>
                 <a:spcPts val="0"/>
               </a:spcBef>
@@ -4355,7 +4648,7 @@
               <a:buChar char="■"/>
               <a:defRPr sz="1200"/>
             </a:lvl6pPr>
-            <a:lvl7pPr indent="-304800" lvl="6" marL="3200400">
+            <a:lvl7pPr marL="3200400" lvl="6" indent="-304800">
               <a:spcBef>
                 <a:spcPts val="0"/>
               </a:spcBef>
@@ -4366,7 +4659,7 @@
               <a:buChar char="●"/>
               <a:defRPr sz="1200"/>
             </a:lvl7pPr>
-            <a:lvl8pPr indent="-304800" lvl="7" marL="3657600">
+            <a:lvl8pPr marL="3657600" lvl="7" indent="-304800">
               <a:spcBef>
                 <a:spcPts val="0"/>
               </a:spcBef>
@@ -4377,7 +4670,7 @@
               <a:buChar char="○"/>
               <a:defRPr sz="1200"/>
             </a:lvl8pPr>
-            <a:lvl9pPr indent="-304800" lvl="8" marL="4114800">
+            <a:lvl9pPr marL="4114800" lvl="8" indent="-304800">
               <a:spcBef>
                 <a:spcPts val="0"/>
               </a:spcBef>
@@ -4389,15 +4682,19 @@
               <a:defRPr sz="1200"/>
             </a:lvl9pPr>
           </a:lstStyle>
-          <a:p/>
+          <a:p>
+            <a:endParaRPr/>
+          </a:p>
         </p:txBody>
       </p:sp>
       <p:sp>
         <p:nvSpPr>
           <p:cNvPr id="32" name="Google Shape;32;p5"/>
-          <p:cNvSpPr txBox="1"/>
+          <p:cNvSpPr txBox="1">
+            <a:spLocks noGrp="1"/>
+          </p:cNvSpPr>
           <p:nvPr>
-            <p:ph idx="12" type="sldNum"/>
+            <p:ph type="sldNum" idx="12"/>
           </p:nvPr>
         </p:nvSpPr>
         <p:spPr>
@@ -4410,7 +4707,7 @@
           </a:prstGeom>
         </p:spPr>
         <p:txBody>
-          <a:bodyPr anchorCtr="0" anchor="ctr" bIns="91425" lIns="91425" spcFirstLastPara="1" rIns="91425" wrap="square" tIns="91425">
+          <a:bodyPr spcFirstLastPara="1" wrap="square" lIns="91425" tIns="91425" rIns="91425" bIns="91425" anchor="ctr" anchorCtr="0">
             <a:normAutofit/>
           </a:bodyPr>
           <a:lstStyle>
@@ -4452,7 +4749,7 @@
             </a:lvl9pPr>
           </a:lstStyle>
           <a:p>
-            <a:pPr indent="0" lvl="0" marL="0" rtl="0" algn="r">
+            <a:pPr marL="0" lvl="0" indent="0" algn="r" rtl="0">
               <a:spcBef>
                 <a:spcPts val="0"/>
               </a:spcBef>
@@ -4478,11 +4775,11 @@
 </file>
 
 <file path=ppt/slideLayouts/slideLayout5.xml><?xml version="1.0" encoding="utf-8"?>
-<p:sldLayout xmlns:a="http://schemas.openxmlformats.org/drawingml/2006/main" xmlns:r="http://schemas.openxmlformats.org/officeDocument/2006/relationships" xmlns:mc="http://schemas.openxmlformats.org/markup-compatibility/2006" xmlns:mv="urn:schemas-microsoft-com:mac:vml" xmlns:p="http://schemas.openxmlformats.org/presentationml/2006/main" xmlns:c="http://schemas.openxmlformats.org/drawingml/2006/chart" xmlns:dgm="http://schemas.openxmlformats.org/drawingml/2006/diagram" xmlns:o="urn:schemas-microsoft-com:office:office" xmlns:v="urn:schemas-microsoft-com:vml" xmlns:pvml="urn:schemas-microsoft-com:office:powerpoint" xmlns:com="http://schemas.openxmlformats.org/drawingml/2006/compatibility" xmlns:p14="http://schemas.microsoft.com/office/powerpoint/2010/main" xmlns:p15="http://schemas.microsoft.com/office/powerpoint/2012/main" xmlns:ahyp="http://schemas.microsoft.com/office/drawing/2018/hyperlinkcolor" matchingName="Title only" type="titleOnly">
+<p:sldLayout xmlns:a="http://schemas.openxmlformats.org/drawingml/2006/main" xmlns:r="http://schemas.openxmlformats.org/officeDocument/2006/relationships" xmlns:p="http://schemas.openxmlformats.org/presentationml/2006/main" matchingName="Title only" type="titleOnly">
   <p:cSld name="TITLE_ONLY">
     <p:spTree>
       <p:nvGrpSpPr>
-        <p:cNvPr id="33" name="Shape 33"/>
+        <p:cNvPr id="1" name="Shape 33"/>
         <p:cNvGrpSpPr/>
         <p:nvPr/>
       </p:nvGrpSpPr>
@@ -4497,7 +4794,9 @@
       <p:sp>
         <p:nvSpPr>
           <p:cNvPr id="34" name="Google Shape;34;p6"/>
-          <p:cNvSpPr txBox="1"/>
+          <p:cNvSpPr txBox="1">
+            <a:spLocks noGrp="1"/>
+          </p:cNvSpPr>
           <p:nvPr>
             <p:ph type="title"/>
           </p:nvPr>
@@ -4512,7 +4811,7 @@
           </a:prstGeom>
         </p:spPr>
         <p:txBody>
-          <a:bodyPr anchorCtr="0" anchor="t" bIns="91425" lIns="91425" spcFirstLastPara="1" rIns="91425" wrap="square" tIns="91425">
+          <a:bodyPr spcFirstLastPara="1" wrap="square" lIns="91425" tIns="91425" rIns="91425" bIns="91425" anchor="t" anchorCtr="0">
             <a:normAutofit/>
           </a:bodyPr>
           <a:lstStyle>
@@ -4616,15 +4915,19 @@
               <a:defRPr/>
             </a:lvl9pPr>
           </a:lstStyle>
-          <a:p/>
+          <a:p>
+            <a:endParaRPr/>
+          </a:p>
         </p:txBody>
       </p:sp>
       <p:sp>
         <p:nvSpPr>
           <p:cNvPr id="35" name="Google Shape;35;p6"/>
-          <p:cNvSpPr txBox="1"/>
+          <p:cNvSpPr txBox="1">
+            <a:spLocks noGrp="1"/>
+          </p:cNvSpPr>
           <p:nvPr>
-            <p:ph idx="12" type="sldNum"/>
+            <p:ph type="sldNum" idx="12"/>
           </p:nvPr>
         </p:nvSpPr>
         <p:spPr>
@@ -4637,7 +4940,7 @@
           </a:prstGeom>
         </p:spPr>
         <p:txBody>
-          <a:bodyPr anchorCtr="0" anchor="ctr" bIns="91425" lIns="91425" spcFirstLastPara="1" rIns="91425" wrap="square" tIns="91425">
+          <a:bodyPr spcFirstLastPara="1" wrap="square" lIns="91425" tIns="91425" rIns="91425" bIns="91425" anchor="ctr" anchorCtr="0">
             <a:normAutofit/>
           </a:bodyPr>
           <a:lstStyle>
@@ -4679,7 +4982,7 @@
             </a:lvl9pPr>
           </a:lstStyle>
           <a:p>
-            <a:pPr indent="0" lvl="0" marL="0" rtl="0" algn="r">
+            <a:pPr marL="0" lvl="0" indent="0" algn="r" rtl="0">
               <a:spcBef>
                 <a:spcPts val="0"/>
               </a:spcBef>
@@ -4705,11 +5008,11 @@
 </file>
 
 <file path=ppt/slideLayouts/slideLayout6.xml><?xml version="1.0" encoding="utf-8"?>
-<p:sldLayout xmlns:a="http://schemas.openxmlformats.org/drawingml/2006/main" xmlns:r="http://schemas.openxmlformats.org/officeDocument/2006/relationships" xmlns:mc="http://schemas.openxmlformats.org/markup-compatibility/2006" xmlns:mv="urn:schemas-microsoft-com:mac:vml" xmlns:p="http://schemas.openxmlformats.org/presentationml/2006/main" xmlns:c="http://schemas.openxmlformats.org/drawingml/2006/chart" xmlns:dgm="http://schemas.openxmlformats.org/drawingml/2006/diagram" xmlns:o="urn:schemas-microsoft-com:office:office" xmlns:v="urn:schemas-microsoft-com:vml" xmlns:pvml="urn:schemas-microsoft-com:office:powerpoint" xmlns:com="http://schemas.openxmlformats.org/drawingml/2006/compatibility" xmlns:p14="http://schemas.microsoft.com/office/powerpoint/2010/main" xmlns:p15="http://schemas.microsoft.com/office/powerpoint/2012/main" xmlns:ahyp="http://schemas.microsoft.com/office/drawing/2018/hyperlinkcolor" matchingName="One column text">
+<p:sldLayout xmlns:a="http://schemas.openxmlformats.org/drawingml/2006/main" xmlns:r="http://schemas.openxmlformats.org/officeDocument/2006/relationships" xmlns:p="http://schemas.openxmlformats.org/presentationml/2006/main" matchingName="One column text">
   <p:cSld name="ONE_COLUMN_TEXT">
     <p:spTree>
       <p:nvGrpSpPr>
-        <p:cNvPr id="36" name="Shape 36"/>
+        <p:cNvPr id="1" name="Shape 36"/>
         <p:cNvGrpSpPr/>
         <p:nvPr/>
       </p:nvGrpSpPr>
@@ -4724,7 +5027,9 @@
       <p:sp>
         <p:nvSpPr>
           <p:cNvPr id="37" name="Google Shape;37;p7"/>
-          <p:cNvSpPr txBox="1"/>
+          <p:cNvSpPr txBox="1">
+            <a:spLocks noGrp="1"/>
+          </p:cNvSpPr>
           <p:nvPr>
             <p:ph type="title"/>
           </p:nvPr>
@@ -4739,7 +5044,7 @@
           </a:prstGeom>
         </p:spPr>
         <p:txBody>
-          <a:bodyPr anchorCtr="0" anchor="b" bIns="91425" lIns="91425" spcFirstLastPara="1" rIns="91425" wrap="square" tIns="91425">
+          <a:bodyPr spcFirstLastPara="1" wrap="square" lIns="91425" tIns="91425" rIns="91425" bIns="91425" anchor="b" anchorCtr="0">
             <a:normAutofit/>
           </a:bodyPr>
           <a:lstStyle>
@@ -4752,7 +5057,7 @@
               </a:spcAft>
               <a:buSzPts val="2400"/>
               <a:buNone/>
-              <a:defRPr b="1" sz="2400"/>
+              <a:defRPr sz="2400" b="1"/>
             </a:lvl1pPr>
             <a:lvl2pPr lvl="1">
               <a:spcBef>
@@ -4843,15 +5148,19 @@
               <a:defRPr sz="2400"/>
             </a:lvl9pPr>
           </a:lstStyle>
-          <a:p/>
+          <a:p>
+            <a:endParaRPr/>
+          </a:p>
         </p:txBody>
       </p:sp>
       <p:sp>
         <p:nvSpPr>
           <p:cNvPr id="38" name="Google Shape;38;p7"/>
-          <p:cNvSpPr txBox="1"/>
+          <p:cNvSpPr txBox="1">
+            <a:spLocks noGrp="1"/>
+          </p:cNvSpPr>
           <p:nvPr>
-            <p:ph idx="1" type="body"/>
+            <p:ph type="body" idx="1"/>
           </p:nvPr>
         </p:nvSpPr>
         <p:spPr>
@@ -4864,11 +5173,11 @@
           </a:prstGeom>
         </p:spPr>
         <p:txBody>
-          <a:bodyPr anchorCtr="0" anchor="t" bIns="91425" lIns="91425" spcFirstLastPara="1" rIns="91425" wrap="square" tIns="91425">
+          <a:bodyPr spcFirstLastPara="1" wrap="square" lIns="91425" tIns="91425" rIns="91425" bIns="91425" anchor="t" anchorCtr="0">
             <a:normAutofit/>
           </a:bodyPr>
           <a:lstStyle>
-            <a:lvl1pPr indent="-304800" lvl="0" marL="457200">
+            <a:lvl1pPr marL="457200" lvl="0" indent="-304800">
               <a:spcBef>
                 <a:spcPts val="0"/>
               </a:spcBef>
@@ -4879,7 +5188,7 @@
               <a:buChar char="●"/>
               <a:defRPr sz="1200"/>
             </a:lvl1pPr>
-            <a:lvl2pPr indent="-304800" lvl="1" marL="914400">
+            <a:lvl2pPr marL="914400" lvl="1" indent="-304800">
               <a:spcBef>
                 <a:spcPts val="0"/>
               </a:spcBef>
@@ -4890,7 +5199,7 @@
               <a:buChar char="○"/>
               <a:defRPr sz="1200"/>
             </a:lvl2pPr>
-            <a:lvl3pPr indent="-304800" lvl="2" marL="1371600">
+            <a:lvl3pPr marL="1371600" lvl="2" indent="-304800">
               <a:spcBef>
                 <a:spcPts val="0"/>
               </a:spcBef>
@@ -4901,7 +5210,7 @@
               <a:buChar char="■"/>
               <a:defRPr sz="1200"/>
             </a:lvl3pPr>
-            <a:lvl4pPr indent="-304800" lvl="3" marL="1828800">
+            <a:lvl4pPr marL="1828800" lvl="3" indent="-304800">
               <a:spcBef>
                 <a:spcPts val="0"/>
               </a:spcBef>
@@ -4912,7 +5221,7 @@
               <a:buChar char="●"/>
               <a:defRPr sz="1200"/>
             </a:lvl4pPr>
-            <a:lvl5pPr indent="-304800" lvl="4" marL="2286000">
+            <a:lvl5pPr marL="2286000" lvl="4" indent="-304800">
               <a:spcBef>
                 <a:spcPts val="0"/>
               </a:spcBef>
@@ -4923,7 +5232,7 @@
               <a:buChar char="○"/>
               <a:defRPr sz="1200"/>
             </a:lvl5pPr>
-            <a:lvl6pPr indent="-304800" lvl="5" marL="2743200">
+            <a:lvl6pPr marL="2743200" lvl="5" indent="-304800">
               <a:spcBef>
                 <a:spcPts val="0"/>
               </a:spcBef>
@@ -4934,7 +5243,7 @@
               <a:buChar char="■"/>
               <a:defRPr sz="1200"/>
             </a:lvl6pPr>
-            <a:lvl7pPr indent="-304800" lvl="6" marL="3200400">
+            <a:lvl7pPr marL="3200400" lvl="6" indent="-304800">
               <a:spcBef>
                 <a:spcPts val="0"/>
               </a:spcBef>
@@ -4945,7 +5254,7 @@
               <a:buChar char="●"/>
               <a:defRPr sz="1200"/>
             </a:lvl7pPr>
-            <a:lvl8pPr indent="-304800" lvl="7" marL="3657600">
+            <a:lvl8pPr marL="3657600" lvl="7" indent="-304800">
               <a:spcBef>
                 <a:spcPts val="0"/>
               </a:spcBef>
@@ -4956,7 +5265,7 @@
               <a:buChar char="○"/>
               <a:defRPr sz="1200"/>
             </a:lvl8pPr>
-            <a:lvl9pPr indent="-304800" lvl="8" marL="4114800">
+            <a:lvl9pPr marL="4114800" lvl="8" indent="-304800">
               <a:spcBef>
                 <a:spcPts val="0"/>
               </a:spcBef>
@@ -4968,15 +5277,19 @@
               <a:defRPr sz="1200"/>
             </a:lvl9pPr>
           </a:lstStyle>
-          <a:p/>
+          <a:p>
+            <a:endParaRPr/>
+          </a:p>
         </p:txBody>
       </p:sp>
       <p:sp>
         <p:nvSpPr>
           <p:cNvPr id="39" name="Google Shape;39;p7"/>
-          <p:cNvSpPr txBox="1"/>
+          <p:cNvSpPr txBox="1">
+            <a:spLocks noGrp="1"/>
+          </p:cNvSpPr>
           <p:nvPr>
-            <p:ph idx="12" type="sldNum"/>
+            <p:ph type="sldNum" idx="12"/>
           </p:nvPr>
         </p:nvSpPr>
         <p:spPr>
@@ -4989,7 +5302,7 @@
           </a:prstGeom>
         </p:spPr>
         <p:txBody>
-          <a:bodyPr anchorCtr="0" anchor="ctr" bIns="91425" lIns="91425" spcFirstLastPara="1" rIns="91425" wrap="square" tIns="91425">
+          <a:bodyPr spcFirstLastPara="1" wrap="square" lIns="91425" tIns="91425" rIns="91425" bIns="91425" anchor="ctr" anchorCtr="0">
             <a:normAutofit/>
           </a:bodyPr>
           <a:lstStyle>
@@ -5031,7 +5344,7 @@
             </a:lvl9pPr>
           </a:lstStyle>
           <a:p>
-            <a:pPr indent="0" lvl="0" marL="0" rtl="0" algn="r">
+            <a:pPr marL="0" lvl="0" indent="0" algn="r" rtl="0">
               <a:spcBef>
                 <a:spcPts val="0"/>
               </a:spcBef>
@@ -5057,11 +5370,11 @@
 </file>
 
 <file path=ppt/slideLayouts/slideLayout7.xml><?xml version="1.0" encoding="utf-8"?>
-<p:sldLayout xmlns:a="http://schemas.openxmlformats.org/drawingml/2006/main" xmlns:r="http://schemas.openxmlformats.org/officeDocument/2006/relationships" xmlns:mc="http://schemas.openxmlformats.org/markup-compatibility/2006" xmlns:mv="urn:schemas-microsoft-com:mac:vml" xmlns:p="http://schemas.openxmlformats.org/presentationml/2006/main" xmlns:c="http://schemas.openxmlformats.org/drawingml/2006/chart" xmlns:dgm="http://schemas.openxmlformats.org/drawingml/2006/diagram" xmlns:o="urn:schemas-microsoft-com:office:office" xmlns:v="urn:schemas-microsoft-com:vml" xmlns:pvml="urn:schemas-microsoft-com:office:powerpoint" xmlns:com="http://schemas.openxmlformats.org/drawingml/2006/compatibility" xmlns:p14="http://schemas.microsoft.com/office/powerpoint/2010/main" xmlns:p15="http://schemas.microsoft.com/office/powerpoint/2012/main" xmlns:ahyp="http://schemas.microsoft.com/office/drawing/2018/hyperlinkcolor" matchingName="Main point">
+<p:sldLayout xmlns:a="http://schemas.openxmlformats.org/drawingml/2006/main" xmlns:r="http://schemas.openxmlformats.org/officeDocument/2006/relationships" xmlns:p="http://schemas.openxmlformats.org/presentationml/2006/main" matchingName="Main point">
   <p:cSld name="MAIN_POINT">
     <p:spTree>
       <p:nvGrpSpPr>
-        <p:cNvPr id="40" name="Shape 40"/>
+        <p:cNvPr id="1" name="Shape 40"/>
         <p:cNvGrpSpPr/>
         <p:nvPr/>
       </p:nvGrpSpPr>
@@ -5076,7 +5389,9 @@
       <p:sp>
         <p:nvSpPr>
           <p:cNvPr id="41" name="Google Shape;41;p8"/>
-          <p:cNvSpPr txBox="1"/>
+          <p:cNvSpPr txBox="1">
+            <a:spLocks noGrp="1"/>
+          </p:cNvSpPr>
           <p:nvPr>
             <p:ph type="title"/>
           </p:nvPr>
@@ -5091,7 +5406,7 @@
           </a:prstGeom>
         </p:spPr>
         <p:txBody>
-          <a:bodyPr anchorCtr="0" anchor="ctr" bIns="91425" lIns="91425" spcFirstLastPara="1" rIns="91425" wrap="square" tIns="91425">
+          <a:bodyPr spcFirstLastPara="1" wrap="square" lIns="91425" tIns="91425" rIns="91425" bIns="91425" anchor="ctr" anchorCtr="0">
             <a:normAutofit/>
           </a:bodyPr>
           <a:lstStyle>
@@ -5195,15 +5510,19 @@
               <a:defRPr sz="4800"/>
             </a:lvl9pPr>
           </a:lstStyle>
-          <a:p/>
+          <a:p>
+            <a:endParaRPr/>
+          </a:p>
         </p:txBody>
       </p:sp>
       <p:sp>
         <p:nvSpPr>
           <p:cNvPr id="42" name="Google Shape;42;p8"/>
-          <p:cNvSpPr txBox="1"/>
+          <p:cNvSpPr txBox="1">
+            <a:spLocks noGrp="1"/>
+          </p:cNvSpPr>
           <p:nvPr>
-            <p:ph idx="12" type="sldNum"/>
+            <p:ph type="sldNum" idx="12"/>
           </p:nvPr>
         </p:nvSpPr>
         <p:spPr>
@@ -5216,7 +5535,7 @@
           </a:prstGeom>
         </p:spPr>
         <p:txBody>
-          <a:bodyPr anchorCtr="0" anchor="ctr" bIns="91425" lIns="91425" spcFirstLastPara="1" rIns="91425" wrap="square" tIns="91425">
+          <a:bodyPr spcFirstLastPara="1" wrap="square" lIns="91425" tIns="91425" rIns="91425" bIns="91425" anchor="ctr" anchorCtr="0">
             <a:normAutofit/>
           </a:bodyPr>
           <a:lstStyle>
@@ -5258,7 +5577,7 @@
             </a:lvl9pPr>
           </a:lstStyle>
           <a:p>
-            <a:pPr indent="0" lvl="0" marL="0" rtl="0" algn="r">
+            <a:pPr marL="0" lvl="0" indent="0" algn="r" rtl="0">
               <a:spcBef>
                 <a:spcPts val="0"/>
               </a:spcBef>
@@ -5284,11 +5603,11 @@
 </file>
 
 <file path=ppt/slideLayouts/slideLayout8.xml><?xml version="1.0" encoding="utf-8"?>
-<p:sldLayout xmlns:a="http://schemas.openxmlformats.org/drawingml/2006/main" xmlns:r="http://schemas.openxmlformats.org/officeDocument/2006/relationships" xmlns:mc="http://schemas.openxmlformats.org/markup-compatibility/2006" xmlns:mv="urn:schemas-microsoft-com:mac:vml" xmlns:p="http://schemas.openxmlformats.org/presentationml/2006/main" xmlns:c="http://schemas.openxmlformats.org/drawingml/2006/chart" xmlns:dgm="http://schemas.openxmlformats.org/drawingml/2006/diagram" xmlns:o="urn:schemas-microsoft-com:office:office" xmlns:v="urn:schemas-microsoft-com:vml" xmlns:pvml="urn:schemas-microsoft-com:office:powerpoint" xmlns:com="http://schemas.openxmlformats.org/drawingml/2006/compatibility" xmlns:p14="http://schemas.microsoft.com/office/powerpoint/2010/main" xmlns:p15="http://schemas.microsoft.com/office/powerpoint/2012/main" xmlns:ahyp="http://schemas.microsoft.com/office/drawing/2018/hyperlinkcolor" matchingName="Section title and description">
+<p:sldLayout xmlns:a="http://schemas.openxmlformats.org/drawingml/2006/main" xmlns:r="http://schemas.openxmlformats.org/officeDocument/2006/relationships" xmlns:p="http://schemas.openxmlformats.org/presentationml/2006/main" matchingName="Section title and description">
   <p:cSld name="SECTION_TITLE_AND_DESCRIPTION">
     <p:spTree>
       <p:nvGrpSpPr>
-        <p:cNvPr id="43" name="Shape 43"/>
+        <p:cNvPr id="1" name="Shape 43"/>
         <p:cNvGrpSpPr/>
         <p:nvPr/>
       </p:nvGrpSpPr>
@@ -5322,12 +5641,12 @@
           </a:ln>
         </p:spPr>
         <p:txBody>
-          <a:bodyPr anchorCtr="0" anchor="ctr" bIns="91425" lIns="91425" spcFirstLastPara="1" rIns="91425" wrap="square" tIns="91425">
+          <a:bodyPr spcFirstLastPara="1" wrap="square" lIns="91425" tIns="91425" rIns="91425" bIns="91425" anchor="ctr" anchorCtr="0">
             <a:noAutofit/>
           </a:bodyPr>
           <a:lstStyle/>
           <a:p>
-            <a:pPr indent="0" lvl="0" marL="0" rtl="0" algn="l">
+            <a:pPr marL="0" lvl="0" indent="0" algn="l" rtl="0">
               <a:spcBef>
                 <a:spcPts val="0"/>
               </a:spcBef>
@@ -5336,9 +5655,6 @@
               </a:spcAft>
               <a:buNone/>
             </a:pPr>
-            <a:r>
-              <a:t/>
-            </a:r>
             <a:endParaRPr/>
           </a:p>
         </p:txBody>
@@ -5346,7 +5662,9 @@
       <p:sp>
         <p:nvSpPr>
           <p:cNvPr id="45" name="Google Shape;45;p9"/>
-          <p:cNvSpPr txBox="1"/>
+          <p:cNvSpPr txBox="1">
+            <a:spLocks noGrp="1"/>
+          </p:cNvSpPr>
           <p:nvPr>
             <p:ph type="title"/>
           </p:nvPr>
@@ -5361,7 +5679,7 @@
           </a:prstGeom>
         </p:spPr>
         <p:txBody>
-          <a:bodyPr anchorCtr="0" anchor="b" bIns="91425" lIns="91425" spcFirstLastPara="1" rIns="91425" wrap="square" tIns="91425">
+          <a:bodyPr spcFirstLastPara="1" wrap="square" lIns="91425" tIns="91425" rIns="91425" bIns="91425" anchor="b" anchorCtr="0">
             <a:normAutofit/>
           </a:bodyPr>
           <a:lstStyle>
@@ -5465,15 +5783,19 @@
               <a:defRPr sz="4200"/>
             </a:lvl9pPr>
           </a:lstStyle>
-          <a:p/>
+          <a:p>
+            <a:endParaRPr/>
+          </a:p>
         </p:txBody>
       </p:sp>
       <p:sp>
         <p:nvSpPr>
           <p:cNvPr id="46" name="Google Shape;46;p9"/>
-          <p:cNvSpPr txBox="1"/>
+          <p:cNvSpPr txBox="1">
+            <a:spLocks noGrp="1"/>
+          </p:cNvSpPr>
           <p:nvPr>
-            <p:ph idx="1" type="subTitle"/>
+            <p:ph type="subTitle" idx="1"/>
           </p:nvPr>
         </p:nvSpPr>
         <p:spPr>
@@ -5486,7 +5808,7 @@
           </a:prstGeom>
         </p:spPr>
         <p:txBody>
-          <a:bodyPr anchorCtr="0" anchor="t" bIns="91425" lIns="91425" spcFirstLastPara="1" rIns="91425" wrap="square" tIns="91425">
+          <a:bodyPr spcFirstLastPara="1" wrap="square" lIns="91425" tIns="91425" rIns="91425" bIns="91425" anchor="t" anchorCtr="0">
             <a:normAutofit/>
           </a:bodyPr>
           <a:lstStyle>
@@ -5617,15 +5939,19 @@
               <a:defRPr sz="2100"/>
             </a:lvl9pPr>
           </a:lstStyle>
-          <a:p/>
+          <a:p>
+            <a:endParaRPr/>
+          </a:p>
         </p:txBody>
       </p:sp>
       <p:sp>
         <p:nvSpPr>
           <p:cNvPr id="47" name="Google Shape;47;p9"/>
-          <p:cNvSpPr txBox="1"/>
+          <p:cNvSpPr txBox="1">
+            <a:spLocks noGrp="1"/>
+          </p:cNvSpPr>
           <p:nvPr>
-            <p:ph idx="2" type="body"/>
+            <p:ph type="body" idx="2"/>
           </p:nvPr>
         </p:nvSpPr>
         <p:spPr>
@@ -5638,11 +5964,11 @@
           </a:prstGeom>
         </p:spPr>
         <p:txBody>
-          <a:bodyPr anchorCtr="0" anchor="ctr" bIns="91425" lIns="91425" spcFirstLastPara="1" rIns="91425" wrap="square" tIns="91425">
+          <a:bodyPr spcFirstLastPara="1" wrap="square" lIns="91425" tIns="91425" rIns="91425" bIns="91425" anchor="ctr" anchorCtr="0">
             <a:normAutofit/>
           </a:bodyPr>
           <a:lstStyle>
-            <a:lvl1pPr indent="-342900" lvl="0" marL="457200">
+            <a:lvl1pPr marL="457200" lvl="0" indent="-342900">
               <a:spcBef>
                 <a:spcPts val="0"/>
               </a:spcBef>
@@ -5653,7 +5979,7 @@
               <a:buChar char="●"/>
               <a:defRPr/>
             </a:lvl1pPr>
-            <a:lvl2pPr indent="-317500" lvl="1" marL="914400">
+            <a:lvl2pPr marL="914400" lvl="1" indent="-317500">
               <a:spcBef>
                 <a:spcPts val="0"/>
               </a:spcBef>
@@ -5664,7 +5990,7 @@
               <a:buChar char="○"/>
               <a:defRPr/>
             </a:lvl2pPr>
-            <a:lvl3pPr indent="-317500" lvl="2" marL="1371600">
+            <a:lvl3pPr marL="1371600" lvl="2" indent="-317500">
               <a:spcBef>
                 <a:spcPts val="0"/>
               </a:spcBef>
@@ -5675,7 +6001,7 @@
               <a:buChar char="■"/>
               <a:defRPr/>
             </a:lvl3pPr>
-            <a:lvl4pPr indent="-317500" lvl="3" marL="1828800">
+            <a:lvl4pPr marL="1828800" lvl="3" indent="-317500">
               <a:spcBef>
                 <a:spcPts val="0"/>
               </a:spcBef>
@@ -5686,7 +6012,7 @@
               <a:buChar char="●"/>
               <a:defRPr/>
             </a:lvl4pPr>
-            <a:lvl5pPr indent="-317500" lvl="4" marL="2286000">
+            <a:lvl5pPr marL="2286000" lvl="4" indent="-317500">
               <a:spcBef>
                 <a:spcPts val="0"/>
               </a:spcBef>
@@ -5697,7 +6023,7 @@
               <a:buChar char="○"/>
               <a:defRPr/>
             </a:lvl5pPr>
-            <a:lvl6pPr indent="-317500" lvl="5" marL="2743200">
+            <a:lvl6pPr marL="2743200" lvl="5" indent="-317500">
               <a:spcBef>
                 <a:spcPts val="0"/>
               </a:spcBef>
@@ -5708,7 +6034,7 @@
               <a:buChar char="■"/>
               <a:defRPr/>
             </a:lvl6pPr>
-            <a:lvl7pPr indent="-317500" lvl="6" marL="3200400">
+            <a:lvl7pPr marL="3200400" lvl="6" indent="-317500">
               <a:spcBef>
                 <a:spcPts val="0"/>
               </a:spcBef>
@@ -5719,7 +6045,7 @@
               <a:buChar char="●"/>
               <a:defRPr/>
             </a:lvl7pPr>
-            <a:lvl8pPr indent="-317500" lvl="7" marL="3657600">
+            <a:lvl8pPr marL="3657600" lvl="7" indent="-317500">
               <a:spcBef>
                 <a:spcPts val="0"/>
               </a:spcBef>
@@ -5730,7 +6056,7 @@
               <a:buChar char="○"/>
               <a:defRPr/>
             </a:lvl8pPr>
-            <a:lvl9pPr indent="-317500" lvl="8" marL="4114800">
+            <a:lvl9pPr marL="4114800" lvl="8" indent="-317500">
               <a:spcBef>
                 <a:spcPts val="0"/>
               </a:spcBef>
@@ -5742,15 +6068,19 @@
               <a:defRPr/>
             </a:lvl9pPr>
           </a:lstStyle>
-          <a:p/>
+          <a:p>
+            <a:endParaRPr/>
+          </a:p>
         </p:txBody>
       </p:sp>
       <p:sp>
         <p:nvSpPr>
           <p:cNvPr id="48" name="Google Shape;48;p9"/>
-          <p:cNvSpPr txBox="1"/>
+          <p:cNvSpPr txBox="1">
+            <a:spLocks noGrp="1"/>
+          </p:cNvSpPr>
           <p:nvPr>
-            <p:ph idx="12" type="sldNum"/>
+            <p:ph type="sldNum" idx="12"/>
           </p:nvPr>
         </p:nvSpPr>
         <p:spPr>
@@ -5763,7 +6093,7 @@
           </a:prstGeom>
         </p:spPr>
         <p:txBody>
-          <a:bodyPr anchorCtr="0" anchor="ctr" bIns="91425" lIns="91425" spcFirstLastPara="1" rIns="91425" wrap="square" tIns="91425">
+          <a:bodyPr spcFirstLastPara="1" wrap="square" lIns="91425" tIns="91425" rIns="91425" bIns="91425" anchor="ctr" anchorCtr="0">
             <a:normAutofit/>
           </a:bodyPr>
           <a:lstStyle>
@@ -5805,7 +6135,7 @@
             </a:lvl9pPr>
           </a:lstStyle>
           <a:p>
-            <a:pPr indent="0" lvl="0" marL="0" rtl="0" algn="r">
+            <a:pPr marL="0" lvl="0" indent="0" algn="r" rtl="0">
               <a:spcBef>
                 <a:spcPts val="0"/>
               </a:spcBef>
@@ -5831,11 +6161,11 @@
 </file>
 
 <file path=ppt/slideLayouts/slideLayout9.xml><?xml version="1.0" encoding="utf-8"?>
-<p:sldLayout xmlns:a="http://schemas.openxmlformats.org/drawingml/2006/main" xmlns:r="http://schemas.openxmlformats.org/officeDocument/2006/relationships" xmlns:mc="http://schemas.openxmlformats.org/markup-compatibility/2006" xmlns:mv="urn:schemas-microsoft-com:mac:vml" xmlns:p="http://schemas.openxmlformats.org/presentationml/2006/main" xmlns:c="http://schemas.openxmlformats.org/drawingml/2006/chart" xmlns:dgm="http://schemas.openxmlformats.org/drawingml/2006/diagram" xmlns:o="urn:schemas-microsoft-com:office:office" xmlns:v="urn:schemas-microsoft-com:vml" xmlns:pvml="urn:schemas-microsoft-com:office:powerpoint" xmlns:com="http://schemas.openxmlformats.org/drawingml/2006/compatibility" xmlns:p14="http://schemas.microsoft.com/office/powerpoint/2010/main" xmlns:p15="http://schemas.microsoft.com/office/powerpoint/2012/main" xmlns:ahyp="http://schemas.microsoft.com/office/drawing/2018/hyperlinkcolor" matchingName="Caption">
+<p:sldLayout xmlns:a="http://schemas.openxmlformats.org/drawingml/2006/main" xmlns:r="http://schemas.openxmlformats.org/officeDocument/2006/relationships" xmlns:p="http://schemas.openxmlformats.org/presentationml/2006/main" matchingName="Caption">
   <p:cSld name="CAPTION_ONLY">
     <p:spTree>
       <p:nvGrpSpPr>
-        <p:cNvPr id="49" name="Shape 49"/>
+        <p:cNvPr id="1" name="Shape 49"/>
         <p:cNvGrpSpPr/>
         <p:nvPr/>
       </p:nvGrpSpPr>
@@ -5850,9 +6180,11 @@
       <p:sp>
         <p:nvSpPr>
           <p:cNvPr id="50" name="Google Shape;50;p10"/>
-          <p:cNvSpPr txBox="1"/>
+          <p:cNvSpPr txBox="1">
+            <a:spLocks noGrp="1"/>
+          </p:cNvSpPr>
           <p:nvPr>
-            <p:ph idx="1" type="body"/>
+            <p:ph type="body" idx="1"/>
           </p:nvPr>
         </p:nvSpPr>
         <p:spPr>
@@ -5865,11 +6197,11 @@
           </a:prstGeom>
         </p:spPr>
         <p:txBody>
-          <a:bodyPr anchorCtr="0" anchor="ctr" bIns="91425" lIns="91425" spcFirstLastPara="1" rIns="91425" wrap="square" tIns="91425">
+          <a:bodyPr spcFirstLastPara="1" wrap="square" lIns="91425" tIns="91425" rIns="91425" bIns="91425" anchor="ctr" anchorCtr="0">
             <a:normAutofit/>
           </a:bodyPr>
           <a:lstStyle>
-            <a:lvl1pPr indent="-228600" lvl="0" marL="457200">
+            <a:lvl1pPr marL="457200" lvl="0" indent="-228600">
               <a:lnSpc>
                 <a:spcPct val="100000"/>
               </a:lnSpc>
@@ -5884,15 +6216,19 @@
               <a:defRPr/>
             </a:lvl1pPr>
           </a:lstStyle>
-          <a:p/>
+          <a:p>
+            <a:endParaRPr/>
+          </a:p>
         </p:txBody>
       </p:sp>
       <p:sp>
         <p:nvSpPr>
           <p:cNvPr id="51" name="Google Shape;51;p10"/>
-          <p:cNvSpPr txBox="1"/>
+          <p:cNvSpPr txBox="1">
+            <a:spLocks noGrp="1"/>
+          </p:cNvSpPr>
           <p:nvPr>
-            <p:ph idx="12" type="sldNum"/>
+            <p:ph type="sldNum" idx="12"/>
           </p:nvPr>
         </p:nvSpPr>
         <p:spPr>
@@ -5905,7 +6241,7 @@
           </a:prstGeom>
         </p:spPr>
         <p:txBody>
-          <a:bodyPr anchorCtr="0" anchor="ctr" bIns="91425" lIns="91425" spcFirstLastPara="1" rIns="91425" wrap="square" tIns="91425">
+          <a:bodyPr spcFirstLastPara="1" wrap="square" lIns="91425" tIns="91425" rIns="91425" bIns="91425" anchor="ctr" anchorCtr="0">
             <a:normAutofit/>
           </a:bodyPr>
           <a:lstStyle>
@@ -5947,7 +6283,7 @@
             </a:lvl9pPr>
           </a:lstStyle>
           <a:p>
-            <a:pPr indent="0" lvl="0" marL="0" rtl="0" algn="r">
+            <a:pPr marL="0" lvl="0" indent="0" algn="r" rtl="0">
               <a:spcBef>
                 <a:spcPts val="0"/>
               </a:spcBef>
@@ -5973,18 +6309,19 @@
 </file>
 
 <file path=ppt/slideMasters/slideMaster1.xml><?xml version="1.0" encoding="utf-8"?>
-<p:sldMaster xmlns:a="http://schemas.openxmlformats.org/drawingml/2006/main" xmlns:r="http://schemas.openxmlformats.org/officeDocument/2006/relationships" xmlns:mc="http://schemas.openxmlformats.org/markup-compatibility/2006" xmlns:mv="urn:schemas-microsoft-com:mac:vml" xmlns:p="http://schemas.openxmlformats.org/presentationml/2006/main" xmlns:c="http://schemas.openxmlformats.org/drawingml/2006/chart" xmlns:dgm="http://schemas.openxmlformats.org/drawingml/2006/diagram" xmlns:o="urn:schemas-microsoft-com:office:office" xmlns:v="urn:schemas-microsoft-com:vml" xmlns:pvml="urn:schemas-microsoft-com:office:powerpoint" xmlns:com="http://schemas.openxmlformats.org/drawingml/2006/compatibility" xmlns:p14="http://schemas.microsoft.com/office/powerpoint/2010/main" xmlns:p15="http://schemas.microsoft.com/office/powerpoint/2012/main" xmlns:ahyp="http://schemas.microsoft.com/office/drawing/2018/hyperlinkcolor">
+<p:sldMaster xmlns:a="http://schemas.openxmlformats.org/drawingml/2006/main" xmlns:r="http://schemas.openxmlformats.org/officeDocument/2006/relationships" xmlns:p="http://schemas.openxmlformats.org/presentationml/2006/main">
   <p:cSld name="simple-light-2">
     <p:bg>
       <p:bgPr>
         <a:solidFill>
           <a:schemeClr val="lt1"/>
         </a:solidFill>
+        <a:effectLst/>
       </p:bgPr>
     </p:bg>
     <p:spTree>
       <p:nvGrpSpPr>
-        <p:cNvPr id="5" name="Shape 5"/>
+        <p:cNvPr id="1" name="Shape 5"/>
         <p:cNvGrpSpPr/>
         <p:nvPr/>
       </p:nvGrpSpPr>
@@ -5999,7 +6336,9 @@
       <p:sp>
         <p:nvSpPr>
           <p:cNvPr id="6" name="Google Shape;6;p1"/>
-          <p:cNvSpPr txBox="1"/>
+          <p:cNvSpPr txBox="1">
+            <a:spLocks noGrp="1"/>
+          </p:cNvSpPr>
           <p:nvPr>
             <p:ph type="title"/>
           </p:nvPr>
@@ -6018,7 +6357,7 @@
           </a:ln>
         </p:spPr>
         <p:txBody>
-          <a:bodyPr anchorCtr="0" anchor="t" bIns="91425" lIns="91425" spcFirstLastPara="1" rIns="91425" wrap="square" tIns="91425">
+          <a:bodyPr spcFirstLastPara="1" wrap="square" lIns="91425" tIns="91425" rIns="91425" bIns="91425" anchor="t" anchorCtr="0">
             <a:normAutofit/>
           </a:bodyPr>
           <a:lstStyle>
@@ -6185,15 +6524,19 @@
               </a:defRPr>
             </a:lvl9pPr>
           </a:lstStyle>
-          <a:p/>
+          <a:p>
+            <a:endParaRPr/>
+          </a:p>
         </p:txBody>
       </p:sp>
       <p:sp>
         <p:nvSpPr>
           <p:cNvPr id="7" name="Google Shape;7;p1"/>
-          <p:cNvSpPr txBox="1"/>
+          <p:cNvSpPr txBox="1">
+            <a:spLocks noGrp="1"/>
+          </p:cNvSpPr>
           <p:nvPr>
-            <p:ph idx="1" type="body"/>
+            <p:ph type="body" idx="1"/>
           </p:nvPr>
         </p:nvSpPr>
         <p:spPr>
@@ -6210,11 +6553,11 @@
           </a:ln>
         </p:spPr>
         <p:txBody>
-          <a:bodyPr anchorCtr="0" anchor="t" bIns="91425" lIns="91425" spcFirstLastPara="1" rIns="91425" wrap="square" tIns="91425">
+          <a:bodyPr spcFirstLastPara="1" wrap="square" lIns="91425" tIns="91425" rIns="91425" bIns="91425" anchor="t" anchorCtr="0">
             <a:normAutofit/>
           </a:bodyPr>
           <a:lstStyle>
-            <a:lvl1pPr indent="-342900" lvl="0" marL="457200">
+            <a:lvl1pPr marL="457200" lvl="0" indent="-342900">
               <a:lnSpc>
                 <a:spcPct val="115000"/>
               </a:lnSpc>
@@ -6235,7 +6578,7 @@
                 </a:solidFill>
               </a:defRPr>
             </a:lvl1pPr>
-            <a:lvl2pPr indent="-317500" lvl="1" marL="914400">
+            <a:lvl2pPr marL="914400" lvl="1" indent="-317500">
               <a:lnSpc>
                 <a:spcPct val="115000"/>
               </a:lnSpc>
@@ -6256,7 +6599,7 @@
                 </a:solidFill>
               </a:defRPr>
             </a:lvl2pPr>
-            <a:lvl3pPr indent="-317500" lvl="2" marL="1371600">
+            <a:lvl3pPr marL="1371600" lvl="2" indent="-317500">
               <a:lnSpc>
                 <a:spcPct val="115000"/>
               </a:lnSpc>
@@ -6277,7 +6620,7 @@
                 </a:solidFill>
               </a:defRPr>
             </a:lvl3pPr>
-            <a:lvl4pPr indent="-317500" lvl="3" marL="1828800">
+            <a:lvl4pPr marL="1828800" lvl="3" indent="-317500">
               <a:lnSpc>
                 <a:spcPct val="115000"/>
               </a:lnSpc>
@@ -6298,7 +6641,7 @@
                 </a:solidFill>
               </a:defRPr>
             </a:lvl4pPr>
-            <a:lvl5pPr indent="-317500" lvl="4" marL="2286000">
+            <a:lvl5pPr marL="2286000" lvl="4" indent="-317500">
               <a:lnSpc>
                 <a:spcPct val="115000"/>
               </a:lnSpc>
@@ -6319,7 +6662,7 @@
                 </a:solidFill>
               </a:defRPr>
             </a:lvl5pPr>
-            <a:lvl6pPr indent="-317500" lvl="5" marL="2743200">
+            <a:lvl6pPr marL="2743200" lvl="5" indent="-317500">
               <a:lnSpc>
                 <a:spcPct val="115000"/>
               </a:lnSpc>
@@ -6340,7 +6683,7 @@
                 </a:solidFill>
               </a:defRPr>
             </a:lvl6pPr>
-            <a:lvl7pPr indent="-317500" lvl="6" marL="3200400">
+            <a:lvl7pPr marL="3200400" lvl="6" indent="-317500">
               <a:lnSpc>
                 <a:spcPct val="115000"/>
               </a:lnSpc>
@@ -6361,7 +6704,7 @@
                 </a:solidFill>
               </a:defRPr>
             </a:lvl7pPr>
-            <a:lvl8pPr indent="-317500" lvl="7" marL="3657600">
+            <a:lvl8pPr marL="3657600" lvl="7" indent="-317500">
               <a:lnSpc>
                 <a:spcPct val="115000"/>
               </a:lnSpc>
@@ -6382,7 +6725,7 @@
                 </a:solidFill>
               </a:defRPr>
             </a:lvl8pPr>
-            <a:lvl9pPr indent="-317500" lvl="8" marL="4114800">
+            <a:lvl9pPr marL="4114800" lvl="8" indent="-317500">
               <a:lnSpc>
                 <a:spcPct val="115000"/>
               </a:lnSpc>
@@ -6404,15 +6747,19 @@
               </a:defRPr>
             </a:lvl9pPr>
           </a:lstStyle>
-          <a:p/>
+          <a:p>
+            <a:endParaRPr/>
+          </a:p>
         </p:txBody>
       </p:sp>
       <p:sp>
         <p:nvSpPr>
           <p:cNvPr id="8" name="Google Shape;8;p1"/>
-          <p:cNvSpPr txBox="1"/>
+          <p:cNvSpPr txBox="1">
+            <a:spLocks noGrp="1"/>
+          </p:cNvSpPr>
           <p:nvPr>
-            <p:ph idx="12" type="sldNum"/>
+            <p:ph type="sldNum" idx="12"/>
           </p:nvPr>
         </p:nvSpPr>
         <p:spPr>
@@ -6429,7 +6776,7 @@
           </a:ln>
         </p:spPr>
         <p:txBody>
-          <a:bodyPr anchorCtr="0" anchor="ctr" bIns="91425" lIns="91425" spcFirstLastPara="1" rIns="91425" wrap="square" tIns="91425">
+          <a:bodyPr spcFirstLastPara="1" wrap="square" lIns="91425" tIns="91425" rIns="91425" bIns="91425" anchor="ctr" anchorCtr="0">
             <a:normAutofit/>
           </a:bodyPr>
           <a:lstStyle>
@@ -6507,7 +6854,7 @@
             </a:lvl9pPr>
           </a:lstStyle>
           <a:p>
-            <a:pPr indent="0" lvl="0" marL="0" rtl="0" algn="r">
+            <a:pPr marL="0" lvl="0" indent="0" algn="r" rtl="0">
               <a:spcBef>
                 <a:spcPts val="0"/>
               </a:spcBef>
@@ -6531,7 +6878,7 @@
           <p:nvPr/>
         </p:nvPicPr>
         <p:blipFill>
-          <a:blip r:embed="rId1">
+          <a:blip r:embed="rId13">
             <a:alphaModFix/>
           </a:blip>
           <a:stretch>
@@ -6554,24 +6901,24 @@
       </p:pic>
     </p:spTree>
   </p:cSld>
-  <p:clrMap accent1="accent1" accent2="accent2" accent3="accent3" accent4="accent4" accent5="accent5" accent6="accent6" bg1="lt1" bg2="dk2" tx1="dk1" tx2="lt2" folHlink="folHlink" hlink="hlink"/>
+  <p:clrMap bg1="lt1" tx1="dk1" bg2="dk2" tx2="lt2" accent1="accent1" accent2="accent2" accent3="accent3" accent4="accent4" accent5="accent5" accent6="accent6" hlink="hlink" folHlink="folHlink"/>
   <p:sldLayoutIdLst>
-    <p:sldLayoutId id="2147483648" r:id="rId2"/>
-    <p:sldLayoutId id="2147483649" r:id="rId3"/>
-    <p:sldLayoutId id="2147483650" r:id="rId4"/>
-    <p:sldLayoutId id="2147483651" r:id="rId5"/>
-    <p:sldLayoutId id="2147483652" r:id="rId6"/>
-    <p:sldLayoutId id="2147483653" r:id="rId7"/>
-    <p:sldLayoutId id="2147483654" r:id="rId8"/>
-    <p:sldLayoutId id="2147483655" r:id="rId9"/>
-    <p:sldLayoutId id="2147483656" r:id="rId10"/>
-    <p:sldLayoutId id="2147483657" r:id="rId11"/>
-    <p:sldLayoutId id="2147483658" r:id="rId12"/>
+    <p:sldLayoutId id="2147483648" r:id="rId1"/>
+    <p:sldLayoutId id="2147483649" r:id="rId2"/>
+    <p:sldLayoutId id="2147483650" r:id="rId3"/>
+    <p:sldLayoutId id="2147483651" r:id="rId4"/>
+    <p:sldLayoutId id="2147483652" r:id="rId5"/>
+    <p:sldLayoutId id="2147483653" r:id="rId6"/>
+    <p:sldLayoutId id="2147483654" r:id="rId7"/>
+    <p:sldLayoutId id="2147483655" r:id="rId8"/>
+    <p:sldLayoutId id="2147483656" r:id="rId9"/>
+    <p:sldLayoutId id="2147483657" r:id="rId10"/>
+    <p:sldLayoutId id="2147483658" r:id="rId11"/>
   </p:sldLayoutIdLst>
-  <p:hf dt="0" ftr="0" hdr="0" sldNum="0"/>
+  <p:hf sldNum="0" hdr="0" ftr="0" dt="0"/>
   <p:txStyles>
     <p:titleStyle>
-      <a:defPPr lvl="0" marR="0" rtl="0" algn="l">
+      <a:defPPr marR="0" lvl="0" algn="l" rtl="0">
         <a:lnSpc>
           <a:spcPct val="100000"/>
         </a:lnSpc>
@@ -6582,7 +6929,7 @@
           <a:spcPts val="0"/>
         </a:spcAft>
       </a:defPPr>
-      <a:lvl1pPr lvl="0" marR="0" rtl="0" algn="l">
+      <a:lvl1pPr marR="0" lvl="0" algn="l" rtl="0">
         <a:lnSpc>
           <a:spcPct val="100000"/>
         </a:lnSpc>
@@ -6596,7 +6943,7 @@
           <a:srgbClr val="000000"/>
         </a:buClr>
         <a:buFont typeface="Arial"/>
-        <a:defRPr b="0" i="0" sz="1400" u="none" cap="none" strike="noStrike">
+        <a:defRPr sz="1400" b="0" i="0" u="none" strike="noStrike" cap="none">
           <a:solidFill>
             <a:srgbClr val="000000"/>
           </a:solidFill>
@@ -6606,7 +6953,7 @@
           <a:sym typeface="Arial"/>
         </a:defRPr>
       </a:lvl1pPr>
-      <a:lvl2pPr lvl="1" marR="0" rtl="0" algn="l">
+      <a:lvl2pPr marR="0" lvl="1" algn="l" rtl="0">
         <a:lnSpc>
           <a:spcPct val="100000"/>
         </a:lnSpc>
@@ -6620,7 +6967,7 @@
           <a:srgbClr val="000000"/>
         </a:buClr>
         <a:buFont typeface="Arial"/>
-        <a:defRPr b="0" i="0" sz="1400" u="none" cap="none" strike="noStrike">
+        <a:defRPr sz="1400" b="0" i="0" u="none" strike="noStrike" cap="none">
           <a:solidFill>
             <a:srgbClr val="000000"/>
           </a:solidFill>
@@ -6630,7 +6977,7 @@
           <a:sym typeface="Arial"/>
         </a:defRPr>
       </a:lvl2pPr>
-      <a:lvl3pPr lvl="2" marR="0" rtl="0" algn="l">
+      <a:lvl3pPr marR="0" lvl="2" algn="l" rtl="0">
         <a:lnSpc>
           <a:spcPct val="100000"/>
         </a:lnSpc>
@@ -6644,7 +6991,7 @@
           <a:srgbClr val="000000"/>
         </a:buClr>
         <a:buFont typeface="Arial"/>
-        <a:defRPr b="0" i="0" sz="1400" u="none" cap="none" strike="noStrike">
+        <a:defRPr sz="1400" b="0" i="0" u="none" strike="noStrike" cap="none">
           <a:solidFill>
             <a:srgbClr val="000000"/>
           </a:solidFill>
@@ -6654,7 +7001,7 @@
           <a:sym typeface="Arial"/>
         </a:defRPr>
       </a:lvl3pPr>
-      <a:lvl4pPr lvl="3" marR="0" rtl="0" algn="l">
+      <a:lvl4pPr marR="0" lvl="3" algn="l" rtl="0">
         <a:lnSpc>
           <a:spcPct val="100000"/>
         </a:lnSpc>
@@ -6668,7 +7015,7 @@
           <a:srgbClr val="000000"/>
         </a:buClr>
         <a:buFont typeface="Arial"/>
-        <a:defRPr b="0" i="0" sz="1400" u="none" cap="none" strike="noStrike">
+        <a:defRPr sz="1400" b="0" i="0" u="none" strike="noStrike" cap="none">
           <a:solidFill>
             <a:srgbClr val="000000"/>
           </a:solidFill>
@@ -6678,7 +7025,7 @@
           <a:sym typeface="Arial"/>
         </a:defRPr>
       </a:lvl4pPr>
-      <a:lvl5pPr lvl="4" marR="0" rtl="0" algn="l">
+      <a:lvl5pPr marR="0" lvl="4" algn="l" rtl="0">
         <a:lnSpc>
           <a:spcPct val="100000"/>
         </a:lnSpc>
@@ -6692,7 +7039,7 @@
           <a:srgbClr val="000000"/>
         </a:buClr>
         <a:buFont typeface="Arial"/>
-        <a:defRPr b="0" i="0" sz="1400" u="none" cap="none" strike="noStrike">
+        <a:defRPr sz="1400" b="0" i="0" u="none" strike="noStrike" cap="none">
           <a:solidFill>
             <a:srgbClr val="000000"/>
           </a:solidFill>
@@ -6702,7 +7049,7 @@
           <a:sym typeface="Arial"/>
         </a:defRPr>
       </a:lvl5pPr>
-      <a:lvl6pPr lvl="5" marR="0" rtl="0" algn="l">
+      <a:lvl6pPr marR="0" lvl="5" algn="l" rtl="0">
         <a:lnSpc>
           <a:spcPct val="100000"/>
         </a:lnSpc>
@@ -6716,7 +7063,7 @@
           <a:srgbClr val="000000"/>
         </a:buClr>
         <a:buFont typeface="Arial"/>
-        <a:defRPr b="0" i="0" sz="1400" u="none" cap="none" strike="noStrike">
+        <a:defRPr sz="1400" b="0" i="0" u="none" strike="noStrike" cap="none">
           <a:solidFill>
             <a:srgbClr val="000000"/>
           </a:solidFill>
@@ -6726,7 +7073,7 @@
           <a:sym typeface="Arial"/>
         </a:defRPr>
       </a:lvl6pPr>
-      <a:lvl7pPr lvl="6" marR="0" rtl="0" algn="l">
+      <a:lvl7pPr marR="0" lvl="6" algn="l" rtl="0">
         <a:lnSpc>
           <a:spcPct val="100000"/>
         </a:lnSpc>
@@ -6740,7 +7087,7 @@
           <a:srgbClr val="000000"/>
         </a:buClr>
         <a:buFont typeface="Arial"/>
-        <a:defRPr b="0" i="0" sz="1400" u="none" cap="none" strike="noStrike">
+        <a:defRPr sz="1400" b="0" i="0" u="none" strike="noStrike" cap="none">
           <a:solidFill>
             <a:srgbClr val="000000"/>
           </a:solidFill>
@@ -6750,7 +7097,7 @@
           <a:sym typeface="Arial"/>
         </a:defRPr>
       </a:lvl7pPr>
-      <a:lvl8pPr lvl="7" marR="0" rtl="0" algn="l">
+      <a:lvl8pPr marR="0" lvl="7" algn="l" rtl="0">
         <a:lnSpc>
           <a:spcPct val="100000"/>
         </a:lnSpc>
@@ -6764,7 +7111,7 @@
           <a:srgbClr val="000000"/>
         </a:buClr>
         <a:buFont typeface="Arial"/>
-        <a:defRPr b="0" i="0" sz="1400" u="none" cap="none" strike="noStrike">
+        <a:defRPr sz="1400" b="0" i="0" u="none" strike="noStrike" cap="none">
           <a:solidFill>
             <a:srgbClr val="000000"/>
           </a:solidFill>
@@ -6774,7 +7121,7 @@
           <a:sym typeface="Arial"/>
         </a:defRPr>
       </a:lvl8pPr>
-      <a:lvl9pPr lvl="8" marR="0" rtl="0" algn="l">
+      <a:lvl9pPr marR="0" lvl="8" algn="l" rtl="0">
         <a:lnSpc>
           <a:spcPct val="100000"/>
         </a:lnSpc>
@@ -6788,7 +7135,7 @@
           <a:srgbClr val="000000"/>
         </a:buClr>
         <a:buFont typeface="Arial"/>
-        <a:defRPr b="0" i="0" sz="1400" u="none" cap="none" strike="noStrike">
+        <a:defRPr sz="1400" b="0" i="0" u="none" strike="noStrike" cap="none">
           <a:solidFill>
             <a:srgbClr val="000000"/>
           </a:solidFill>
@@ -6800,7 +7147,7 @@
       </a:lvl9pPr>
     </p:titleStyle>
     <p:bodyStyle>
-      <a:defPPr lvl="0" marR="0" rtl="0" algn="l">
+      <a:defPPr marR="0" lvl="0" algn="l" rtl="0">
         <a:lnSpc>
           <a:spcPct val="100000"/>
         </a:lnSpc>
@@ -6811,7 +7158,7 @@
           <a:spcPts val="0"/>
         </a:spcAft>
       </a:defPPr>
-      <a:lvl1pPr lvl="0" marR="0" rtl="0" algn="l">
+      <a:lvl1pPr marR="0" lvl="0" algn="l" rtl="0">
         <a:lnSpc>
           <a:spcPct val="100000"/>
         </a:lnSpc>
@@ -6825,7 +7172,7 @@
           <a:srgbClr val="000000"/>
         </a:buClr>
         <a:buFont typeface="Arial"/>
-        <a:defRPr b="0" i="0" sz="1400" u="none" cap="none" strike="noStrike">
+        <a:defRPr sz="1400" b="0" i="0" u="none" strike="noStrike" cap="none">
           <a:solidFill>
             <a:srgbClr val="000000"/>
           </a:solidFill>
@@ -6835,7 +7182,7 @@
           <a:sym typeface="Arial"/>
         </a:defRPr>
       </a:lvl1pPr>
-      <a:lvl2pPr lvl="1" marR="0" rtl="0" algn="l">
+      <a:lvl2pPr marR="0" lvl="1" algn="l" rtl="0">
         <a:lnSpc>
           <a:spcPct val="100000"/>
         </a:lnSpc>
@@ -6849,7 +7196,7 @@
           <a:srgbClr val="000000"/>
         </a:buClr>
         <a:buFont typeface="Arial"/>
-        <a:defRPr b="0" i="0" sz="1400" u="none" cap="none" strike="noStrike">
+        <a:defRPr sz="1400" b="0" i="0" u="none" strike="noStrike" cap="none">
           <a:solidFill>
             <a:srgbClr val="000000"/>
           </a:solidFill>
@@ -6859,7 +7206,7 @@
           <a:sym typeface="Arial"/>
         </a:defRPr>
       </a:lvl2pPr>
-      <a:lvl3pPr lvl="2" marR="0" rtl="0" algn="l">
+      <a:lvl3pPr marR="0" lvl="2" algn="l" rtl="0">
         <a:lnSpc>
           <a:spcPct val="100000"/>
         </a:lnSpc>
@@ -6873,7 +7220,7 @@
           <a:srgbClr val="000000"/>
         </a:buClr>
         <a:buFont typeface="Arial"/>
-        <a:defRPr b="0" i="0" sz="1400" u="none" cap="none" strike="noStrike">
+        <a:defRPr sz="1400" b="0" i="0" u="none" strike="noStrike" cap="none">
           <a:solidFill>
             <a:srgbClr val="000000"/>
           </a:solidFill>
@@ -6883,7 +7230,7 @@
           <a:sym typeface="Arial"/>
         </a:defRPr>
       </a:lvl3pPr>
-      <a:lvl4pPr lvl="3" marR="0" rtl="0" algn="l">
+      <a:lvl4pPr marR="0" lvl="3" algn="l" rtl="0">
         <a:lnSpc>
           <a:spcPct val="100000"/>
         </a:lnSpc>
@@ -6897,7 +7244,7 @@
           <a:srgbClr val="000000"/>
         </a:buClr>
         <a:buFont typeface="Arial"/>
-        <a:defRPr b="0" i="0" sz="1400" u="none" cap="none" strike="noStrike">
+        <a:defRPr sz="1400" b="0" i="0" u="none" strike="noStrike" cap="none">
           <a:solidFill>
             <a:srgbClr val="000000"/>
           </a:solidFill>
@@ -6907,7 +7254,7 @@
           <a:sym typeface="Arial"/>
         </a:defRPr>
       </a:lvl4pPr>
-      <a:lvl5pPr lvl="4" marR="0" rtl="0" algn="l">
+      <a:lvl5pPr marR="0" lvl="4" algn="l" rtl="0">
         <a:lnSpc>
           <a:spcPct val="100000"/>
         </a:lnSpc>
@@ -6921,7 +7268,7 @@
           <a:srgbClr val="000000"/>
         </a:buClr>
         <a:buFont typeface="Arial"/>
-        <a:defRPr b="0" i="0" sz="1400" u="none" cap="none" strike="noStrike">
+        <a:defRPr sz="1400" b="0" i="0" u="none" strike="noStrike" cap="none">
           <a:solidFill>
             <a:srgbClr val="000000"/>
           </a:solidFill>
@@ -6931,7 +7278,7 @@
           <a:sym typeface="Arial"/>
         </a:defRPr>
       </a:lvl5pPr>
-      <a:lvl6pPr lvl="5" marR="0" rtl="0" algn="l">
+      <a:lvl6pPr marR="0" lvl="5" algn="l" rtl="0">
         <a:lnSpc>
           <a:spcPct val="100000"/>
         </a:lnSpc>
@@ -6945,7 +7292,7 @@
           <a:srgbClr val="000000"/>
         </a:buClr>
         <a:buFont typeface="Arial"/>
-        <a:defRPr b="0" i="0" sz="1400" u="none" cap="none" strike="noStrike">
+        <a:defRPr sz="1400" b="0" i="0" u="none" strike="noStrike" cap="none">
           <a:solidFill>
             <a:srgbClr val="000000"/>
           </a:solidFill>
@@ -6955,7 +7302,7 @@
           <a:sym typeface="Arial"/>
         </a:defRPr>
       </a:lvl6pPr>
-      <a:lvl7pPr lvl="6" marR="0" rtl="0" algn="l">
+      <a:lvl7pPr marR="0" lvl="6" algn="l" rtl="0">
         <a:lnSpc>
           <a:spcPct val="100000"/>
         </a:lnSpc>
@@ -6969,7 +7316,7 @@
           <a:srgbClr val="000000"/>
         </a:buClr>
         <a:buFont typeface="Arial"/>
-        <a:defRPr b="0" i="0" sz="1400" u="none" cap="none" strike="noStrike">
+        <a:defRPr sz="1400" b="0" i="0" u="none" strike="noStrike" cap="none">
           <a:solidFill>
             <a:srgbClr val="000000"/>
           </a:solidFill>
@@ -6979,7 +7326,7 @@
           <a:sym typeface="Arial"/>
         </a:defRPr>
       </a:lvl7pPr>
-      <a:lvl8pPr lvl="7" marR="0" rtl="0" algn="l">
+      <a:lvl8pPr marR="0" lvl="7" algn="l" rtl="0">
         <a:lnSpc>
           <a:spcPct val="100000"/>
         </a:lnSpc>
@@ -6993,7 +7340,7 @@
           <a:srgbClr val="000000"/>
         </a:buClr>
         <a:buFont typeface="Arial"/>
-        <a:defRPr b="0" i="0" sz="1400" u="none" cap="none" strike="noStrike">
+        <a:defRPr sz="1400" b="0" i="0" u="none" strike="noStrike" cap="none">
           <a:solidFill>
             <a:srgbClr val="000000"/>
           </a:solidFill>
@@ -7003,7 +7350,7 @@
           <a:sym typeface="Arial"/>
         </a:defRPr>
       </a:lvl8pPr>
-      <a:lvl9pPr lvl="8" marR="0" rtl="0" algn="l">
+      <a:lvl9pPr marR="0" lvl="8" algn="l" rtl="0">
         <a:lnSpc>
           <a:spcPct val="100000"/>
         </a:lnSpc>
@@ -7017,7 +7364,7 @@
           <a:srgbClr val="000000"/>
         </a:buClr>
         <a:buFont typeface="Arial"/>
-        <a:defRPr b="0" i="0" sz="1400" u="none" cap="none" strike="noStrike">
+        <a:defRPr sz="1400" b="0" i="0" u="none" strike="noStrike" cap="none">
           <a:solidFill>
             <a:srgbClr val="000000"/>
           </a:solidFill>
@@ -7029,7 +7376,7 @@
       </a:lvl9pPr>
     </p:bodyStyle>
     <p:otherStyle>
-      <a:defPPr lvl="0" marR="0" rtl="0" algn="l">
+      <a:defPPr marR="0" lvl="0" algn="l" rtl="0">
         <a:lnSpc>
           <a:spcPct val="100000"/>
         </a:lnSpc>
@@ -7040,7 +7387,7 @@
           <a:spcPts val="0"/>
         </a:spcAft>
       </a:defPPr>
-      <a:lvl1pPr lvl="0" marR="0" rtl="0" algn="l">
+      <a:lvl1pPr marR="0" lvl="0" algn="l" rtl="0">
         <a:lnSpc>
           <a:spcPct val="100000"/>
         </a:lnSpc>
@@ -7054,7 +7401,7 @@
           <a:srgbClr val="000000"/>
         </a:buClr>
         <a:buFont typeface="Arial"/>
-        <a:defRPr b="0" i="0" sz="1400" u="none" cap="none" strike="noStrike">
+        <a:defRPr sz="1400" b="0" i="0" u="none" strike="noStrike" cap="none">
           <a:solidFill>
             <a:srgbClr val="000000"/>
           </a:solidFill>
@@ -7064,7 +7411,7 @@
           <a:sym typeface="Arial"/>
         </a:defRPr>
       </a:lvl1pPr>
-      <a:lvl2pPr lvl="1" marR="0" rtl="0" algn="l">
+      <a:lvl2pPr marR="0" lvl="1" algn="l" rtl="0">
         <a:lnSpc>
           <a:spcPct val="100000"/>
         </a:lnSpc>
@@ -7078,7 +7425,7 @@
           <a:srgbClr val="000000"/>
         </a:buClr>
         <a:buFont typeface="Arial"/>
-        <a:defRPr b="0" i="0" sz="1400" u="none" cap="none" strike="noStrike">
+        <a:defRPr sz="1400" b="0" i="0" u="none" strike="noStrike" cap="none">
           <a:solidFill>
             <a:srgbClr val="000000"/>
           </a:solidFill>
@@ -7088,7 +7435,7 @@
           <a:sym typeface="Arial"/>
         </a:defRPr>
       </a:lvl2pPr>
-      <a:lvl3pPr lvl="2" marR="0" rtl="0" algn="l">
+      <a:lvl3pPr marR="0" lvl="2" algn="l" rtl="0">
         <a:lnSpc>
           <a:spcPct val="100000"/>
         </a:lnSpc>
@@ -7102,7 +7449,7 @@
           <a:srgbClr val="000000"/>
         </a:buClr>
         <a:buFont typeface="Arial"/>
-        <a:defRPr b="0" i="0" sz="1400" u="none" cap="none" strike="noStrike">
+        <a:defRPr sz="1400" b="0" i="0" u="none" strike="noStrike" cap="none">
           <a:solidFill>
             <a:srgbClr val="000000"/>
           </a:solidFill>
@@ -7112,7 +7459,7 @@
           <a:sym typeface="Arial"/>
         </a:defRPr>
       </a:lvl3pPr>
-      <a:lvl4pPr lvl="3" marR="0" rtl="0" algn="l">
+      <a:lvl4pPr marR="0" lvl="3" algn="l" rtl="0">
         <a:lnSpc>
           <a:spcPct val="100000"/>
         </a:lnSpc>
@@ -7126,7 +7473,7 @@
           <a:srgbClr val="000000"/>
         </a:buClr>
         <a:buFont typeface="Arial"/>
-        <a:defRPr b="0" i="0" sz="1400" u="none" cap="none" strike="noStrike">
+        <a:defRPr sz="1400" b="0" i="0" u="none" strike="noStrike" cap="none">
           <a:solidFill>
             <a:srgbClr val="000000"/>
           </a:solidFill>
@@ -7136,7 +7483,7 @@
           <a:sym typeface="Arial"/>
         </a:defRPr>
       </a:lvl4pPr>
-      <a:lvl5pPr lvl="4" marR="0" rtl="0" algn="l">
+      <a:lvl5pPr marR="0" lvl="4" algn="l" rtl="0">
         <a:lnSpc>
           <a:spcPct val="100000"/>
         </a:lnSpc>
@@ -7150,7 +7497,7 @@
           <a:srgbClr val="000000"/>
         </a:buClr>
         <a:buFont typeface="Arial"/>
-        <a:defRPr b="0" i="0" sz="1400" u="none" cap="none" strike="noStrike">
+        <a:defRPr sz="1400" b="0" i="0" u="none" strike="noStrike" cap="none">
           <a:solidFill>
             <a:srgbClr val="000000"/>
           </a:solidFill>
@@ -7160,7 +7507,7 @@
           <a:sym typeface="Arial"/>
         </a:defRPr>
       </a:lvl5pPr>
-      <a:lvl6pPr lvl="5" marR="0" rtl="0" algn="l">
+      <a:lvl6pPr marR="0" lvl="5" algn="l" rtl="0">
         <a:lnSpc>
           <a:spcPct val="100000"/>
         </a:lnSpc>
@@ -7174,7 +7521,7 @@
           <a:srgbClr val="000000"/>
         </a:buClr>
         <a:buFont typeface="Arial"/>
-        <a:defRPr b="0" i="0" sz="1400" u="none" cap="none" strike="noStrike">
+        <a:defRPr sz="1400" b="0" i="0" u="none" strike="noStrike" cap="none">
           <a:solidFill>
             <a:srgbClr val="000000"/>
           </a:solidFill>
@@ -7184,7 +7531,7 @@
           <a:sym typeface="Arial"/>
         </a:defRPr>
       </a:lvl6pPr>
-      <a:lvl7pPr lvl="6" marR="0" rtl="0" algn="l">
+      <a:lvl7pPr marR="0" lvl="6" algn="l" rtl="0">
         <a:lnSpc>
           <a:spcPct val="100000"/>
         </a:lnSpc>
@@ -7198,7 +7545,7 @@
           <a:srgbClr val="000000"/>
         </a:buClr>
         <a:buFont typeface="Arial"/>
-        <a:defRPr b="0" i="0" sz="1400" u="none" cap="none" strike="noStrike">
+        <a:defRPr sz="1400" b="0" i="0" u="none" strike="noStrike" cap="none">
           <a:solidFill>
             <a:srgbClr val="000000"/>
           </a:solidFill>
@@ -7208,7 +7555,7 @@
           <a:sym typeface="Arial"/>
         </a:defRPr>
       </a:lvl7pPr>
-      <a:lvl8pPr lvl="7" marR="0" rtl="0" algn="l">
+      <a:lvl8pPr marR="0" lvl="7" algn="l" rtl="0">
         <a:lnSpc>
           <a:spcPct val="100000"/>
         </a:lnSpc>
@@ -7222,7 +7569,7 @@
           <a:srgbClr val="000000"/>
         </a:buClr>
         <a:buFont typeface="Arial"/>
-        <a:defRPr b="0" i="0" sz="1400" u="none" cap="none" strike="noStrike">
+        <a:defRPr sz="1400" b="0" i="0" u="none" strike="noStrike" cap="none">
           <a:solidFill>
             <a:srgbClr val="000000"/>
           </a:solidFill>
@@ -7232,7 +7579,7 @@
           <a:sym typeface="Arial"/>
         </a:defRPr>
       </a:lvl8pPr>
-      <a:lvl9pPr lvl="8" marR="0" rtl="0" algn="l">
+      <a:lvl9pPr marR="0" lvl="8" algn="l" rtl="0">
         <a:lnSpc>
           <a:spcPct val="100000"/>
         </a:lnSpc>
@@ -7246,7 +7593,7 @@
           <a:srgbClr val="000000"/>
         </a:buClr>
         <a:buFont typeface="Arial"/>
-        <a:defRPr b="0" i="0" sz="1400" u="none" cap="none" strike="noStrike">
+        <a:defRPr sz="1400" b="0" i="0" u="none" strike="noStrike" cap="none">
           <a:solidFill>
             <a:srgbClr val="000000"/>
           </a:solidFill>
@@ -7262,11 +7609,11 @@
 </file>
 
 <file path=ppt/slides/slide1.xml><?xml version="1.0" encoding="utf-8"?>
-<p:sld xmlns:a="http://schemas.openxmlformats.org/drawingml/2006/main" xmlns:r="http://schemas.openxmlformats.org/officeDocument/2006/relationships" xmlns:mc="http://schemas.openxmlformats.org/markup-compatibility/2006" xmlns:mv="urn:schemas-microsoft-com:mac:vml" xmlns:p="http://schemas.openxmlformats.org/presentationml/2006/main" xmlns:c="http://schemas.openxmlformats.org/drawingml/2006/chart" xmlns:dgm="http://schemas.openxmlformats.org/drawingml/2006/diagram" xmlns:o="urn:schemas-microsoft-com:office:office" xmlns:v="urn:schemas-microsoft-com:vml" xmlns:pvml="urn:schemas-microsoft-com:office:powerpoint" xmlns:com="http://schemas.openxmlformats.org/drawingml/2006/compatibility" xmlns:p14="http://schemas.microsoft.com/office/powerpoint/2010/main" xmlns:p15="http://schemas.microsoft.com/office/powerpoint/2012/main" xmlns:ahyp="http://schemas.microsoft.com/office/drawing/2018/hyperlinkcolor">
+<p:sld xmlns:a="http://schemas.openxmlformats.org/drawingml/2006/main" xmlns:r="http://schemas.openxmlformats.org/officeDocument/2006/relationships" xmlns:p="http://schemas.openxmlformats.org/presentationml/2006/main">
   <p:cSld>
     <p:spTree>
       <p:nvGrpSpPr>
-        <p:cNvPr id="61" name="Shape 61"/>
+        <p:cNvPr id="1" name="Shape 61"/>
         <p:cNvGrpSpPr/>
         <p:nvPr/>
       </p:nvGrpSpPr>
@@ -7281,27 +7628,29 @@
       <p:sp>
         <p:nvSpPr>
           <p:cNvPr id="62" name="Google Shape;62;p13"/>
-          <p:cNvSpPr txBox="1"/>
+          <p:cNvSpPr txBox="1">
+            <a:spLocks noGrp="1"/>
+          </p:cNvSpPr>
           <p:nvPr>
             <p:ph type="ctrTitle"/>
           </p:nvPr>
         </p:nvSpPr>
         <p:spPr>
           <a:xfrm>
-            <a:off x="311708" y="744575"/>
-            <a:ext cx="8520600" cy="2052600"/>
+            <a:off x="1855304" y="744575"/>
+            <a:ext cx="5433408" cy="2052600"/>
           </a:xfrm>
           <a:prstGeom prst="rect">
             <a:avLst/>
           </a:prstGeom>
         </p:spPr>
         <p:txBody>
-          <a:bodyPr anchorCtr="0" anchor="b" bIns="91425" lIns="91425" spcFirstLastPara="1" rIns="91425" wrap="square" tIns="91425">
+          <a:bodyPr spcFirstLastPara="1" wrap="square" lIns="91425" tIns="91425" rIns="91425" bIns="91425" anchor="b" anchorCtr="0">
             <a:normAutofit/>
           </a:bodyPr>
           <a:lstStyle/>
           <a:p>
-            <a:pPr indent="0" lvl="0" marL="0" rtl="0" algn="ctr">
+            <a:pPr marL="0" lvl="0" indent="0" algn="ctr" rtl="0">
               <a:spcBef>
                 <a:spcPts val="0"/>
               </a:spcBef>
@@ -7311,19 +7660,21 @@
               <a:buNone/>
             </a:pPr>
             <a:r>
-              <a:rPr lang="en" sz="4300"/>
+              <a:rPr lang="en" sz="4300" dirty="0"/>
               <a:t>Software Design for Data Science</a:t>
             </a:r>
-            <a:endParaRPr sz="4300"/>
+            <a:endParaRPr sz="4300" dirty="0"/>
           </a:p>
         </p:txBody>
       </p:sp>
       <p:sp>
         <p:nvSpPr>
           <p:cNvPr id="63" name="Google Shape;63;p13"/>
-          <p:cNvSpPr txBox="1"/>
+          <p:cNvSpPr txBox="1">
+            <a:spLocks noGrp="1"/>
+          </p:cNvSpPr>
           <p:nvPr>
-            <p:ph idx="1" type="subTitle"/>
+            <p:ph type="subTitle" idx="1"/>
           </p:nvPr>
         </p:nvSpPr>
         <p:spPr>
@@ -7336,12 +7687,12 @@
           </a:prstGeom>
         </p:spPr>
         <p:txBody>
-          <a:bodyPr anchorCtr="0" anchor="t" bIns="91425" lIns="91425" spcFirstLastPara="1" rIns="91425" wrap="square" tIns="91425">
+          <a:bodyPr spcFirstLastPara="1" wrap="square" lIns="91425" tIns="91425" rIns="91425" bIns="91425" anchor="t" anchorCtr="0">
             <a:normAutofit/>
           </a:bodyPr>
           <a:lstStyle/>
           <a:p>
-            <a:pPr indent="0" lvl="0" marL="0" rtl="0" algn="ctr">
+            <a:pPr marL="0" lvl="0" indent="0" algn="ctr" rtl="0">
               <a:spcBef>
                 <a:spcPts val="0"/>
               </a:spcBef>
@@ -7361,9 +7712,11 @@
       <p:sp>
         <p:nvSpPr>
           <p:cNvPr id="64" name="Google Shape;64;p13"/>
-          <p:cNvSpPr txBox="1"/>
+          <p:cNvSpPr txBox="1">
+            <a:spLocks noGrp="1"/>
+          </p:cNvSpPr>
           <p:nvPr>
-            <p:ph idx="2" type="subTitle"/>
+            <p:ph type="subTitle" idx="2"/>
           </p:nvPr>
         </p:nvSpPr>
         <p:spPr>
@@ -7376,12 +7729,12 @@
           </a:prstGeom>
         </p:spPr>
         <p:txBody>
-          <a:bodyPr anchorCtr="0" anchor="t" bIns="91425" lIns="91425" spcFirstLastPara="1" rIns="91425" wrap="square" tIns="91425">
+          <a:bodyPr spcFirstLastPara="1" wrap="square" lIns="91425" tIns="91425" rIns="91425" bIns="91425" anchor="t" anchorCtr="0">
             <a:normAutofit fontScale="77500" lnSpcReduction="20000"/>
           </a:bodyPr>
           <a:lstStyle/>
           <a:p>
-            <a:pPr indent="0" lvl="0" marL="0" rtl="0" algn="ctr">
+            <a:pPr marL="0" lvl="0" indent="0" algn="ctr" rtl="0">
               <a:spcBef>
                 <a:spcPts val="0"/>
               </a:spcBef>
@@ -7391,13 +7744,13 @@
               <a:buNone/>
             </a:pPr>
             <a:r>
-              <a:rPr lang="en"/>
-              <a:t>Melissa Winstanley</a:t>
+              <a:rPr lang="en-US" dirty="0"/>
+              <a:t>Naomi Alterman</a:t>
             </a:r>
-            <a:endParaRPr/>
-          </a:p>
-          <a:p>
-            <a:pPr indent="0" lvl="0" marL="0" rtl="0" algn="ctr">
+            <a:endParaRPr dirty="0"/>
+          </a:p>
+          <a:p>
+            <a:pPr marL="0" lvl="0" indent="0" algn="ctr" rtl="0">
               <a:spcBef>
                 <a:spcPts val="0"/>
               </a:spcBef>
@@ -7407,13 +7760,13 @@
               <a:buNone/>
             </a:pPr>
             <a:r>
-              <a:rPr lang="en"/>
+              <a:rPr lang="en" dirty="0"/>
               <a:t>University of Washington</a:t>
             </a:r>
-            <a:endParaRPr/>
-          </a:p>
-          <a:p>
-            <a:pPr indent="0" lvl="0" marL="0" rtl="0" algn="ctr">
+            <a:endParaRPr dirty="0"/>
+          </a:p>
+          <a:p>
+            <a:pPr marL="0" lvl="0" indent="0" algn="ctr" rtl="0">
               <a:spcBef>
                 <a:spcPts val="0"/>
               </a:spcBef>
@@ -7423,10 +7776,10 @@
               <a:buNone/>
             </a:pPr>
             <a:r>
-              <a:rPr lang="en"/>
-              <a:t>January 9, 2025</a:t>
+              <a:rPr lang="en" dirty="0"/>
+              <a:t>January 6, 2025</a:t>
             </a:r>
-            <a:endParaRPr/>
+            <a:endParaRPr dirty="0"/>
           </a:p>
         </p:txBody>
       </p:sp>
@@ -7439,11 +7792,11 @@
 </file>
 
 <file path=ppt/slides/slide10.xml><?xml version="1.0" encoding="utf-8"?>
-<p:sld xmlns:a="http://schemas.openxmlformats.org/drawingml/2006/main" xmlns:r="http://schemas.openxmlformats.org/officeDocument/2006/relationships" xmlns:mc="http://schemas.openxmlformats.org/markup-compatibility/2006" xmlns:mv="urn:schemas-microsoft-com:mac:vml" xmlns:p="http://schemas.openxmlformats.org/presentationml/2006/main" xmlns:c="http://schemas.openxmlformats.org/drawingml/2006/chart" xmlns:dgm="http://schemas.openxmlformats.org/drawingml/2006/diagram" xmlns:o="urn:schemas-microsoft-com:office:office" xmlns:v="urn:schemas-microsoft-com:vml" xmlns:pvml="urn:schemas-microsoft-com:office:powerpoint" xmlns:com="http://schemas.openxmlformats.org/drawingml/2006/compatibility" xmlns:p14="http://schemas.microsoft.com/office/powerpoint/2010/main" xmlns:p15="http://schemas.microsoft.com/office/powerpoint/2012/main" xmlns:ahyp="http://schemas.microsoft.com/office/drawing/2018/hyperlinkcolor">
+<p:sld xmlns:a="http://schemas.openxmlformats.org/drawingml/2006/main" xmlns:r="http://schemas.openxmlformats.org/officeDocument/2006/relationships" xmlns:p="http://schemas.openxmlformats.org/presentationml/2006/main">
   <p:cSld>
     <p:spTree>
       <p:nvGrpSpPr>
-        <p:cNvPr id="142" name="Shape 142"/>
+        <p:cNvPr id="1" name="Shape 142"/>
         <p:cNvGrpSpPr/>
         <p:nvPr/>
       </p:nvGrpSpPr>
@@ -7458,7 +7811,9 @@
       <p:sp>
         <p:nvSpPr>
           <p:cNvPr id="143" name="Google Shape;143;p22"/>
-          <p:cNvSpPr txBox="1"/>
+          <p:cNvSpPr txBox="1">
+            <a:spLocks noGrp="1"/>
+          </p:cNvSpPr>
           <p:nvPr>
             <p:ph type="title"/>
           </p:nvPr>
@@ -7473,12 +7828,12 @@
           </a:prstGeom>
         </p:spPr>
         <p:txBody>
-          <a:bodyPr anchorCtr="0" anchor="t" bIns="91425" lIns="91425" spcFirstLastPara="1" rIns="91425" wrap="square" tIns="91425">
+          <a:bodyPr spcFirstLastPara="1" wrap="square" lIns="91425" tIns="91425" rIns="91425" bIns="91425" anchor="t" anchorCtr="0">
             <a:normAutofit fontScale="90000"/>
           </a:bodyPr>
           <a:lstStyle/>
           <a:p>
-            <a:pPr indent="0" lvl="0" marL="0" rtl="0" algn="l">
+            <a:pPr marL="0" lvl="0" indent="0" algn="l" rtl="0">
               <a:spcBef>
                 <a:spcPts val="0"/>
               </a:spcBef>
@@ -7522,7 +7877,7 @@
             </a:xfrm>
             <a:prstGeom prst="homePlate">
               <a:avLst>
-                <a:gd fmla="val 50000" name="adj"/>
+                <a:gd name="adj" fmla="val 50000"/>
               </a:avLst>
             </a:prstGeom>
             <a:solidFill>
@@ -7533,12 +7888,12 @@
             </a:ln>
           </p:spPr>
           <p:txBody>
-            <a:bodyPr anchorCtr="0" anchor="ctr" bIns="91425" lIns="91425" spcFirstLastPara="1" rIns="91425" wrap="square" tIns="91425">
+            <a:bodyPr spcFirstLastPara="1" wrap="square" lIns="91425" tIns="91425" rIns="91425" bIns="91425" anchor="ctr" anchorCtr="0">
               <a:noAutofit/>
             </a:bodyPr>
             <a:lstStyle/>
             <a:p>
-              <a:pPr indent="0" lvl="0" marL="0" rtl="0" algn="ctr">
+              <a:pPr marL="0" lvl="0" indent="0" algn="ctr" rtl="0">
                 <a:spcBef>
                   <a:spcPts val="0"/>
                 </a:spcBef>
@@ -7557,19 +7912,7 @@
                   <a:cs typeface="Roboto"/>
                   <a:sym typeface="Roboto"/>
                 </a:rPr>
-                <a:t>Step</a:t>
-              </a:r>
-              <a:r>
-                <a:rPr lang="en">
-                  <a:solidFill>
-                    <a:srgbClr val="FFFFFF"/>
-                  </a:solidFill>
-                  <a:latin typeface="Roboto"/>
-                  <a:ea typeface="Roboto"/>
-                  <a:cs typeface="Roboto"/>
-                  <a:sym typeface="Roboto"/>
-                </a:rPr>
-                <a:t> 1</a:t>
+                <a:t>Step 1</a:t>
               </a:r>
               <a:endParaRPr>
                 <a:solidFill>
@@ -7603,12 +7946,12 @@
             </a:ln>
           </p:spPr>
           <p:txBody>
-            <a:bodyPr anchorCtr="0" anchor="t" bIns="91425" lIns="91425" spcFirstLastPara="1" rIns="91425" wrap="square" tIns="91425">
+            <a:bodyPr spcFirstLastPara="1" wrap="square" lIns="91425" tIns="91425" rIns="91425" bIns="91425" anchor="t" anchorCtr="0">
               <a:noAutofit/>
             </a:bodyPr>
             <a:lstStyle/>
             <a:p>
-              <a:pPr indent="0" lvl="0" marL="0" rtl="0" algn="ctr">
+              <a:pPr marL="0" lvl="0" indent="0" algn="ctr" rtl="0">
                 <a:lnSpc>
                   <a:spcPct val="115000"/>
                 </a:lnSpc>
@@ -7627,16 +7970,7 @@
                   <a:cs typeface="Roboto"/>
                   <a:sym typeface="Roboto"/>
                 </a:rPr>
-                <a:t>Students</a:t>
-              </a:r>
-              <a:r>
-                <a:rPr lang="en" sz="1800">
-                  <a:latin typeface="Roboto"/>
-                  <a:ea typeface="Roboto"/>
-                  <a:cs typeface="Roboto"/>
-                  <a:sym typeface="Roboto"/>
-                </a:rPr>
-                <a:t> present statements of interest</a:t>
+                <a:t>Students present statements of interest</a:t>
               </a:r>
               <a:endParaRPr sz="1800">
                 <a:latin typeface="Roboto"/>
@@ -7675,7 +8009,7 @@
             </a:xfrm>
             <a:prstGeom prst="chevron">
               <a:avLst>
-                <a:gd fmla="val 50000" name="adj"/>
+                <a:gd name="adj" fmla="val 50000"/>
               </a:avLst>
             </a:prstGeom>
             <a:solidFill>
@@ -7686,12 +8020,12 @@
             </a:ln>
           </p:spPr>
           <p:txBody>
-            <a:bodyPr anchorCtr="0" anchor="ctr" bIns="91425" lIns="91425" spcFirstLastPara="1" rIns="91425" wrap="square" tIns="91425">
+            <a:bodyPr spcFirstLastPara="1" wrap="square" lIns="91425" tIns="91425" rIns="91425" bIns="91425" anchor="ctr" anchorCtr="0">
               <a:noAutofit/>
             </a:bodyPr>
             <a:lstStyle/>
             <a:p>
-              <a:pPr indent="0" lvl="0" marL="0" rtl="0" algn="ctr">
+              <a:pPr marL="0" lvl="0" indent="0" algn="ctr" rtl="0">
                 <a:spcBef>
                   <a:spcPts val="0"/>
                 </a:spcBef>
@@ -7710,19 +8044,7 @@
                   <a:cs typeface="Roboto"/>
                   <a:sym typeface="Roboto"/>
                 </a:rPr>
-                <a:t>Step</a:t>
-              </a:r>
-              <a:r>
-                <a:rPr lang="en">
-                  <a:solidFill>
-                    <a:srgbClr val="FFFFFF"/>
-                  </a:solidFill>
-                  <a:latin typeface="Roboto"/>
-                  <a:ea typeface="Roboto"/>
-                  <a:cs typeface="Roboto"/>
-                  <a:sym typeface="Roboto"/>
-                </a:rPr>
-                <a:t> 2</a:t>
+                <a:t>Step 2</a:t>
               </a:r>
               <a:endParaRPr>
                 <a:solidFill>
@@ -7756,12 +8078,12 @@
             </a:ln>
           </p:spPr>
           <p:txBody>
-            <a:bodyPr anchorCtr="0" anchor="t" bIns="91425" lIns="91425" spcFirstLastPara="1" rIns="91425" wrap="square" tIns="91425">
+            <a:bodyPr spcFirstLastPara="1" wrap="square" lIns="91425" tIns="91425" rIns="91425" bIns="91425" anchor="t" anchorCtr="0">
               <a:noAutofit/>
             </a:bodyPr>
             <a:lstStyle/>
             <a:p>
-              <a:pPr indent="0" lvl="0" marL="0" rtl="0" algn="ctr">
+              <a:pPr marL="0" lvl="0" indent="0" algn="ctr" rtl="0">
                 <a:lnSpc>
                   <a:spcPct val="115000"/>
                 </a:lnSpc>
@@ -7819,7 +8141,7 @@
             </a:xfrm>
             <a:prstGeom prst="chevron">
               <a:avLst>
-                <a:gd fmla="val 50000" name="adj"/>
+                <a:gd name="adj" fmla="val 50000"/>
               </a:avLst>
             </a:prstGeom>
             <a:solidFill>
@@ -7830,12 +8152,12 @@
             </a:ln>
           </p:spPr>
           <p:txBody>
-            <a:bodyPr anchorCtr="0" anchor="ctr" bIns="91425" lIns="91425" spcFirstLastPara="1" rIns="91425" wrap="square" tIns="91425">
+            <a:bodyPr spcFirstLastPara="1" wrap="square" lIns="91425" tIns="91425" rIns="91425" bIns="91425" anchor="ctr" anchorCtr="0">
               <a:noAutofit/>
             </a:bodyPr>
             <a:lstStyle/>
             <a:p>
-              <a:pPr indent="0" lvl="0" marL="0" rtl="0" algn="ctr">
+              <a:pPr marL="0" lvl="0" indent="0" algn="ctr" rtl="0">
                 <a:spcBef>
                   <a:spcPts val="0"/>
                 </a:spcBef>
@@ -7854,19 +8176,7 @@
                   <a:cs typeface="Roboto"/>
                   <a:sym typeface="Roboto"/>
                 </a:rPr>
-                <a:t>Step</a:t>
-              </a:r>
-              <a:r>
-                <a:rPr lang="en">
-                  <a:solidFill>
-                    <a:srgbClr val="FFFFFF"/>
-                  </a:solidFill>
-                  <a:latin typeface="Roboto"/>
-                  <a:ea typeface="Roboto"/>
-                  <a:cs typeface="Roboto"/>
-                  <a:sym typeface="Roboto"/>
-                </a:rPr>
-                <a:t> 3</a:t>
+                <a:t>Step 3</a:t>
               </a:r>
               <a:endParaRPr>
                 <a:solidFill>
@@ -7900,12 +8210,12 @@
             </a:ln>
           </p:spPr>
           <p:txBody>
-            <a:bodyPr anchorCtr="0" anchor="t" bIns="91425" lIns="91425" spcFirstLastPara="1" rIns="91425" wrap="square" tIns="91425">
+            <a:bodyPr spcFirstLastPara="1" wrap="square" lIns="91425" tIns="91425" rIns="91425" bIns="91425" anchor="t" anchorCtr="0">
               <a:noAutofit/>
             </a:bodyPr>
             <a:lstStyle/>
             <a:p>
-              <a:pPr indent="0" lvl="0" marL="0" rtl="0" algn="ctr">
+              <a:pPr marL="0" lvl="0" indent="0" algn="ctr" rtl="0">
                 <a:lnSpc>
                   <a:spcPct val="115000"/>
                 </a:lnSpc>
@@ -7924,25 +8234,7 @@
                   <a:cs typeface="Roboto"/>
                   <a:sym typeface="Roboto"/>
                 </a:rPr>
-                <a:t>Verify the </a:t>
-              </a:r>
-              <a:r>
-                <a:rPr lang="en" sz="1800">
-                  <a:latin typeface="Roboto"/>
-                  <a:ea typeface="Roboto"/>
-                  <a:cs typeface="Roboto"/>
-                  <a:sym typeface="Roboto"/>
-                </a:rPr>
-                <a:t>project</a:t>
-              </a:r>
-              <a:r>
-                <a:rPr lang="en" sz="1800">
-                  <a:latin typeface="Roboto"/>
-                  <a:ea typeface="Roboto"/>
-                  <a:cs typeface="Roboto"/>
-                  <a:sym typeface="Roboto"/>
-                </a:rPr>
-                <a:t> idea</a:t>
+                <a:t>Verify the project idea</a:t>
               </a:r>
               <a:endParaRPr sz="1800">
                 <a:latin typeface="Roboto"/>
@@ -7981,7 +8273,7 @@
             </a:xfrm>
             <a:prstGeom prst="chevron">
               <a:avLst>
-                <a:gd fmla="val 50000" name="adj"/>
+                <a:gd name="adj" fmla="val 50000"/>
               </a:avLst>
             </a:prstGeom>
             <a:solidFill>
@@ -7992,12 +8284,12 @@
             </a:ln>
           </p:spPr>
           <p:txBody>
-            <a:bodyPr anchorCtr="0" anchor="ctr" bIns="91425" lIns="91425" spcFirstLastPara="1" rIns="91425" wrap="square" tIns="91425">
+            <a:bodyPr spcFirstLastPara="1" wrap="square" lIns="91425" tIns="91425" rIns="91425" bIns="91425" anchor="ctr" anchorCtr="0">
               <a:noAutofit/>
             </a:bodyPr>
             <a:lstStyle/>
             <a:p>
-              <a:pPr indent="0" lvl="0" marL="0" rtl="0" algn="ctr">
+              <a:pPr marL="0" lvl="0" indent="0" algn="ctr" rtl="0">
                 <a:spcBef>
                   <a:spcPts val="0"/>
                 </a:spcBef>
@@ -8016,19 +8308,7 @@
                   <a:cs typeface="Roboto"/>
                   <a:sym typeface="Roboto"/>
                 </a:rPr>
-                <a:t>Step</a:t>
-              </a:r>
-              <a:r>
-                <a:rPr lang="en">
-                  <a:solidFill>
-                    <a:srgbClr val="FFFFFF"/>
-                  </a:solidFill>
-                  <a:latin typeface="Roboto"/>
-                  <a:ea typeface="Roboto"/>
-                  <a:cs typeface="Roboto"/>
-                  <a:sym typeface="Roboto"/>
-                </a:rPr>
-                <a:t> 4</a:t>
+                <a:t>Step 4</a:t>
               </a:r>
               <a:endParaRPr>
                 <a:solidFill>
@@ -8062,12 +8342,12 @@
             </a:ln>
           </p:spPr>
           <p:txBody>
-            <a:bodyPr anchorCtr="0" anchor="t" bIns="91425" lIns="91425" spcFirstLastPara="1" rIns="91425" wrap="square" tIns="91425">
+            <a:bodyPr spcFirstLastPara="1" wrap="square" lIns="91425" tIns="91425" rIns="91425" bIns="91425" anchor="t" anchorCtr="0">
               <a:noAutofit/>
             </a:bodyPr>
             <a:lstStyle/>
             <a:p>
-              <a:pPr indent="0" lvl="0" marL="0" rtl="0" algn="ctr">
+              <a:pPr marL="0" lvl="0" indent="0" algn="ctr" rtl="0">
                 <a:lnSpc>
                   <a:spcPct val="115000"/>
                 </a:lnSpc>
@@ -8107,11 +8387,11 @@
 </file>
 
 <file path=ppt/slides/slide11.xml><?xml version="1.0" encoding="utf-8"?>
-<p:sld xmlns:a="http://schemas.openxmlformats.org/drawingml/2006/main" xmlns:r="http://schemas.openxmlformats.org/officeDocument/2006/relationships" xmlns:mc="http://schemas.openxmlformats.org/markup-compatibility/2006" xmlns:mv="urn:schemas-microsoft-com:mac:vml" xmlns:p="http://schemas.openxmlformats.org/presentationml/2006/main" xmlns:c="http://schemas.openxmlformats.org/drawingml/2006/chart" xmlns:dgm="http://schemas.openxmlformats.org/drawingml/2006/diagram" xmlns:o="urn:schemas-microsoft-com:office:office" xmlns:v="urn:schemas-microsoft-com:vml" xmlns:pvml="urn:schemas-microsoft-com:office:powerpoint" xmlns:com="http://schemas.openxmlformats.org/drawingml/2006/compatibility" xmlns:p14="http://schemas.microsoft.com/office/powerpoint/2010/main" xmlns:p15="http://schemas.microsoft.com/office/powerpoint/2012/main" xmlns:ahyp="http://schemas.microsoft.com/office/drawing/2018/hyperlinkcolor">
+<p:sld xmlns:a="http://schemas.openxmlformats.org/drawingml/2006/main" xmlns:r="http://schemas.openxmlformats.org/officeDocument/2006/relationships" xmlns:p="http://schemas.openxmlformats.org/presentationml/2006/main">
   <p:cSld>
     <p:spTree>
       <p:nvGrpSpPr>
-        <p:cNvPr id="159" name="Shape 159"/>
+        <p:cNvPr id="1" name="Shape 159"/>
         <p:cNvGrpSpPr/>
         <p:nvPr/>
       </p:nvGrpSpPr>
@@ -8126,7 +8406,9 @@
       <p:sp>
         <p:nvSpPr>
           <p:cNvPr id="160" name="Google Shape;160;p23"/>
-          <p:cNvSpPr txBox="1"/>
+          <p:cNvSpPr txBox="1">
+            <a:spLocks noGrp="1"/>
+          </p:cNvSpPr>
           <p:nvPr>
             <p:ph type="title"/>
           </p:nvPr>
@@ -8141,12 +8423,12 @@
           </a:prstGeom>
         </p:spPr>
         <p:txBody>
-          <a:bodyPr anchorCtr="0" anchor="t" bIns="91425" lIns="91425" spcFirstLastPara="1" rIns="91425" wrap="square" tIns="91425">
+          <a:bodyPr spcFirstLastPara="1" wrap="square" lIns="91425" tIns="91425" rIns="91425" bIns="91425" anchor="t" anchorCtr="0">
             <a:normAutofit fontScale="90000"/>
           </a:bodyPr>
           <a:lstStyle/>
           <a:p>
-            <a:pPr indent="0" lvl="0" marL="0" rtl="0" algn="l">
+            <a:pPr marL="0" lvl="0" indent="0" algn="l" rtl="0">
               <a:spcBef>
                 <a:spcPts val="0"/>
               </a:spcBef>
@@ -8166,9 +8448,11 @@
       <p:sp>
         <p:nvSpPr>
           <p:cNvPr id="161" name="Google Shape;161;p23"/>
-          <p:cNvSpPr txBox="1"/>
+          <p:cNvSpPr txBox="1">
+            <a:spLocks noGrp="1"/>
+          </p:cNvSpPr>
           <p:nvPr>
-            <p:ph idx="1" type="body"/>
+            <p:ph type="body" idx="1"/>
           </p:nvPr>
         </p:nvSpPr>
         <p:spPr>
@@ -8181,12 +8465,12 @@
           </a:prstGeom>
         </p:spPr>
         <p:txBody>
-          <a:bodyPr anchorCtr="0" anchor="t" bIns="91425" lIns="91425" spcFirstLastPara="1" rIns="91425" wrap="square" tIns="91425">
+          <a:bodyPr spcFirstLastPara="1" wrap="square" lIns="91425" tIns="91425" rIns="91425" bIns="91425" anchor="t" anchorCtr="0">
             <a:normAutofit/>
           </a:bodyPr>
           <a:lstStyle/>
           <a:p>
-            <a:pPr indent="-381000" lvl="0" marL="457200" rtl="0" algn="l">
+            <a:pPr marL="457200" lvl="0" indent="-381000" algn="l" rtl="0">
               <a:spcBef>
                 <a:spcPts val="0"/>
               </a:spcBef>
@@ -8203,7 +8487,7 @@
             <a:endParaRPr sz="2400"/>
           </a:p>
           <a:p>
-            <a:pPr indent="-381000" lvl="0" marL="457200" rtl="0" algn="l">
+            <a:pPr marL="457200" lvl="0" indent="-381000" algn="l" rtl="0">
               <a:spcBef>
                 <a:spcPts val="0"/>
               </a:spcBef>
@@ -8220,7 +8504,7 @@
             <a:endParaRPr sz="2400"/>
           </a:p>
           <a:p>
-            <a:pPr indent="-381000" lvl="0" marL="457200" rtl="0" algn="l">
+            <a:pPr marL="457200" lvl="0" indent="-381000" algn="l" rtl="0">
               <a:spcBef>
                 <a:spcPts val="0"/>
               </a:spcBef>
@@ -8247,11 +8531,11 @@
 </file>
 
 <file path=ppt/slides/slide12.xml><?xml version="1.0" encoding="utf-8"?>
-<p:sld xmlns:a="http://schemas.openxmlformats.org/drawingml/2006/main" xmlns:r="http://schemas.openxmlformats.org/officeDocument/2006/relationships" xmlns:mc="http://schemas.openxmlformats.org/markup-compatibility/2006" xmlns:mv="urn:schemas-microsoft-com:mac:vml" xmlns:p="http://schemas.openxmlformats.org/presentationml/2006/main" xmlns:c="http://schemas.openxmlformats.org/drawingml/2006/chart" xmlns:dgm="http://schemas.openxmlformats.org/drawingml/2006/diagram" xmlns:o="urn:schemas-microsoft-com:office:office" xmlns:v="urn:schemas-microsoft-com:vml" xmlns:pvml="urn:schemas-microsoft-com:office:powerpoint" xmlns:com="http://schemas.openxmlformats.org/drawingml/2006/compatibility" xmlns:p14="http://schemas.microsoft.com/office/powerpoint/2010/main" xmlns:p15="http://schemas.microsoft.com/office/powerpoint/2012/main" xmlns:ahyp="http://schemas.microsoft.com/office/drawing/2018/hyperlinkcolor">
+<p:sld xmlns:a="http://schemas.openxmlformats.org/drawingml/2006/main" xmlns:r="http://schemas.openxmlformats.org/officeDocument/2006/relationships" xmlns:p="http://schemas.openxmlformats.org/presentationml/2006/main">
   <p:cSld>
     <p:spTree>
       <p:nvGrpSpPr>
-        <p:cNvPr id="165" name="Shape 165"/>
+        <p:cNvPr id="1" name="Shape 165"/>
         <p:cNvGrpSpPr/>
         <p:nvPr/>
       </p:nvGrpSpPr>
@@ -8266,7 +8550,9 @@
       <p:sp>
         <p:nvSpPr>
           <p:cNvPr id="166" name="Google Shape;166;p24"/>
-          <p:cNvSpPr txBox="1"/>
+          <p:cNvSpPr txBox="1">
+            <a:spLocks noGrp="1"/>
+          </p:cNvSpPr>
           <p:nvPr>
             <p:ph type="title"/>
           </p:nvPr>
@@ -8281,12 +8567,12 @@
           </a:prstGeom>
         </p:spPr>
         <p:txBody>
-          <a:bodyPr anchorCtr="0" anchor="t" bIns="91425" lIns="91425" spcFirstLastPara="1" rIns="91425" wrap="square" tIns="91425">
+          <a:bodyPr spcFirstLastPara="1" wrap="square" lIns="91425" tIns="91425" rIns="91425" bIns="91425" anchor="t" anchorCtr="0">
             <a:normAutofit fontScale="90000"/>
           </a:bodyPr>
           <a:lstStyle/>
           <a:p>
-            <a:pPr indent="0" lvl="0" marL="0" rtl="0" algn="l">
+            <a:pPr marL="0" lvl="0" indent="0" algn="l" rtl="0">
               <a:spcBef>
                 <a:spcPts val="0"/>
               </a:spcBef>
@@ -8306,9 +8592,11 @@
       <p:sp>
         <p:nvSpPr>
           <p:cNvPr id="167" name="Google Shape;167;p24"/>
-          <p:cNvSpPr txBox="1"/>
+          <p:cNvSpPr txBox="1">
+            <a:spLocks noGrp="1"/>
+          </p:cNvSpPr>
           <p:nvPr>
-            <p:ph idx="1" type="body"/>
+            <p:ph type="body" idx="1"/>
           </p:nvPr>
         </p:nvSpPr>
         <p:spPr>
@@ -8321,12 +8609,12 @@
           </a:prstGeom>
         </p:spPr>
         <p:txBody>
-          <a:bodyPr anchorCtr="0" anchor="t" bIns="91425" lIns="91425" spcFirstLastPara="1" rIns="91425" wrap="square" tIns="91425">
+          <a:bodyPr spcFirstLastPara="1" wrap="square" lIns="91425" tIns="91425" rIns="91425" bIns="91425" anchor="t" anchorCtr="0">
             <a:normAutofit fontScale="55000" lnSpcReduction="20000"/>
           </a:bodyPr>
           <a:lstStyle/>
           <a:p>
-            <a:pPr indent="0" lvl="0" marL="0" rtl="0" algn="l">
+            <a:pPr marL="0" lvl="0" indent="0" algn="l" rtl="0">
               <a:spcBef>
                 <a:spcPts val="0"/>
               </a:spcBef>
@@ -8336,7 +8624,7 @@
               <a:buNone/>
             </a:pPr>
             <a:r>
-              <a:rPr lang="en" u="sng">
+              <a:rPr lang="en" u="sng" dirty="0">
                 <a:solidFill>
                   <a:schemeClr val="hlink"/>
                 </a:solidFill>
@@ -8344,31 +8632,116 @@
               </a:rPr>
               <a:t>http://drugbank.ca</a:t>
             </a:r>
-            <a:endParaRPr/>
-          </a:p>
-          <a:p>
-            <a:pPr indent="0" lvl="0" marL="0" rtl="0" algn="l">
+            <a:endParaRPr dirty="0"/>
+          </a:p>
+          <a:p>
+            <a:pPr marL="0" lvl="0" indent="0">
               <a:spcBef>
                 <a:spcPts val="1200"/>
               </a:spcBef>
-              <a:spcAft>
-                <a:spcPts val="0"/>
-              </a:spcAft>
               <a:buNone/>
             </a:pPr>
             <a:r>
-              <a:rPr lang="en" u="sng">
+              <a:rPr lang="en-US" u="sng" dirty="0">
+                <a:solidFill>
+                  <a:schemeClr val="hlink"/>
+                </a:solidFill>
+              </a:rPr>
+              <a:t>https://www.nlm.nih.gov/toxnet/</a:t>
+            </a:r>
+          </a:p>
+          <a:p>
+            <a:pPr marL="0" lvl="0" indent="0">
+              <a:spcBef>
+                <a:spcPts val="1200"/>
+              </a:spcBef>
+              <a:buNone/>
+            </a:pPr>
+            <a:r>
+              <a:rPr lang="en-US" u="sng" dirty="0">
+                <a:solidFill>
+                  <a:schemeClr val="hlink"/>
+                </a:solidFill>
+              </a:rPr>
+              <a:t>https://data.seattle.gov/browse?tags=traffic&amp;sortBy=relevance&amp;pageSize=20 </a:t>
+            </a:r>
+          </a:p>
+          <a:p>
+            <a:pPr marL="0" lvl="0" indent="0">
+              <a:spcBef>
+                <a:spcPts val="1200"/>
+              </a:spcBef>
+              <a:buNone/>
+            </a:pPr>
+            <a:r>
+              <a:rPr lang="en-US" u="sng" dirty="0">
+                <a:solidFill>
+                  <a:schemeClr val="hlink"/>
+                </a:solidFill>
+              </a:rPr>
+              <a:t>https://divvybikes.com/system-data </a:t>
+            </a:r>
+          </a:p>
+          <a:p>
+            <a:pPr marL="0" lvl="0" indent="0">
+              <a:spcBef>
+                <a:spcPts val="1200"/>
+              </a:spcBef>
+              <a:buNone/>
+            </a:pPr>
+            <a:r>
+              <a:rPr lang="en-US" u="sng" dirty="0">
+                <a:solidFill>
+                  <a:schemeClr val="hlink"/>
+                </a:solidFill>
+              </a:rPr>
+              <a:t>https://www.nyc.gov/site/tlc/about/tlc-trip-record-data.page </a:t>
+            </a:r>
+          </a:p>
+          <a:p>
+            <a:pPr marL="0" lvl="0" indent="0">
+              <a:spcBef>
+                <a:spcPts val="1200"/>
+              </a:spcBef>
+              <a:buNone/>
+            </a:pPr>
+            <a:r>
+              <a:rPr lang="en-US" u="sng" dirty="0">
+                <a:solidFill>
+                  <a:schemeClr val="hlink"/>
+                </a:solidFill>
+              </a:rPr>
+              <a:t>https://www.kaggle.com/datasets </a:t>
+            </a:r>
+          </a:p>
+          <a:p>
+            <a:pPr marL="0" lvl="0" indent="0">
+              <a:spcBef>
+                <a:spcPts val="1200"/>
+              </a:spcBef>
+              <a:buNone/>
+            </a:pPr>
+            <a:r>
+              <a:rPr lang="en-US" u="sng" dirty="0">
+                <a:solidFill>
+                  <a:schemeClr val="hlink"/>
+                </a:solidFill>
+              </a:rPr>
+              <a:t>https://www.seattle.gov/transportation/projects-and-programs/programs/new-mobility-program/scooter-bike-share-data </a:t>
+            </a:r>
+            <a:r>
+              <a:rPr lang="en" u="sng" dirty="0">
                 <a:solidFill>
                   <a:schemeClr val="hlink"/>
                 </a:solidFill>
                 <a:hlinkClick r:id="rId4"/>
               </a:rPr>
-              <a:t>http://toxnet.nlm.nih.gov</a:t>
+              <a:t>American Fact Finder Data</a:t>
             </a:r>
-            <a:endParaRPr/>
-          </a:p>
-          <a:p>
-            <a:pPr indent="0" lvl="0" marL="0" rtl="0" algn="l">
+            <a:endParaRPr dirty="0"/>
+          </a:p>
+          <a:p>
+            <a:pPr marL="0" lvl="0" indent="0" algn="l" rtl="0">
               <a:spcBef>
                 <a:spcPts val="1200"/>
               </a:spcBef>
@@ -8378,18 +8751,18 @@
               <a:buNone/>
             </a:pPr>
             <a:r>
-              <a:rPr lang="en" u="sng">
+              <a:rPr lang="en" u="sng" dirty="0">
                 <a:solidFill>
                   <a:schemeClr val="hlink"/>
                 </a:solidFill>
                 <a:hlinkClick r:id="rId5"/>
               </a:rPr>
-              <a:t>https://data.seattle.gov/Transportation/Traffic-Flow-Counts/7svg-ds5z</a:t>
+              <a:t>European union data (World bank)</a:t>
             </a:r>
-            <a:endParaRPr/>
-          </a:p>
-          <a:p>
-            <a:pPr indent="0" lvl="0" marL="0" rtl="0" algn="l">
+            <a:endParaRPr dirty="0"/>
+          </a:p>
+          <a:p>
+            <a:pPr marL="0" lvl="0" indent="0" algn="l" rtl="0">
               <a:spcBef>
                 <a:spcPts val="1200"/>
               </a:spcBef>
@@ -8399,162 +8772,36 @@
               <a:buNone/>
             </a:pPr>
             <a:r>
-              <a:rPr lang="en" u="sng">
+              <a:rPr lang="en" u="sng" dirty="0">
                 <a:solidFill>
                   <a:schemeClr val="hlink"/>
                 </a:solidFill>
                 <a:hlinkClick r:id="rId6"/>
               </a:rPr>
-              <a:t>https://www.divvybikes.com/data</a:t>
+              <a:t>Russian federation data (World bank)</a:t>
             </a:r>
-            <a:endParaRPr/>
-          </a:p>
-          <a:p>
-            <a:pPr indent="0" lvl="0" marL="0" rtl="0" algn="l">
+            <a:endParaRPr dirty="0"/>
+          </a:p>
+          <a:p>
+            <a:pPr marL="0" lvl="0" indent="0" algn="l" rtl="0">
               <a:spcBef>
                 <a:spcPts val="1200"/>
               </a:spcBef>
               <a:spcAft>
-                <a:spcPts val="0"/>
+                <a:spcPts val="1200"/>
               </a:spcAft>
               <a:buNone/>
             </a:pPr>
             <a:r>
-              <a:rPr lang="en" u="sng">
+              <a:rPr lang="en" u="sng" dirty="0">
                 <a:solidFill>
                   <a:schemeClr val="hlink"/>
                 </a:solidFill>
                 <a:hlinkClick r:id="rId7"/>
               </a:rPr>
-              <a:t>http://www.nyc.gov/html/tlc/html/about/trip_record_data.shtml</a:t>
-            </a:r>
-            <a:endParaRPr/>
-          </a:p>
-          <a:p>
-            <a:pPr indent="0" lvl="0" marL="0" rtl="0" algn="l">
-              <a:spcBef>
-                <a:spcPts val="1200"/>
-              </a:spcBef>
-              <a:spcAft>
-                <a:spcPts val="0"/>
-              </a:spcAft>
-              <a:buNone/>
-            </a:pPr>
-            <a:r>
-              <a:rPr lang="en" u="sng">
-                <a:solidFill>
-                  <a:schemeClr val="hlink"/>
-                </a:solidFill>
-                <a:hlinkClick r:id="rId8"/>
-              </a:rPr>
-              <a:t>https://www.kaggle.com</a:t>
-            </a:r>
-            <a:endParaRPr/>
-          </a:p>
-          <a:p>
-            <a:pPr indent="0" lvl="0" marL="0" rtl="0" algn="l">
-              <a:spcBef>
-                <a:spcPts val="1200"/>
-              </a:spcBef>
-              <a:spcAft>
-                <a:spcPts val="0"/>
-              </a:spcAft>
-              <a:buNone/>
-            </a:pPr>
-            <a:r>
-              <a:rPr lang="en" u="sng">
-                <a:solidFill>
-                  <a:schemeClr val="hlink"/>
-                </a:solidFill>
-                <a:hlinkClick r:id="rId9"/>
-              </a:rPr>
-              <a:t>Pronto bike data</a:t>
-            </a:r>
-            <a:endParaRPr/>
-          </a:p>
-          <a:p>
-            <a:pPr indent="0" lvl="0" marL="0" rtl="0" algn="l">
-              <a:spcBef>
-                <a:spcPts val="1200"/>
-              </a:spcBef>
-              <a:spcAft>
-                <a:spcPts val="0"/>
-              </a:spcAft>
-              <a:buNone/>
-            </a:pPr>
-            <a:r>
-              <a:rPr lang="en" u="sng">
-                <a:solidFill>
-                  <a:schemeClr val="hlink"/>
-                </a:solidFill>
-                <a:hlinkClick r:id="rId10"/>
-              </a:rPr>
-              <a:t>American Fact Finder Data</a:t>
-            </a:r>
-            <a:endParaRPr/>
-          </a:p>
-          <a:p>
-            <a:pPr indent="0" lvl="0" marL="0" rtl="0" algn="l">
-              <a:spcBef>
-                <a:spcPts val="1200"/>
-              </a:spcBef>
-              <a:spcAft>
-                <a:spcPts val="0"/>
-              </a:spcAft>
-              <a:buNone/>
-            </a:pPr>
-            <a:r>
-              <a:rPr lang="en" u="sng">
-                <a:solidFill>
-                  <a:schemeClr val="hlink"/>
-                </a:solidFill>
-                <a:hlinkClick r:id="rId11"/>
-              </a:rPr>
-              <a:t>European union data (World bank)</a:t>
-            </a:r>
-            <a:endParaRPr/>
-          </a:p>
-          <a:p>
-            <a:pPr indent="0" lvl="0" marL="0" rtl="0" algn="l">
-              <a:spcBef>
-                <a:spcPts val="1200"/>
-              </a:spcBef>
-              <a:spcAft>
-                <a:spcPts val="0"/>
-              </a:spcAft>
-              <a:buNone/>
-            </a:pPr>
-            <a:r>
-              <a:rPr lang="en" u="sng">
-                <a:solidFill>
-                  <a:schemeClr val="hlink"/>
-                </a:solidFill>
-                <a:hlinkClick r:id="rId12"/>
-              </a:rPr>
-              <a:t>Russian federation data (World bank)</a:t>
-            </a:r>
-            <a:endParaRPr/>
-          </a:p>
-          <a:p>
-            <a:pPr indent="0" lvl="0" marL="0" rtl="0" algn="l">
-              <a:spcBef>
-                <a:spcPts val="1200"/>
-              </a:spcBef>
-              <a:spcAft>
-                <a:spcPts val="1200"/>
-              </a:spcAft>
-              <a:buNone/>
-            </a:pPr>
-            <a:r>
-              <a:rPr lang="en" u="sng">
-                <a:solidFill>
-                  <a:schemeClr val="hlink"/>
-                </a:solidFill>
-                <a:hlinkClick r:id="rId13"/>
-              </a:rPr>
               <a:t>China data (World bank)</a:t>
             </a:r>
-            <a:endParaRPr/>
+            <a:endParaRPr dirty="0"/>
           </a:p>
         </p:txBody>
       </p:sp>
@@ -8567,11 +8814,11 @@
 </file>
 
 <file path=ppt/slides/slide13.xml><?xml version="1.0" encoding="utf-8"?>
-<p:sld xmlns:a="http://schemas.openxmlformats.org/drawingml/2006/main" xmlns:r="http://schemas.openxmlformats.org/officeDocument/2006/relationships" xmlns:mc="http://schemas.openxmlformats.org/markup-compatibility/2006" xmlns:mv="urn:schemas-microsoft-com:mac:vml" xmlns:p="http://schemas.openxmlformats.org/presentationml/2006/main" xmlns:c="http://schemas.openxmlformats.org/drawingml/2006/chart" xmlns:dgm="http://schemas.openxmlformats.org/drawingml/2006/diagram" xmlns:o="urn:schemas-microsoft-com:office:office" xmlns:v="urn:schemas-microsoft-com:vml" xmlns:pvml="urn:schemas-microsoft-com:office:powerpoint" xmlns:com="http://schemas.openxmlformats.org/drawingml/2006/compatibility" xmlns:p14="http://schemas.microsoft.com/office/powerpoint/2010/main" xmlns:p15="http://schemas.microsoft.com/office/powerpoint/2012/main" xmlns:ahyp="http://schemas.microsoft.com/office/drawing/2018/hyperlinkcolor">
+<p:sld xmlns:a="http://schemas.openxmlformats.org/drawingml/2006/main" xmlns:r="http://schemas.openxmlformats.org/officeDocument/2006/relationships" xmlns:p="http://schemas.openxmlformats.org/presentationml/2006/main">
   <p:cSld>
     <p:spTree>
       <p:nvGrpSpPr>
-        <p:cNvPr id="171" name="Shape 171"/>
+        <p:cNvPr id="1" name="Shape 171"/>
         <p:cNvGrpSpPr/>
         <p:nvPr/>
       </p:nvGrpSpPr>
@@ -8586,7 +8833,9 @@
       <p:sp>
         <p:nvSpPr>
           <p:cNvPr id="172" name="Google Shape;172;p25"/>
-          <p:cNvSpPr txBox="1"/>
+          <p:cNvSpPr txBox="1">
+            <a:spLocks noGrp="1"/>
+          </p:cNvSpPr>
           <p:nvPr>
             <p:ph type="title"/>
           </p:nvPr>
@@ -8601,12 +8850,12 @@
           </a:prstGeom>
         </p:spPr>
         <p:txBody>
-          <a:bodyPr anchorCtr="0" anchor="t" bIns="91425" lIns="91425" spcFirstLastPara="1" rIns="91425" wrap="square" tIns="91425">
+          <a:bodyPr spcFirstLastPara="1" wrap="square" lIns="91425" tIns="91425" rIns="91425" bIns="91425" anchor="t" anchorCtr="0">
             <a:normAutofit fontScale="90000"/>
           </a:bodyPr>
           <a:lstStyle/>
           <a:p>
-            <a:pPr indent="0" lvl="0" marL="0" rtl="0" algn="l">
+            <a:pPr marL="0" lvl="0" indent="0" algn="l" rtl="0">
               <a:spcBef>
                 <a:spcPts val="0"/>
               </a:spcBef>
@@ -8626,9 +8875,11 @@
       <p:sp>
         <p:nvSpPr>
           <p:cNvPr id="173" name="Google Shape;173;p25"/>
-          <p:cNvSpPr txBox="1"/>
+          <p:cNvSpPr txBox="1">
+            <a:spLocks noGrp="1"/>
+          </p:cNvSpPr>
           <p:nvPr>
-            <p:ph idx="1" type="body"/>
+            <p:ph type="body" idx="1"/>
           </p:nvPr>
         </p:nvSpPr>
         <p:spPr>
@@ -8641,12 +8892,12 @@
           </a:prstGeom>
         </p:spPr>
         <p:txBody>
-          <a:bodyPr anchorCtr="0" anchor="t" bIns="91425" lIns="91425" spcFirstLastPara="1" rIns="91425" wrap="square" tIns="91425">
+          <a:bodyPr spcFirstLastPara="1" wrap="square" lIns="91425" tIns="91425" rIns="91425" bIns="91425" anchor="t" anchorCtr="0">
             <a:normAutofit/>
           </a:bodyPr>
           <a:lstStyle/>
           <a:p>
-            <a:pPr indent="0" lvl="0" marL="0" rtl="0" algn="l">
+            <a:pPr marL="0" lvl="0" indent="0" algn="l" rtl="0">
               <a:spcBef>
                 <a:spcPts val="0"/>
               </a:spcBef>
@@ -8662,7 +8913,7 @@
             <a:endParaRPr/>
           </a:p>
           <a:p>
-            <a:pPr indent="-342900" lvl="0" marL="457200" rtl="0" algn="l">
+            <a:pPr marL="457200" lvl="0" indent="-342900" algn="l" rtl="0">
               <a:spcBef>
                 <a:spcPts val="1200"/>
               </a:spcBef>
@@ -8679,7 +8930,7 @@
             <a:endParaRPr/>
           </a:p>
           <a:p>
-            <a:pPr indent="-342900" lvl="0" marL="457200" rtl="0" algn="l">
+            <a:pPr marL="457200" lvl="0" indent="-342900" algn="l" rtl="0">
               <a:spcBef>
                 <a:spcPts val="0"/>
               </a:spcBef>
@@ -8696,7 +8947,7 @@
             <a:endParaRPr/>
           </a:p>
           <a:p>
-            <a:pPr indent="-342900" lvl="0" marL="457200" rtl="0" algn="l">
+            <a:pPr marL="457200" lvl="0" indent="-342900" algn="l" rtl="0">
               <a:spcBef>
                 <a:spcPts val="0"/>
               </a:spcBef>
@@ -8713,7 +8964,7 @@
             <a:endParaRPr/>
           </a:p>
           <a:p>
-            <a:pPr indent="-342900" lvl="0" marL="457200" rtl="0" algn="l">
+            <a:pPr marL="457200" lvl="0" indent="-342900" algn="l" rtl="0">
               <a:spcBef>
                 <a:spcPts val="0"/>
               </a:spcBef>
@@ -8730,7 +8981,7 @@
             <a:endParaRPr/>
           </a:p>
           <a:p>
-            <a:pPr indent="-342900" lvl="0" marL="457200" rtl="0" algn="l">
+            <a:pPr marL="457200" lvl="0" indent="-342900" algn="l" rtl="0">
               <a:spcBef>
                 <a:spcPts val="0"/>
               </a:spcBef>
@@ -8741,7 +8992,7 @@
               <a:buChar char="●"/>
             </a:pPr>
             <a:r>
-              <a:rPr b="1" lang="en"/>
+              <a:rPr lang="en" b="1"/>
               <a:t>Give a one slide, 1 minute project idea pitch at the start of class #5!</a:t>
             </a:r>
             <a:endParaRPr b="1"/>
@@ -8757,11 +9008,11 @@
 </file>
 
 <file path=ppt/slides/slide14.xml><?xml version="1.0" encoding="utf-8"?>
-<p:sld xmlns:a="http://schemas.openxmlformats.org/drawingml/2006/main" xmlns:r="http://schemas.openxmlformats.org/officeDocument/2006/relationships" xmlns:mc="http://schemas.openxmlformats.org/markup-compatibility/2006" xmlns:mv="urn:schemas-microsoft-com:mac:vml" xmlns:p="http://schemas.openxmlformats.org/presentationml/2006/main" xmlns:c="http://schemas.openxmlformats.org/drawingml/2006/chart" xmlns:dgm="http://schemas.openxmlformats.org/drawingml/2006/diagram" xmlns:o="urn:schemas-microsoft-com:office:office" xmlns:v="urn:schemas-microsoft-com:vml" xmlns:pvml="urn:schemas-microsoft-com:office:powerpoint" xmlns:com="http://schemas.openxmlformats.org/drawingml/2006/compatibility" xmlns:p14="http://schemas.microsoft.com/office/powerpoint/2010/main" xmlns:p15="http://schemas.microsoft.com/office/powerpoint/2012/main" xmlns:ahyp="http://schemas.microsoft.com/office/drawing/2018/hyperlinkcolor">
+<p:sld xmlns:a="http://schemas.openxmlformats.org/drawingml/2006/main" xmlns:r="http://schemas.openxmlformats.org/officeDocument/2006/relationships" xmlns:p="http://schemas.openxmlformats.org/presentationml/2006/main">
   <p:cSld>
     <p:spTree>
       <p:nvGrpSpPr>
-        <p:cNvPr id="177" name="Shape 177"/>
+        <p:cNvPr id="1" name="Shape 177"/>
         <p:cNvGrpSpPr/>
         <p:nvPr/>
       </p:nvGrpSpPr>
@@ -8776,7 +9027,9 @@
       <p:sp>
         <p:nvSpPr>
           <p:cNvPr id="178" name="Google Shape;178;p26"/>
-          <p:cNvSpPr txBox="1"/>
+          <p:cNvSpPr txBox="1">
+            <a:spLocks noGrp="1"/>
+          </p:cNvSpPr>
           <p:nvPr>
             <p:ph type="title"/>
           </p:nvPr>
@@ -8791,12 +9044,12 @@
           </a:prstGeom>
         </p:spPr>
         <p:txBody>
-          <a:bodyPr anchorCtr="0" anchor="t" bIns="91425" lIns="91425" spcFirstLastPara="1" rIns="91425" wrap="square" tIns="91425">
+          <a:bodyPr spcFirstLastPara="1" wrap="square" lIns="91425" tIns="91425" rIns="91425" bIns="91425" anchor="t" anchorCtr="0">
             <a:normAutofit fontScale="90000"/>
           </a:bodyPr>
           <a:lstStyle/>
           <a:p>
-            <a:pPr indent="0" lvl="0" marL="0" rtl="0" algn="l">
+            <a:pPr marL="0" lvl="0" indent="0" algn="l" rtl="0">
               <a:spcBef>
                 <a:spcPts val="0"/>
               </a:spcBef>
@@ -8816,9 +9069,11 @@
       <p:sp>
         <p:nvSpPr>
           <p:cNvPr id="179" name="Google Shape;179;p26"/>
-          <p:cNvSpPr txBox="1"/>
+          <p:cNvSpPr txBox="1">
+            <a:spLocks noGrp="1"/>
+          </p:cNvSpPr>
           <p:nvPr>
-            <p:ph idx="1" type="body"/>
+            <p:ph type="body" idx="1"/>
           </p:nvPr>
         </p:nvSpPr>
         <p:spPr>
@@ -8831,12 +9086,12 @@
           </a:prstGeom>
         </p:spPr>
         <p:txBody>
-          <a:bodyPr anchorCtr="0" anchor="t" bIns="91425" lIns="91425" spcFirstLastPara="1" rIns="91425" wrap="square" tIns="91425">
+          <a:bodyPr spcFirstLastPara="1" wrap="square" lIns="91425" tIns="91425" rIns="91425" bIns="91425" anchor="t" anchorCtr="0">
             <a:normAutofit/>
           </a:bodyPr>
           <a:lstStyle/>
           <a:p>
-            <a:pPr indent="-342900" lvl="0" marL="457200" rtl="0" algn="l">
+            <a:pPr marL="457200" lvl="0" indent="-342900" algn="l" rtl="0">
               <a:spcBef>
                 <a:spcPts val="0"/>
               </a:spcBef>
@@ -8847,13 +9102,13 @@
               <a:buChar char="●"/>
             </a:pPr>
             <a:r>
-              <a:rPr b="1" lang="en"/>
+              <a:rPr lang="en" b="1"/>
               <a:t>Software development is a highly collaborative endeavor</a:t>
             </a:r>
             <a:endParaRPr b="1"/>
           </a:p>
           <a:p>
-            <a:pPr indent="-342900" lvl="0" marL="457200" rtl="0" algn="l">
+            <a:pPr marL="457200" lvl="0" indent="-342900" algn="l" rtl="0">
               <a:spcBef>
                 <a:spcPts val="0"/>
               </a:spcBef>
@@ -8870,7 +9125,7 @@
             <a:endParaRPr/>
           </a:p>
           <a:p>
-            <a:pPr indent="-342900" lvl="0" marL="457200" rtl="0" algn="l">
+            <a:pPr marL="457200" lvl="0" indent="-342900" algn="l" rtl="0">
               <a:spcBef>
                 <a:spcPts val="0"/>
               </a:spcBef>
@@ -8887,7 +9142,7 @@
             <a:endParaRPr/>
           </a:p>
           <a:p>
-            <a:pPr indent="-317500" lvl="1" marL="914400" rtl="0" algn="l">
+            <a:pPr marL="914400" lvl="1" indent="-317500" algn="l" rtl="0">
               <a:spcBef>
                 <a:spcPts val="0"/>
               </a:spcBef>
@@ -8904,7 +9159,7 @@
             <a:endParaRPr/>
           </a:p>
           <a:p>
-            <a:pPr indent="-317500" lvl="1" marL="914400" rtl="0" algn="l">
+            <a:pPr marL="914400" lvl="1" indent="-317500" algn="l" rtl="0">
               <a:spcBef>
                 <a:spcPts val="0"/>
               </a:spcBef>
@@ -8925,7 +9180,7 @@
             <a:endParaRPr u="sng"/>
           </a:p>
           <a:p>
-            <a:pPr indent="-342900" lvl="0" marL="457200" rtl="0" algn="l">
+            <a:pPr marL="457200" lvl="0" indent="-342900" algn="l" rtl="0">
               <a:spcBef>
                 <a:spcPts val="0"/>
               </a:spcBef>
@@ -8951,12 +9206,18 @@
 </p:sld>
 </file>
 
-<file path=ppt/slides/slide2.xml><?xml version="1.0" encoding="utf-8"?>
-<p:sld xmlns:a="http://schemas.openxmlformats.org/drawingml/2006/main" xmlns:r="http://schemas.openxmlformats.org/officeDocument/2006/relationships" xmlns:mc="http://schemas.openxmlformats.org/markup-compatibility/2006" xmlns:mv="urn:schemas-microsoft-com:mac:vml" xmlns:p="http://schemas.openxmlformats.org/presentationml/2006/main" xmlns:c="http://schemas.openxmlformats.org/drawingml/2006/chart" xmlns:dgm="http://schemas.openxmlformats.org/drawingml/2006/diagram" xmlns:o="urn:schemas-microsoft-com:office:office" xmlns:v="urn:schemas-microsoft-com:vml" xmlns:pvml="urn:schemas-microsoft-com:office:powerpoint" xmlns:com="http://schemas.openxmlformats.org/drawingml/2006/compatibility" xmlns:p14="http://schemas.microsoft.com/office/powerpoint/2010/main" xmlns:p15="http://schemas.microsoft.com/office/powerpoint/2012/main" xmlns:ahyp="http://schemas.microsoft.com/office/drawing/2018/hyperlinkcolor">
+<file path=ppt/slides/slide15.xml><?xml version="1.0" encoding="utf-8"?>
+<p:sld xmlns:a="http://schemas.openxmlformats.org/drawingml/2006/main" xmlns:r="http://schemas.openxmlformats.org/officeDocument/2006/relationships" xmlns:p="http://schemas.openxmlformats.org/presentationml/2006/main">
   <p:cSld>
     <p:spTree>
       <p:nvGrpSpPr>
-        <p:cNvPr id="68" name="Shape 68"/>
+        <p:cNvPr id="1" name="Shape 177">
+          <a:extLst>
+            <a:ext uri="{FF2B5EF4-FFF2-40B4-BE49-F238E27FC236}">
+              <a16:creationId xmlns:a16="http://schemas.microsoft.com/office/drawing/2014/main" id="{30DE1DDD-BB08-A005-C264-7A8D2293477F}"/>
+            </a:ext>
+          </a:extLst>
+        </p:cNvPr>
         <p:cNvGrpSpPr/>
         <p:nvPr/>
       </p:nvGrpSpPr>
@@ -8970,8 +9231,16 @@
       </p:grpSpPr>
       <p:sp>
         <p:nvSpPr>
-          <p:cNvPr id="69" name="Google Shape;69;p14"/>
-          <p:cNvSpPr txBox="1"/>
+          <p:cNvPr id="178" name="Google Shape;178;p26">
+            <a:extLst>
+              <a:ext uri="{FF2B5EF4-FFF2-40B4-BE49-F238E27FC236}">
+                <a16:creationId xmlns:a16="http://schemas.microsoft.com/office/drawing/2014/main" id="{39A3E895-57DC-3E8A-1B24-06DDD3E22D7F}"/>
+              </a:ext>
+            </a:extLst>
+          </p:cNvPr>
+          <p:cNvSpPr txBox="1">
+            <a:spLocks noGrp="1"/>
+          </p:cNvSpPr>
           <p:nvPr>
             <p:ph type="title"/>
           </p:nvPr>
@@ -8986,12 +9255,12 @@
           </a:prstGeom>
         </p:spPr>
         <p:txBody>
-          <a:bodyPr anchorCtr="0" anchor="t" bIns="91425" lIns="91425" spcFirstLastPara="1" rIns="91425" wrap="square" tIns="91425">
+          <a:bodyPr spcFirstLastPara="1" wrap="square" lIns="91425" tIns="91425" rIns="91425" bIns="91425" anchor="t" anchorCtr="0">
             <a:normAutofit fontScale="90000"/>
           </a:bodyPr>
           <a:lstStyle/>
           <a:p>
-            <a:pPr indent="0" lvl="0" marL="0" rtl="0" algn="l">
+            <a:pPr marL="0" lvl="0" indent="0" algn="l" rtl="0">
               <a:spcBef>
                 <a:spcPts val="0"/>
               </a:spcBef>
@@ -9001,214 +9270,623 @@
               <a:buNone/>
             </a:pPr>
             <a:r>
-              <a:rPr lang="en"/>
-              <a:t>Me: your teacher</a:t>
+              <a:rPr lang="en" dirty="0"/>
+              <a:t>But what about AI?</a:t>
             </a:r>
-            <a:endParaRPr/>
+            <a:endParaRPr dirty="0"/>
           </a:p>
         </p:txBody>
       </p:sp>
-      <p:grpSp>
-        <p:nvGrpSpPr>
-          <p:cNvPr id="70" name="Google Shape;70;p14"/>
-          <p:cNvGrpSpPr/>
-          <p:nvPr/>
-        </p:nvGrpSpPr>
-        <p:grpSpPr>
+      <p:sp>
+        <p:nvSpPr>
+          <p:cNvPr id="179" name="Google Shape;179;p26">
+            <a:extLst>
+              <a:ext uri="{FF2B5EF4-FFF2-40B4-BE49-F238E27FC236}">
+                <a16:creationId xmlns:a16="http://schemas.microsoft.com/office/drawing/2014/main" id="{90830B90-67DB-119B-059B-1D4DE2CE6E38}"/>
+              </a:ext>
+            </a:extLst>
+          </p:cNvPr>
+          <p:cNvSpPr txBox="1">
+            <a:spLocks noGrp="1"/>
+          </p:cNvSpPr>
+          <p:nvPr>
+            <p:ph type="body" idx="1"/>
+          </p:nvPr>
+        </p:nvSpPr>
+        <p:spPr>
           <a:xfrm>
-            <a:off x="4644375" y="692236"/>
-            <a:ext cx="3449676" cy="2968313"/>
-            <a:chOff x="4839775" y="1197612"/>
-            <a:chExt cx="3449676" cy="2968313"/>
+            <a:off x="311700" y="1152475"/>
+            <a:ext cx="5007646" cy="3416400"/>
           </a:xfrm>
-        </p:grpSpPr>
-        <p:pic>
-          <p:nvPicPr>
-            <p:cNvPr id="71" name="Google Shape;71;p14"/>
-            <p:cNvPicPr preferRelativeResize="0"/>
-            <p:nvPr/>
-          </p:nvPicPr>
-          <p:blipFill>
-            <a:blip r:embed="rId3">
-              <a:alphaModFix/>
-            </a:blip>
-            <a:stretch>
-              <a:fillRect/>
-            </a:stretch>
-          </p:blipFill>
-          <p:spPr>
-            <a:xfrm>
-              <a:off x="4839775" y="1997200"/>
-              <a:ext cx="1110425" cy="679050"/>
-            </a:xfrm>
-            <a:prstGeom prst="rect">
-              <a:avLst/>
-            </a:prstGeom>
-            <a:noFill/>
-            <a:ln>
-              <a:noFill/>
-            </a:ln>
-          </p:spPr>
-        </p:pic>
-        <p:pic>
-          <p:nvPicPr>
-            <p:cNvPr id="72" name="Google Shape;72;p14"/>
-            <p:cNvPicPr preferRelativeResize="0"/>
-            <p:nvPr/>
-          </p:nvPicPr>
-          <p:blipFill>
-            <a:blip r:embed="rId4">
-              <a:alphaModFix/>
-            </a:blip>
-            <a:stretch>
-              <a:fillRect/>
-            </a:stretch>
-          </p:blipFill>
-          <p:spPr>
-            <a:xfrm>
-              <a:off x="5663000" y="1197612"/>
-              <a:ext cx="936499" cy="1052662"/>
-            </a:xfrm>
-            <a:prstGeom prst="rect">
-              <a:avLst/>
-            </a:prstGeom>
-            <a:noFill/>
-            <a:ln>
-              <a:noFill/>
-            </a:ln>
-          </p:spPr>
-        </p:pic>
-        <p:pic>
-          <p:nvPicPr>
-            <p:cNvPr id="73" name="Google Shape;73;p14"/>
-            <p:cNvPicPr preferRelativeResize="0"/>
-            <p:nvPr/>
-          </p:nvPicPr>
-          <p:blipFill>
-            <a:blip r:embed="rId5">
-              <a:alphaModFix/>
-            </a:blip>
-            <a:stretch>
-              <a:fillRect/>
-            </a:stretch>
-          </p:blipFill>
-          <p:spPr>
-            <a:xfrm>
-              <a:off x="4839775" y="3274825"/>
-              <a:ext cx="823223" cy="891100"/>
-            </a:xfrm>
-            <a:prstGeom prst="rect">
-              <a:avLst/>
-            </a:prstGeom>
-            <a:noFill/>
-            <a:ln>
-              <a:noFill/>
-            </a:ln>
-          </p:spPr>
-        </p:pic>
-        <p:pic>
-          <p:nvPicPr>
-            <p:cNvPr id="74" name="Google Shape;74;p14"/>
-            <p:cNvPicPr preferRelativeResize="0"/>
-            <p:nvPr/>
-          </p:nvPicPr>
-          <p:blipFill>
-            <a:blip r:embed="rId6">
-              <a:alphaModFix/>
-            </a:blip>
-            <a:stretch>
-              <a:fillRect/>
-            </a:stretch>
-          </p:blipFill>
-          <p:spPr>
-            <a:xfrm>
-              <a:off x="6412200" y="2170882"/>
-              <a:ext cx="1877251" cy="464900"/>
-            </a:xfrm>
-            <a:prstGeom prst="rect">
-              <a:avLst/>
-            </a:prstGeom>
-            <a:noFill/>
-            <a:ln>
-              <a:noFill/>
-            </a:ln>
-          </p:spPr>
-        </p:pic>
-        <p:pic>
-          <p:nvPicPr>
-            <p:cNvPr id="75" name="Google Shape;75;p14"/>
-            <p:cNvPicPr preferRelativeResize="0"/>
-            <p:nvPr/>
-          </p:nvPicPr>
-          <p:blipFill>
-            <a:blip r:embed="rId7">
-              <a:alphaModFix/>
-            </a:blip>
-            <a:stretch>
-              <a:fillRect/>
-            </a:stretch>
-          </p:blipFill>
-          <p:spPr>
-            <a:xfrm>
-              <a:off x="6783825" y="3013200"/>
-              <a:ext cx="936499" cy="936499"/>
-            </a:xfrm>
-            <a:prstGeom prst="rect">
-              <a:avLst/>
-            </a:prstGeom>
-            <a:noFill/>
-            <a:ln>
-              <a:noFill/>
-            </a:ln>
-          </p:spPr>
-        </p:pic>
-        <p:pic>
-          <p:nvPicPr>
-            <p:cNvPr id="76" name="Google Shape;76;p14"/>
-            <p:cNvPicPr preferRelativeResize="0"/>
-            <p:nvPr/>
-          </p:nvPicPr>
-          <p:blipFill>
-            <a:blip r:embed="rId8">
-              <a:alphaModFix/>
-            </a:blip>
-            <a:stretch>
-              <a:fillRect/>
-            </a:stretch>
-          </p:blipFill>
-          <p:spPr>
-            <a:xfrm>
-              <a:off x="5389732" y="2430138"/>
-              <a:ext cx="1272404" cy="1017724"/>
-            </a:xfrm>
-            <a:prstGeom prst="rect">
-              <a:avLst/>
-            </a:prstGeom>
-            <a:noFill/>
-            <a:ln>
-              <a:noFill/>
-            </a:ln>
-          </p:spPr>
-        </p:pic>
-      </p:grpSp>
+          <a:prstGeom prst="rect">
+            <a:avLst/>
+          </a:prstGeom>
+        </p:spPr>
+        <p:txBody>
+          <a:bodyPr spcFirstLastPara="1" wrap="square" lIns="91425" tIns="91425" rIns="91425" bIns="91425" anchor="t" anchorCtr="0">
+            <a:normAutofit fontScale="92500" lnSpcReduction="10000"/>
+          </a:bodyPr>
+          <a:lstStyle/>
+          <a:p>
+            <a:pPr marL="457200" lvl="0" indent="-342900" algn="l" rtl="0">
+              <a:spcBef>
+                <a:spcPts val="0"/>
+              </a:spcBef>
+              <a:spcAft>
+                <a:spcPts val="0"/>
+              </a:spcAft>
+              <a:buSzPts val="1800"/>
+              <a:buChar char="●"/>
+            </a:pPr>
+            <a:r>
+              <a:rPr lang="en-US" dirty="0"/>
+              <a:t>lol what </a:t>
+            </a:r>
+            <a:r>
+              <a:rPr lang="en-US" b="1" i="1" dirty="0"/>
+              <a:t>about </a:t>
+            </a:r>
+            <a:r>
+              <a:rPr lang="en-US" dirty="0"/>
+              <a:t>AI?? 🫠🫠</a:t>
+            </a:r>
+          </a:p>
+          <a:p>
+            <a:pPr marL="457200" lvl="0" indent="-342900" algn="l" rtl="0">
+              <a:spcBef>
+                <a:spcPts val="0"/>
+              </a:spcBef>
+              <a:spcAft>
+                <a:spcPts val="0"/>
+              </a:spcAft>
+              <a:buSzPts val="1800"/>
+              <a:buChar char="●"/>
+            </a:pPr>
+            <a:r>
+              <a:rPr lang="en-US" dirty="0"/>
+              <a:t>Working on getting content together for later in the quarter</a:t>
+            </a:r>
+          </a:p>
+          <a:p>
+            <a:pPr marL="457200" lvl="0" indent="-342900" algn="l" rtl="0">
+              <a:spcBef>
+                <a:spcPts val="0"/>
+              </a:spcBef>
+              <a:spcAft>
+                <a:spcPts val="0"/>
+              </a:spcAft>
+              <a:buSzPts val="1800"/>
+              <a:buChar char="●"/>
+            </a:pPr>
+            <a:r>
+              <a:rPr lang="en-US" dirty="0"/>
+              <a:t>In the meantime though</a:t>
+            </a:r>
+            <a:r>
+              <a:rPr lang="en-US" b="1" dirty="0"/>
+              <a:t>: </a:t>
+            </a:r>
+            <a:r>
+              <a:rPr lang="en-US" dirty="0"/>
+              <a:t>treat AI as a classmate</a:t>
+            </a:r>
+          </a:p>
+          <a:p>
+            <a:pPr lvl="1" indent="-342900">
+              <a:buSzPts val="1800"/>
+              <a:buChar char="●"/>
+            </a:pPr>
+            <a:r>
+              <a:rPr lang="en-US" dirty="0"/>
+              <a:t>You might ask a classmate to help explain something to you</a:t>
+            </a:r>
+          </a:p>
+          <a:p>
+            <a:pPr lvl="1" indent="-342900">
+              <a:buSzPts val="1800"/>
+              <a:buChar char="●"/>
+            </a:pPr>
+            <a:r>
+              <a:rPr lang="en-US" dirty="0"/>
+              <a:t>You might even collaborate with a classmate when </a:t>
+            </a:r>
+            <a:r>
+              <a:rPr lang="en-US" dirty="0" err="1"/>
+              <a:t>OK’ed</a:t>
+            </a:r>
+            <a:r>
+              <a:rPr lang="en-US" dirty="0"/>
+              <a:t> by the instructor</a:t>
+            </a:r>
+          </a:p>
+          <a:p>
+            <a:pPr lvl="1" indent="-342900">
+              <a:buSzPts val="1800"/>
+              <a:buChar char="●"/>
+            </a:pPr>
+            <a:r>
+              <a:rPr lang="en-US" dirty="0"/>
+              <a:t>You wouldn’t copy a classmate’s answers on a solo homework assignment</a:t>
+            </a:r>
+          </a:p>
+          <a:p>
+            <a:pPr lvl="1" indent="-342900">
+              <a:buSzPts val="1800"/>
+              <a:buChar char="●"/>
+            </a:pPr>
+            <a:r>
+              <a:rPr lang="en-US" dirty="0"/>
+              <a:t>You wouldn’t ask a classmate if your answer is right or not</a:t>
+            </a:r>
+            <a:endParaRPr dirty="0"/>
+          </a:p>
+        </p:txBody>
+      </p:sp>
       <p:pic>
         <p:nvPicPr>
-          <p:cNvPr id="77" name="Google Shape;77;p14"/>
-          <p:cNvPicPr preferRelativeResize="0"/>
+          <p:cNvPr id="2" name="Picture 2" descr="An early AI rendition of the Mona Lisa">
+            <a:extLst>
+              <a:ext uri="{FF2B5EF4-FFF2-40B4-BE49-F238E27FC236}">
+                <a16:creationId xmlns:a16="http://schemas.microsoft.com/office/drawing/2014/main" id="{B9873F6B-AAF5-7B02-7B3F-20838EF51C60}"/>
+              </a:ext>
+            </a:extLst>
+          </p:cNvPr>
+          <p:cNvPicPr>
+            <a:picLocks noChangeAspect="1" noChangeArrowheads="1"/>
+          </p:cNvPicPr>
           <p:nvPr/>
         </p:nvPicPr>
         <p:blipFill>
-          <a:blip r:embed="rId9">
-            <a:alphaModFix/>
+          <a:blip r:embed="rId3">
+            <a:extLst>
+              <a:ext uri="{28A0092B-C50C-407E-A947-70E740481C1C}">
+                <a14:useLocalDpi xmlns:a14="http://schemas.microsoft.com/office/drawing/2010/main" val="0"/>
+              </a:ext>
+            </a:extLst>
           </a:blip>
+          <a:srcRect/>
           <a:stretch>
             <a:fillRect/>
           </a:stretch>
         </p:blipFill>
+        <p:spPr bwMode="auto">
+          <a:xfrm>
+            <a:off x="5814029" y="574625"/>
+            <a:ext cx="2822004" cy="4206714"/>
+          </a:xfrm>
+          <a:prstGeom prst="rect">
+            <a:avLst/>
+          </a:prstGeom>
+          <a:noFill/>
+          <a:extLst>
+            <a:ext uri="{909E8E84-426E-40DD-AFC4-6F175D3DCCD1}">
+              <a14:hiddenFill xmlns:a14="http://schemas.microsoft.com/office/drawing/2010/main">
+                <a:solidFill>
+                  <a:srgbClr val="FFFFFF"/>
+                </a:solidFill>
+              </a14:hiddenFill>
+            </a:ext>
+          </a:extLst>
+        </p:spPr>
+      </p:pic>
+    </p:spTree>
+    <p:extLst>
+      <p:ext uri="{BB962C8B-B14F-4D97-AF65-F5344CB8AC3E}">
+        <p14:creationId xmlns:p14="http://schemas.microsoft.com/office/powerpoint/2010/main" val="1036611398"/>
+      </p:ext>
+    </p:extLst>
+  </p:cSld>
+  <p:clrMapOvr>
+    <a:masterClrMapping/>
+  </p:clrMapOvr>
+  <p:timing>
+    <p:tnLst>
+      <p:par>
+        <p:cTn id="1" dur="indefinite" restart="never" nodeType="tmRoot">
+          <p:childTnLst>
+            <p:seq concurrent="1" nextAc="seek">
+              <p:cTn id="2" dur="indefinite" nodeType="mainSeq">
+                <p:childTnLst>
+                  <p:par>
+                    <p:cTn id="3" fill="hold">
+                      <p:stCondLst>
+                        <p:cond delay="indefinite"/>
+                      </p:stCondLst>
+                      <p:childTnLst>
+                        <p:par>
+                          <p:cTn id="4" fill="hold">
+                            <p:stCondLst>
+                              <p:cond delay="0"/>
+                            </p:stCondLst>
+                            <p:childTnLst>
+                              <p:par>
+                                <p:cTn id="5" presetID="10" presetClass="entr" presetSubtype="0" fill="hold" nodeType="clickEffect">
+                                  <p:stCondLst>
+                                    <p:cond delay="0"/>
+                                  </p:stCondLst>
+                                  <p:childTnLst>
+                                    <p:set>
+                                      <p:cBhvr>
+                                        <p:cTn id="6" dur="1" fill="hold">
+                                          <p:stCondLst>
+                                            <p:cond delay="0"/>
+                                          </p:stCondLst>
+                                        </p:cTn>
+                                        <p:tgtEl>
+                                          <p:spTgt spid="179">
+                                            <p:txEl>
+                                              <p:pRg st="1" end="1"/>
+                                            </p:txEl>
+                                          </p:spTgt>
+                                        </p:tgtEl>
+                                        <p:attrNameLst>
+                                          <p:attrName>style.visibility</p:attrName>
+                                        </p:attrNameLst>
+                                      </p:cBhvr>
+                                      <p:to>
+                                        <p:strVal val="visible"/>
+                                      </p:to>
+                                    </p:set>
+                                    <p:animEffect transition="in" filter="fade">
+                                      <p:cBhvr>
+                                        <p:cTn id="7" dur="500"/>
+                                        <p:tgtEl>
+                                          <p:spTgt spid="179">
+                                            <p:txEl>
+                                              <p:pRg st="1" end="1"/>
+                                            </p:txEl>
+                                          </p:spTgt>
+                                        </p:tgtEl>
+                                      </p:cBhvr>
+                                    </p:animEffect>
+                                  </p:childTnLst>
+                                </p:cTn>
+                              </p:par>
+                            </p:childTnLst>
+                          </p:cTn>
+                        </p:par>
+                      </p:childTnLst>
+                    </p:cTn>
+                  </p:par>
+                  <p:par>
+                    <p:cTn id="8" fill="hold">
+                      <p:stCondLst>
+                        <p:cond delay="indefinite"/>
+                      </p:stCondLst>
+                      <p:childTnLst>
+                        <p:par>
+                          <p:cTn id="9" fill="hold">
+                            <p:stCondLst>
+                              <p:cond delay="0"/>
+                            </p:stCondLst>
+                            <p:childTnLst>
+                              <p:par>
+                                <p:cTn id="10" presetID="10" presetClass="entr" presetSubtype="0" fill="hold" nodeType="clickEffect">
+                                  <p:stCondLst>
+                                    <p:cond delay="0"/>
+                                  </p:stCondLst>
+                                  <p:childTnLst>
+                                    <p:set>
+                                      <p:cBhvr>
+                                        <p:cTn id="11" dur="1" fill="hold">
+                                          <p:stCondLst>
+                                            <p:cond delay="0"/>
+                                          </p:stCondLst>
+                                        </p:cTn>
+                                        <p:tgtEl>
+                                          <p:spTgt spid="179">
+                                            <p:txEl>
+                                              <p:pRg st="2" end="2"/>
+                                            </p:txEl>
+                                          </p:spTgt>
+                                        </p:tgtEl>
+                                        <p:attrNameLst>
+                                          <p:attrName>style.visibility</p:attrName>
+                                        </p:attrNameLst>
+                                      </p:cBhvr>
+                                      <p:to>
+                                        <p:strVal val="visible"/>
+                                      </p:to>
+                                    </p:set>
+                                    <p:animEffect transition="in" filter="fade">
+                                      <p:cBhvr>
+                                        <p:cTn id="12" dur="500"/>
+                                        <p:tgtEl>
+                                          <p:spTgt spid="179">
+                                            <p:txEl>
+                                              <p:pRg st="2" end="2"/>
+                                            </p:txEl>
+                                          </p:spTgt>
+                                        </p:tgtEl>
+                                      </p:cBhvr>
+                                    </p:animEffect>
+                                  </p:childTnLst>
+                                </p:cTn>
+                              </p:par>
+                              <p:par>
+                                <p:cTn id="13" presetID="10" presetClass="entr" presetSubtype="0" fill="hold" nodeType="withEffect">
+                                  <p:stCondLst>
+                                    <p:cond delay="0"/>
+                                  </p:stCondLst>
+                                  <p:childTnLst>
+                                    <p:set>
+                                      <p:cBhvr>
+                                        <p:cTn id="14" dur="1" fill="hold">
+                                          <p:stCondLst>
+                                            <p:cond delay="0"/>
+                                          </p:stCondLst>
+                                        </p:cTn>
+                                        <p:tgtEl>
+                                          <p:spTgt spid="179">
+                                            <p:txEl>
+                                              <p:pRg st="3" end="3"/>
+                                            </p:txEl>
+                                          </p:spTgt>
+                                        </p:tgtEl>
+                                        <p:attrNameLst>
+                                          <p:attrName>style.visibility</p:attrName>
+                                        </p:attrNameLst>
+                                      </p:cBhvr>
+                                      <p:to>
+                                        <p:strVal val="visible"/>
+                                      </p:to>
+                                    </p:set>
+                                    <p:animEffect transition="in" filter="fade">
+                                      <p:cBhvr>
+                                        <p:cTn id="15" dur="500"/>
+                                        <p:tgtEl>
+                                          <p:spTgt spid="179">
+                                            <p:txEl>
+                                              <p:pRg st="3" end="3"/>
+                                            </p:txEl>
+                                          </p:spTgt>
+                                        </p:tgtEl>
+                                      </p:cBhvr>
+                                    </p:animEffect>
+                                  </p:childTnLst>
+                                </p:cTn>
+                              </p:par>
+                              <p:par>
+                                <p:cTn id="16" presetID="10" presetClass="entr" presetSubtype="0" fill="hold" nodeType="withEffect">
+                                  <p:stCondLst>
+                                    <p:cond delay="0"/>
+                                  </p:stCondLst>
+                                  <p:childTnLst>
+                                    <p:set>
+                                      <p:cBhvr>
+                                        <p:cTn id="17" dur="1" fill="hold">
+                                          <p:stCondLst>
+                                            <p:cond delay="0"/>
+                                          </p:stCondLst>
+                                        </p:cTn>
+                                        <p:tgtEl>
+                                          <p:spTgt spid="179">
+                                            <p:txEl>
+                                              <p:pRg st="4" end="4"/>
+                                            </p:txEl>
+                                          </p:spTgt>
+                                        </p:tgtEl>
+                                        <p:attrNameLst>
+                                          <p:attrName>style.visibility</p:attrName>
+                                        </p:attrNameLst>
+                                      </p:cBhvr>
+                                      <p:to>
+                                        <p:strVal val="visible"/>
+                                      </p:to>
+                                    </p:set>
+                                    <p:animEffect transition="in" filter="fade">
+                                      <p:cBhvr>
+                                        <p:cTn id="18" dur="500"/>
+                                        <p:tgtEl>
+                                          <p:spTgt spid="179">
+                                            <p:txEl>
+                                              <p:pRg st="4" end="4"/>
+                                            </p:txEl>
+                                          </p:spTgt>
+                                        </p:tgtEl>
+                                      </p:cBhvr>
+                                    </p:animEffect>
+                                  </p:childTnLst>
+                                </p:cTn>
+                              </p:par>
+                              <p:par>
+                                <p:cTn id="19" presetID="10" presetClass="entr" presetSubtype="0" fill="hold" nodeType="withEffect">
+                                  <p:stCondLst>
+                                    <p:cond delay="0"/>
+                                  </p:stCondLst>
+                                  <p:childTnLst>
+                                    <p:set>
+                                      <p:cBhvr>
+                                        <p:cTn id="20" dur="1" fill="hold">
+                                          <p:stCondLst>
+                                            <p:cond delay="0"/>
+                                          </p:stCondLst>
+                                        </p:cTn>
+                                        <p:tgtEl>
+                                          <p:spTgt spid="179">
+                                            <p:txEl>
+                                              <p:pRg st="5" end="5"/>
+                                            </p:txEl>
+                                          </p:spTgt>
+                                        </p:tgtEl>
+                                        <p:attrNameLst>
+                                          <p:attrName>style.visibility</p:attrName>
+                                        </p:attrNameLst>
+                                      </p:cBhvr>
+                                      <p:to>
+                                        <p:strVal val="visible"/>
+                                      </p:to>
+                                    </p:set>
+                                    <p:animEffect transition="in" filter="fade">
+                                      <p:cBhvr>
+                                        <p:cTn id="21" dur="500"/>
+                                        <p:tgtEl>
+                                          <p:spTgt spid="179">
+                                            <p:txEl>
+                                              <p:pRg st="5" end="5"/>
+                                            </p:txEl>
+                                          </p:spTgt>
+                                        </p:tgtEl>
+                                      </p:cBhvr>
+                                    </p:animEffect>
+                                  </p:childTnLst>
+                                </p:cTn>
+                              </p:par>
+                              <p:par>
+                                <p:cTn id="22" presetID="10" presetClass="entr" presetSubtype="0" fill="hold" nodeType="withEffect">
+                                  <p:stCondLst>
+                                    <p:cond delay="0"/>
+                                  </p:stCondLst>
+                                  <p:childTnLst>
+                                    <p:set>
+                                      <p:cBhvr>
+                                        <p:cTn id="23" dur="1" fill="hold">
+                                          <p:stCondLst>
+                                            <p:cond delay="0"/>
+                                          </p:stCondLst>
+                                        </p:cTn>
+                                        <p:tgtEl>
+                                          <p:spTgt spid="179">
+                                            <p:txEl>
+                                              <p:pRg st="6" end="6"/>
+                                            </p:txEl>
+                                          </p:spTgt>
+                                        </p:tgtEl>
+                                        <p:attrNameLst>
+                                          <p:attrName>style.visibility</p:attrName>
+                                        </p:attrNameLst>
+                                      </p:cBhvr>
+                                      <p:to>
+                                        <p:strVal val="visible"/>
+                                      </p:to>
+                                    </p:set>
+                                    <p:animEffect transition="in" filter="fade">
+                                      <p:cBhvr>
+                                        <p:cTn id="24" dur="500"/>
+                                        <p:tgtEl>
+                                          <p:spTgt spid="179">
+                                            <p:txEl>
+                                              <p:pRg st="6" end="6"/>
+                                            </p:txEl>
+                                          </p:spTgt>
+                                        </p:tgtEl>
+                                      </p:cBhvr>
+                                    </p:animEffect>
+                                  </p:childTnLst>
+                                </p:cTn>
+                              </p:par>
+                            </p:childTnLst>
+                          </p:cTn>
+                        </p:par>
+                      </p:childTnLst>
+                    </p:cTn>
+                  </p:par>
+                </p:childTnLst>
+              </p:cTn>
+              <p:prevCondLst>
+                <p:cond evt="onPrev" delay="0">
+                  <p:tgtEl>
+                    <p:sldTgt/>
+                  </p:tgtEl>
+                </p:cond>
+              </p:prevCondLst>
+              <p:nextCondLst>
+                <p:cond evt="onNext" delay="0">
+                  <p:tgtEl>
+                    <p:sldTgt/>
+                  </p:tgtEl>
+                </p:cond>
+              </p:nextCondLst>
+            </p:seq>
+          </p:childTnLst>
+        </p:cTn>
+      </p:par>
+    </p:tnLst>
+  </p:timing>
+</p:sld>
+</file>
+
+<file path=ppt/slides/slide2.xml><?xml version="1.0" encoding="utf-8"?>
+<p:sld xmlns:a="http://schemas.openxmlformats.org/drawingml/2006/main" xmlns:r="http://schemas.openxmlformats.org/officeDocument/2006/relationships" xmlns:p="http://schemas.openxmlformats.org/presentationml/2006/main">
+  <p:cSld>
+    <p:spTree>
+      <p:nvGrpSpPr>
+        <p:cNvPr id="1" name="Shape 68"/>
+        <p:cNvGrpSpPr/>
+        <p:nvPr/>
+      </p:nvGrpSpPr>
+      <p:grpSpPr>
+        <a:xfrm>
+          <a:off x="0" y="0"/>
+          <a:ext cx="0" cy="0"/>
+          <a:chOff x="0" y="0"/>
+          <a:chExt cx="0" cy="0"/>
+        </a:xfrm>
+      </p:grpSpPr>
+      <p:sp>
+        <p:nvSpPr>
+          <p:cNvPr id="9" name="Title 1">
+            <a:extLst>
+              <a:ext uri="{FF2B5EF4-FFF2-40B4-BE49-F238E27FC236}">
+                <a16:creationId xmlns:a16="http://schemas.microsoft.com/office/drawing/2014/main" id="{8244D3EE-4D82-F1AC-096E-8A425A4281B5}"/>
+              </a:ext>
+            </a:extLst>
+          </p:cNvPr>
+          <p:cNvSpPr>
+            <a:spLocks noGrp="1"/>
+          </p:cNvSpPr>
+          <p:nvPr>
+            <p:ph type="title"/>
+          </p:nvPr>
+        </p:nvSpPr>
         <p:spPr>
           <a:xfrm>
-            <a:off x="910188" y="2170871"/>
-            <a:ext cx="2149586" cy="1328450"/>
+            <a:off x="476024" y="435677"/>
+            <a:ext cx="8400121" cy="1060613"/>
+          </a:xfrm>
+        </p:spPr>
+        <p:txBody>
+          <a:bodyPr>
+            <a:normAutofit fontScale="90000"/>
+          </a:bodyPr>
+          <a:lstStyle/>
+          <a:p>
+            <a:r>
+              <a:rPr lang="en-US" dirty="0"/>
+              <a:t>Introductions: Course Instructor</a:t>
+            </a:r>
+            <a:br>
+              <a:rPr lang="en-US" dirty="0"/>
+            </a:br>
+            <a:r>
+              <a:rPr lang="en-US" dirty="0"/>
+              <a:t>Professor Naomi!</a:t>
+            </a:r>
+            <a:br>
+              <a:rPr lang="en-US" dirty="0"/>
+            </a:br>
+            <a:endParaRPr lang="en-US" dirty="0"/>
+          </a:p>
+        </p:txBody>
+      </p:sp>
+      <p:sp>
+        <p:nvSpPr>
+          <p:cNvPr id="10" name="Content Placeholder 2">
+            <a:extLst>
+              <a:ext uri="{FF2B5EF4-FFF2-40B4-BE49-F238E27FC236}">
+                <a16:creationId xmlns:a16="http://schemas.microsoft.com/office/drawing/2014/main" id="{48B78056-9318-70C1-678F-2DAF5218A26D}"/>
+              </a:ext>
+            </a:extLst>
+          </p:cNvPr>
+          <p:cNvSpPr txBox="1">
+            <a:spLocks/>
+          </p:cNvSpPr>
+          <p:nvPr/>
+        </p:nvSpPr>
+        <p:spPr>
+          <a:xfrm>
+            <a:off x="476024" y="1361661"/>
+            <a:ext cx="6348306" cy="4972050"/>
           </a:xfrm>
           <a:prstGeom prst="rect">
             <a:avLst/>
@@ -9218,16 +9896,620 @@
             <a:noFill/>
           </a:ln>
         </p:spPr>
+        <p:txBody>
+          <a:bodyPr spcFirstLastPara="1" wrap="square" lIns="91425" tIns="91425" rIns="91425" bIns="91425" anchor="t" anchorCtr="0">
+            <a:normAutofit/>
+          </a:bodyPr>
+          <a:lstStyle>
+            <a:defPPr marR="0" lvl="0" algn="l" rtl="0">
+              <a:lnSpc>
+                <a:spcPct val="100000"/>
+              </a:lnSpc>
+              <a:spcBef>
+                <a:spcPts val="0"/>
+              </a:spcBef>
+              <a:spcAft>
+                <a:spcPts val="0"/>
+              </a:spcAft>
+            </a:defPPr>
+            <a:lvl1pPr marL="457200" marR="0" lvl="0" indent="-342900" algn="l" rtl="0">
+              <a:lnSpc>
+                <a:spcPct val="115000"/>
+              </a:lnSpc>
+              <a:spcBef>
+                <a:spcPts val="0"/>
+              </a:spcBef>
+              <a:spcAft>
+                <a:spcPts val="0"/>
+              </a:spcAft>
+              <a:buClr>
+                <a:schemeClr val="dk2"/>
+              </a:buClr>
+              <a:buSzPts val="1800"/>
+              <a:buFont typeface="Arial"/>
+              <a:buChar char="●"/>
+              <a:defRPr sz="1800" b="0" i="0" u="none" strike="noStrike" cap="none">
+                <a:solidFill>
+                  <a:schemeClr val="dk2"/>
+                </a:solidFill>
+                <a:latin typeface="Arial"/>
+                <a:ea typeface="Arial"/>
+                <a:cs typeface="Arial"/>
+                <a:sym typeface="Arial"/>
+              </a:defRPr>
+            </a:lvl1pPr>
+            <a:lvl2pPr marL="914400" marR="0" lvl="1" indent="-317500" algn="l" rtl="0">
+              <a:lnSpc>
+                <a:spcPct val="115000"/>
+              </a:lnSpc>
+              <a:spcBef>
+                <a:spcPts val="0"/>
+              </a:spcBef>
+              <a:spcAft>
+                <a:spcPts val="0"/>
+              </a:spcAft>
+              <a:buClr>
+                <a:schemeClr val="dk2"/>
+              </a:buClr>
+              <a:buSzPts val="1400"/>
+              <a:buFont typeface="Arial"/>
+              <a:buChar char="○"/>
+              <a:defRPr sz="1400" b="0" i="0" u="none" strike="noStrike" cap="none">
+                <a:solidFill>
+                  <a:schemeClr val="dk2"/>
+                </a:solidFill>
+                <a:latin typeface="Arial"/>
+                <a:ea typeface="Arial"/>
+                <a:cs typeface="Arial"/>
+                <a:sym typeface="Arial"/>
+              </a:defRPr>
+            </a:lvl2pPr>
+            <a:lvl3pPr marL="1371600" marR="0" lvl="2" indent="-317500" algn="l" rtl="0">
+              <a:lnSpc>
+                <a:spcPct val="115000"/>
+              </a:lnSpc>
+              <a:spcBef>
+                <a:spcPts val="0"/>
+              </a:spcBef>
+              <a:spcAft>
+                <a:spcPts val="0"/>
+              </a:spcAft>
+              <a:buClr>
+                <a:schemeClr val="dk2"/>
+              </a:buClr>
+              <a:buSzPts val="1400"/>
+              <a:buFont typeface="Arial"/>
+              <a:buChar char="■"/>
+              <a:defRPr sz="1400" b="0" i="0" u="none" strike="noStrike" cap="none">
+                <a:solidFill>
+                  <a:schemeClr val="dk2"/>
+                </a:solidFill>
+                <a:latin typeface="Arial"/>
+                <a:ea typeface="Arial"/>
+                <a:cs typeface="Arial"/>
+                <a:sym typeface="Arial"/>
+              </a:defRPr>
+            </a:lvl3pPr>
+            <a:lvl4pPr marL="1828800" marR="0" lvl="3" indent="-317500" algn="l" rtl="0">
+              <a:lnSpc>
+                <a:spcPct val="115000"/>
+              </a:lnSpc>
+              <a:spcBef>
+                <a:spcPts val="0"/>
+              </a:spcBef>
+              <a:spcAft>
+                <a:spcPts val="0"/>
+              </a:spcAft>
+              <a:buClr>
+                <a:schemeClr val="dk2"/>
+              </a:buClr>
+              <a:buSzPts val="1400"/>
+              <a:buFont typeface="Arial"/>
+              <a:buChar char="●"/>
+              <a:defRPr sz="1400" b="0" i="0" u="none" strike="noStrike" cap="none">
+                <a:solidFill>
+                  <a:schemeClr val="dk2"/>
+                </a:solidFill>
+                <a:latin typeface="Arial"/>
+                <a:ea typeface="Arial"/>
+                <a:cs typeface="Arial"/>
+                <a:sym typeface="Arial"/>
+              </a:defRPr>
+            </a:lvl4pPr>
+            <a:lvl5pPr marL="2286000" marR="0" lvl="4" indent="-317500" algn="l" rtl="0">
+              <a:lnSpc>
+                <a:spcPct val="115000"/>
+              </a:lnSpc>
+              <a:spcBef>
+                <a:spcPts val="0"/>
+              </a:spcBef>
+              <a:spcAft>
+                <a:spcPts val="0"/>
+              </a:spcAft>
+              <a:buClr>
+                <a:schemeClr val="dk2"/>
+              </a:buClr>
+              <a:buSzPts val="1400"/>
+              <a:buFont typeface="Arial"/>
+              <a:buChar char="○"/>
+              <a:defRPr sz="1400" b="0" i="0" u="none" strike="noStrike" cap="none">
+                <a:solidFill>
+                  <a:schemeClr val="dk2"/>
+                </a:solidFill>
+                <a:latin typeface="Arial"/>
+                <a:ea typeface="Arial"/>
+                <a:cs typeface="Arial"/>
+                <a:sym typeface="Arial"/>
+              </a:defRPr>
+            </a:lvl5pPr>
+            <a:lvl6pPr marL="2743200" marR="0" lvl="5" indent="-317500" algn="l" rtl="0">
+              <a:lnSpc>
+                <a:spcPct val="115000"/>
+              </a:lnSpc>
+              <a:spcBef>
+                <a:spcPts val="0"/>
+              </a:spcBef>
+              <a:spcAft>
+                <a:spcPts val="0"/>
+              </a:spcAft>
+              <a:buClr>
+                <a:schemeClr val="dk2"/>
+              </a:buClr>
+              <a:buSzPts val="1400"/>
+              <a:buFont typeface="Arial"/>
+              <a:buChar char="■"/>
+              <a:defRPr sz="1400" b="0" i="0" u="none" strike="noStrike" cap="none">
+                <a:solidFill>
+                  <a:schemeClr val="dk2"/>
+                </a:solidFill>
+                <a:latin typeface="Arial"/>
+                <a:ea typeface="Arial"/>
+                <a:cs typeface="Arial"/>
+                <a:sym typeface="Arial"/>
+              </a:defRPr>
+            </a:lvl6pPr>
+            <a:lvl7pPr marL="3200400" marR="0" lvl="6" indent="-317500" algn="l" rtl="0">
+              <a:lnSpc>
+                <a:spcPct val="115000"/>
+              </a:lnSpc>
+              <a:spcBef>
+                <a:spcPts val="0"/>
+              </a:spcBef>
+              <a:spcAft>
+                <a:spcPts val="0"/>
+              </a:spcAft>
+              <a:buClr>
+                <a:schemeClr val="dk2"/>
+              </a:buClr>
+              <a:buSzPts val="1400"/>
+              <a:buFont typeface="Arial"/>
+              <a:buChar char="●"/>
+              <a:defRPr sz="1400" b="0" i="0" u="none" strike="noStrike" cap="none">
+                <a:solidFill>
+                  <a:schemeClr val="dk2"/>
+                </a:solidFill>
+                <a:latin typeface="Arial"/>
+                <a:ea typeface="Arial"/>
+                <a:cs typeface="Arial"/>
+                <a:sym typeface="Arial"/>
+              </a:defRPr>
+            </a:lvl7pPr>
+            <a:lvl8pPr marL="3657600" marR="0" lvl="7" indent="-317500" algn="l" rtl="0">
+              <a:lnSpc>
+                <a:spcPct val="115000"/>
+              </a:lnSpc>
+              <a:spcBef>
+                <a:spcPts val="0"/>
+              </a:spcBef>
+              <a:spcAft>
+                <a:spcPts val="0"/>
+              </a:spcAft>
+              <a:buClr>
+                <a:schemeClr val="dk2"/>
+              </a:buClr>
+              <a:buSzPts val="1400"/>
+              <a:buFont typeface="Arial"/>
+              <a:buChar char="○"/>
+              <a:defRPr sz="1400" b="0" i="0" u="none" strike="noStrike" cap="none">
+                <a:solidFill>
+                  <a:schemeClr val="dk2"/>
+                </a:solidFill>
+                <a:latin typeface="Arial"/>
+                <a:ea typeface="Arial"/>
+                <a:cs typeface="Arial"/>
+                <a:sym typeface="Arial"/>
+              </a:defRPr>
+            </a:lvl8pPr>
+            <a:lvl9pPr marL="4114800" marR="0" lvl="8" indent="-317500" algn="l" rtl="0">
+              <a:lnSpc>
+                <a:spcPct val="115000"/>
+              </a:lnSpc>
+              <a:spcBef>
+                <a:spcPts val="0"/>
+              </a:spcBef>
+              <a:spcAft>
+                <a:spcPts val="0"/>
+              </a:spcAft>
+              <a:buClr>
+                <a:schemeClr val="dk2"/>
+              </a:buClr>
+              <a:buSzPts val="1400"/>
+              <a:buFont typeface="Arial"/>
+              <a:buChar char="■"/>
+              <a:defRPr sz="1400" b="0" i="0" u="none" strike="noStrike" cap="none">
+                <a:solidFill>
+                  <a:schemeClr val="dk2"/>
+                </a:solidFill>
+                <a:latin typeface="Arial"/>
+                <a:ea typeface="Arial"/>
+                <a:cs typeface="Arial"/>
+                <a:sym typeface="Arial"/>
+              </a:defRPr>
+            </a:lvl9pPr>
+          </a:lstStyle>
+          <a:p>
+            <a:r>
+              <a:rPr lang="en-US" dirty="0"/>
+              <a:t>Electrical engineer by training</a:t>
+            </a:r>
+          </a:p>
+          <a:p>
+            <a:r>
+              <a:rPr lang="en-US" dirty="0"/>
+              <a:t>Bopped around Silicon Valley hacking on everything from OS kernels to internet backbone routing chips to LIDAR firmware to mobile graphics libraries</a:t>
+            </a:r>
+          </a:p>
+          <a:p>
+            <a:r>
+              <a:rPr lang="en-US" dirty="0"/>
+              <a:t>Discovered in industry that computers are boring</a:t>
+            </a:r>
+          </a:p>
+          <a:p>
+            <a:pPr lvl="1"/>
+            <a:r>
+              <a:rPr lang="en-US" sz="1600" dirty="0"/>
+              <a:t>But </a:t>
+            </a:r>
+            <a:r>
+              <a:rPr lang="en-US" sz="1600" i="1" dirty="0"/>
+              <a:t>people</a:t>
+            </a:r>
+            <a:r>
+              <a:rPr lang="en-US" sz="1600" dirty="0"/>
+              <a:t> on the other hand…</a:t>
+            </a:r>
+          </a:p>
+          <a:p>
+            <a:r>
+              <a:rPr lang="en-US" dirty="0"/>
+              <a:t>Proud cat mom to Danni (aka Her Royal Majesty, Queen Baby)</a:t>
+            </a:r>
+          </a:p>
+        </p:txBody>
+      </p:sp>
+      <p:sp>
+        <p:nvSpPr>
+          <p:cNvPr id="11" name="Slide Number Placeholder 15">
+            <a:extLst>
+              <a:ext uri="{FF2B5EF4-FFF2-40B4-BE49-F238E27FC236}">
+                <a16:creationId xmlns:a16="http://schemas.microsoft.com/office/drawing/2014/main" id="{11D59CCB-208A-E52B-AD06-3255EEE14696}"/>
+              </a:ext>
+            </a:extLst>
+          </p:cNvPr>
+          <p:cNvSpPr txBox="1">
+            <a:spLocks/>
+          </p:cNvSpPr>
+          <p:nvPr/>
+        </p:nvSpPr>
+        <p:spPr>
+          <a:xfrm>
+            <a:off x="11379200" y="6492241"/>
+            <a:ext cx="812800" cy="365125"/>
+          </a:xfrm>
+          <a:prstGeom prst="rect">
+            <a:avLst/>
+          </a:prstGeom>
+        </p:spPr>
+        <p:txBody>
+          <a:bodyPr/>
+          <a:lstStyle>
+            <a:defPPr marR="0" lvl="0" algn="l" rtl="0">
+              <a:lnSpc>
+                <a:spcPct val="100000"/>
+              </a:lnSpc>
+              <a:spcBef>
+                <a:spcPts val="0"/>
+              </a:spcBef>
+              <a:spcAft>
+                <a:spcPts val="0"/>
+              </a:spcAft>
+            </a:defPPr>
+            <a:lvl1pPr marR="0" lvl="0" algn="l" rtl="0">
+              <a:lnSpc>
+                <a:spcPct val="100000"/>
+              </a:lnSpc>
+              <a:spcBef>
+                <a:spcPts val="0"/>
+              </a:spcBef>
+              <a:spcAft>
+                <a:spcPts val="0"/>
+              </a:spcAft>
+              <a:buClr>
+                <a:srgbClr val="000000"/>
+              </a:buClr>
+              <a:buFont typeface="Arial"/>
+              <a:defRPr sz="1400" b="0" i="0" u="none" strike="noStrike" cap="none">
+                <a:solidFill>
+                  <a:srgbClr val="000000"/>
+                </a:solidFill>
+                <a:latin typeface="Arial"/>
+                <a:ea typeface="Arial"/>
+                <a:cs typeface="Arial"/>
+                <a:sym typeface="Arial"/>
+              </a:defRPr>
+            </a:lvl1pPr>
+            <a:lvl2pPr marR="0" lvl="1" algn="l" rtl="0">
+              <a:lnSpc>
+                <a:spcPct val="100000"/>
+              </a:lnSpc>
+              <a:spcBef>
+                <a:spcPts val="0"/>
+              </a:spcBef>
+              <a:spcAft>
+                <a:spcPts val="0"/>
+              </a:spcAft>
+              <a:buClr>
+                <a:srgbClr val="000000"/>
+              </a:buClr>
+              <a:buFont typeface="Arial"/>
+              <a:defRPr sz="1400" b="0" i="0" u="none" strike="noStrike" cap="none">
+                <a:solidFill>
+                  <a:srgbClr val="000000"/>
+                </a:solidFill>
+                <a:latin typeface="Arial"/>
+                <a:ea typeface="Arial"/>
+                <a:cs typeface="Arial"/>
+                <a:sym typeface="Arial"/>
+              </a:defRPr>
+            </a:lvl2pPr>
+            <a:lvl3pPr marR="0" lvl="2" algn="l" rtl="0">
+              <a:lnSpc>
+                <a:spcPct val="100000"/>
+              </a:lnSpc>
+              <a:spcBef>
+                <a:spcPts val="0"/>
+              </a:spcBef>
+              <a:spcAft>
+                <a:spcPts val="0"/>
+              </a:spcAft>
+              <a:buClr>
+                <a:srgbClr val="000000"/>
+              </a:buClr>
+              <a:buFont typeface="Arial"/>
+              <a:defRPr sz="1400" b="0" i="0" u="none" strike="noStrike" cap="none">
+                <a:solidFill>
+                  <a:srgbClr val="000000"/>
+                </a:solidFill>
+                <a:latin typeface="Arial"/>
+                <a:ea typeface="Arial"/>
+                <a:cs typeface="Arial"/>
+                <a:sym typeface="Arial"/>
+              </a:defRPr>
+            </a:lvl3pPr>
+            <a:lvl4pPr marR="0" lvl="3" algn="l" rtl="0">
+              <a:lnSpc>
+                <a:spcPct val="100000"/>
+              </a:lnSpc>
+              <a:spcBef>
+                <a:spcPts val="0"/>
+              </a:spcBef>
+              <a:spcAft>
+                <a:spcPts val="0"/>
+              </a:spcAft>
+              <a:buClr>
+                <a:srgbClr val="000000"/>
+              </a:buClr>
+              <a:buFont typeface="Arial"/>
+              <a:defRPr sz="1400" b="0" i="0" u="none" strike="noStrike" cap="none">
+                <a:solidFill>
+                  <a:srgbClr val="000000"/>
+                </a:solidFill>
+                <a:latin typeface="Arial"/>
+                <a:ea typeface="Arial"/>
+                <a:cs typeface="Arial"/>
+                <a:sym typeface="Arial"/>
+              </a:defRPr>
+            </a:lvl4pPr>
+            <a:lvl5pPr marR="0" lvl="4" algn="l" rtl="0">
+              <a:lnSpc>
+                <a:spcPct val="100000"/>
+              </a:lnSpc>
+              <a:spcBef>
+                <a:spcPts val="0"/>
+              </a:spcBef>
+              <a:spcAft>
+                <a:spcPts val="0"/>
+              </a:spcAft>
+              <a:buClr>
+                <a:srgbClr val="000000"/>
+              </a:buClr>
+              <a:buFont typeface="Arial"/>
+              <a:defRPr sz="1400" b="0" i="0" u="none" strike="noStrike" cap="none">
+                <a:solidFill>
+                  <a:srgbClr val="000000"/>
+                </a:solidFill>
+                <a:latin typeface="Arial"/>
+                <a:ea typeface="Arial"/>
+                <a:cs typeface="Arial"/>
+                <a:sym typeface="Arial"/>
+              </a:defRPr>
+            </a:lvl5pPr>
+            <a:lvl6pPr marR="0" lvl="5" algn="l" rtl="0">
+              <a:lnSpc>
+                <a:spcPct val="100000"/>
+              </a:lnSpc>
+              <a:spcBef>
+                <a:spcPts val="0"/>
+              </a:spcBef>
+              <a:spcAft>
+                <a:spcPts val="0"/>
+              </a:spcAft>
+              <a:buClr>
+                <a:srgbClr val="000000"/>
+              </a:buClr>
+              <a:buFont typeface="Arial"/>
+              <a:defRPr sz="1400" b="0" i="0" u="none" strike="noStrike" cap="none">
+                <a:solidFill>
+                  <a:srgbClr val="000000"/>
+                </a:solidFill>
+                <a:latin typeface="Arial"/>
+                <a:ea typeface="Arial"/>
+                <a:cs typeface="Arial"/>
+                <a:sym typeface="Arial"/>
+              </a:defRPr>
+            </a:lvl6pPr>
+            <a:lvl7pPr marR="0" lvl="6" algn="l" rtl="0">
+              <a:lnSpc>
+                <a:spcPct val="100000"/>
+              </a:lnSpc>
+              <a:spcBef>
+                <a:spcPts val="0"/>
+              </a:spcBef>
+              <a:spcAft>
+                <a:spcPts val="0"/>
+              </a:spcAft>
+              <a:buClr>
+                <a:srgbClr val="000000"/>
+              </a:buClr>
+              <a:buFont typeface="Arial"/>
+              <a:defRPr sz="1400" b="0" i="0" u="none" strike="noStrike" cap="none">
+                <a:solidFill>
+                  <a:srgbClr val="000000"/>
+                </a:solidFill>
+                <a:latin typeface="Arial"/>
+                <a:ea typeface="Arial"/>
+                <a:cs typeface="Arial"/>
+                <a:sym typeface="Arial"/>
+              </a:defRPr>
+            </a:lvl7pPr>
+            <a:lvl8pPr marR="0" lvl="7" algn="l" rtl="0">
+              <a:lnSpc>
+                <a:spcPct val="100000"/>
+              </a:lnSpc>
+              <a:spcBef>
+                <a:spcPts val="0"/>
+              </a:spcBef>
+              <a:spcAft>
+                <a:spcPts val="0"/>
+              </a:spcAft>
+              <a:buClr>
+                <a:srgbClr val="000000"/>
+              </a:buClr>
+              <a:buFont typeface="Arial"/>
+              <a:defRPr sz="1400" b="0" i="0" u="none" strike="noStrike" cap="none">
+                <a:solidFill>
+                  <a:srgbClr val="000000"/>
+                </a:solidFill>
+                <a:latin typeface="Arial"/>
+                <a:ea typeface="Arial"/>
+                <a:cs typeface="Arial"/>
+                <a:sym typeface="Arial"/>
+              </a:defRPr>
+            </a:lvl8pPr>
+            <a:lvl9pPr marR="0" lvl="8" algn="l" rtl="0">
+              <a:lnSpc>
+                <a:spcPct val="100000"/>
+              </a:lnSpc>
+              <a:spcBef>
+                <a:spcPts val="0"/>
+              </a:spcBef>
+              <a:spcAft>
+                <a:spcPts val="0"/>
+              </a:spcAft>
+              <a:buClr>
+                <a:srgbClr val="000000"/>
+              </a:buClr>
+              <a:buFont typeface="Arial"/>
+              <a:defRPr sz="1400" b="0" i="0" u="none" strike="noStrike" cap="none">
+                <a:solidFill>
+                  <a:srgbClr val="000000"/>
+                </a:solidFill>
+                <a:latin typeface="Arial"/>
+                <a:ea typeface="Arial"/>
+                <a:cs typeface="Arial"/>
+                <a:sym typeface="Arial"/>
+              </a:defRPr>
+            </a:lvl9pPr>
+          </a:lstStyle>
+          <a:p>
+            <a:fld id="{A352B390-DEB2-4C03-8333-A0E41D1ED728}" type="slidenum">
+              <a:rPr lang="en-US" smtClean="0"/>
+              <a:pPr/>
+              <a:t>2</a:t>
+            </a:fld>
+            <a:endParaRPr lang="en-US"/>
+          </a:p>
+        </p:txBody>
+      </p:sp>
+      <p:pic>
+        <p:nvPicPr>
+          <p:cNvPr id="12" name="Picture 11" descr="A cartoon of Naomi waving&#10;">
+            <a:extLst>
+              <a:ext uri="{FF2B5EF4-FFF2-40B4-BE49-F238E27FC236}">
+                <a16:creationId xmlns:a16="http://schemas.microsoft.com/office/drawing/2014/main" id="{C61ABD3B-AAA7-4C45-044B-9921379F9384}"/>
+              </a:ext>
+            </a:extLst>
+          </p:cNvPr>
+          <p:cNvPicPr>
+            <a:picLocks noChangeAspect="1"/>
+          </p:cNvPicPr>
+          <p:nvPr/>
+        </p:nvPicPr>
+        <p:blipFill>
+          <a:blip r:embed="rId3">
+            <a:extLst>
+              <a:ext uri="{28A0092B-C50C-407E-A947-70E740481C1C}">
+                <a14:useLocalDpi xmlns:a14="http://schemas.microsoft.com/office/drawing/2010/main" val="0"/>
+              </a:ext>
+            </a:extLst>
+          </a:blip>
+          <a:srcRect r="24305"/>
+          <a:stretch>
+            <a:fillRect/>
+          </a:stretch>
+        </p:blipFill>
+        <p:spPr>
+          <a:xfrm>
+            <a:off x="6932196" y="435678"/>
+            <a:ext cx="2211803" cy="4121311"/>
+          </a:xfrm>
+          <a:prstGeom prst="rect">
+            <a:avLst/>
+          </a:prstGeom>
+        </p:spPr>
       </p:pic>
       <p:pic>
         <p:nvPicPr>
-          <p:cNvPr id="78" name="Google Shape;78;p14"/>
-          <p:cNvPicPr preferRelativeResize="0"/>
+          <p:cNvPr id="13" name="Picture 12" descr="Naomi's cat Danni lying on a blanket">
+            <a:extLst>
+              <a:ext uri="{FF2B5EF4-FFF2-40B4-BE49-F238E27FC236}">
+                <a16:creationId xmlns:a16="http://schemas.microsoft.com/office/drawing/2014/main" id="{8B2E2C36-C227-0D08-876B-127063B36A74}"/>
+              </a:ext>
+            </a:extLst>
+          </p:cNvPr>
+          <p:cNvPicPr>
+            <a:picLocks noChangeAspect="1"/>
+          </p:cNvPicPr>
           <p:nvPr/>
         </p:nvPicPr>
         <p:blipFill>
-          <a:blip r:embed="rId10">
-            <a:alphaModFix/>
+          <a:blip r:embed="rId4">
+            <a:extLst>
+              <a:ext uri="{28A0092B-C50C-407E-A947-70E740481C1C}">
+                <a14:useLocalDpi xmlns:a14="http://schemas.microsoft.com/office/drawing/2010/main" val="0"/>
+              </a:ext>
+            </a:extLst>
           </a:blip>
           <a:stretch>
             <a:fillRect/>
@@ -9235,8 +10517,174 @@
         </p:blipFill>
         <p:spPr>
           <a:xfrm>
-            <a:off x="1291687" y="1165750"/>
-            <a:ext cx="1386611" cy="936500"/>
+            <a:off x="2949821" y="2030680"/>
+            <a:ext cx="6348306" cy="3253071"/>
+          </a:xfrm>
+          <a:prstGeom prst="rect">
+            <a:avLst/>
+          </a:prstGeom>
+        </p:spPr>
+      </p:pic>
+    </p:spTree>
+  </p:cSld>
+  <p:clrMapOvr>
+    <a:masterClrMapping/>
+  </p:clrMapOvr>
+  <p:timing>
+    <p:tnLst>
+      <p:par>
+        <p:cTn id="1" dur="indefinite" restart="never" nodeType="tmRoot">
+          <p:childTnLst>
+            <p:seq concurrent="1" nextAc="seek">
+              <p:cTn id="2" dur="indefinite" nodeType="mainSeq">
+                <p:childTnLst>
+                  <p:par>
+                    <p:cTn id="3" fill="hold">
+                      <p:stCondLst>
+                        <p:cond delay="indefinite"/>
+                      </p:stCondLst>
+                      <p:childTnLst>
+                        <p:par>
+                          <p:cTn id="4" fill="hold">
+                            <p:stCondLst>
+                              <p:cond delay="0"/>
+                            </p:stCondLst>
+                            <p:childTnLst>
+                              <p:par>
+                                <p:cTn id="5" presetID="2" presetClass="entr" presetSubtype="4" fill="hold" nodeType="clickEffect">
+                                  <p:stCondLst>
+                                    <p:cond delay="0"/>
+                                  </p:stCondLst>
+                                  <p:childTnLst>
+                                    <p:set>
+                                      <p:cBhvr>
+                                        <p:cTn id="6" dur="1" fill="hold">
+                                          <p:stCondLst>
+                                            <p:cond delay="0"/>
+                                          </p:stCondLst>
+                                        </p:cTn>
+                                        <p:tgtEl>
+                                          <p:spTgt spid="13"/>
+                                        </p:tgtEl>
+                                        <p:attrNameLst>
+                                          <p:attrName>style.visibility</p:attrName>
+                                        </p:attrNameLst>
+                                      </p:cBhvr>
+                                      <p:to>
+                                        <p:strVal val="visible"/>
+                                      </p:to>
+                                    </p:set>
+                                    <p:anim calcmode="lin" valueType="num">
+                                      <p:cBhvr additive="base">
+                                        <p:cTn id="7" dur="500" fill="hold"/>
+                                        <p:tgtEl>
+                                          <p:spTgt spid="13"/>
+                                        </p:tgtEl>
+                                        <p:attrNameLst>
+                                          <p:attrName>ppt_x</p:attrName>
+                                        </p:attrNameLst>
+                                      </p:cBhvr>
+                                      <p:tavLst>
+                                        <p:tav tm="0">
+                                          <p:val>
+                                            <p:strVal val="#ppt_x"/>
+                                          </p:val>
+                                        </p:tav>
+                                        <p:tav tm="100000">
+                                          <p:val>
+                                            <p:strVal val="#ppt_x"/>
+                                          </p:val>
+                                        </p:tav>
+                                      </p:tavLst>
+                                    </p:anim>
+                                    <p:anim calcmode="lin" valueType="num">
+                                      <p:cBhvr additive="base">
+                                        <p:cTn id="8" dur="500" fill="hold"/>
+                                        <p:tgtEl>
+                                          <p:spTgt spid="13"/>
+                                        </p:tgtEl>
+                                        <p:attrNameLst>
+                                          <p:attrName>ppt_y</p:attrName>
+                                        </p:attrNameLst>
+                                      </p:cBhvr>
+                                      <p:tavLst>
+                                        <p:tav tm="0">
+                                          <p:val>
+                                            <p:strVal val="1+#ppt_h/2"/>
+                                          </p:val>
+                                        </p:tav>
+                                        <p:tav tm="100000">
+                                          <p:val>
+                                            <p:strVal val="#ppt_y"/>
+                                          </p:val>
+                                        </p:tav>
+                                      </p:tavLst>
+                                    </p:anim>
+                                  </p:childTnLst>
+                                </p:cTn>
+                              </p:par>
+                            </p:childTnLst>
+                          </p:cTn>
+                        </p:par>
+                      </p:childTnLst>
+                    </p:cTn>
+                  </p:par>
+                </p:childTnLst>
+              </p:cTn>
+              <p:prevCondLst>
+                <p:cond evt="onPrev" delay="0">
+                  <p:tgtEl>
+                    <p:sldTgt/>
+                  </p:tgtEl>
+                </p:cond>
+              </p:prevCondLst>
+              <p:nextCondLst>
+                <p:cond evt="onNext" delay="0">
+                  <p:tgtEl>
+                    <p:sldTgt/>
+                  </p:tgtEl>
+                </p:cond>
+              </p:nextCondLst>
+            </p:seq>
+          </p:childTnLst>
+        </p:cTn>
+      </p:par>
+    </p:tnLst>
+  </p:timing>
+</p:sld>
+</file>
+
+<file path=ppt/slides/slide3.xml><?xml version="1.0" encoding="utf-8"?>
+<p:sld xmlns:a="http://schemas.openxmlformats.org/drawingml/2006/main" xmlns:r="http://schemas.openxmlformats.org/officeDocument/2006/relationships" xmlns:p="http://schemas.openxmlformats.org/presentationml/2006/main">
+  <p:cSld>
+    <p:spTree>
+      <p:nvGrpSpPr>
+        <p:cNvPr id="1" name="Shape 61"/>
+        <p:cNvGrpSpPr/>
+        <p:nvPr/>
+      </p:nvGrpSpPr>
+      <p:grpSpPr>
+        <a:xfrm>
+          <a:off x="0" y="0"/>
+          <a:ext cx="0" cy="0"/>
+          <a:chOff x="0" y="0"/>
+          <a:chExt cx="0" cy="0"/>
+        </a:xfrm>
+      </p:grpSpPr>
+      <p:sp>
+        <p:nvSpPr>
+          <p:cNvPr id="62" name="Google Shape;62;p2"/>
+          <p:cNvSpPr txBox="1">
+            <a:spLocks noGrp="1"/>
+          </p:cNvSpPr>
+          <p:nvPr>
+            <p:ph type="title"/>
+          </p:nvPr>
+        </p:nvSpPr>
+        <p:spPr>
+          <a:xfrm>
+            <a:off x="311700" y="445025"/>
+            <a:ext cx="8520600" cy="572700"/>
           </a:xfrm>
           <a:prstGeom prst="rect">
             <a:avLst/>
@@ -9246,24 +10694,44 @@
             <a:noFill/>
           </a:ln>
         </p:spPr>
-      </p:pic>
-      <p:pic>
-        <p:nvPicPr>
-          <p:cNvPr id="79" name="Google Shape;79;p14"/>
-          <p:cNvPicPr preferRelativeResize="0"/>
-          <p:nvPr/>
-        </p:nvPicPr>
-        <p:blipFill rotWithShape="1">
-          <a:blip r:embed="rId11">
-            <a:alphaModFix/>
-          </a:blip>
-          <a:srcRect b="5087" l="0" r="0" t="0"/>
-          <a:stretch/>
-        </p:blipFill>
+        <p:txBody>
+          <a:bodyPr spcFirstLastPara="1" wrap="square" lIns="91425" tIns="91425" rIns="91425" bIns="91425" anchor="t" anchorCtr="0">
+            <a:normAutofit fontScale="90000"/>
+          </a:bodyPr>
+          <a:lstStyle/>
+          <a:p>
+            <a:pPr lvl="0">
+              <a:buSzPct val="111111"/>
+            </a:pPr>
+            <a:r>
+              <a:rPr lang="en-US" dirty="0"/>
+              <a:t>Introductions: Teaching Assistant</a:t>
+            </a:r>
+            <a:br>
+              <a:rPr lang="en-US" dirty="0"/>
+            </a:br>
+            <a:r>
+              <a:rPr lang="en" dirty="0"/>
+              <a:t>Riyosha (She/Her) </a:t>
+            </a:r>
+            <a:endParaRPr dirty="0"/>
+          </a:p>
+        </p:txBody>
+      </p:sp>
+      <p:sp>
+        <p:nvSpPr>
+          <p:cNvPr id="63" name="Google Shape;63;p2"/>
+          <p:cNvSpPr txBox="1">
+            <a:spLocks noGrp="1"/>
+          </p:cNvSpPr>
+          <p:nvPr>
+            <p:ph type="body" idx="1"/>
+          </p:nvPr>
+        </p:nvSpPr>
         <p:spPr>
           <a:xfrm>
-            <a:off x="2335863" y="3499342"/>
-            <a:ext cx="1963948" cy="1397976"/>
+            <a:off x="311700" y="1394691"/>
+            <a:ext cx="8520600" cy="3365884"/>
           </a:xfrm>
           <a:prstGeom prst="rect">
             <a:avLst/>
@@ -9273,53 +10741,149 @@
             <a:noFill/>
           </a:ln>
         </p:spPr>
-      </p:pic>
+        <p:txBody>
+          <a:bodyPr spcFirstLastPara="1" wrap="square" lIns="91425" tIns="91425" rIns="91425" bIns="91425" anchor="t" anchorCtr="0">
+            <a:normAutofit lnSpcReduction="10000"/>
+          </a:bodyPr>
+          <a:lstStyle/>
+          <a:p>
+            <a:pPr marL="457200" lvl="0" indent="-381000" algn="l" rtl="0">
+              <a:lnSpc>
+                <a:spcPct val="115000"/>
+              </a:lnSpc>
+              <a:spcBef>
+                <a:spcPts val="0"/>
+              </a:spcBef>
+              <a:spcAft>
+                <a:spcPts val="0"/>
+              </a:spcAft>
+              <a:buSzPts val="2400"/>
+              <a:buChar char="●"/>
+            </a:pPr>
+            <a:r>
+              <a:rPr lang="en" sz="2400" dirty="0"/>
+              <a:t>2nd Year MSDS student (2024-26)</a:t>
+            </a:r>
+            <a:endParaRPr sz="2400" dirty="0"/>
+          </a:p>
+          <a:p>
+            <a:pPr marL="457200" lvl="0" indent="-381000" algn="l" rtl="0">
+              <a:lnSpc>
+                <a:spcPct val="115000"/>
+              </a:lnSpc>
+              <a:spcBef>
+                <a:spcPts val="0"/>
+              </a:spcBef>
+              <a:spcAft>
+                <a:spcPts val="0"/>
+              </a:spcAft>
+              <a:buSzPts val="2400"/>
+              <a:buChar char="●"/>
+            </a:pPr>
+            <a:r>
+              <a:rPr lang="en" sz="2400" dirty="0"/>
+              <a:t>‘24 graduate from Ashoka University </a:t>
+            </a:r>
+            <a:endParaRPr sz="2400" dirty="0"/>
+          </a:p>
+          <a:p>
+            <a:pPr marL="914400" lvl="1" indent="-381000" algn="l" rtl="0">
+              <a:lnSpc>
+                <a:spcPct val="115000"/>
+              </a:lnSpc>
+              <a:spcBef>
+                <a:spcPts val="0"/>
+              </a:spcBef>
+              <a:spcAft>
+                <a:spcPts val="0"/>
+              </a:spcAft>
+              <a:buSzPts val="2400"/>
+              <a:buChar char="○"/>
+            </a:pPr>
+            <a:r>
+              <a:rPr lang="en" sz="2400" dirty="0"/>
+              <a:t>Majored in Mathematics with</a:t>
+            </a:r>
+            <a:endParaRPr sz="2400" dirty="0"/>
+          </a:p>
+          <a:p>
+            <a:pPr marL="914400" lvl="0" indent="0" algn="l" rtl="0">
+              <a:lnSpc>
+                <a:spcPct val="115000"/>
+              </a:lnSpc>
+              <a:spcBef>
+                <a:spcPts val="0"/>
+              </a:spcBef>
+              <a:spcAft>
+                <a:spcPts val="0"/>
+              </a:spcAft>
+              <a:buNone/>
+            </a:pPr>
+            <a:r>
+              <a:rPr lang="en" sz="2400" dirty="0"/>
+              <a:t>minors in CS and Pol Sci</a:t>
+            </a:r>
+            <a:endParaRPr sz="2400" dirty="0"/>
+          </a:p>
+          <a:p>
+            <a:pPr marL="457200" lvl="0" indent="-381000" algn="l" rtl="0">
+              <a:lnSpc>
+                <a:spcPct val="115000"/>
+              </a:lnSpc>
+              <a:spcBef>
+                <a:spcPts val="0"/>
+              </a:spcBef>
+              <a:spcAft>
+                <a:spcPts val="0"/>
+              </a:spcAft>
+              <a:buSzPts val="2400"/>
+              <a:buChar char="●"/>
+            </a:pPr>
+            <a:r>
+              <a:rPr lang="en" sz="2400" dirty="0"/>
+              <a:t>Most recently researched with the Transport-Human Interaction Network Lab at UW over the summer</a:t>
+            </a:r>
+            <a:endParaRPr sz="2400" dirty="0"/>
+          </a:p>
+          <a:p>
+            <a:pPr marL="457200" lvl="0" indent="-381000" algn="l" rtl="0">
+              <a:lnSpc>
+                <a:spcPct val="115000"/>
+              </a:lnSpc>
+              <a:spcBef>
+                <a:spcPts val="0"/>
+              </a:spcBef>
+              <a:spcAft>
+                <a:spcPts val="0"/>
+              </a:spcAft>
+              <a:buSzPts val="2400"/>
+              <a:buChar char="●"/>
+            </a:pPr>
+            <a:r>
+              <a:rPr lang="en" sz="2400" dirty="0"/>
+              <a:t>Enjoy hiking, reading and overanalyzing movies with friends (unasked)</a:t>
+            </a:r>
+            <a:endParaRPr sz="2400" dirty="0"/>
+          </a:p>
+        </p:txBody>
+      </p:sp>
       <p:pic>
         <p:nvPicPr>
-          <p:cNvPr id="80" name="Google Shape;80;p14"/>
+          <p:cNvPr id="64" name="Google Shape;64;p2"/>
           <p:cNvPicPr preferRelativeResize="0"/>
           <p:nvPr/>
         </p:nvPicPr>
-        <p:blipFill>
-          <a:blip r:embed="rId12">
+        <p:blipFill rotWithShape="1">
+          <a:blip r:embed="rId3">
             <a:alphaModFix/>
           </a:blip>
-          <a:stretch>
-            <a:fillRect/>
-          </a:stretch>
+          <a:srcRect l="4097" t="19016" r="12617" b="19022"/>
+          <a:stretch/>
         </p:blipFill>
         <p:spPr>
           <a:xfrm>
-            <a:off x="6231383" y="4142672"/>
-            <a:ext cx="1692966" cy="572701"/>
-          </a:xfrm>
-          <a:prstGeom prst="rect">
-            <a:avLst/>
-          </a:prstGeom>
-          <a:noFill/>
-          <a:ln>
-            <a:noFill/>
-          </a:ln>
-        </p:spPr>
-      </p:pic>
-      <p:pic>
-        <p:nvPicPr>
-          <p:cNvPr id="81" name="Google Shape;81;p14"/>
-          <p:cNvPicPr preferRelativeResize="0"/>
-          <p:nvPr/>
-        </p:nvPicPr>
-        <p:blipFill>
-          <a:blip r:embed="rId13">
-            <a:alphaModFix/>
-          </a:blip>
-          <a:stretch>
-            <a:fillRect/>
-          </a:stretch>
-        </p:blipFill>
-        <p:spPr>
-          <a:xfrm>
-            <a:off x="185817" y="3911973"/>
-            <a:ext cx="2387808" cy="572700"/>
+            <a:off x="6204375" y="280850"/>
+            <a:ext cx="2627926" cy="2605526"/>
           </a:xfrm>
           <a:prstGeom prst="rect">
             <a:avLst/>
@@ -9335,355 +10899,15 @@
   <p:clrMapOvr>
     <a:masterClrMapping/>
   </p:clrMapOvr>
-  <p:timing>
-    <p:tnLst>
-      <p:par>
-        <p:cTn dur="indefinite" nodeType="tmRoot" restart="never">
-          <p:childTnLst>
-            <p:seq concurrent="1" nextAc="seek">
-              <p:cTn dur="indefinite" id="2" nodeType="mainSeq">
-                <p:childTnLst>
-                  <p:par>
-                    <p:cTn fill="hold">
-                      <p:stCondLst>
-                        <p:cond delay="indefinite"/>
-                      </p:stCondLst>
-                      <p:childTnLst>
-                        <p:par>
-                          <p:cTn fill="hold">
-                            <p:stCondLst>
-                              <p:cond delay="0"/>
-                            </p:stCondLst>
-                            <p:childTnLst>
-                              <p:par>
-                                <p:cTn fill="hold" nodeType="clickEffect" presetClass="entr" presetID="10" presetSubtype="0">
-                                  <p:stCondLst>
-                                    <p:cond delay="0"/>
-                                  </p:stCondLst>
-                                  <p:childTnLst>
-                                    <p:set>
-                                      <p:cBhvr>
-                                        <p:cTn dur="1" fill="hold">
-                                          <p:stCondLst>
-                                            <p:cond delay="0"/>
-                                          </p:stCondLst>
-                                        </p:cTn>
-                                        <p:tgtEl>
-                                          <p:spTgt spid="78"/>
-                                        </p:tgtEl>
-                                        <p:attrNameLst>
-                                          <p:attrName>style.visibility</p:attrName>
-                                        </p:attrNameLst>
-                                      </p:cBhvr>
-                                      <p:to>
-                                        <p:strVal val="visible"/>
-                                      </p:to>
-                                    </p:set>
-                                    <p:animEffect filter="fade" transition="in">
-                                      <p:cBhvr>
-                                        <p:cTn dur="1"/>
-                                        <p:tgtEl>
-                                          <p:spTgt spid="78"/>
-                                        </p:tgtEl>
-                                      </p:cBhvr>
-                                    </p:animEffect>
-                                  </p:childTnLst>
-                                </p:cTn>
-                              </p:par>
-                            </p:childTnLst>
-                          </p:cTn>
-                        </p:par>
-                      </p:childTnLst>
-                    </p:cTn>
-                  </p:par>
-                  <p:par>
-                    <p:cTn fill="hold">
-                      <p:stCondLst>
-                        <p:cond delay="indefinite"/>
-                      </p:stCondLst>
-                      <p:childTnLst>
-                        <p:par>
-                          <p:cTn fill="hold">
-                            <p:stCondLst>
-                              <p:cond delay="0"/>
-                            </p:stCondLst>
-                            <p:childTnLst>
-                              <p:par>
-                                <p:cTn fill="hold" nodeType="clickEffect" presetClass="entr" presetID="10" presetSubtype="0">
-                                  <p:stCondLst>
-                                    <p:cond delay="0"/>
-                                  </p:stCondLst>
-                                  <p:childTnLst>
-                                    <p:set>
-                                      <p:cBhvr>
-                                        <p:cTn dur="1" fill="hold">
-                                          <p:stCondLst>
-                                            <p:cond delay="0"/>
-                                          </p:stCondLst>
-                                        </p:cTn>
-                                        <p:tgtEl>
-                                          <p:spTgt spid="77"/>
-                                        </p:tgtEl>
-                                        <p:attrNameLst>
-                                          <p:attrName>style.visibility</p:attrName>
-                                        </p:attrNameLst>
-                                      </p:cBhvr>
-                                      <p:to>
-                                        <p:strVal val="visible"/>
-                                      </p:to>
-                                    </p:set>
-                                    <p:animEffect filter="fade" transition="in">
-                                      <p:cBhvr>
-                                        <p:cTn dur="1"/>
-                                        <p:tgtEl>
-                                          <p:spTgt spid="77"/>
-                                        </p:tgtEl>
-                                      </p:cBhvr>
-                                    </p:animEffect>
-                                  </p:childTnLst>
-                                </p:cTn>
-                              </p:par>
-                            </p:childTnLst>
-                          </p:cTn>
-                        </p:par>
-                      </p:childTnLst>
-                    </p:cTn>
-                  </p:par>
-                  <p:par>
-                    <p:cTn fill="hold">
-                      <p:stCondLst>
-                        <p:cond delay="indefinite"/>
-                      </p:stCondLst>
-                      <p:childTnLst>
-                        <p:par>
-                          <p:cTn fill="hold">
-                            <p:stCondLst>
-                              <p:cond delay="0"/>
-                            </p:stCondLst>
-                            <p:childTnLst>
-                              <p:par>
-                                <p:cTn fill="hold" nodeType="clickEffect" presetClass="entr" presetID="1" presetSubtype="0">
-                                  <p:stCondLst>
-                                    <p:cond delay="0"/>
-                                  </p:stCondLst>
-                                  <p:childTnLst>
-                                    <p:set>
-                                      <p:cBhvr>
-                                        <p:cTn dur="1" fill="hold">
-                                          <p:stCondLst>
-                                            <p:cond delay="0"/>
-                                          </p:stCondLst>
-                                        </p:cTn>
-                                        <p:tgtEl>
-                                          <p:spTgt spid="81"/>
-                                        </p:tgtEl>
-                                        <p:attrNameLst>
-                                          <p:attrName>style.visibility</p:attrName>
-                                        </p:attrNameLst>
-                                      </p:cBhvr>
-                                      <p:to>
-                                        <p:strVal val="visible"/>
-                                      </p:to>
-                                    </p:set>
-                                  </p:childTnLst>
-                                </p:cTn>
-                              </p:par>
-                            </p:childTnLst>
-                          </p:cTn>
-                        </p:par>
-                      </p:childTnLst>
-                    </p:cTn>
-                  </p:par>
-                  <p:par>
-                    <p:cTn fill="hold">
-                      <p:stCondLst>
-                        <p:cond delay="indefinite"/>
-                      </p:stCondLst>
-                      <p:childTnLst>
-                        <p:par>
-                          <p:cTn fill="hold">
-                            <p:stCondLst>
-                              <p:cond delay="0"/>
-                            </p:stCondLst>
-                            <p:childTnLst>
-                              <p:par>
-                                <p:cTn fill="hold" nodeType="clickEffect" presetClass="entr" presetID="10" presetSubtype="0">
-                                  <p:stCondLst>
-                                    <p:cond delay="0"/>
-                                  </p:stCondLst>
-                                  <p:childTnLst>
-                                    <p:set>
-                                      <p:cBhvr>
-                                        <p:cTn dur="1" fill="hold">
-                                          <p:stCondLst>
-                                            <p:cond delay="0"/>
-                                          </p:stCondLst>
-                                        </p:cTn>
-                                        <p:tgtEl>
-                                          <p:spTgt spid="79"/>
-                                        </p:tgtEl>
-                                        <p:attrNameLst>
-                                          <p:attrName>style.visibility</p:attrName>
-                                        </p:attrNameLst>
-                                      </p:cBhvr>
-                                      <p:to>
-                                        <p:strVal val="visible"/>
-                                      </p:to>
-                                    </p:set>
-                                    <p:animEffect filter="fade" transition="in">
-                                      <p:cBhvr>
-                                        <p:cTn dur="1"/>
-                                        <p:tgtEl>
-                                          <p:spTgt spid="79"/>
-                                        </p:tgtEl>
-                                      </p:cBhvr>
-                                    </p:animEffect>
-                                  </p:childTnLst>
-                                </p:cTn>
-                              </p:par>
-                            </p:childTnLst>
-                          </p:cTn>
-                        </p:par>
-                      </p:childTnLst>
-                    </p:cTn>
-                  </p:par>
-                  <p:par>
-                    <p:cTn fill="hold">
-                      <p:stCondLst>
-                        <p:cond delay="indefinite"/>
-                      </p:stCondLst>
-                      <p:childTnLst>
-                        <p:par>
-                          <p:cTn fill="hold">
-                            <p:stCondLst>
-                              <p:cond delay="0"/>
-                            </p:stCondLst>
-                            <p:childTnLst>
-                              <p:par>
-                                <p:cTn fill="hold" nodeType="clickEffect" presetClass="entr" presetID="10" presetSubtype="0">
-                                  <p:stCondLst>
-                                    <p:cond delay="0"/>
-                                  </p:stCondLst>
-                                  <p:childTnLst>
-                                    <p:set>
-                                      <p:cBhvr>
-                                        <p:cTn dur="1" fill="hold">
-                                          <p:stCondLst>
-                                            <p:cond delay="0"/>
-                                          </p:stCondLst>
-                                        </p:cTn>
-                                        <p:tgtEl>
-                                          <p:spTgt spid="70"/>
-                                        </p:tgtEl>
-                                        <p:attrNameLst>
-                                          <p:attrName>style.visibility</p:attrName>
-                                        </p:attrNameLst>
-                                      </p:cBhvr>
-                                      <p:to>
-                                        <p:strVal val="visible"/>
-                                      </p:to>
-                                    </p:set>
-                                    <p:animEffect filter="fade" transition="in">
-                                      <p:cBhvr>
-                                        <p:cTn dur="1"/>
-                                        <p:tgtEl>
-                                          <p:spTgt spid="70"/>
-                                        </p:tgtEl>
-                                      </p:cBhvr>
-                                    </p:animEffect>
-                                  </p:childTnLst>
-                                </p:cTn>
-                              </p:par>
-                            </p:childTnLst>
-                          </p:cTn>
-                        </p:par>
-                      </p:childTnLst>
-                    </p:cTn>
-                  </p:par>
-                  <p:par>
-                    <p:cTn fill="hold">
-                      <p:stCondLst>
-                        <p:cond delay="indefinite"/>
-                      </p:stCondLst>
-                      <p:childTnLst>
-                        <p:par>
-                          <p:cTn fill="hold">
-                            <p:stCondLst>
-                              <p:cond delay="0"/>
-                            </p:stCondLst>
-                            <p:childTnLst>
-                              <p:par>
-                                <p:cTn fill="hold" nodeType="clickEffect" presetClass="entr" presetID="10" presetSubtype="0">
-                                  <p:stCondLst>
-                                    <p:cond delay="0"/>
-                                  </p:stCondLst>
-                                  <p:childTnLst>
-                                    <p:set>
-                                      <p:cBhvr>
-                                        <p:cTn dur="1" fill="hold">
-                                          <p:stCondLst>
-                                            <p:cond delay="0"/>
-                                          </p:stCondLst>
-                                        </p:cTn>
-                                        <p:tgtEl>
-                                          <p:spTgt spid="80"/>
-                                        </p:tgtEl>
-                                        <p:attrNameLst>
-                                          <p:attrName>style.visibility</p:attrName>
-                                        </p:attrNameLst>
-                                      </p:cBhvr>
-                                      <p:to>
-                                        <p:strVal val="visible"/>
-                                      </p:to>
-                                    </p:set>
-                                    <p:animEffect filter="fade" transition="in">
-                                      <p:cBhvr>
-                                        <p:cTn dur="1"/>
-                                        <p:tgtEl>
-                                          <p:spTgt spid="80"/>
-                                        </p:tgtEl>
-                                      </p:cBhvr>
-                                    </p:animEffect>
-                                  </p:childTnLst>
-                                </p:cTn>
-                              </p:par>
-                            </p:childTnLst>
-                          </p:cTn>
-                        </p:par>
-                      </p:childTnLst>
-                    </p:cTn>
-                  </p:par>
-                </p:childTnLst>
-              </p:cTn>
-              <p:prevCondLst>
-                <p:cond evt="onPrev">
-                  <p:tgtEl>
-                    <p:sldTgt/>
-                  </p:tgtEl>
-                </p:cond>
-              </p:prevCondLst>
-              <p:nextCondLst>
-                <p:cond evt="onNext">
-                  <p:tgtEl>
-                    <p:sldTgt/>
-                  </p:tgtEl>
-                </p:cond>
-              </p:nextCondLst>
-            </p:seq>
-          </p:childTnLst>
-        </p:cTn>
-      </p:par>
-    </p:tnLst>
-  </p:timing>
 </p:sld>
 </file>
 
-<file path=ppt/slides/slide3.xml><?xml version="1.0" encoding="utf-8"?>
-<p:sld xmlns:a="http://schemas.openxmlformats.org/drawingml/2006/main" xmlns:r="http://schemas.openxmlformats.org/officeDocument/2006/relationships" xmlns:mc="http://schemas.openxmlformats.org/markup-compatibility/2006" xmlns:mv="urn:schemas-microsoft-com:mac:vml" xmlns:p="http://schemas.openxmlformats.org/presentationml/2006/main" xmlns:c="http://schemas.openxmlformats.org/drawingml/2006/chart" xmlns:dgm="http://schemas.openxmlformats.org/drawingml/2006/diagram" xmlns:o="urn:schemas-microsoft-com:office:office" xmlns:v="urn:schemas-microsoft-com:vml" xmlns:pvml="urn:schemas-microsoft-com:office:powerpoint" xmlns:com="http://schemas.openxmlformats.org/drawingml/2006/compatibility" xmlns:p14="http://schemas.microsoft.com/office/powerpoint/2010/main" xmlns:p15="http://schemas.microsoft.com/office/powerpoint/2012/main" xmlns:ahyp="http://schemas.microsoft.com/office/drawing/2018/hyperlinkcolor">
+<file path=ppt/slides/slide4.xml><?xml version="1.0" encoding="utf-8"?>
+<p:sld xmlns:a="http://schemas.openxmlformats.org/drawingml/2006/main" xmlns:r="http://schemas.openxmlformats.org/officeDocument/2006/relationships" xmlns:p="http://schemas.openxmlformats.org/presentationml/2006/main">
   <p:cSld>
     <p:spTree>
       <p:nvGrpSpPr>
-        <p:cNvPr id="85" name="Shape 85"/>
+        <p:cNvPr id="1" name="Shape 96"/>
         <p:cNvGrpSpPr/>
         <p:nvPr/>
       </p:nvGrpSpPr>
@@ -9697,8 +10921,10 @@
       </p:grpSpPr>
       <p:sp>
         <p:nvSpPr>
-          <p:cNvPr id="86" name="Google Shape;86;p15"/>
-          <p:cNvSpPr txBox="1"/>
+          <p:cNvPr id="97" name="Google Shape;97;p16"/>
+          <p:cNvSpPr txBox="1">
+            <a:spLocks noGrp="1"/>
+          </p:cNvSpPr>
           <p:nvPr>
             <p:ph type="title"/>
           </p:nvPr>
@@ -9713,295 +10939,12 @@
           </a:prstGeom>
         </p:spPr>
         <p:txBody>
-          <a:bodyPr anchorCtr="0" anchor="t" bIns="91425" lIns="91425" spcFirstLastPara="1" rIns="91425" wrap="square" tIns="91425">
+          <a:bodyPr spcFirstLastPara="1" wrap="square" lIns="91425" tIns="91425" rIns="91425" bIns="91425" anchor="t" anchorCtr="0">
             <a:normAutofit fontScale="90000"/>
           </a:bodyPr>
           <a:lstStyle/>
           <a:p>
-            <a:pPr indent="0" lvl="0" marL="0" rtl="0" algn="l">
-              <a:spcBef>
-                <a:spcPts val="0"/>
-              </a:spcBef>
-              <a:spcAft>
-                <a:spcPts val="0"/>
-              </a:spcAft>
-              <a:buNone/>
-            </a:pPr>
-            <a:r>
-              <a:rPr lang="en"/>
-              <a:t>Your teachers</a:t>
-            </a:r>
-            <a:endParaRPr/>
-          </a:p>
-        </p:txBody>
-      </p:sp>
-      <p:grpSp>
-        <p:nvGrpSpPr>
-          <p:cNvPr id="87" name="Google Shape;87;p15"/>
-          <p:cNvGrpSpPr/>
-          <p:nvPr/>
-        </p:nvGrpSpPr>
-        <p:grpSpPr>
-          <a:xfrm>
-            <a:off x="311700" y="1334188"/>
-            <a:ext cx="3717000" cy="3052975"/>
-            <a:chOff x="1657600" y="315750"/>
-            <a:chExt cx="3717000" cy="3052975"/>
-          </a:xfrm>
-        </p:grpSpPr>
-        <p:pic>
-          <p:nvPicPr>
-            <p:cNvPr id="88" name="Google Shape;88;p15"/>
-            <p:cNvPicPr preferRelativeResize="0"/>
-            <p:nvPr/>
-          </p:nvPicPr>
-          <p:blipFill rotWithShape="1">
-            <a:blip r:embed="rId3">
-              <a:alphaModFix/>
-            </a:blip>
-            <a:srcRect b="5087" l="0" r="0" t="0"/>
-            <a:stretch/>
-          </p:blipFill>
-          <p:spPr>
-            <a:xfrm>
-              <a:off x="1890650" y="315750"/>
-              <a:ext cx="3250900" cy="2314074"/>
-            </a:xfrm>
-            <a:prstGeom prst="rect">
-              <a:avLst/>
-            </a:prstGeom>
-            <a:noFill/>
-            <a:ln>
-              <a:noFill/>
-            </a:ln>
-          </p:spPr>
-        </p:pic>
-        <p:sp>
-          <p:nvSpPr>
-            <p:cNvPr id="89" name="Google Shape;89;p15"/>
-            <p:cNvSpPr txBox="1"/>
-            <p:nvPr/>
-          </p:nvSpPr>
-          <p:spPr>
-            <a:xfrm>
-              <a:off x="1657600" y="2629825"/>
-              <a:ext cx="3717000" cy="738900"/>
-            </a:xfrm>
-            <a:prstGeom prst="rect">
-              <a:avLst/>
-            </a:prstGeom>
-            <a:noFill/>
-            <a:ln>
-              <a:noFill/>
-            </a:ln>
-          </p:spPr>
-          <p:txBody>
-            <a:bodyPr anchorCtr="0" anchor="t" bIns="91425" lIns="91425" spcFirstLastPara="1" rIns="91425" wrap="square" tIns="91425">
-              <a:spAutoFit/>
-            </a:bodyPr>
-            <a:lstStyle/>
-            <a:p>
-              <a:pPr indent="0" lvl="0" marL="0" rtl="0" algn="ctr">
-                <a:lnSpc>
-                  <a:spcPct val="100000"/>
-                </a:lnSpc>
-                <a:spcBef>
-                  <a:spcPts val="0"/>
-                </a:spcBef>
-                <a:spcAft>
-                  <a:spcPts val="0"/>
-                </a:spcAft>
-                <a:buNone/>
-              </a:pPr>
-              <a:r>
-                <a:rPr lang="en" sz="1800">
-                  <a:solidFill>
-                    <a:srgbClr val="595959"/>
-                  </a:solidFill>
-                </a:rPr>
-                <a:t>Me: software engineer</a:t>
-              </a:r>
-              <a:endParaRPr sz="1800">
-                <a:solidFill>
-                  <a:srgbClr val="595959"/>
-                </a:solidFill>
-              </a:endParaRPr>
-            </a:p>
-            <a:p>
-              <a:pPr indent="0" lvl="0" marL="0" rtl="0" algn="ctr">
-                <a:lnSpc>
-                  <a:spcPct val="100000"/>
-                </a:lnSpc>
-                <a:spcBef>
-                  <a:spcPts val="0"/>
-                </a:spcBef>
-                <a:spcAft>
-                  <a:spcPts val="0"/>
-                </a:spcAft>
-                <a:buNone/>
-              </a:pPr>
-              <a:r>
-                <a:rPr lang="en" sz="1800">
-                  <a:solidFill>
-                    <a:srgbClr val="595959"/>
-                  </a:solidFill>
-                </a:rPr>
-                <a:t>TA: data scientist</a:t>
-              </a:r>
-              <a:endParaRPr sz="1800">
-                <a:solidFill>
-                  <a:srgbClr val="595959"/>
-                </a:solidFill>
-              </a:endParaRPr>
-            </a:p>
-          </p:txBody>
-        </p:sp>
-      </p:grpSp>
-      <p:grpSp>
-        <p:nvGrpSpPr>
-          <p:cNvPr id="90" name="Google Shape;90;p15"/>
-          <p:cNvGrpSpPr/>
-          <p:nvPr/>
-        </p:nvGrpSpPr>
-        <p:grpSpPr>
-          <a:xfrm>
-            <a:off x="5115300" y="1527250"/>
-            <a:ext cx="3717000" cy="2582713"/>
-            <a:chOff x="5115300" y="1527250"/>
-            <a:chExt cx="3717000" cy="2582713"/>
-          </a:xfrm>
-        </p:grpSpPr>
-        <p:sp>
-          <p:nvSpPr>
-            <p:cNvPr id="91" name="Google Shape;91;p15"/>
-            <p:cNvSpPr txBox="1"/>
-            <p:nvPr/>
-          </p:nvSpPr>
-          <p:spPr>
-            <a:xfrm>
-              <a:off x="5115300" y="3648263"/>
-              <a:ext cx="3717000" cy="461700"/>
-            </a:xfrm>
-            <a:prstGeom prst="rect">
-              <a:avLst/>
-            </a:prstGeom>
-            <a:noFill/>
-            <a:ln>
-              <a:noFill/>
-            </a:ln>
-          </p:spPr>
-          <p:txBody>
-            <a:bodyPr anchorCtr="0" anchor="t" bIns="91425" lIns="91425" spcFirstLastPara="1" rIns="91425" wrap="square" tIns="91425">
-              <a:spAutoFit/>
-            </a:bodyPr>
-            <a:lstStyle/>
-            <a:p>
-              <a:pPr indent="0" lvl="0" marL="0" rtl="0" algn="ctr">
-                <a:lnSpc>
-                  <a:spcPct val="100000"/>
-                </a:lnSpc>
-                <a:spcBef>
-                  <a:spcPts val="0"/>
-                </a:spcBef>
-                <a:spcAft>
-                  <a:spcPts val="0"/>
-                </a:spcAft>
-                <a:buNone/>
-              </a:pPr>
-              <a:r>
-                <a:rPr lang="en" sz="1800">
-                  <a:solidFill>
-                    <a:srgbClr val="595959"/>
-                  </a:solidFill>
-                </a:rPr>
-                <a:t>You: data scientists</a:t>
-              </a:r>
-              <a:endParaRPr sz="1800">
-                <a:solidFill>
-                  <a:srgbClr val="595959"/>
-                </a:solidFill>
-              </a:endParaRPr>
-            </a:p>
-          </p:txBody>
-        </p:sp>
-        <p:pic>
-          <p:nvPicPr>
-            <p:cNvPr id="92" name="Google Shape;92;p15"/>
-            <p:cNvPicPr preferRelativeResize="0"/>
-            <p:nvPr/>
-          </p:nvPicPr>
-          <p:blipFill>
-            <a:blip r:embed="rId4">
-              <a:alphaModFix/>
-            </a:blip>
-            <a:stretch>
-              <a:fillRect/>
-            </a:stretch>
-          </p:blipFill>
-          <p:spPr>
-            <a:xfrm>
-              <a:off x="5523825" y="1527250"/>
-              <a:ext cx="2899950" cy="2179800"/>
-            </a:xfrm>
-            <a:prstGeom prst="rect">
-              <a:avLst/>
-            </a:prstGeom>
-            <a:noFill/>
-            <a:ln>
-              <a:noFill/>
-            </a:ln>
-          </p:spPr>
-        </p:pic>
-      </p:grpSp>
-    </p:spTree>
-  </p:cSld>
-  <p:clrMapOvr>
-    <a:masterClrMapping/>
-  </p:clrMapOvr>
-</p:sld>
-</file>
-
-<file path=ppt/slides/slide4.xml><?xml version="1.0" encoding="utf-8"?>
-<p:sld xmlns:a="http://schemas.openxmlformats.org/drawingml/2006/main" xmlns:r="http://schemas.openxmlformats.org/officeDocument/2006/relationships" xmlns:mc="http://schemas.openxmlformats.org/markup-compatibility/2006" xmlns:mv="urn:schemas-microsoft-com:mac:vml" xmlns:p="http://schemas.openxmlformats.org/presentationml/2006/main" xmlns:c="http://schemas.openxmlformats.org/drawingml/2006/chart" xmlns:dgm="http://schemas.openxmlformats.org/drawingml/2006/diagram" xmlns:o="urn:schemas-microsoft-com:office:office" xmlns:v="urn:schemas-microsoft-com:vml" xmlns:pvml="urn:schemas-microsoft-com:office:powerpoint" xmlns:com="http://schemas.openxmlformats.org/drawingml/2006/compatibility" xmlns:p14="http://schemas.microsoft.com/office/powerpoint/2010/main" xmlns:p15="http://schemas.microsoft.com/office/powerpoint/2012/main" xmlns:ahyp="http://schemas.microsoft.com/office/drawing/2018/hyperlinkcolor">
-  <p:cSld>
-    <p:spTree>
-      <p:nvGrpSpPr>
-        <p:cNvPr id="96" name="Shape 96"/>
-        <p:cNvGrpSpPr/>
-        <p:nvPr/>
-      </p:nvGrpSpPr>
-      <p:grpSpPr>
-        <a:xfrm>
-          <a:off x="0" y="0"/>
-          <a:ext cx="0" cy="0"/>
-          <a:chOff x="0" y="0"/>
-          <a:chExt cx="0" cy="0"/>
-        </a:xfrm>
-      </p:grpSpPr>
-      <p:sp>
-        <p:nvSpPr>
-          <p:cNvPr id="97" name="Google Shape;97;p16"/>
-          <p:cNvSpPr txBox="1"/>
-          <p:nvPr>
-            <p:ph type="title"/>
-          </p:nvPr>
-        </p:nvSpPr>
-        <p:spPr>
-          <a:xfrm>
-            <a:off x="311700" y="445025"/>
-            <a:ext cx="8520600" cy="572700"/>
-          </a:xfrm>
-          <a:prstGeom prst="rect">
-            <a:avLst/>
-          </a:prstGeom>
-        </p:spPr>
-        <p:txBody>
-          <a:bodyPr anchorCtr="0" anchor="t" bIns="91425" lIns="91425" spcFirstLastPara="1" rIns="91425" wrap="square" tIns="91425">
-            <a:normAutofit fontScale="90000"/>
-          </a:bodyPr>
-          <a:lstStyle/>
-          <a:p>
-            <a:pPr indent="0" lvl="0" marL="0" rtl="0" algn="l">
+            <a:pPr marL="0" lvl="0" indent="0" algn="l" rtl="0">
               <a:spcBef>
                 <a:spcPts val="0"/>
               </a:spcBef>
@@ -10037,23 +10980,23 @@
               <a:alpha val="30360"/>
             </a:srgbClr>
           </a:solidFill>
-          <a:ln cap="flat" cmpd="sng" w="28575">
+          <a:ln w="28575" cap="flat" cmpd="sng">
             <a:solidFill>
               <a:srgbClr val="F1C232"/>
             </a:solidFill>
             <a:prstDash val="solid"/>
             <a:round/>
-            <a:headEnd len="sm" w="sm" type="none"/>
-            <a:tailEnd len="sm" w="sm" type="none"/>
+            <a:headEnd type="none" w="sm" len="sm"/>
+            <a:tailEnd type="none" w="sm" len="sm"/>
           </a:ln>
         </p:spPr>
         <p:txBody>
-          <a:bodyPr anchorCtr="0" anchor="ctr" bIns="91425" lIns="91425" spcFirstLastPara="1" rIns="91425" wrap="square" tIns="91425">
+          <a:bodyPr spcFirstLastPara="1" wrap="square" lIns="91425" tIns="91425" rIns="91425" bIns="91425" anchor="ctr" anchorCtr="0">
             <a:noAutofit/>
           </a:bodyPr>
           <a:lstStyle/>
           <a:p>
-            <a:pPr indent="0" lvl="0" marL="0" rtl="0" algn="l">
+            <a:pPr marL="0" lvl="0" indent="0" algn="l" rtl="0">
               <a:spcBef>
                 <a:spcPts val="0"/>
               </a:spcBef>
@@ -10062,9 +11005,6 @@
               </a:spcAft>
               <a:buNone/>
             </a:pPr>
-            <a:r>
-              <a:t/>
-            </a:r>
             <a:endParaRPr/>
           </a:p>
         </p:txBody>
@@ -10088,23 +11028,23 @@
               <a:alpha val="32139"/>
             </a:srgbClr>
           </a:solidFill>
-          <a:ln cap="flat" cmpd="sng" w="28575">
+          <a:ln w="28575" cap="flat" cmpd="sng">
             <a:solidFill>
               <a:srgbClr val="1155CC"/>
             </a:solidFill>
             <a:prstDash val="solid"/>
             <a:round/>
-            <a:headEnd len="sm" w="sm" type="none"/>
-            <a:tailEnd len="sm" w="sm" type="none"/>
+            <a:headEnd type="none" w="sm" len="sm"/>
+            <a:tailEnd type="none" w="sm" len="sm"/>
           </a:ln>
         </p:spPr>
         <p:txBody>
-          <a:bodyPr anchorCtr="0" anchor="ctr" bIns="91425" lIns="91425" spcFirstLastPara="1" rIns="91425" wrap="square" tIns="91425">
+          <a:bodyPr spcFirstLastPara="1" wrap="square" lIns="91425" tIns="91425" rIns="91425" bIns="91425" anchor="ctr" anchorCtr="0">
             <a:noAutofit/>
           </a:bodyPr>
           <a:lstStyle/>
           <a:p>
-            <a:pPr indent="0" lvl="0" marL="0" rtl="0" algn="l">
+            <a:pPr marL="0" lvl="0" indent="0" algn="l" rtl="0">
               <a:spcBef>
                 <a:spcPts val="0"/>
               </a:spcBef>
@@ -10113,9 +11053,6 @@
               </a:spcAft>
               <a:buNone/>
             </a:pPr>
-            <a:r>
-              <a:t/>
-            </a:r>
             <a:endParaRPr/>
           </a:p>
         </p:txBody>
@@ -10140,12 +11077,12 @@
           </a:ln>
         </p:spPr>
         <p:txBody>
-          <a:bodyPr anchorCtr="0" anchor="t" bIns="91425" lIns="91425" spcFirstLastPara="1" rIns="91425" wrap="square" tIns="91425">
+          <a:bodyPr spcFirstLastPara="1" wrap="square" lIns="91425" tIns="91425" rIns="91425" bIns="91425" anchor="t" anchorCtr="0">
             <a:spAutoFit/>
           </a:bodyPr>
           <a:lstStyle/>
           <a:p>
-            <a:pPr indent="0" lvl="0" marL="0" rtl="0" algn="ctr">
+            <a:pPr marL="0" lvl="0" indent="0" algn="ctr" rtl="0">
               <a:spcBef>
                 <a:spcPts val="0"/>
               </a:spcBef>
@@ -10155,10 +11092,10 @@
               <a:buNone/>
             </a:pPr>
             <a:r>
-              <a:rPr b="1" lang="en" sz="1800"/>
+              <a:rPr lang="en" sz="1800" b="1"/>
               <a:t>Software Engineering</a:t>
             </a:r>
-            <a:endParaRPr b="1" sz="1800"/>
+            <a:endParaRPr sz="1800" b="1"/>
           </a:p>
         </p:txBody>
       </p:sp>
@@ -10182,12 +11119,12 @@
           </a:ln>
         </p:spPr>
         <p:txBody>
-          <a:bodyPr anchorCtr="0" anchor="t" bIns="91425" lIns="91425" spcFirstLastPara="1" rIns="91425" wrap="square" tIns="91425">
+          <a:bodyPr spcFirstLastPara="1" wrap="square" lIns="91425" tIns="91425" rIns="91425" bIns="91425" anchor="t" anchorCtr="0">
             <a:spAutoFit/>
           </a:bodyPr>
           <a:lstStyle/>
           <a:p>
-            <a:pPr indent="0" lvl="0" marL="0" rtl="0" algn="ctr">
+            <a:pPr marL="0" lvl="0" indent="0" algn="ctr" rtl="0">
               <a:spcBef>
                 <a:spcPts val="0"/>
               </a:spcBef>
@@ -10197,10 +11134,10 @@
               <a:buNone/>
             </a:pPr>
             <a:r>
-              <a:rPr b="1" lang="en" sz="1800"/>
+              <a:rPr lang="en" sz="1800" b="1"/>
               <a:t>Data Science</a:t>
             </a:r>
-            <a:endParaRPr b="1" sz="1800"/>
+            <a:endParaRPr sz="1800" b="1"/>
           </a:p>
         </p:txBody>
       </p:sp>
@@ -10224,12 +11161,12 @@
           </a:ln>
         </p:spPr>
         <p:txBody>
-          <a:bodyPr anchorCtr="0" anchor="t" bIns="91425" lIns="91425" spcFirstLastPara="1" rIns="91425" wrap="square" tIns="91425">
+          <a:bodyPr spcFirstLastPara="1" wrap="square" lIns="91425" tIns="91425" rIns="91425" bIns="91425" anchor="t" anchorCtr="0">
             <a:spAutoFit/>
           </a:bodyPr>
           <a:lstStyle/>
           <a:p>
-            <a:pPr indent="0" lvl="0" marL="0" rtl="0" algn="ctr">
+            <a:pPr marL="0" lvl="0" indent="0" algn="ctr" rtl="0">
               <a:spcBef>
                 <a:spcPts val="0"/>
               </a:spcBef>
@@ -10253,7 +11190,7 @@
             </a:endParaRPr>
           </a:p>
           <a:p>
-            <a:pPr indent="0" lvl="0" marL="0" rtl="0" algn="ctr">
+            <a:pPr marL="0" lvl="0" indent="0" algn="ctr" rtl="0">
               <a:spcBef>
                 <a:spcPts val="0"/>
               </a:spcBef>
@@ -10269,7 +11206,7 @@
             <a:endParaRPr sz="1800"/>
           </a:p>
           <a:p>
-            <a:pPr indent="0" lvl="0" marL="0" rtl="0" algn="ctr">
+            <a:pPr marL="0" lvl="0" indent="0" algn="ctr" rtl="0">
               <a:spcBef>
                 <a:spcPts val="0"/>
               </a:spcBef>
@@ -10285,7 +11222,7 @@
             <a:endParaRPr sz="1800"/>
           </a:p>
           <a:p>
-            <a:pPr indent="0" lvl="0" marL="0" rtl="0" algn="ctr">
+            <a:pPr marL="0" lvl="0" indent="0" algn="ctr" rtl="0">
               <a:spcBef>
                 <a:spcPts val="0"/>
               </a:spcBef>
@@ -10301,7 +11238,7 @@
             <a:endParaRPr sz="1800"/>
           </a:p>
           <a:p>
-            <a:pPr indent="0" lvl="0" marL="0" rtl="0" algn="ctr">
+            <a:pPr marL="0" lvl="0" indent="0" algn="ctr" rtl="0">
               <a:spcBef>
                 <a:spcPts val="0"/>
               </a:spcBef>
@@ -10317,7 +11254,7 @@
             <a:endParaRPr sz="1800"/>
           </a:p>
           <a:p>
-            <a:pPr indent="0" lvl="0" marL="0" rtl="0" algn="ctr">
+            <a:pPr marL="0" lvl="0" indent="0" algn="ctr" rtl="0">
               <a:spcBef>
                 <a:spcPts val="0"/>
               </a:spcBef>
@@ -10354,12 +11291,12 @@
           </a:ln>
         </p:spPr>
         <p:txBody>
-          <a:bodyPr anchorCtr="0" anchor="t" bIns="91425" lIns="91425" spcFirstLastPara="1" rIns="91425" wrap="square" tIns="91425">
+          <a:bodyPr spcFirstLastPara="1" wrap="square" lIns="91425" tIns="91425" rIns="91425" bIns="91425" anchor="t" anchorCtr="0">
             <a:spAutoFit/>
           </a:bodyPr>
           <a:lstStyle/>
           <a:p>
-            <a:pPr indent="0" lvl="0" marL="0" rtl="0" algn="ctr">
+            <a:pPr marL="0" lvl="0" indent="0" algn="ctr" rtl="0">
               <a:spcBef>
                 <a:spcPts val="0"/>
               </a:spcBef>
@@ -10396,12 +11333,12 @@
           </a:ln>
         </p:spPr>
         <p:txBody>
-          <a:bodyPr anchorCtr="0" anchor="t" bIns="91425" lIns="91425" spcFirstLastPara="1" rIns="91425" wrap="square" tIns="91425">
+          <a:bodyPr spcFirstLastPara="1" wrap="square" lIns="91425" tIns="91425" rIns="91425" bIns="91425" anchor="t" anchorCtr="0">
             <a:spAutoFit/>
           </a:bodyPr>
           <a:lstStyle/>
           <a:p>
-            <a:pPr indent="0" lvl="0" marL="0" rtl="0" algn="ctr">
+            <a:pPr marL="0" lvl="0" indent="0" algn="ctr" rtl="0">
               <a:spcBef>
                 <a:spcPts val="0"/>
               </a:spcBef>
@@ -10437,23 +11374,23 @@
               <a:alpha val="42260"/>
             </a:srgbClr>
           </a:solidFill>
-          <a:ln cap="flat" cmpd="sng" w="19050">
+          <a:ln w="19050" cap="flat" cmpd="sng">
             <a:solidFill>
               <a:srgbClr val="FF0000"/>
             </a:solidFill>
             <a:prstDash val="solid"/>
             <a:round/>
-            <a:headEnd len="sm" w="sm" type="none"/>
-            <a:tailEnd len="sm" w="sm" type="none"/>
+            <a:headEnd type="none" w="sm" len="sm"/>
+            <a:tailEnd type="none" w="sm" len="sm"/>
           </a:ln>
         </p:spPr>
         <p:txBody>
-          <a:bodyPr anchorCtr="0" anchor="t" bIns="91425" lIns="91425" spcFirstLastPara="1" rIns="91425" wrap="square" tIns="91425">
+          <a:bodyPr spcFirstLastPara="1" wrap="square" lIns="91425" tIns="91425" rIns="91425" bIns="91425" anchor="t" anchorCtr="0">
             <a:spAutoFit/>
           </a:bodyPr>
           <a:lstStyle/>
           <a:p>
-            <a:pPr indent="0" lvl="0" marL="0" rtl="0" algn="ctr">
+            <a:pPr marL="0" lvl="0" indent="0" algn="ctr" rtl="0">
               <a:spcBef>
                 <a:spcPts val="0"/>
               </a:spcBef>
@@ -10477,7 +11414,7 @@
             </a:endParaRPr>
           </a:p>
           <a:p>
-            <a:pPr indent="0" lvl="0" marL="0" rtl="0" algn="ctr">
+            <a:pPr marL="0" lvl="0" indent="0" algn="ctr" rtl="0">
               <a:spcBef>
                 <a:spcPts val="0"/>
               </a:spcBef>
@@ -10510,32 +11447,32 @@
   <p:timing>
     <p:tnLst>
       <p:par>
-        <p:cTn dur="indefinite" nodeType="tmRoot" restart="never">
+        <p:cTn id="1" dur="indefinite" restart="never" nodeType="tmRoot">
           <p:childTnLst>
             <p:seq concurrent="1" nextAc="seek">
-              <p:cTn dur="indefinite" id="2" nodeType="mainSeq">
+              <p:cTn id="2" dur="indefinite" nodeType="mainSeq">
                 <p:childTnLst>
                   <p:par>
-                    <p:cTn fill="hold">
+                    <p:cTn id="3" fill="hold">
                       <p:stCondLst>
                         <p:cond delay="indefinite"/>
                       </p:stCondLst>
                       <p:childTnLst>
                         <p:par>
-                          <p:cTn fill="hold">
+                          <p:cTn id="4" fill="hold">
                             <p:stCondLst>
                               <p:cond delay="0"/>
                             </p:stCondLst>
                             <p:childTnLst>
                               <p:par>
-                                <p:cTn fill="hold" nodeType="clickEffect" presetClass="entr" presetID="10" presetSubtype="0">
+                                <p:cTn id="5" presetID="10" presetClass="entr" presetSubtype="0" fill="hold" nodeType="clickEffect">
                                   <p:stCondLst>
                                     <p:cond delay="0"/>
                                   </p:stCondLst>
                                   <p:childTnLst>
                                     <p:set>
                                       <p:cBhvr>
-                                        <p:cTn dur="1" fill="hold">
+                                        <p:cTn id="6" dur="1" fill="hold">
                                           <p:stCondLst>
                                             <p:cond delay="0"/>
                                           </p:stCondLst>
@@ -10543,7 +11480,7 @@
                                         <p:tgtEl>
                                           <p:spTgt spid="102">
                                             <p:txEl>
-                                              <p:pRg end="0" st="0"/>
+                                              <p:pRg st="0" end="0"/>
                                             </p:txEl>
                                           </p:spTgt>
                                         </p:tgtEl>
@@ -10555,13 +11492,13 @@
                                         <p:strVal val="visible"/>
                                       </p:to>
                                     </p:set>
-                                    <p:animEffect filter="fade" transition="in">
+                                    <p:animEffect transition="in" filter="fade">
                                       <p:cBhvr>
-                                        <p:cTn dur="1"/>
+                                        <p:cTn id="7" dur="1"/>
                                         <p:tgtEl>
                                           <p:spTgt spid="102">
                                             <p:txEl>
-                                              <p:pRg end="0" st="0"/>
+                                              <p:pRg st="0" end="0"/>
                                             </p:txEl>
                                           </p:spTgt>
                                         </p:tgtEl>
@@ -10577,26 +11514,26 @@
                     </p:cTn>
                   </p:par>
                   <p:par>
-                    <p:cTn fill="hold">
+                    <p:cTn id="8" fill="hold">
                       <p:stCondLst>
                         <p:cond delay="indefinite"/>
                       </p:stCondLst>
                       <p:childTnLst>
                         <p:par>
-                          <p:cTn fill="hold">
+                          <p:cTn id="9" fill="hold">
                             <p:stCondLst>
                               <p:cond delay="0"/>
                             </p:stCondLst>
                             <p:childTnLst>
                               <p:par>
-                                <p:cTn fill="hold" nodeType="clickEffect" presetClass="entr" presetID="10" presetSubtype="0">
+                                <p:cTn id="10" presetID="10" presetClass="entr" presetSubtype="0" fill="hold" nodeType="clickEffect">
                                   <p:stCondLst>
                                     <p:cond delay="0"/>
                                   </p:stCondLst>
                                   <p:childTnLst>
                                     <p:set>
                                       <p:cBhvr>
-                                        <p:cTn dur="1" fill="hold">
+                                        <p:cTn id="11" dur="1" fill="hold">
                                           <p:stCondLst>
                                             <p:cond delay="0"/>
                                           </p:stCondLst>
@@ -10604,7 +11541,7 @@
                                         <p:tgtEl>
                                           <p:spTgt spid="102">
                                             <p:txEl>
-                                              <p:pRg end="1" st="1"/>
+                                              <p:pRg st="1" end="1"/>
                                             </p:txEl>
                                           </p:spTgt>
                                         </p:tgtEl>
@@ -10616,13 +11553,13 @@
                                         <p:strVal val="visible"/>
                                       </p:to>
                                     </p:set>
-                                    <p:animEffect filter="fade" transition="in">
+                                    <p:animEffect transition="in" filter="fade">
                                       <p:cBhvr>
-                                        <p:cTn dur="1"/>
+                                        <p:cTn id="12" dur="1"/>
                                         <p:tgtEl>
                                           <p:spTgt spid="102">
                                             <p:txEl>
-                                              <p:pRg end="1" st="1"/>
+                                              <p:pRg st="1" end="1"/>
                                             </p:txEl>
                                           </p:spTgt>
                                         </p:tgtEl>
@@ -10638,26 +11575,26 @@
                     </p:cTn>
                   </p:par>
                   <p:par>
-                    <p:cTn fill="hold">
+                    <p:cTn id="13" fill="hold">
                       <p:stCondLst>
                         <p:cond delay="indefinite"/>
                       </p:stCondLst>
                       <p:childTnLst>
                         <p:par>
-                          <p:cTn fill="hold">
+                          <p:cTn id="14" fill="hold">
                             <p:stCondLst>
                               <p:cond delay="0"/>
                             </p:stCondLst>
                             <p:childTnLst>
                               <p:par>
-                                <p:cTn fill="hold" nodeType="clickEffect" presetClass="entr" presetID="10" presetSubtype="0">
+                                <p:cTn id="15" presetID="10" presetClass="entr" presetSubtype="0" fill="hold" nodeType="clickEffect">
                                   <p:stCondLst>
                                     <p:cond delay="0"/>
                                   </p:stCondLst>
                                   <p:childTnLst>
                                     <p:set>
                                       <p:cBhvr>
-                                        <p:cTn dur="1" fill="hold">
+                                        <p:cTn id="16" dur="1" fill="hold">
                                           <p:stCondLst>
                                             <p:cond delay="0"/>
                                           </p:stCondLst>
@@ -10665,7 +11602,7 @@
                                         <p:tgtEl>
                                           <p:spTgt spid="102">
                                             <p:txEl>
-                                              <p:pRg end="2" st="2"/>
+                                              <p:pRg st="2" end="2"/>
                                             </p:txEl>
                                           </p:spTgt>
                                         </p:tgtEl>
@@ -10677,13 +11614,13 @@
                                         <p:strVal val="visible"/>
                                       </p:to>
                                     </p:set>
-                                    <p:animEffect filter="fade" transition="in">
+                                    <p:animEffect transition="in" filter="fade">
                                       <p:cBhvr>
-                                        <p:cTn dur="1"/>
+                                        <p:cTn id="17" dur="1"/>
                                         <p:tgtEl>
                                           <p:spTgt spid="102">
                                             <p:txEl>
-                                              <p:pRg end="2" st="2"/>
+                                              <p:pRg st="2" end="2"/>
                                             </p:txEl>
                                           </p:spTgt>
                                         </p:tgtEl>
@@ -10699,26 +11636,26 @@
                     </p:cTn>
                   </p:par>
                   <p:par>
-                    <p:cTn fill="hold">
+                    <p:cTn id="18" fill="hold">
                       <p:stCondLst>
                         <p:cond delay="indefinite"/>
                       </p:stCondLst>
                       <p:childTnLst>
                         <p:par>
-                          <p:cTn fill="hold">
+                          <p:cTn id="19" fill="hold">
                             <p:stCondLst>
                               <p:cond delay="0"/>
                             </p:stCondLst>
                             <p:childTnLst>
                               <p:par>
-                                <p:cTn fill="hold" nodeType="clickEffect" presetClass="entr" presetID="10" presetSubtype="0">
+                                <p:cTn id="20" presetID="10" presetClass="entr" presetSubtype="0" fill="hold" nodeType="clickEffect">
                                   <p:stCondLst>
                                     <p:cond delay="0"/>
                                   </p:stCondLst>
                                   <p:childTnLst>
                                     <p:set>
                                       <p:cBhvr>
-                                        <p:cTn dur="1" fill="hold">
+                                        <p:cTn id="21" dur="1" fill="hold">
                                           <p:stCondLst>
                                             <p:cond delay="0"/>
                                           </p:stCondLst>
@@ -10726,7 +11663,7 @@
                                         <p:tgtEl>
                                           <p:spTgt spid="102">
                                             <p:txEl>
-                                              <p:pRg end="3" st="3"/>
+                                              <p:pRg st="3" end="3"/>
                                             </p:txEl>
                                           </p:spTgt>
                                         </p:tgtEl>
@@ -10738,13 +11675,13 @@
                                         <p:strVal val="visible"/>
                                       </p:to>
                                     </p:set>
-                                    <p:animEffect filter="fade" transition="in">
+                                    <p:animEffect transition="in" filter="fade">
                                       <p:cBhvr>
-                                        <p:cTn dur="1"/>
+                                        <p:cTn id="22" dur="1"/>
                                         <p:tgtEl>
                                           <p:spTgt spid="102">
                                             <p:txEl>
-                                              <p:pRg end="3" st="3"/>
+                                              <p:pRg st="3" end="3"/>
                                             </p:txEl>
                                           </p:spTgt>
                                         </p:tgtEl>
@@ -10760,26 +11697,26 @@
                     </p:cTn>
                   </p:par>
                   <p:par>
-                    <p:cTn fill="hold">
+                    <p:cTn id="23" fill="hold">
                       <p:stCondLst>
                         <p:cond delay="indefinite"/>
                       </p:stCondLst>
                       <p:childTnLst>
                         <p:par>
-                          <p:cTn fill="hold">
+                          <p:cTn id="24" fill="hold">
                             <p:stCondLst>
                               <p:cond delay="0"/>
                             </p:stCondLst>
                             <p:childTnLst>
                               <p:par>
-                                <p:cTn fill="hold" nodeType="clickEffect" presetClass="entr" presetID="10" presetSubtype="0">
+                                <p:cTn id="25" presetID="10" presetClass="entr" presetSubtype="0" fill="hold" nodeType="clickEffect">
                                   <p:stCondLst>
                                     <p:cond delay="0"/>
                                   </p:stCondLst>
                                   <p:childTnLst>
                                     <p:set>
                                       <p:cBhvr>
-                                        <p:cTn dur="1" fill="hold">
+                                        <p:cTn id="26" dur="1" fill="hold">
                                           <p:stCondLst>
                                             <p:cond delay="0"/>
                                           </p:stCondLst>
@@ -10787,7 +11724,7 @@
                                         <p:tgtEl>
                                           <p:spTgt spid="102">
                                             <p:txEl>
-                                              <p:pRg end="4" st="4"/>
+                                              <p:pRg st="4" end="4"/>
                                             </p:txEl>
                                           </p:spTgt>
                                         </p:tgtEl>
@@ -10799,13 +11736,13 @@
                                         <p:strVal val="visible"/>
                                       </p:to>
                                     </p:set>
-                                    <p:animEffect filter="fade" transition="in">
+                                    <p:animEffect transition="in" filter="fade">
                                       <p:cBhvr>
-                                        <p:cTn dur="1"/>
+                                        <p:cTn id="27" dur="1"/>
                                         <p:tgtEl>
                                           <p:spTgt spid="102">
                                             <p:txEl>
-                                              <p:pRg end="4" st="4"/>
+                                              <p:pRg st="4" end="4"/>
                                             </p:txEl>
                                           </p:spTgt>
                                         </p:tgtEl>
@@ -10821,26 +11758,26 @@
                     </p:cTn>
                   </p:par>
                   <p:par>
-                    <p:cTn fill="hold">
+                    <p:cTn id="28" fill="hold">
                       <p:stCondLst>
                         <p:cond delay="indefinite"/>
                       </p:stCondLst>
                       <p:childTnLst>
                         <p:par>
-                          <p:cTn fill="hold">
+                          <p:cTn id="29" fill="hold">
                             <p:stCondLst>
                               <p:cond delay="0"/>
                             </p:stCondLst>
                             <p:childTnLst>
                               <p:par>
-                                <p:cTn fill="hold" nodeType="clickEffect" presetClass="entr" presetID="10" presetSubtype="0">
+                                <p:cTn id="30" presetID="10" presetClass="entr" presetSubtype="0" fill="hold" nodeType="clickEffect">
                                   <p:stCondLst>
                                     <p:cond delay="0"/>
                                   </p:stCondLst>
                                   <p:childTnLst>
                                     <p:set>
                                       <p:cBhvr>
-                                        <p:cTn dur="1" fill="hold">
+                                        <p:cTn id="31" dur="1" fill="hold">
                                           <p:stCondLst>
                                             <p:cond delay="0"/>
                                           </p:stCondLst>
@@ -10848,7 +11785,7 @@
                                         <p:tgtEl>
                                           <p:spTgt spid="102">
                                             <p:txEl>
-                                              <p:pRg end="5" st="5"/>
+                                              <p:pRg st="5" end="5"/>
                                             </p:txEl>
                                           </p:spTgt>
                                         </p:tgtEl>
@@ -10860,13 +11797,13 @@
                                         <p:strVal val="visible"/>
                                       </p:to>
                                     </p:set>
-                                    <p:animEffect filter="fade" transition="in">
+                                    <p:animEffect transition="in" filter="fade">
                                       <p:cBhvr>
-                                        <p:cTn dur="1"/>
+                                        <p:cTn id="32" dur="1"/>
                                         <p:tgtEl>
                                           <p:spTgt spid="102">
                                             <p:txEl>
-                                              <p:pRg end="5" st="5"/>
+                                              <p:pRg st="5" end="5"/>
                                             </p:txEl>
                                           </p:spTgt>
                                         </p:tgtEl>
@@ -10882,26 +11819,26 @@
                     </p:cTn>
                   </p:par>
                   <p:par>
-                    <p:cTn fill="hold">
+                    <p:cTn id="33" fill="hold">
                       <p:stCondLst>
                         <p:cond delay="indefinite"/>
                       </p:stCondLst>
                       <p:childTnLst>
                         <p:par>
-                          <p:cTn fill="hold">
+                          <p:cTn id="34" fill="hold">
                             <p:stCondLst>
                               <p:cond delay="0"/>
                             </p:stCondLst>
                             <p:childTnLst>
                               <p:par>
-                                <p:cTn fill="hold" nodeType="clickEffect" presetClass="entr" presetID="10" presetSubtype="0">
+                                <p:cTn id="35" presetID="10" presetClass="entr" presetSubtype="0" fill="hold" nodeType="clickEffect">
                                   <p:stCondLst>
                                     <p:cond delay="0"/>
                                   </p:stCondLst>
                                   <p:childTnLst>
                                     <p:set>
                                       <p:cBhvr>
-                                        <p:cTn dur="1" fill="hold">
+                                        <p:cTn id="36" dur="1" fill="hold">
                                           <p:stCondLst>
                                             <p:cond delay="0"/>
                                           </p:stCondLst>
@@ -10917,9 +11854,9 @@
                                         <p:strVal val="visible"/>
                                       </p:to>
                                     </p:set>
-                                    <p:animEffect filter="fade" transition="in">
+                                    <p:animEffect transition="in" filter="fade">
                                       <p:cBhvr>
-                                        <p:cTn dur="1"/>
+                                        <p:cTn id="37" dur="1"/>
                                         <p:tgtEl>
                                           <p:spTgt spid="105"/>
                                         </p:tgtEl>
@@ -10937,14 +11874,14 @@
                 </p:childTnLst>
               </p:cTn>
               <p:prevCondLst>
-                <p:cond evt="onPrev">
+                <p:cond evt="onPrev" delay="0">
                   <p:tgtEl>
                     <p:sldTgt/>
                   </p:tgtEl>
                 </p:cond>
               </p:prevCondLst>
               <p:nextCondLst>
-                <p:cond evt="onNext">
+                <p:cond evt="onNext" delay="0">
                   <p:tgtEl>
                     <p:sldTgt/>
                   </p:tgtEl>
@@ -10960,11 +11897,11 @@
 </file>
 
 <file path=ppt/slides/slide5.xml><?xml version="1.0" encoding="utf-8"?>
-<p:sld xmlns:a="http://schemas.openxmlformats.org/drawingml/2006/main" xmlns:r="http://schemas.openxmlformats.org/officeDocument/2006/relationships" xmlns:mc="http://schemas.openxmlformats.org/markup-compatibility/2006" xmlns:mv="urn:schemas-microsoft-com:mac:vml" xmlns:p="http://schemas.openxmlformats.org/presentationml/2006/main" xmlns:c="http://schemas.openxmlformats.org/drawingml/2006/chart" xmlns:dgm="http://schemas.openxmlformats.org/drawingml/2006/diagram" xmlns:o="urn:schemas-microsoft-com:office:office" xmlns:v="urn:schemas-microsoft-com:vml" xmlns:pvml="urn:schemas-microsoft-com:office:powerpoint" xmlns:com="http://schemas.openxmlformats.org/drawingml/2006/compatibility" xmlns:p14="http://schemas.microsoft.com/office/powerpoint/2010/main" xmlns:p15="http://schemas.microsoft.com/office/powerpoint/2012/main" xmlns:ahyp="http://schemas.microsoft.com/office/drawing/2018/hyperlinkcolor">
+<p:sld xmlns:a="http://schemas.openxmlformats.org/drawingml/2006/main" xmlns:r="http://schemas.openxmlformats.org/officeDocument/2006/relationships" xmlns:p="http://schemas.openxmlformats.org/presentationml/2006/main">
   <p:cSld>
     <p:spTree>
       <p:nvGrpSpPr>
-        <p:cNvPr id="109" name="Shape 109"/>
+        <p:cNvPr id="1" name="Shape 109"/>
         <p:cNvGrpSpPr/>
         <p:nvPr/>
       </p:nvGrpSpPr>
@@ -10979,7 +11916,9 @@
       <p:sp>
         <p:nvSpPr>
           <p:cNvPr id="110" name="Google Shape;110;p17"/>
-          <p:cNvSpPr txBox="1"/>
+          <p:cNvSpPr txBox="1">
+            <a:spLocks noGrp="1"/>
+          </p:cNvSpPr>
           <p:nvPr>
             <p:ph type="title"/>
           </p:nvPr>
@@ -10994,12 +11933,12 @@
           </a:prstGeom>
         </p:spPr>
         <p:txBody>
-          <a:bodyPr anchorCtr="0" anchor="t" bIns="91425" lIns="91425" spcFirstLastPara="1" rIns="91425" wrap="square" tIns="91425">
+          <a:bodyPr spcFirstLastPara="1" wrap="square" lIns="91425" tIns="91425" rIns="91425" bIns="91425" anchor="t" anchorCtr="0">
             <a:normAutofit fontScale="90000"/>
           </a:bodyPr>
           <a:lstStyle/>
           <a:p>
-            <a:pPr indent="0" lvl="0" marL="0" rtl="0" algn="l">
+            <a:pPr marL="0" lvl="0" indent="0" algn="l" rtl="0">
               <a:spcBef>
                 <a:spcPts val="0"/>
               </a:spcBef>
@@ -11047,9 +11986,11 @@
       <p:sp>
         <p:nvSpPr>
           <p:cNvPr id="112" name="Google Shape;112;p17"/>
-          <p:cNvSpPr txBox="1"/>
+          <p:cNvSpPr txBox="1">
+            <a:spLocks noGrp="1"/>
+          </p:cNvSpPr>
           <p:nvPr>
-            <p:ph idx="1" type="body"/>
+            <p:ph type="body" idx="1"/>
           </p:nvPr>
         </p:nvSpPr>
         <p:spPr>
@@ -11062,12 +12003,12 @@
           </a:prstGeom>
         </p:spPr>
         <p:txBody>
-          <a:bodyPr anchorCtr="0" anchor="ctr" bIns="91425" lIns="91425" spcFirstLastPara="1" rIns="91425" wrap="square" tIns="91425">
+          <a:bodyPr spcFirstLastPara="1" wrap="square" lIns="91425" tIns="91425" rIns="91425" bIns="91425" anchor="ctr" anchorCtr="0">
             <a:normAutofit/>
           </a:bodyPr>
           <a:lstStyle/>
           <a:p>
-            <a:pPr indent="-342900" lvl="0" marL="457200" rtl="0" algn="l">
+            <a:pPr marL="457200" lvl="0" indent="-342900" algn="l" rtl="0">
               <a:spcBef>
                 <a:spcPts val="0"/>
               </a:spcBef>
@@ -11084,7 +12025,7 @@
             <a:endParaRPr/>
           </a:p>
           <a:p>
-            <a:pPr indent="-342900" lvl="0" marL="457200" rtl="0" algn="l">
+            <a:pPr marL="457200" lvl="0" indent="-342900" algn="l" rtl="0">
               <a:spcBef>
                 <a:spcPts val="0"/>
               </a:spcBef>
@@ -11101,7 +12042,7 @@
             <a:endParaRPr/>
           </a:p>
           <a:p>
-            <a:pPr indent="-342900" lvl="0" marL="457200" rtl="0" algn="l">
+            <a:pPr marL="457200" lvl="0" indent="-342900" algn="l" rtl="0">
               <a:spcBef>
                 <a:spcPts val="0"/>
               </a:spcBef>
@@ -11118,7 +12059,7 @@
             <a:endParaRPr/>
           </a:p>
           <a:p>
-            <a:pPr indent="-342900" lvl="0" marL="457200" rtl="0" algn="l">
+            <a:pPr marL="457200" lvl="0" indent="-342900" algn="l" rtl="0">
               <a:spcBef>
                 <a:spcPts val="0"/>
               </a:spcBef>
@@ -11152,11 +12093,11 @@
 </file>
 
 <file path=ppt/slides/slide6.xml><?xml version="1.0" encoding="utf-8"?>
-<p:sld xmlns:a="http://schemas.openxmlformats.org/drawingml/2006/main" xmlns:r="http://schemas.openxmlformats.org/officeDocument/2006/relationships" xmlns:mc="http://schemas.openxmlformats.org/markup-compatibility/2006" xmlns:mv="urn:schemas-microsoft-com:mac:vml" xmlns:p="http://schemas.openxmlformats.org/presentationml/2006/main" xmlns:c="http://schemas.openxmlformats.org/drawingml/2006/chart" xmlns:dgm="http://schemas.openxmlformats.org/drawingml/2006/diagram" xmlns:o="urn:schemas-microsoft-com:office:office" xmlns:v="urn:schemas-microsoft-com:vml" xmlns:pvml="urn:schemas-microsoft-com:office:powerpoint" xmlns:com="http://schemas.openxmlformats.org/drawingml/2006/compatibility" xmlns:p14="http://schemas.microsoft.com/office/powerpoint/2010/main" xmlns:p15="http://schemas.microsoft.com/office/powerpoint/2012/main" xmlns:ahyp="http://schemas.microsoft.com/office/drawing/2018/hyperlinkcolor">
+<p:sld xmlns:a="http://schemas.openxmlformats.org/drawingml/2006/main" xmlns:r="http://schemas.openxmlformats.org/officeDocument/2006/relationships" xmlns:p="http://schemas.openxmlformats.org/presentationml/2006/main">
   <p:cSld>
     <p:spTree>
       <p:nvGrpSpPr>
-        <p:cNvPr id="116" name="Shape 116"/>
+        <p:cNvPr id="1" name="Shape 116"/>
         <p:cNvGrpSpPr/>
         <p:nvPr/>
       </p:nvGrpSpPr>
@@ -11171,7 +12112,9 @@
       <p:sp>
         <p:nvSpPr>
           <p:cNvPr id="117" name="Google Shape;117;p18"/>
-          <p:cNvSpPr txBox="1"/>
+          <p:cNvSpPr txBox="1">
+            <a:spLocks noGrp="1"/>
+          </p:cNvSpPr>
           <p:nvPr>
             <p:ph type="title"/>
           </p:nvPr>
@@ -11186,12 +12129,12 @@
           </a:prstGeom>
         </p:spPr>
         <p:txBody>
-          <a:bodyPr anchorCtr="0" anchor="t" bIns="91425" lIns="91425" spcFirstLastPara="1" rIns="91425" wrap="square" tIns="91425">
+          <a:bodyPr spcFirstLastPara="1" wrap="square" lIns="91425" tIns="91425" rIns="91425" bIns="91425" anchor="t" anchorCtr="0">
             <a:normAutofit fontScale="90000"/>
           </a:bodyPr>
           <a:lstStyle/>
           <a:p>
-            <a:pPr indent="0" lvl="0" marL="0" rtl="0" algn="l">
+            <a:pPr marL="0" lvl="0" indent="0" algn="l" rtl="0">
               <a:spcBef>
                 <a:spcPts val="0"/>
               </a:spcBef>
@@ -11211,9 +12154,11 @@
       <p:sp>
         <p:nvSpPr>
           <p:cNvPr id="118" name="Google Shape;118;p18"/>
-          <p:cNvSpPr txBox="1"/>
+          <p:cNvSpPr txBox="1">
+            <a:spLocks noGrp="1"/>
+          </p:cNvSpPr>
           <p:nvPr>
-            <p:ph idx="1" type="body"/>
+            <p:ph type="body" idx="1"/>
           </p:nvPr>
         </p:nvSpPr>
         <p:spPr>
@@ -11226,12 +12171,12 @@
           </a:prstGeom>
         </p:spPr>
         <p:txBody>
-          <a:bodyPr anchorCtr="0" anchor="t" bIns="91425" lIns="91425" spcFirstLastPara="1" rIns="91425" wrap="square" tIns="91425">
+          <a:bodyPr spcFirstLastPara="1" wrap="square" lIns="91425" tIns="91425" rIns="91425" bIns="91425" anchor="t" anchorCtr="0">
             <a:normAutofit/>
           </a:bodyPr>
           <a:lstStyle/>
           <a:p>
-            <a:pPr indent="0" lvl="0" marL="0" rtl="0" algn="l">
+            <a:pPr marL="0" lvl="0" indent="0" algn="l" rtl="0">
               <a:spcBef>
                 <a:spcPts val="0"/>
               </a:spcBef>
@@ -11241,7 +12186,7 @@
               <a:buNone/>
             </a:pPr>
             <a:r>
-              <a:rPr lang="en" sz="2600" u="sng">
+              <a:rPr lang="en" sz="2600" u="sng" dirty="0">
                 <a:solidFill>
                   <a:schemeClr val="hlink"/>
                 </a:solidFill>
@@ -11249,10 +12194,10 @@
               </a:rPr>
               <a:t>https://uwdata515.github.io/</a:t>
             </a:r>
-            <a:endParaRPr sz="2600"/>
-          </a:p>
-          <a:p>
-            <a:pPr indent="457200" lvl="0" marL="0" rtl="0" algn="l">
+            <a:endParaRPr sz="2600" dirty="0"/>
+          </a:p>
+          <a:p>
+            <a:pPr marL="0" lvl="0" indent="457200" algn="l" rtl="0">
               <a:spcBef>
                 <a:spcPts val="1200"/>
               </a:spcBef>
@@ -11262,13 +12207,13 @@
               <a:buNone/>
             </a:pPr>
             <a:r>
-              <a:rPr lang="en" sz="2600"/>
+              <a:rPr lang="en" sz="2600" dirty="0"/>
               <a:t>Linked from MyUW</a:t>
             </a:r>
-            <a:endParaRPr sz="2600"/>
-          </a:p>
-          <a:p>
-            <a:pPr indent="457200" lvl="0" marL="0" rtl="0" algn="l">
+            <a:endParaRPr sz="2600" dirty="0"/>
+          </a:p>
+          <a:p>
+            <a:pPr marL="0" lvl="0" indent="457200" algn="l" rtl="0">
               <a:spcBef>
                 <a:spcPts val="1200"/>
               </a:spcBef>
@@ -11278,13 +12223,13 @@
               <a:buNone/>
             </a:pPr>
             <a:r>
-              <a:rPr lang="en" sz="2600"/>
+              <a:rPr lang="en" sz="2600" dirty="0"/>
               <a:t>+ Canvas for grades, surveys</a:t>
             </a:r>
-            <a:endParaRPr sz="2600"/>
-          </a:p>
-          <a:p>
-            <a:pPr indent="457200" lvl="0" marL="0" rtl="0" algn="l">
+            <a:endParaRPr sz="2600" dirty="0"/>
+          </a:p>
+          <a:p>
+            <a:pPr marL="0" lvl="0" indent="457200" algn="l" rtl="0">
               <a:spcBef>
                 <a:spcPts val="1200"/>
               </a:spcBef>
@@ -11294,13 +12239,13 @@
               <a:buNone/>
             </a:pPr>
             <a:r>
-              <a:rPr lang="en" sz="2600"/>
+              <a:rPr lang="en" sz="2600" dirty="0"/>
               <a:t>+ Ed Discussions</a:t>
             </a:r>
-            <a:endParaRPr sz="2600"/>
-          </a:p>
-          <a:p>
-            <a:pPr indent="457200" lvl="0" marL="0" rtl="0" algn="l">
+            <a:endParaRPr sz="2600" dirty="0"/>
+          </a:p>
+          <a:p>
+            <a:pPr marL="0" lvl="0" indent="457200" algn="l" rtl="0">
               <a:spcBef>
                 <a:spcPts val="1200"/>
               </a:spcBef>
@@ -11310,10 +12255,10 @@
               <a:buNone/>
             </a:pPr>
             <a:r>
-              <a:rPr lang="en" sz="2600"/>
+              <a:rPr lang="en" sz="2600" dirty="0"/>
               <a:t>4 hours, with breaks between topics</a:t>
             </a:r>
-            <a:endParaRPr sz="2600"/>
+            <a:endParaRPr sz="2600" dirty="0"/>
           </a:p>
         </p:txBody>
       </p:sp>
@@ -11326,11 +12271,11 @@
 </file>
 
 <file path=ppt/slides/slide7.xml><?xml version="1.0" encoding="utf-8"?>
-<p:sld xmlns:a="http://schemas.openxmlformats.org/drawingml/2006/main" xmlns:r="http://schemas.openxmlformats.org/officeDocument/2006/relationships" xmlns:mc="http://schemas.openxmlformats.org/markup-compatibility/2006" xmlns:mv="urn:schemas-microsoft-com:mac:vml" xmlns:p="http://schemas.openxmlformats.org/presentationml/2006/main" xmlns:c="http://schemas.openxmlformats.org/drawingml/2006/chart" xmlns:dgm="http://schemas.openxmlformats.org/drawingml/2006/diagram" xmlns:o="urn:schemas-microsoft-com:office:office" xmlns:v="urn:schemas-microsoft-com:vml" xmlns:pvml="urn:schemas-microsoft-com:office:powerpoint" xmlns:com="http://schemas.openxmlformats.org/drawingml/2006/compatibility" xmlns:p14="http://schemas.microsoft.com/office/powerpoint/2010/main" xmlns:p15="http://schemas.microsoft.com/office/powerpoint/2012/main" xmlns:ahyp="http://schemas.microsoft.com/office/drawing/2018/hyperlinkcolor">
+<p:sld xmlns:a="http://schemas.openxmlformats.org/drawingml/2006/main" xmlns:r="http://schemas.openxmlformats.org/officeDocument/2006/relationships" xmlns:p="http://schemas.openxmlformats.org/presentationml/2006/main">
   <p:cSld>
     <p:spTree>
       <p:nvGrpSpPr>
-        <p:cNvPr id="122" name="Shape 122"/>
+        <p:cNvPr id="1" name="Shape 122"/>
         <p:cNvGrpSpPr/>
         <p:nvPr/>
       </p:nvGrpSpPr>
@@ -11345,7 +12290,9 @@
       <p:sp>
         <p:nvSpPr>
           <p:cNvPr id="123" name="Google Shape;123;p19"/>
-          <p:cNvSpPr txBox="1"/>
+          <p:cNvSpPr txBox="1">
+            <a:spLocks noGrp="1"/>
+          </p:cNvSpPr>
           <p:nvPr>
             <p:ph type="title"/>
           </p:nvPr>
@@ -11360,12 +12307,12 @@
           </a:prstGeom>
         </p:spPr>
         <p:txBody>
-          <a:bodyPr anchorCtr="0" anchor="t" bIns="91425" lIns="91425" spcFirstLastPara="1" rIns="91425" wrap="square" tIns="91425">
+          <a:bodyPr spcFirstLastPara="1" wrap="square" lIns="91425" tIns="91425" rIns="91425" bIns="91425" anchor="t" anchorCtr="0">
             <a:normAutofit fontScale="90000"/>
           </a:bodyPr>
           <a:lstStyle/>
           <a:p>
-            <a:pPr indent="0" lvl="0" marL="0" rtl="0" algn="l">
+            <a:pPr marL="0" lvl="0" indent="0" algn="l" rtl="0">
               <a:spcBef>
                 <a:spcPts val="0"/>
               </a:spcBef>
@@ -11385,27 +12332,29 @@
       <p:sp>
         <p:nvSpPr>
           <p:cNvPr id="124" name="Google Shape;124;p19"/>
-          <p:cNvSpPr txBox="1"/>
+          <p:cNvSpPr txBox="1">
+            <a:spLocks noGrp="1"/>
+          </p:cNvSpPr>
           <p:nvPr>
-            <p:ph idx="1" type="body"/>
+            <p:ph type="body" idx="1"/>
           </p:nvPr>
         </p:nvSpPr>
         <p:spPr>
           <a:xfrm>
-            <a:off x="311700" y="1152475"/>
-            <a:ext cx="8520600" cy="3416400"/>
+            <a:off x="311701" y="1152475"/>
+            <a:ext cx="3530537" cy="3416400"/>
           </a:xfrm>
           <a:prstGeom prst="rect">
             <a:avLst/>
           </a:prstGeom>
         </p:spPr>
         <p:txBody>
-          <a:bodyPr anchorCtr="0" anchor="t" bIns="91425" lIns="91425" spcFirstLastPara="1" rIns="91425" wrap="square" tIns="91425">
+          <a:bodyPr spcFirstLastPara="1" wrap="square" lIns="91425" tIns="91425" rIns="91425" bIns="91425" anchor="t" anchorCtr="0">
             <a:normAutofit/>
           </a:bodyPr>
           <a:lstStyle/>
           <a:p>
-            <a:pPr indent="-381000" lvl="0" marL="457200" rtl="0" algn="l">
+            <a:pPr marL="457200" lvl="0" indent="-381000" algn="l" rtl="0">
               <a:spcBef>
                 <a:spcPts val="0"/>
               </a:spcBef>
@@ -11416,13 +12365,13 @@
               <a:buChar char="●"/>
             </a:pPr>
             <a:r>
-              <a:rPr lang="en" sz="2400"/>
+              <a:rPr lang="en" sz="2400" dirty="0"/>
               <a:t>Collaborative software engineering experience</a:t>
             </a:r>
-            <a:endParaRPr sz="2400"/>
-          </a:p>
-          <a:p>
-            <a:pPr indent="-381000" lvl="0" marL="457200" rtl="0" algn="l">
+            <a:endParaRPr sz="2400" dirty="0"/>
+          </a:p>
+          <a:p>
+            <a:pPr marL="457200" lvl="0" indent="-381000" algn="l" rtl="0">
               <a:spcBef>
                 <a:spcPts val="0"/>
               </a:spcBef>
@@ -11433,13 +12382,12 @@
               <a:buChar char="●"/>
             </a:pPr>
             <a:r>
-              <a:rPr lang="en" sz="2400"/>
-              <a:t>Teams of 3 to 4 with 4 being optimal</a:t>
+              <a:rPr lang="en" sz="2400" dirty="0"/>
+              <a:t>Teams of 3 or (ideally) 4</a:t>
             </a:r>
-            <a:endParaRPr sz="2400"/>
-          </a:p>
-          <a:p>
-            <a:pPr indent="-381000" lvl="0" marL="457200" rtl="0" algn="l">
+          </a:p>
+          <a:p>
+            <a:pPr marL="457200" lvl="0" indent="-381000" algn="l" rtl="0">
               <a:spcBef>
                 <a:spcPts val="0"/>
               </a:spcBef>
@@ -11450,67 +12398,160 @@
               <a:buChar char="●"/>
             </a:pPr>
             <a:r>
-              <a:rPr lang="en" sz="2400"/>
+              <a:rPr lang="en" sz="2400" dirty="0"/>
               <a:t>Develop project using version control</a:t>
             </a:r>
-            <a:endParaRPr sz="2400"/>
+            <a:endParaRPr sz="2400" dirty="0"/>
           </a:p>
         </p:txBody>
       </p:sp>
       <p:pic>
         <p:nvPicPr>
-          <p:cNvPr id="125" name="Google Shape;125;p19"/>
-          <p:cNvPicPr preferRelativeResize="0"/>
+          <p:cNvPr id="1026" name="Picture 2" descr="undefined">
+            <a:extLst>
+              <a:ext uri="{FF2B5EF4-FFF2-40B4-BE49-F238E27FC236}">
+                <a16:creationId xmlns:a16="http://schemas.microsoft.com/office/drawing/2014/main" id="{D7B8810A-C260-3236-23A1-00A8149C57D0}"/>
+              </a:ext>
+            </a:extLst>
+          </p:cNvPr>
+          <p:cNvPicPr>
+            <a:picLocks noChangeAspect="1" noChangeArrowheads="1"/>
+          </p:cNvPicPr>
           <p:nvPr/>
         </p:nvPicPr>
         <p:blipFill>
           <a:blip r:embed="rId3">
-            <a:alphaModFix/>
+            <a:extLst>
+              <a:ext uri="{28A0092B-C50C-407E-A947-70E740481C1C}">
+                <a14:useLocalDpi xmlns:a14="http://schemas.microsoft.com/office/drawing/2010/main" val="0"/>
+              </a:ext>
+            </a:extLst>
           </a:blip>
+          <a:srcRect/>
           <a:stretch>
             <a:fillRect/>
           </a:stretch>
         </p:blipFill>
-        <p:spPr>
+        <p:spPr bwMode="auto">
           <a:xfrm>
-            <a:off x="1241125" y="2828850"/>
-            <a:ext cx="2279700" cy="1329825"/>
+            <a:off x="4273567" y="1017724"/>
+            <a:ext cx="4558732" cy="3422391"/>
           </a:xfrm>
           <a:prstGeom prst="rect">
             <a:avLst/>
           </a:prstGeom>
           <a:noFill/>
+          <a:extLst>
+            <a:ext uri="{909E8E84-426E-40DD-AFC4-6F175D3DCCD1}">
+              <a14:hiddenFill xmlns:a14="http://schemas.microsoft.com/office/drawing/2010/main">
+                <a:solidFill>
+                  <a:srgbClr val="FFFFFF"/>
+                </a:solidFill>
+              </a14:hiddenFill>
+            </a:ext>
+          </a:extLst>
+        </p:spPr>
+      </p:pic>
+      <p:sp>
+        <p:nvSpPr>
+          <p:cNvPr id="2" name="Cloud 1">
+            <a:extLst>
+              <a:ext uri="{FF2B5EF4-FFF2-40B4-BE49-F238E27FC236}">
+                <a16:creationId xmlns:a16="http://schemas.microsoft.com/office/drawing/2014/main" id="{5BD5C551-4888-D9C8-A03F-3E80C2A18131}"/>
+              </a:ext>
+            </a:extLst>
+          </p:cNvPr>
+          <p:cNvSpPr/>
+          <p:nvPr/>
+        </p:nvSpPr>
+        <p:spPr>
+          <a:xfrm>
+            <a:off x="5627077" y="2338755"/>
+            <a:ext cx="1951892" cy="794279"/>
+          </a:xfrm>
+          <a:prstGeom prst="cloud">
+            <a:avLst/>
+          </a:prstGeom>
+          <a:solidFill>
+            <a:schemeClr val="accent6">
+              <a:lumMod val="60000"/>
+              <a:lumOff val="40000"/>
+            </a:schemeClr>
+          </a:solidFill>
           <a:ln>
             <a:noFill/>
           </a:ln>
         </p:spPr>
-      </p:pic>
+        <p:style>
+          <a:lnRef idx="2">
+            <a:schemeClr val="accent1">
+              <a:shade val="15000"/>
+            </a:schemeClr>
+          </a:lnRef>
+          <a:fillRef idx="1">
+            <a:schemeClr val="accent1"/>
+          </a:fillRef>
+          <a:effectRef idx="0">
+            <a:schemeClr val="accent1"/>
+          </a:effectRef>
+          <a:fontRef idx="minor">
+            <a:schemeClr val="lt1"/>
+          </a:fontRef>
+        </p:style>
+        <p:txBody>
+          <a:bodyPr rtlCol="0" anchor="ctr"/>
+          <a:lstStyle/>
+          <a:p>
+            <a:pPr algn="ctr"/>
+            <a:endParaRPr lang="en-US"/>
+          </a:p>
+        </p:txBody>
+      </p:sp>
       <p:pic>
         <p:nvPicPr>
-          <p:cNvPr id="126" name="Google Shape;126;p19"/>
-          <p:cNvPicPr preferRelativeResize="0"/>
+          <p:cNvPr id="1030" name="Picture 6" descr="GitHub: A Must-Have Tool for Grads Entering the Job Market – Fleishman  Center for Career and Professional Development | Binghamton University,  State University of New York">
+            <a:extLst>
+              <a:ext uri="{FF2B5EF4-FFF2-40B4-BE49-F238E27FC236}">
+                <a16:creationId xmlns:a16="http://schemas.microsoft.com/office/drawing/2014/main" id="{834C300E-FFAD-8D86-7068-2C6967A85F99}"/>
+              </a:ext>
+            </a:extLst>
+          </p:cNvPr>
+          <p:cNvPicPr>
+            <a:picLocks noChangeAspect="1" noChangeArrowheads="1"/>
+          </p:cNvPicPr>
           <p:nvPr/>
         </p:nvPicPr>
         <p:blipFill>
           <a:blip r:embed="rId4">
-            <a:alphaModFix/>
+            <a:extLst>
+              <a:ext uri="{28A0092B-C50C-407E-A947-70E740481C1C}">
+                <a14:useLocalDpi xmlns:a14="http://schemas.microsoft.com/office/drawing/2010/main" val="0"/>
+              </a:ext>
+            </a:extLst>
           </a:blip>
+          <a:srcRect/>
           <a:stretch>
             <a:fillRect/>
           </a:stretch>
         </p:blipFill>
-        <p:spPr>
+        <p:spPr bwMode="auto">
           <a:xfrm>
-            <a:off x="5239875" y="2760126"/>
-            <a:ext cx="2279700" cy="1328861"/>
+            <a:off x="5481275" y="2298430"/>
+            <a:ext cx="2322830" cy="860980"/>
           </a:xfrm>
           <a:prstGeom prst="rect">
             <a:avLst/>
           </a:prstGeom>
           <a:noFill/>
-          <a:ln>
-            <a:noFill/>
-          </a:ln>
+          <a:extLst>
+            <a:ext uri="{909E8E84-426E-40DD-AFC4-6F175D3DCCD1}">
+              <a14:hiddenFill xmlns:a14="http://schemas.microsoft.com/office/drawing/2010/main">
+                <a:solidFill>
+                  <a:srgbClr val="FFFFFF"/>
+                </a:solidFill>
+              </a14:hiddenFill>
+            </a:ext>
+          </a:extLst>
         </p:spPr>
       </p:pic>
     </p:spTree>
@@ -11522,11 +12563,11 @@
 </file>
 
 <file path=ppt/slides/slide8.xml><?xml version="1.0" encoding="utf-8"?>
-<p:sld xmlns:a="http://schemas.openxmlformats.org/drawingml/2006/main" xmlns:r="http://schemas.openxmlformats.org/officeDocument/2006/relationships" xmlns:mc="http://schemas.openxmlformats.org/markup-compatibility/2006" xmlns:mv="urn:schemas-microsoft-com:mac:vml" xmlns:p="http://schemas.openxmlformats.org/presentationml/2006/main" xmlns:c="http://schemas.openxmlformats.org/drawingml/2006/chart" xmlns:dgm="http://schemas.openxmlformats.org/drawingml/2006/diagram" xmlns:o="urn:schemas-microsoft-com:office:office" xmlns:v="urn:schemas-microsoft-com:vml" xmlns:pvml="urn:schemas-microsoft-com:office:powerpoint" xmlns:com="http://schemas.openxmlformats.org/drawingml/2006/compatibility" xmlns:p14="http://schemas.microsoft.com/office/powerpoint/2010/main" xmlns:p15="http://schemas.microsoft.com/office/powerpoint/2012/main" xmlns:ahyp="http://schemas.microsoft.com/office/drawing/2018/hyperlinkcolor">
+<p:sld xmlns:a="http://schemas.openxmlformats.org/drawingml/2006/main" xmlns:r="http://schemas.openxmlformats.org/officeDocument/2006/relationships" xmlns:p="http://schemas.openxmlformats.org/presentationml/2006/main">
   <p:cSld>
     <p:spTree>
       <p:nvGrpSpPr>
-        <p:cNvPr id="130" name="Shape 130"/>
+        <p:cNvPr id="1" name="Shape 130"/>
         <p:cNvGrpSpPr/>
         <p:nvPr/>
       </p:nvGrpSpPr>
@@ -11541,7 +12582,9 @@
       <p:sp>
         <p:nvSpPr>
           <p:cNvPr id="131" name="Google Shape;131;p20"/>
-          <p:cNvSpPr txBox="1"/>
+          <p:cNvSpPr txBox="1">
+            <a:spLocks noGrp="1"/>
+          </p:cNvSpPr>
           <p:nvPr>
             <p:ph type="title"/>
           </p:nvPr>
@@ -11556,12 +12599,12 @@
           </a:prstGeom>
         </p:spPr>
         <p:txBody>
-          <a:bodyPr anchorCtr="0" anchor="t" bIns="91425" lIns="91425" spcFirstLastPara="1" rIns="91425" wrap="square" tIns="91425">
+          <a:bodyPr spcFirstLastPara="1" wrap="square" lIns="91425" tIns="91425" rIns="91425" bIns="91425" anchor="t" anchorCtr="0">
             <a:normAutofit fontScale="90000"/>
           </a:bodyPr>
           <a:lstStyle/>
           <a:p>
-            <a:pPr indent="0" lvl="0" marL="0" rtl="0" algn="l">
+            <a:pPr marL="0" lvl="0" indent="0" algn="l" rtl="0">
               <a:spcBef>
                 <a:spcPts val="0"/>
               </a:spcBef>
@@ -11581,9 +12624,11 @@
       <p:sp>
         <p:nvSpPr>
           <p:cNvPr id="132" name="Google Shape;132;p20"/>
-          <p:cNvSpPr txBox="1"/>
+          <p:cNvSpPr txBox="1">
+            <a:spLocks noGrp="1"/>
+          </p:cNvSpPr>
           <p:nvPr>
-            <p:ph idx="1" type="body"/>
+            <p:ph type="body" idx="1"/>
           </p:nvPr>
         </p:nvSpPr>
         <p:spPr>
@@ -11596,12 +12641,12 @@
           </a:prstGeom>
         </p:spPr>
         <p:txBody>
-          <a:bodyPr anchorCtr="0" anchor="t" bIns="91425" lIns="91425" spcFirstLastPara="1" rIns="91425" wrap="square" tIns="91425">
+          <a:bodyPr spcFirstLastPara="1" wrap="square" lIns="91425" tIns="91425" rIns="91425" bIns="91425" anchor="t" anchorCtr="0">
             <a:normAutofit/>
           </a:bodyPr>
           <a:lstStyle/>
           <a:p>
-            <a:pPr indent="0" lvl="0" marL="0" rtl="0" algn="l">
+            <a:pPr marL="0" lvl="0" indent="0" algn="l" rtl="0">
               <a:spcBef>
                 <a:spcPts val="0"/>
               </a:spcBef>
@@ -11616,13 +12661,25 @@
               <a:buNone/>
             </a:pPr>
             <a:r>
-              <a:rPr lang="en"/>
-              <a:t>Collaborative software engineering experience</a:t>
+              <a:rPr lang="en-US" dirty="0"/>
+              <a:t>We’re not just going to build something, we’re </a:t>
             </a:r>
-            <a:endParaRPr/>
-          </a:p>
-          <a:p>
-            <a:pPr indent="-342900" lvl="0" marL="457200" rtl="0" algn="l">
+            <a:r>
+              <a:rPr lang="en-US" dirty="0" err="1"/>
+              <a:t>gonna</a:t>
+            </a:r>
+            <a:r>
+              <a:rPr lang="en-US" dirty="0"/>
+              <a:t> </a:t>
+            </a:r>
+            <a:r>
+              <a:rPr lang="en-US" b="1" dirty="0"/>
+              <a:t>build it RIGHT 😤!!</a:t>
+            </a:r>
+            <a:endParaRPr b="1" dirty="0"/>
+          </a:p>
+          <a:p>
+            <a:pPr marL="457200" lvl="0" indent="-342900" algn="l" rtl="0">
               <a:spcBef>
                 <a:spcPts val="1200"/>
               </a:spcBef>
@@ -11633,13 +12690,13 @@
               <a:buChar char="●"/>
             </a:pPr>
             <a:r>
-              <a:rPr lang="en"/>
+              <a:rPr lang="en" dirty="0"/>
               <a:t>Design (use cases, component specification)</a:t>
             </a:r>
-            <a:endParaRPr/>
-          </a:p>
-          <a:p>
-            <a:pPr indent="-342900" lvl="0" marL="457200" rtl="0" algn="l">
+            <a:endParaRPr dirty="0"/>
+          </a:p>
+          <a:p>
+            <a:pPr marL="457200" lvl="0" indent="-342900" algn="l" rtl="0">
               <a:spcBef>
                 <a:spcPts val="0"/>
               </a:spcBef>
@@ -11650,13 +12707,13 @@
               <a:buChar char="●"/>
             </a:pPr>
             <a:r>
-              <a:rPr lang="en"/>
+              <a:rPr lang="en" dirty="0"/>
               <a:t>Documentation (how to, docstrings)</a:t>
             </a:r>
-            <a:endParaRPr/>
-          </a:p>
-          <a:p>
-            <a:pPr indent="-342900" lvl="0" marL="457200" rtl="0" algn="l">
+            <a:endParaRPr dirty="0"/>
+          </a:p>
+          <a:p>
+            <a:pPr marL="457200" lvl="0" indent="-342900" algn="l" rtl="0">
               <a:spcBef>
                 <a:spcPts val="0"/>
               </a:spcBef>
@@ -11667,13 +12724,13 @@
               <a:buChar char="●"/>
             </a:pPr>
             <a:r>
-              <a:rPr lang="en"/>
+              <a:rPr lang="en" dirty="0"/>
               <a:t>Style (PEP8, pylint)</a:t>
             </a:r>
-            <a:endParaRPr/>
-          </a:p>
-          <a:p>
-            <a:pPr indent="-342900" lvl="0" marL="457200" rtl="0" algn="l">
+            <a:endParaRPr dirty="0"/>
+          </a:p>
+          <a:p>
+            <a:pPr marL="457200" lvl="0" indent="-342900" algn="l" rtl="0">
               <a:spcBef>
                 <a:spcPts val="0"/>
               </a:spcBef>
@@ -11684,13 +12741,13 @@
               <a:buChar char="●"/>
             </a:pPr>
             <a:r>
-              <a:rPr lang="en"/>
+              <a:rPr lang="en" dirty="0"/>
               <a:t>Coding, testing &amp; milestones</a:t>
             </a:r>
-            <a:endParaRPr/>
-          </a:p>
-          <a:p>
-            <a:pPr indent="-342900" lvl="0" marL="457200" rtl="0" algn="l">
+            <a:endParaRPr dirty="0"/>
+          </a:p>
+          <a:p>
+            <a:pPr marL="457200" lvl="0" indent="-342900" algn="l" rtl="0">
               <a:spcBef>
                 <a:spcPts val="0"/>
               </a:spcBef>
@@ -11701,13 +12758,13 @@
               <a:buChar char="●"/>
             </a:pPr>
             <a:r>
-              <a:rPr lang="en"/>
+              <a:rPr lang="en" dirty="0"/>
               <a:t>Standup &amp; code reviews</a:t>
             </a:r>
-            <a:endParaRPr/>
-          </a:p>
-          <a:p>
-            <a:pPr indent="0" lvl="0" marL="0" rtl="0" algn="l">
+            <a:endParaRPr dirty="0"/>
+          </a:p>
+          <a:p>
+            <a:pPr marL="0" lvl="0" indent="0" algn="l" rtl="0">
               <a:spcBef>
                 <a:spcPts val="1200"/>
               </a:spcBef>
@@ -11721,13 +12778,10 @@
               <a:buFont typeface="Arial"/>
               <a:buNone/>
             </a:pPr>
-            <a:r>
-              <a:t/>
-            </a:r>
-            <a:endParaRPr/>
-          </a:p>
-          <a:p>
-            <a:pPr indent="0" lvl="0" marL="0" rtl="0" algn="l">
+            <a:endParaRPr dirty="0"/>
+          </a:p>
+          <a:p>
+            <a:pPr marL="0" lvl="0" indent="0" algn="l" rtl="0">
               <a:spcBef>
                 <a:spcPts val="1200"/>
               </a:spcBef>
@@ -11736,10 +12790,7 @@
               </a:spcAft>
               <a:buNone/>
             </a:pPr>
-            <a:r>
-              <a:t/>
-            </a:r>
-            <a:endParaRPr/>
+            <a:endParaRPr dirty="0"/>
           </a:p>
         </p:txBody>
       </p:sp>
@@ -11752,11 +12803,11 @@
 </file>
 
 <file path=ppt/slides/slide9.xml><?xml version="1.0" encoding="utf-8"?>
-<p:sld xmlns:a="http://schemas.openxmlformats.org/drawingml/2006/main" xmlns:r="http://schemas.openxmlformats.org/officeDocument/2006/relationships" xmlns:mc="http://schemas.openxmlformats.org/markup-compatibility/2006" xmlns:mv="urn:schemas-microsoft-com:mac:vml" xmlns:p="http://schemas.openxmlformats.org/presentationml/2006/main" xmlns:c="http://schemas.openxmlformats.org/drawingml/2006/chart" xmlns:dgm="http://schemas.openxmlformats.org/drawingml/2006/diagram" xmlns:o="urn:schemas-microsoft-com:office:office" xmlns:v="urn:schemas-microsoft-com:vml" xmlns:pvml="urn:schemas-microsoft-com:office:powerpoint" xmlns:com="http://schemas.openxmlformats.org/drawingml/2006/compatibility" xmlns:p14="http://schemas.microsoft.com/office/powerpoint/2010/main" xmlns:p15="http://schemas.microsoft.com/office/powerpoint/2012/main" xmlns:ahyp="http://schemas.microsoft.com/office/drawing/2018/hyperlinkcolor">
+<p:sld xmlns:a="http://schemas.openxmlformats.org/drawingml/2006/main" xmlns:r="http://schemas.openxmlformats.org/officeDocument/2006/relationships" xmlns:p="http://schemas.openxmlformats.org/presentationml/2006/main">
   <p:cSld>
     <p:spTree>
       <p:nvGrpSpPr>
-        <p:cNvPr id="136" name="Shape 136"/>
+        <p:cNvPr id="1" name="Shape 136"/>
         <p:cNvGrpSpPr/>
         <p:nvPr/>
       </p:nvGrpSpPr>
@@ -11771,7 +12822,9 @@
       <p:sp>
         <p:nvSpPr>
           <p:cNvPr id="137" name="Google Shape;137;p21"/>
-          <p:cNvSpPr txBox="1"/>
+          <p:cNvSpPr txBox="1">
+            <a:spLocks noGrp="1"/>
+          </p:cNvSpPr>
           <p:nvPr>
             <p:ph type="title"/>
           </p:nvPr>
@@ -11786,12 +12839,12 @@
           </a:prstGeom>
         </p:spPr>
         <p:txBody>
-          <a:bodyPr anchorCtr="0" anchor="t" bIns="91425" lIns="91425" spcFirstLastPara="1" rIns="91425" wrap="square" tIns="91425">
+          <a:bodyPr spcFirstLastPara="1" wrap="square" lIns="91425" tIns="91425" rIns="91425" bIns="91425" anchor="t" anchorCtr="0">
             <a:normAutofit fontScale="90000"/>
           </a:bodyPr>
           <a:lstStyle/>
           <a:p>
-            <a:pPr indent="0" lvl="0" marL="0" rtl="0" algn="l">
+            <a:pPr marL="0" lvl="0" indent="0" algn="l" rtl="0">
               <a:spcBef>
                 <a:spcPts val="0"/>
               </a:spcBef>
@@ -11811,9 +12864,11 @@
       <p:sp>
         <p:nvSpPr>
           <p:cNvPr id="138" name="Google Shape;138;p21"/>
-          <p:cNvSpPr txBox="1"/>
+          <p:cNvSpPr txBox="1">
+            <a:spLocks noGrp="1"/>
+          </p:cNvSpPr>
           <p:nvPr>
-            <p:ph idx="1" type="body"/>
+            <p:ph type="body" idx="1"/>
           </p:nvPr>
         </p:nvSpPr>
         <p:spPr>
@@ -11826,12 +12881,12 @@
           </a:prstGeom>
         </p:spPr>
         <p:txBody>
-          <a:bodyPr anchorCtr="0" anchor="t" bIns="91425" lIns="91425" spcFirstLastPara="1" rIns="91425" wrap="square" tIns="91425">
+          <a:bodyPr spcFirstLastPara="1" wrap="square" lIns="91425" tIns="91425" rIns="91425" bIns="91425" anchor="t" anchorCtr="0">
             <a:normAutofit/>
           </a:bodyPr>
           <a:lstStyle/>
           <a:p>
-            <a:pPr indent="-368300" lvl="0" marL="457200" rtl="0" algn="l">
+            <a:pPr marL="457200" lvl="0" indent="-368300" algn="l" rtl="0">
               <a:spcBef>
                 <a:spcPts val="0"/>
               </a:spcBef>
@@ -11848,7 +12903,7 @@
             <a:endParaRPr sz="2200"/>
           </a:p>
           <a:p>
-            <a:pPr indent="-368300" lvl="0" marL="457200" rtl="0" algn="l">
+            <a:pPr marL="457200" lvl="0" indent="-368300" algn="l" rtl="0">
               <a:spcBef>
                 <a:spcPts val="0"/>
               </a:spcBef>
@@ -11865,7 +12920,7 @@
             <a:endParaRPr sz="2200"/>
           </a:p>
           <a:p>
-            <a:pPr indent="-368300" lvl="0" marL="457200" rtl="0" algn="l">
+            <a:pPr marL="457200" lvl="0" indent="-368300" algn="l" rtl="0">
               <a:spcBef>
                 <a:spcPts val="0"/>
               </a:spcBef>
@@ -11882,7 +12937,7 @@
             <a:endParaRPr sz="2200"/>
           </a:p>
           <a:p>
-            <a:pPr indent="-368300" lvl="0" marL="457200" rtl="0" algn="l">
+            <a:pPr marL="457200" lvl="0" indent="-368300" algn="l" rtl="0">
               <a:spcBef>
                 <a:spcPts val="0"/>
               </a:spcBef>
@@ -11909,7 +12964,7 @@
 </file>
 
 <file path=ppt/theme/theme1.xml><?xml version="1.0" encoding="utf-8"?>
-<a:theme xmlns:a="http://schemas.openxmlformats.org/drawingml/2006/main" xmlns:r="http://schemas.openxmlformats.org/officeDocument/2006/relationships" name="Simple Light">
+<a:theme xmlns:a="http://schemas.openxmlformats.org/drawingml/2006/main" name="Simple Light">
   <a:themeElements>
     <a:clrScheme name="Simple Light">
       <a:dk1>
@@ -12184,11 +13239,13 @@
       </a:bgFillStyleLst>
     </a:fmtScheme>
   </a:themeElements>
+  <a:objectDefaults/>
+  <a:extraClrSchemeLst/>
 </a:theme>
 </file>
 
 <file path=ppt/theme/theme2.xml><?xml version="1.0" encoding="utf-8"?>
-<a:theme xmlns:a="http://schemas.openxmlformats.org/drawingml/2006/main" xmlns:r="http://schemas.openxmlformats.org/officeDocument/2006/relationships">
+<a:theme xmlns:a="http://schemas.openxmlformats.org/drawingml/2006/main">
   <a:themeElements>
     <a:clrScheme name="Default">
       <a:dk1>
@@ -12463,5 +13520,7 @@
       </a:bgFillStyleLst>
     </a:fmtScheme>
   </a:themeElements>
+  <a:objectDefaults/>
+  <a:extraClrSchemeLst/>
 </a:theme>
 </file>
--- a/01/DATA515_01_Introduction.pptx
+++ b/01/DATA515_01_Introduction.pptx
@@ -7702,10 +7702,10 @@
               <a:buNone/>
             </a:pPr>
             <a:r>
-              <a:rPr lang="en"/>
+              <a:rPr lang="en" dirty="0"/>
               <a:t>Introduction</a:t>
             </a:r>
-            <a:endParaRPr/>
+            <a:endParaRPr dirty="0"/>
           </a:p>
         </p:txBody>
       </p:sp>
@@ -7730,7 +7730,7 @@
         </p:spPr>
         <p:txBody>
           <a:bodyPr spcFirstLastPara="1" wrap="square" lIns="91425" tIns="91425" rIns="91425" bIns="91425" anchor="t" anchorCtr="0">
-            <a:normAutofit fontScale="77500" lnSpcReduction="20000"/>
+            <a:normAutofit fontScale="92500" lnSpcReduction="20000"/>
           </a:bodyPr>
           <a:lstStyle/>
           <a:p>
@@ -7744,10 +7744,10 @@
               <a:buNone/>
             </a:pPr>
             <a:r>
-              <a:rPr lang="en-US" dirty="0"/>
+              <a:rPr lang="en-US" sz="1600" dirty="0"/>
               <a:t>Naomi Alterman</a:t>
             </a:r>
-            <a:endParaRPr dirty="0"/>
+            <a:endParaRPr sz="1600" dirty="0"/>
           </a:p>
           <a:p>
             <a:pPr marL="0" lvl="0" indent="0" algn="ctr" rtl="0">
@@ -7760,10 +7760,10 @@
               <a:buNone/>
             </a:pPr>
             <a:r>
-              <a:rPr lang="en" dirty="0"/>
+              <a:rPr lang="en" sz="1600" dirty="0"/>
               <a:t>University of Washington</a:t>
             </a:r>
-            <a:endParaRPr dirty="0"/>
+            <a:endParaRPr sz="1600" dirty="0"/>
           </a:p>
           <a:p>
             <a:pPr marL="0" lvl="0" indent="0" algn="ctr" rtl="0">
@@ -7776,10 +7776,10 @@
               <a:buNone/>
             </a:pPr>
             <a:r>
-              <a:rPr lang="en" dirty="0"/>
-              <a:t>January 6, 2025</a:t>
+              <a:rPr lang="en" sz="1600" dirty="0"/>
+              <a:t>January 5, 2026</a:t>
             </a:r>
-            <a:endParaRPr dirty="0"/>
+            <a:endParaRPr sz="1600" dirty="0"/>
           </a:p>
         </p:txBody>
       </p:sp>

--- a/01/DATA515_01_Introduction.pptx
+++ b/01/DATA515_01_Introduction.pptx
@@ -7777,7 +7777,7 @@
             </a:pPr>
             <a:r>
               <a:rPr lang="en" sz="1600" dirty="0"/>
-              <a:t>January 5, 2026</a:t>
+              <a:t>January 6, 2026</a:t>
             </a:r>
             <a:endParaRPr sz="1600" dirty="0"/>
           </a:p>
